--- a/diagrams/CNN_diagrams.pptx
+++ b/diagrams/CNN_diagrams.pptx
@@ -9,6 +9,8 @@
     <p:sldId id="258" r:id="rId3"/>
     <p:sldId id="257" r:id="rId4"/>
     <p:sldId id="259" r:id="rId5"/>
+    <p:sldId id="260" r:id="rId6"/>
+    <p:sldId id="261" r:id="rId7"/>
   </p:sldIdLst>
   <p:sldSz cx="12192000" cy="6858000"/>
   <p:notesSz cx="6858000" cy="9144000"/>
@@ -107,6 +109,11 @@
       </a:defRPr>
     </a:lvl9pPr>
   </p:defaultTextStyle>
+  <p:extLst>
+    <p:ext uri="{EFAFB233-063F-42B5-8137-9DF3F51BA10A}">
+      <p15:sldGuideLst xmlns:p15="http://schemas.microsoft.com/office/powerpoint/2012/main"/>
+    </p:ext>
+  </p:extLst>
 </p:presentation>
 </file>
 
@@ -257,7 +264,7 @@
           <a:p>
             <a:fld id="{DEC6D6E3-37B3-AF42-B6A2-AE2E94FCA22B}" type="datetimeFigureOut">
               <a:rPr lang="es-ES" smtClean="0"/>
-              <a:t>18/8/19</a:t>
+              <a:t>4/9/19</a:t>
             </a:fld>
             <a:endParaRPr lang="es-ES"/>
           </a:p>
@@ -455,7 +462,7 @@
           <a:p>
             <a:fld id="{DEC6D6E3-37B3-AF42-B6A2-AE2E94FCA22B}" type="datetimeFigureOut">
               <a:rPr lang="es-ES" smtClean="0"/>
-              <a:t>18/8/19</a:t>
+              <a:t>4/9/19</a:t>
             </a:fld>
             <a:endParaRPr lang="es-ES"/>
           </a:p>
@@ -663,7 +670,7 @@
           <a:p>
             <a:fld id="{DEC6D6E3-37B3-AF42-B6A2-AE2E94FCA22B}" type="datetimeFigureOut">
               <a:rPr lang="es-ES" smtClean="0"/>
-              <a:t>18/8/19</a:t>
+              <a:t>4/9/19</a:t>
             </a:fld>
             <a:endParaRPr lang="es-ES"/>
           </a:p>
@@ -861,7 +868,7 @@
           <a:p>
             <a:fld id="{DEC6D6E3-37B3-AF42-B6A2-AE2E94FCA22B}" type="datetimeFigureOut">
               <a:rPr lang="es-ES" smtClean="0"/>
-              <a:t>18/8/19</a:t>
+              <a:t>4/9/19</a:t>
             </a:fld>
             <a:endParaRPr lang="es-ES"/>
           </a:p>
@@ -1136,7 +1143,7 @@
           <a:p>
             <a:fld id="{DEC6D6E3-37B3-AF42-B6A2-AE2E94FCA22B}" type="datetimeFigureOut">
               <a:rPr lang="es-ES" smtClean="0"/>
-              <a:t>18/8/19</a:t>
+              <a:t>4/9/19</a:t>
             </a:fld>
             <a:endParaRPr lang="es-ES"/>
           </a:p>
@@ -1401,7 +1408,7 @@
           <a:p>
             <a:fld id="{DEC6D6E3-37B3-AF42-B6A2-AE2E94FCA22B}" type="datetimeFigureOut">
               <a:rPr lang="es-ES" smtClean="0"/>
-              <a:t>18/8/19</a:t>
+              <a:t>4/9/19</a:t>
             </a:fld>
             <a:endParaRPr lang="es-ES"/>
           </a:p>
@@ -1813,7 +1820,7 @@
           <a:p>
             <a:fld id="{DEC6D6E3-37B3-AF42-B6A2-AE2E94FCA22B}" type="datetimeFigureOut">
               <a:rPr lang="es-ES" smtClean="0"/>
-              <a:t>18/8/19</a:t>
+              <a:t>4/9/19</a:t>
             </a:fld>
             <a:endParaRPr lang="es-ES"/>
           </a:p>
@@ -1954,7 +1961,7 @@
           <a:p>
             <a:fld id="{DEC6D6E3-37B3-AF42-B6A2-AE2E94FCA22B}" type="datetimeFigureOut">
               <a:rPr lang="es-ES" smtClean="0"/>
-              <a:t>18/8/19</a:t>
+              <a:t>4/9/19</a:t>
             </a:fld>
             <a:endParaRPr lang="es-ES"/>
           </a:p>
@@ -2067,7 +2074,7 @@
           <a:p>
             <a:fld id="{DEC6D6E3-37B3-AF42-B6A2-AE2E94FCA22B}" type="datetimeFigureOut">
               <a:rPr lang="es-ES" smtClean="0"/>
-              <a:t>18/8/19</a:t>
+              <a:t>4/9/19</a:t>
             </a:fld>
             <a:endParaRPr lang="es-ES"/>
           </a:p>
@@ -2378,7 +2385,7 @@
           <a:p>
             <a:fld id="{DEC6D6E3-37B3-AF42-B6A2-AE2E94FCA22B}" type="datetimeFigureOut">
               <a:rPr lang="es-ES" smtClean="0"/>
-              <a:t>18/8/19</a:t>
+              <a:t>4/9/19</a:t>
             </a:fld>
             <a:endParaRPr lang="es-ES"/>
           </a:p>
@@ -2666,7 +2673,7 @@
           <a:p>
             <a:fld id="{DEC6D6E3-37B3-AF42-B6A2-AE2E94FCA22B}" type="datetimeFigureOut">
               <a:rPr lang="es-ES" smtClean="0"/>
-              <a:t>18/8/19</a:t>
+              <a:t>4/9/19</a:t>
             </a:fld>
             <a:endParaRPr lang="es-ES"/>
           </a:p>
@@ -2907,7 +2914,7 @@
           <a:p>
             <a:fld id="{DEC6D6E3-37B3-AF42-B6A2-AE2E94FCA22B}" type="datetimeFigureOut">
               <a:rPr lang="es-ES" smtClean="0"/>
-              <a:t>18/8/19</a:t>
+              <a:t>4/9/19</a:t>
             </a:fld>
             <a:endParaRPr lang="es-ES"/>
           </a:p>
@@ -6721,7 +6728,7 @@
         </p:nvSpPr>
         <p:spPr>
           <a:xfrm rot="2674884">
-            <a:off x="3462869" y="4649164"/>
+            <a:off x="3454469" y="4555879"/>
             <a:ext cx="2285997" cy="369332"/>
           </a:xfrm>
           <a:prstGeom prst="rect">
@@ -6735,6 +6742,7 @@
           </a:bodyPr>
           <a:lstStyle/>
           <a:p>
+            <a:pPr algn="ctr"/>
             <a:r>
               <a:rPr lang="es-ES" dirty="0"/>
               <a:t>Canales de color (3)</a:t>
@@ -6756,8 +6764,8 @@
         </p:nvSpPr>
         <p:spPr>
           <a:xfrm>
-            <a:off x="6365840" y="5486401"/>
-            <a:ext cx="2285997" cy="369332"/>
+            <a:off x="6158816" y="5402355"/>
+            <a:ext cx="1362315" cy="369332"/>
           </a:xfrm>
           <a:prstGeom prst="rect">
             <a:avLst/>
@@ -6770,6 +6778,7 @@
           </a:bodyPr>
           <a:lstStyle/>
           <a:p>
+            <a:pPr algn="ctr"/>
             <a:r>
               <a:rPr lang="es-ES" dirty="0"/>
               <a:t>Ancho (4)</a:t>
@@ -6791,8 +6800,8 @@
         </p:nvSpPr>
         <p:spPr>
           <a:xfrm>
-            <a:off x="2844803" y="2368988"/>
-            <a:ext cx="2285997" cy="369332"/>
+            <a:off x="2844805" y="2368988"/>
+            <a:ext cx="965196" cy="369332"/>
           </a:xfrm>
           <a:prstGeom prst="rect">
             <a:avLst/>
@@ -6805,6 +6814,7 @@
           </a:bodyPr>
           <a:lstStyle/>
           <a:p>
+            <a:pPr algn="ctr"/>
             <a:r>
               <a:rPr lang="es-ES" dirty="0"/>
               <a:t>Alto (4)</a:t>
@@ -6857,7 +6867,7 @@
           <p:nvPr>
             <p:extLst>
               <p:ext uri="{D42A27DB-BD31-4B8C-83A1-F6EECF244321}">
-                <p14:modId xmlns:p14="http://schemas.microsoft.com/office/powerpoint/2010/main" val="2895104267"/>
+                <p14:modId xmlns:p14="http://schemas.microsoft.com/office/powerpoint/2010/main" val="3627003986"/>
               </p:ext>
             </p:extLst>
           </p:nvPr>
@@ -6948,34 +6958,34 @@
                       <a:solidFill>
                         <a:schemeClr val="tx1"/>
                       </a:solidFill>
-                      <a:prstDash val="sysDash"/>
-                      <a:round/>
-                      <a:headEnd type="none" w="med" len="med"/>
-                      <a:tailEnd type="none" w="med" len="med"/>
-                    </a:lnL>
-                    <a:lnR w="12700" cap="flat" cmpd="sng" algn="ctr">
-                      <a:solidFill>
-                        <a:schemeClr val="tx1"/>
-                      </a:solidFill>
-                      <a:prstDash val="sysDash"/>
-                      <a:round/>
-                      <a:headEnd type="none" w="med" len="med"/>
-                      <a:tailEnd type="none" w="med" len="med"/>
-                    </a:lnR>
-                    <a:lnT w="12700" cap="flat" cmpd="sng" algn="ctr">
-                      <a:solidFill>
-                        <a:schemeClr val="tx1"/>
-                      </a:solidFill>
-                      <a:prstDash val="sysDash"/>
-                      <a:round/>
-                      <a:headEnd type="none" w="med" len="med"/>
-                      <a:tailEnd type="none" w="med" len="med"/>
-                    </a:lnT>
-                    <a:lnB w="12700" cap="flat" cmpd="sng" algn="ctr">
-                      <a:solidFill>
-                        <a:schemeClr val="tx1"/>
-                      </a:solidFill>
-                      <a:prstDash val="sysDash"/>
+                      <a:prstDash val="solid"/>
+                      <a:round/>
+                      <a:headEnd type="none" w="med" len="med"/>
+                      <a:tailEnd type="none" w="med" len="med"/>
+                    </a:lnL>
+                    <a:lnR w="12700" cap="flat" cmpd="sng" algn="ctr">
+                      <a:solidFill>
+                        <a:schemeClr val="tx1"/>
+                      </a:solidFill>
+                      <a:prstDash val="solid"/>
+                      <a:round/>
+                      <a:headEnd type="none" w="med" len="med"/>
+                      <a:tailEnd type="none" w="med" len="med"/>
+                    </a:lnR>
+                    <a:lnT w="12700" cap="flat" cmpd="sng" algn="ctr">
+                      <a:solidFill>
+                        <a:schemeClr val="tx1"/>
+                      </a:solidFill>
+                      <a:prstDash val="solid"/>
+                      <a:round/>
+                      <a:headEnd type="none" w="med" len="med"/>
+                      <a:tailEnd type="none" w="med" len="med"/>
+                    </a:lnT>
+                    <a:lnB w="12700" cap="flat" cmpd="sng" algn="ctr">
+                      <a:solidFill>
+                        <a:schemeClr val="tx1"/>
+                      </a:solidFill>
+                      <a:prstDash val="solid"/>
                       <a:round/>
                       <a:headEnd type="none" w="med" len="med"/>
                       <a:tailEnd type="none" w="med" len="med"/>
@@ -7017,34 +7027,34 @@
                       <a:solidFill>
                         <a:schemeClr val="tx1"/>
                       </a:solidFill>
-                      <a:prstDash val="sysDash"/>
-                      <a:round/>
-                      <a:headEnd type="none" w="med" len="med"/>
-                      <a:tailEnd type="none" w="med" len="med"/>
-                    </a:lnL>
-                    <a:lnR w="12700" cap="flat" cmpd="sng" algn="ctr">
-                      <a:solidFill>
-                        <a:schemeClr val="tx1"/>
-                      </a:solidFill>
-                      <a:prstDash val="sysDash"/>
-                      <a:round/>
-                      <a:headEnd type="none" w="med" len="med"/>
-                      <a:tailEnd type="none" w="med" len="med"/>
-                    </a:lnR>
-                    <a:lnT w="12700" cap="flat" cmpd="sng" algn="ctr">
-                      <a:solidFill>
-                        <a:schemeClr val="tx1"/>
-                      </a:solidFill>
-                      <a:prstDash val="sysDash"/>
-                      <a:round/>
-                      <a:headEnd type="none" w="med" len="med"/>
-                      <a:tailEnd type="none" w="med" len="med"/>
-                    </a:lnT>
-                    <a:lnB w="12700" cap="flat" cmpd="sng" algn="ctr">
-                      <a:solidFill>
-                        <a:schemeClr val="tx1"/>
-                      </a:solidFill>
-                      <a:prstDash val="sysDash"/>
+                      <a:prstDash val="solid"/>
+                      <a:round/>
+                      <a:headEnd type="none" w="med" len="med"/>
+                      <a:tailEnd type="none" w="med" len="med"/>
+                    </a:lnL>
+                    <a:lnR w="12700" cap="flat" cmpd="sng" algn="ctr">
+                      <a:solidFill>
+                        <a:schemeClr val="tx1"/>
+                      </a:solidFill>
+                      <a:prstDash val="solid"/>
+                      <a:round/>
+                      <a:headEnd type="none" w="med" len="med"/>
+                      <a:tailEnd type="none" w="med" len="med"/>
+                    </a:lnR>
+                    <a:lnT w="12700" cap="flat" cmpd="sng" algn="ctr">
+                      <a:solidFill>
+                        <a:schemeClr val="tx1"/>
+                      </a:solidFill>
+                      <a:prstDash val="solid"/>
+                      <a:round/>
+                      <a:headEnd type="none" w="med" len="med"/>
+                      <a:tailEnd type="none" w="med" len="med"/>
+                    </a:lnT>
+                    <a:lnB w="12700" cap="flat" cmpd="sng" algn="ctr">
+                      <a:solidFill>
+                        <a:schemeClr val="tx1"/>
+                      </a:solidFill>
+                      <a:prstDash val="solid"/>
                       <a:round/>
                       <a:headEnd type="none" w="med" len="med"/>
                       <a:tailEnd type="none" w="med" len="med"/>
@@ -7086,34 +7096,34 @@
                       <a:solidFill>
                         <a:schemeClr val="tx1"/>
                       </a:solidFill>
-                      <a:prstDash val="sysDash"/>
-                      <a:round/>
-                      <a:headEnd type="none" w="med" len="med"/>
-                      <a:tailEnd type="none" w="med" len="med"/>
-                    </a:lnL>
-                    <a:lnR w="12700" cap="flat" cmpd="sng" algn="ctr">
-                      <a:solidFill>
-                        <a:schemeClr val="tx1"/>
-                      </a:solidFill>
-                      <a:prstDash val="sysDash"/>
-                      <a:round/>
-                      <a:headEnd type="none" w="med" len="med"/>
-                      <a:tailEnd type="none" w="med" len="med"/>
-                    </a:lnR>
-                    <a:lnT w="12700" cap="flat" cmpd="sng" algn="ctr">
-                      <a:solidFill>
-                        <a:schemeClr val="tx1"/>
-                      </a:solidFill>
-                      <a:prstDash val="sysDash"/>
-                      <a:round/>
-                      <a:headEnd type="none" w="med" len="med"/>
-                      <a:tailEnd type="none" w="med" len="med"/>
-                    </a:lnT>
-                    <a:lnB w="12700" cap="flat" cmpd="sng" algn="ctr">
-                      <a:solidFill>
-                        <a:schemeClr val="tx1"/>
-                      </a:solidFill>
-                      <a:prstDash val="sysDash"/>
+                      <a:prstDash val="solid"/>
+                      <a:round/>
+                      <a:headEnd type="none" w="med" len="med"/>
+                      <a:tailEnd type="none" w="med" len="med"/>
+                    </a:lnL>
+                    <a:lnR w="12700" cap="flat" cmpd="sng" algn="ctr">
+                      <a:solidFill>
+                        <a:schemeClr val="tx1"/>
+                      </a:solidFill>
+                      <a:prstDash val="solid"/>
+                      <a:round/>
+                      <a:headEnd type="none" w="med" len="med"/>
+                      <a:tailEnd type="none" w="med" len="med"/>
+                    </a:lnR>
+                    <a:lnT w="12700" cap="flat" cmpd="sng" algn="ctr">
+                      <a:solidFill>
+                        <a:schemeClr val="tx1"/>
+                      </a:solidFill>
+                      <a:prstDash val="solid"/>
+                      <a:round/>
+                      <a:headEnd type="none" w="med" len="med"/>
+                      <a:tailEnd type="none" w="med" len="med"/>
+                    </a:lnT>
+                    <a:lnB w="12700" cap="flat" cmpd="sng" algn="ctr">
+                      <a:solidFill>
+                        <a:schemeClr val="tx1"/>
+                      </a:solidFill>
+                      <a:prstDash val="solid"/>
                       <a:round/>
                       <a:headEnd type="none" w="med" len="med"/>
                       <a:tailEnd type="none" w="med" len="med"/>
@@ -7152,7 +7162,7 @@
                       <a:solidFill>
                         <a:schemeClr val="tx1"/>
                       </a:solidFill>
-                      <a:prstDash val="sysDash"/>
+                      <a:prstDash val="solid"/>
                       <a:round/>
                       <a:headEnd type="none" w="med" len="med"/>
                       <a:tailEnd type="none" w="med" len="med"/>
@@ -7381,34 +7391,34 @@
                       <a:solidFill>
                         <a:schemeClr val="tx1"/>
                       </a:solidFill>
-                      <a:prstDash val="sysDash"/>
-                      <a:round/>
-                      <a:headEnd type="none" w="med" len="med"/>
-                      <a:tailEnd type="none" w="med" len="med"/>
-                    </a:lnL>
-                    <a:lnR w="12700" cap="flat" cmpd="sng" algn="ctr">
-                      <a:solidFill>
-                        <a:schemeClr val="tx1"/>
-                      </a:solidFill>
-                      <a:prstDash val="sysDash"/>
-                      <a:round/>
-                      <a:headEnd type="none" w="med" len="med"/>
-                      <a:tailEnd type="none" w="med" len="med"/>
-                    </a:lnR>
-                    <a:lnT w="12700" cap="flat" cmpd="sng" algn="ctr">
-                      <a:solidFill>
-                        <a:schemeClr val="tx1"/>
-                      </a:solidFill>
-                      <a:prstDash val="sysDash"/>
-                      <a:round/>
-                      <a:headEnd type="none" w="med" len="med"/>
-                      <a:tailEnd type="none" w="med" len="med"/>
-                    </a:lnT>
-                    <a:lnB w="12700" cap="flat" cmpd="sng" algn="ctr">
-                      <a:solidFill>
-                        <a:schemeClr val="tx1"/>
-                      </a:solidFill>
-                      <a:prstDash val="sysDash"/>
+                      <a:prstDash val="solid"/>
+                      <a:round/>
+                      <a:headEnd type="none" w="med" len="med"/>
+                      <a:tailEnd type="none" w="med" len="med"/>
+                    </a:lnL>
+                    <a:lnR w="12700" cap="flat" cmpd="sng" algn="ctr">
+                      <a:solidFill>
+                        <a:schemeClr val="tx1"/>
+                      </a:solidFill>
+                      <a:prstDash val="solid"/>
+                      <a:round/>
+                      <a:headEnd type="none" w="med" len="med"/>
+                      <a:tailEnd type="none" w="med" len="med"/>
+                    </a:lnR>
+                    <a:lnT w="12700" cap="flat" cmpd="sng" algn="ctr">
+                      <a:solidFill>
+                        <a:schemeClr val="tx1"/>
+                      </a:solidFill>
+                      <a:prstDash val="solid"/>
+                      <a:round/>
+                      <a:headEnd type="none" w="med" len="med"/>
+                      <a:tailEnd type="none" w="med" len="med"/>
+                    </a:lnT>
+                    <a:lnB w="12700" cap="flat" cmpd="sng" algn="ctr">
+                      <a:solidFill>
+                        <a:schemeClr val="tx1"/>
+                      </a:solidFill>
+                      <a:prstDash val="solid"/>
                       <a:round/>
                       <a:headEnd type="none" w="med" len="med"/>
                       <a:tailEnd type="none" w="med" len="med"/>
@@ -7449,34 +7459,34 @@
                       <a:solidFill>
                         <a:schemeClr val="tx1"/>
                       </a:solidFill>
-                      <a:prstDash val="sysDash"/>
-                      <a:round/>
-                      <a:headEnd type="none" w="med" len="med"/>
-                      <a:tailEnd type="none" w="med" len="med"/>
-                    </a:lnL>
-                    <a:lnR w="12700" cap="flat" cmpd="sng" algn="ctr">
-                      <a:solidFill>
-                        <a:schemeClr val="tx1"/>
-                      </a:solidFill>
-                      <a:prstDash val="sysDash"/>
-                      <a:round/>
-                      <a:headEnd type="none" w="med" len="med"/>
-                      <a:tailEnd type="none" w="med" len="med"/>
-                    </a:lnR>
-                    <a:lnT w="12700" cap="flat" cmpd="sng" algn="ctr">
-                      <a:solidFill>
-                        <a:schemeClr val="tx1"/>
-                      </a:solidFill>
-                      <a:prstDash val="sysDash"/>
-                      <a:round/>
-                      <a:headEnd type="none" w="med" len="med"/>
-                      <a:tailEnd type="none" w="med" len="med"/>
-                    </a:lnT>
-                    <a:lnB w="12700" cap="flat" cmpd="sng" algn="ctr">
-                      <a:solidFill>
-                        <a:schemeClr val="tx1"/>
-                      </a:solidFill>
-                      <a:prstDash val="sysDash"/>
+                      <a:prstDash val="solid"/>
+                      <a:round/>
+                      <a:headEnd type="none" w="med" len="med"/>
+                      <a:tailEnd type="none" w="med" len="med"/>
+                    </a:lnL>
+                    <a:lnR w="12700" cap="flat" cmpd="sng" algn="ctr">
+                      <a:solidFill>
+                        <a:schemeClr val="tx1"/>
+                      </a:solidFill>
+                      <a:prstDash val="solid"/>
+                      <a:round/>
+                      <a:headEnd type="none" w="med" len="med"/>
+                      <a:tailEnd type="none" w="med" len="med"/>
+                    </a:lnR>
+                    <a:lnT w="12700" cap="flat" cmpd="sng" algn="ctr">
+                      <a:solidFill>
+                        <a:schemeClr val="tx1"/>
+                      </a:solidFill>
+                      <a:prstDash val="solid"/>
+                      <a:round/>
+                      <a:headEnd type="none" w="med" len="med"/>
+                      <a:tailEnd type="none" w="med" len="med"/>
+                    </a:lnT>
+                    <a:lnB w="12700" cap="flat" cmpd="sng" algn="ctr">
+                      <a:solidFill>
+                        <a:schemeClr val="tx1"/>
+                      </a:solidFill>
+                      <a:prstDash val="solid"/>
                       <a:round/>
                       <a:headEnd type="none" w="med" len="med"/>
                       <a:tailEnd type="none" w="med" len="med"/>
@@ -7512,34 +7522,34 @@
                       <a:solidFill>
                         <a:schemeClr val="tx1"/>
                       </a:solidFill>
-                      <a:prstDash val="sysDash"/>
-                      <a:round/>
-                      <a:headEnd type="none" w="med" len="med"/>
-                      <a:tailEnd type="none" w="med" len="med"/>
-                    </a:lnL>
-                    <a:lnR w="12700" cap="flat" cmpd="sng" algn="ctr">
-                      <a:solidFill>
-                        <a:schemeClr val="tx1"/>
-                      </a:solidFill>
-                      <a:prstDash val="sysDash"/>
-                      <a:round/>
-                      <a:headEnd type="none" w="med" len="med"/>
-                      <a:tailEnd type="none" w="med" len="med"/>
-                    </a:lnR>
-                    <a:lnT w="12700" cap="flat" cmpd="sng" algn="ctr">
-                      <a:solidFill>
-                        <a:schemeClr val="tx1"/>
-                      </a:solidFill>
-                      <a:prstDash val="sysDash"/>
-                      <a:round/>
-                      <a:headEnd type="none" w="med" len="med"/>
-                      <a:tailEnd type="none" w="med" len="med"/>
-                    </a:lnT>
-                    <a:lnB w="12700" cap="flat" cmpd="sng" algn="ctr">
-                      <a:solidFill>
-                        <a:schemeClr val="tx1"/>
-                      </a:solidFill>
-                      <a:prstDash val="sysDash"/>
+                      <a:prstDash val="solid"/>
+                      <a:round/>
+                      <a:headEnd type="none" w="med" len="med"/>
+                      <a:tailEnd type="none" w="med" len="med"/>
+                    </a:lnL>
+                    <a:lnR w="12700" cap="flat" cmpd="sng" algn="ctr">
+                      <a:solidFill>
+                        <a:schemeClr val="tx1"/>
+                      </a:solidFill>
+                      <a:prstDash val="solid"/>
+                      <a:round/>
+                      <a:headEnd type="none" w="med" len="med"/>
+                      <a:tailEnd type="none" w="med" len="med"/>
+                    </a:lnR>
+                    <a:lnT w="12700" cap="flat" cmpd="sng" algn="ctr">
+                      <a:solidFill>
+                        <a:schemeClr val="tx1"/>
+                      </a:solidFill>
+                      <a:prstDash val="solid"/>
+                      <a:round/>
+                      <a:headEnd type="none" w="med" len="med"/>
+                      <a:tailEnd type="none" w="med" len="med"/>
+                    </a:lnT>
+                    <a:lnB w="12700" cap="flat" cmpd="sng" algn="ctr">
+                      <a:solidFill>
+                        <a:schemeClr val="tx1"/>
+                      </a:solidFill>
+                      <a:prstDash val="solid"/>
                       <a:round/>
                       <a:headEnd type="none" w="med" len="med"/>
                       <a:tailEnd type="none" w="med" len="med"/>
@@ -7578,7 +7588,7 @@
                       <a:solidFill>
                         <a:schemeClr val="tx1"/>
                       </a:solidFill>
-                      <a:prstDash val="sysDash"/>
+                      <a:prstDash val="solid"/>
                       <a:round/>
                       <a:headEnd type="none" w="med" len="med"/>
                       <a:tailEnd type="none" w="med" len="med"/>
@@ -7800,34 +7810,34 @@
                       <a:solidFill>
                         <a:schemeClr val="tx1"/>
                       </a:solidFill>
-                      <a:prstDash val="sysDash"/>
-                      <a:round/>
-                      <a:headEnd type="none" w="med" len="med"/>
-                      <a:tailEnd type="none" w="med" len="med"/>
-                    </a:lnL>
-                    <a:lnR w="12700" cap="flat" cmpd="sng" algn="ctr">
-                      <a:solidFill>
-                        <a:schemeClr val="tx1"/>
-                      </a:solidFill>
-                      <a:prstDash val="sysDash"/>
-                      <a:round/>
-                      <a:headEnd type="none" w="med" len="med"/>
-                      <a:tailEnd type="none" w="med" len="med"/>
-                    </a:lnR>
-                    <a:lnT w="12700" cap="flat" cmpd="sng" algn="ctr">
-                      <a:solidFill>
-                        <a:schemeClr val="tx1"/>
-                      </a:solidFill>
-                      <a:prstDash val="sysDash"/>
-                      <a:round/>
-                      <a:headEnd type="none" w="med" len="med"/>
-                      <a:tailEnd type="none" w="med" len="med"/>
-                    </a:lnT>
-                    <a:lnB w="12700" cap="flat" cmpd="sng" algn="ctr">
-                      <a:solidFill>
-                        <a:schemeClr val="tx1"/>
-                      </a:solidFill>
-                      <a:prstDash val="sysDash"/>
+                      <a:prstDash val="solid"/>
+                      <a:round/>
+                      <a:headEnd type="none" w="med" len="med"/>
+                      <a:tailEnd type="none" w="med" len="med"/>
+                    </a:lnL>
+                    <a:lnR w="12700" cap="flat" cmpd="sng" algn="ctr">
+                      <a:solidFill>
+                        <a:schemeClr val="tx1"/>
+                      </a:solidFill>
+                      <a:prstDash val="solid"/>
+                      <a:round/>
+                      <a:headEnd type="none" w="med" len="med"/>
+                      <a:tailEnd type="none" w="med" len="med"/>
+                    </a:lnR>
+                    <a:lnT w="12700" cap="flat" cmpd="sng" algn="ctr">
+                      <a:solidFill>
+                        <a:schemeClr val="tx1"/>
+                      </a:solidFill>
+                      <a:prstDash val="solid"/>
+                      <a:round/>
+                      <a:headEnd type="none" w="med" len="med"/>
+                      <a:tailEnd type="none" w="med" len="med"/>
+                    </a:lnT>
+                    <a:lnB w="12700" cap="flat" cmpd="sng" algn="ctr">
+                      <a:solidFill>
+                        <a:schemeClr val="tx1"/>
+                      </a:solidFill>
+                      <a:prstDash val="solid"/>
                       <a:round/>
                       <a:headEnd type="none" w="med" len="med"/>
                       <a:tailEnd type="none" w="med" len="med"/>
@@ -7868,34 +7878,34 @@
                       <a:solidFill>
                         <a:schemeClr val="tx1"/>
                       </a:solidFill>
-                      <a:prstDash val="sysDash"/>
-                      <a:round/>
-                      <a:headEnd type="none" w="med" len="med"/>
-                      <a:tailEnd type="none" w="med" len="med"/>
-                    </a:lnL>
-                    <a:lnR w="12700" cap="flat" cmpd="sng" algn="ctr">
-                      <a:solidFill>
-                        <a:schemeClr val="tx1"/>
-                      </a:solidFill>
-                      <a:prstDash val="sysDash"/>
-                      <a:round/>
-                      <a:headEnd type="none" w="med" len="med"/>
-                      <a:tailEnd type="none" w="med" len="med"/>
-                    </a:lnR>
-                    <a:lnT w="12700" cap="flat" cmpd="sng" algn="ctr">
-                      <a:solidFill>
-                        <a:schemeClr val="tx1"/>
-                      </a:solidFill>
-                      <a:prstDash val="sysDash"/>
-                      <a:round/>
-                      <a:headEnd type="none" w="med" len="med"/>
-                      <a:tailEnd type="none" w="med" len="med"/>
-                    </a:lnT>
-                    <a:lnB w="12700" cap="flat" cmpd="sng" algn="ctr">
-                      <a:solidFill>
-                        <a:schemeClr val="tx1"/>
-                      </a:solidFill>
-                      <a:prstDash val="sysDash"/>
+                      <a:prstDash val="solid"/>
+                      <a:round/>
+                      <a:headEnd type="none" w="med" len="med"/>
+                      <a:tailEnd type="none" w="med" len="med"/>
+                    </a:lnL>
+                    <a:lnR w="12700" cap="flat" cmpd="sng" algn="ctr">
+                      <a:solidFill>
+                        <a:schemeClr val="tx1"/>
+                      </a:solidFill>
+                      <a:prstDash val="solid"/>
+                      <a:round/>
+                      <a:headEnd type="none" w="med" len="med"/>
+                      <a:tailEnd type="none" w="med" len="med"/>
+                    </a:lnR>
+                    <a:lnT w="12700" cap="flat" cmpd="sng" algn="ctr">
+                      <a:solidFill>
+                        <a:schemeClr val="tx1"/>
+                      </a:solidFill>
+                      <a:prstDash val="solid"/>
+                      <a:round/>
+                      <a:headEnd type="none" w="med" len="med"/>
+                      <a:tailEnd type="none" w="med" len="med"/>
+                    </a:lnT>
+                    <a:lnB w="12700" cap="flat" cmpd="sng" algn="ctr">
+                      <a:solidFill>
+                        <a:schemeClr val="tx1"/>
+                      </a:solidFill>
+                      <a:prstDash val="solid"/>
                       <a:round/>
                       <a:headEnd type="none" w="med" len="med"/>
                       <a:tailEnd type="none" w="med" len="med"/>
@@ -7931,34 +7941,34 @@
                       <a:solidFill>
                         <a:schemeClr val="tx1"/>
                       </a:solidFill>
-                      <a:prstDash val="sysDash"/>
-                      <a:round/>
-                      <a:headEnd type="none" w="med" len="med"/>
-                      <a:tailEnd type="none" w="med" len="med"/>
-                    </a:lnL>
-                    <a:lnR w="12700" cap="flat" cmpd="sng" algn="ctr">
-                      <a:solidFill>
-                        <a:schemeClr val="tx1"/>
-                      </a:solidFill>
-                      <a:prstDash val="sysDash"/>
-                      <a:round/>
-                      <a:headEnd type="none" w="med" len="med"/>
-                      <a:tailEnd type="none" w="med" len="med"/>
-                    </a:lnR>
-                    <a:lnT w="12700" cap="flat" cmpd="sng" algn="ctr">
-                      <a:solidFill>
-                        <a:schemeClr val="tx1"/>
-                      </a:solidFill>
-                      <a:prstDash val="sysDash"/>
-                      <a:round/>
-                      <a:headEnd type="none" w="med" len="med"/>
-                      <a:tailEnd type="none" w="med" len="med"/>
-                    </a:lnT>
-                    <a:lnB w="12700" cap="flat" cmpd="sng" algn="ctr">
-                      <a:solidFill>
-                        <a:schemeClr val="tx1"/>
-                      </a:solidFill>
-                      <a:prstDash val="sysDash"/>
+                      <a:prstDash val="solid"/>
+                      <a:round/>
+                      <a:headEnd type="none" w="med" len="med"/>
+                      <a:tailEnd type="none" w="med" len="med"/>
+                    </a:lnL>
+                    <a:lnR w="12700" cap="flat" cmpd="sng" algn="ctr">
+                      <a:solidFill>
+                        <a:schemeClr val="tx1"/>
+                      </a:solidFill>
+                      <a:prstDash val="solid"/>
+                      <a:round/>
+                      <a:headEnd type="none" w="med" len="med"/>
+                      <a:tailEnd type="none" w="med" len="med"/>
+                    </a:lnR>
+                    <a:lnT w="12700" cap="flat" cmpd="sng" algn="ctr">
+                      <a:solidFill>
+                        <a:schemeClr val="tx1"/>
+                      </a:solidFill>
+                      <a:prstDash val="solid"/>
+                      <a:round/>
+                      <a:headEnd type="none" w="med" len="med"/>
+                      <a:tailEnd type="none" w="med" len="med"/>
+                    </a:lnT>
+                    <a:lnB w="12700" cap="flat" cmpd="sng" algn="ctr">
+                      <a:solidFill>
+                        <a:schemeClr val="tx1"/>
+                      </a:solidFill>
+                      <a:prstDash val="solid"/>
                       <a:round/>
                       <a:headEnd type="none" w="med" len="med"/>
                       <a:tailEnd type="none" w="med" len="med"/>
@@ -7997,7 +8007,7 @@
                       <a:solidFill>
                         <a:schemeClr val="tx1"/>
                       </a:solidFill>
-                      <a:prstDash val="sysDash"/>
+                      <a:prstDash val="solid"/>
                       <a:round/>
                       <a:headEnd type="none" w="med" len="med"/>
                       <a:tailEnd type="none" w="med" len="med"/>
@@ -8237,7 +8247,7 @@
                       <a:solidFill>
                         <a:schemeClr val="tx1"/>
                       </a:solidFill>
-                      <a:prstDash val="sysDash"/>
+                      <a:prstDash val="solid"/>
                       <a:round/>
                       <a:headEnd type="none" w="med" len="med"/>
                       <a:tailEnd type="none" w="med" len="med"/>
@@ -8293,7 +8303,7 @@
                       <a:solidFill>
                         <a:schemeClr val="tx1"/>
                       </a:solidFill>
-                      <a:prstDash val="sysDash"/>
+                      <a:prstDash val="solid"/>
                       <a:round/>
                       <a:headEnd type="none" w="med" len="med"/>
                       <a:tailEnd type="none" w="med" len="med"/>
@@ -8344,7 +8354,7 @@
                       <a:solidFill>
                         <a:schemeClr val="tx1"/>
                       </a:solidFill>
-                      <a:prstDash val="sysDash"/>
+                      <a:prstDash val="solid"/>
                       <a:round/>
                       <a:headEnd type="none" w="med" len="med"/>
                       <a:tailEnd type="none" w="med" len="med"/>
@@ -17150,7 +17160,7 @@
         </p:nvSpPr>
         <p:spPr>
           <a:xfrm>
-            <a:off x="1460493" y="321733"/>
+            <a:off x="1460491" y="321733"/>
             <a:ext cx="660399" cy="380998"/>
           </a:xfrm>
           <a:prstGeom prst="rect">
@@ -17164,6 +17174,7 @@
           </a:bodyPr>
           <a:lstStyle/>
           <a:p>
+            <a:pPr algn="ctr"/>
             <a:r>
               <a:rPr lang="es-ES" dirty="0"/>
               <a:t>Rojo</a:t>
@@ -17185,7 +17196,7 @@
         </p:nvSpPr>
         <p:spPr>
           <a:xfrm>
-            <a:off x="4398430" y="321733"/>
+            <a:off x="4398429" y="333399"/>
             <a:ext cx="795870" cy="369332"/>
           </a:xfrm>
           <a:prstGeom prst="rect">
@@ -17199,6 +17210,7 @@
           </a:bodyPr>
           <a:lstStyle/>
           <a:p>
+            <a:pPr algn="ctr"/>
             <a:r>
               <a:rPr lang="es-ES" dirty="0"/>
               <a:t>Verde</a:t>
@@ -17220,7 +17232,7 @@
         </p:nvSpPr>
         <p:spPr>
           <a:xfrm>
-            <a:off x="7497229" y="303194"/>
+            <a:off x="7497228" y="321733"/>
             <a:ext cx="660399" cy="380998"/>
           </a:xfrm>
           <a:prstGeom prst="rect">
@@ -17234,6 +17246,7 @@
           </a:bodyPr>
           <a:lstStyle/>
           <a:p>
+            <a:pPr algn="ctr"/>
             <a:r>
               <a:rPr lang="es-ES" dirty="0"/>
               <a:t>Azul</a:t>
@@ -17904,7 +17917,7 @@
         </p:nvSpPr>
         <p:spPr>
           <a:xfrm>
-            <a:off x="1267879" y="3707376"/>
+            <a:off x="1024447" y="3709213"/>
             <a:ext cx="1456269" cy="369332"/>
           </a:xfrm>
           <a:prstGeom prst="rect">
@@ -17918,6 +17931,7 @@
           </a:bodyPr>
           <a:lstStyle/>
           <a:p>
+            <a:pPr algn="ctr"/>
             <a:r>
               <a:rPr lang="es-ES" dirty="0"/>
               <a:t>Filtro rojo</a:t>
@@ -17939,8 +17953,8 @@
         </p:nvSpPr>
         <p:spPr>
           <a:xfrm>
-            <a:off x="4186232" y="3707376"/>
-            <a:ext cx="1456269" cy="369332"/>
+            <a:off x="4148629" y="3707376"/>
+            <a:ext cx="1293911" cy="369332"/>
           </a:xfrm>
           <a:prstGeom prst="rect">
             <a:avLst/>
@@ -17953,6 +17967,7 @@
           </a:bodyPr>
           <a:lstStyle/>
           <a:p>
+            <a:pPr algn="ctr"/>
             <a:r>
               <a:rPr lang="es-ES" dirty="0"/>
               <a:t>Filtro verde</a:t>
@@ -17974,7 +17989,7 @@
         </p:nvSpPr>
         <p:spPr>
           <a:xfrm>
-            <a:off x="7310954" y="3707376"/>
+            <a:off x="7096111" y="3712907"/>
             <a:ext cx="1456269" cy="369332"/>
           </a:xfrm>
           <a:prstGeom prst="rect">
@@ -17988,6 +18003,7 @@
           </a:bodyPr>
           <a:lstStyle/>
           <a:p>
+            <a:pPr algn="ctr"/>
             <a:r>
               <a:rPr lang="es-ES" dirty="0"/>
               <a:t>Filtro azul</a:t>
@@ -18134,7 +18150,7 @@
             </p:nvSpPr>
             <p:spPr>
               <a:xfrm>
-                <a:off x="540786" y="6081456"/>
+                <a:off x="540785" y="6078871"/>
                 <a:ext cx="2423592" cy="169277"/>
               </a:xfrm>
               <a:prstGeom prst="rect">
@@ -18148,6 +18164,7 @@
               </a:bodyPr>
               <a:lstStyle/>
               <a:p>
+                <a:pPr algn="ctr"/>
                 <a:r>
                   <a:rPr lang="es-ES" sz="1100" dirty="0"/>
                   <a:t>0 + 0 + 0 + 0 + 0 + 0 + 101 + 174 + 3</a:t>
@@ -18199,7 +18216,7 @@
             </p:nvSpPr>
             <p:spPr>
               <a:xfrm>
-                <a:off x="540786" y="6081456"/>
+                <a:off x="540785" y="6078871"/>
                 <a:ext cx="2423592" cy="169277"/>
               </a:xfrm>
               <a:prstGeom prst="rect">
@@ -18243,7 +18260,7 @@
             </p:nvSpPr>
             <p:spPr>
               <a:xfrm>
-                <a:off x="3584568" y="6081456"/>
+                <a:off x="3578208" y="6078871"/>
                 <a:ext cx="2423592" cy="169277"/>
               </a:xfrm>
               <a:prstGeom prst="rect">
@@ -18257,6 +18274,7 @@
               </a:bodyPr>
               <a:lstStyle/>
               <a:p>
+                <a:pPr algn="ctr"/>
                 <a:r>
                   <a:rPr lang="es-ES" sz="1100" dirty="0"/>
                   <a:t>0 + 0 + 0 – 1 + 370 -34 + 0 – 11 + 0</a:t>
@@ -18308,7 +18326,7 @@
             </p:nvSpPr>
             <p:spPr>
               <a:xfrm>
-                <a:off x="3584568" y="6081456"/>
+                <a:off x="3578208" y="6078871"/>
                 <a:ext cx="2423592" cy="169277"/>
               </a:xfrm>
               <a:prstGeom prst="rect">
@@ -18317,7 +18335,7 @@
               <a:blipFill>
                 <a:blip r:embed="rId3"/>
                 <a:stretch>
-                  <a:fillRect l="-3125" t="-21429" b="-42857"/>
+                  <a:fillRect l="-2083" t="-21429" b="-42857"/>
                 </a:stretch>
               </a:blipFill>
             </p:spPr>
@@ -18352,7 +18370,7 @@
             </p:nvSpPr>
             <p:spPr>
               <a:xfrm>
-                <a:off x="6615632" y="6081456"/>
+                <a:off x="6615631" y="6078871"/>
                 <a:ext cx="2423592" cy="169277"/>
               </a:xfrm>
               <a:prstGeom prst="rect">
@@ -18366,6 +18384,7 @@
               </a:bodyPr>
               <a:lstStyle/>
               <a:p>
+                <a:pPr algn="ctr"/>
                 <a:r>
                   <a:rPr lang="es-ES" sz="1100" dirty="0"/>
                   <a:t>0 + 0 + 0 + 0 + 243 + 0 + 21 + 0 + 3 </a:t>
@@ -18411,7 +18430,7 @@
             </p:nvSpPr>
             <p:spPr>
               <a:xfrm>
-                <a:off x="6615632" y="6081456"/>
+                <a:off x="6615631" y="6078871"/>
                 <a:ext cx="2423592" cy="169277"/>
               </a:xfrm>
               <a:prstGeom prst="rect">
@@ -18420,7 +18439,7 @@
               <a:blipFill>
                 <a:blip r:embed="rId4"/>
                 <a:stretch>
-                  <a:fillRect l="-3125" t="-21429" b="-42857"/>
+                  <a:fillRect l="-2083" t="-21429" b="-42857"/>
                 </a:stretch>
               </a:blipFill>
             </p:spPr>
@@ -18455,8 +18474,8 @@
             </p:nvSpPr>
             <p:spPr>
               <a:xfrm>
-                <a:off x="9460423" y="6081455"/>
-                <a:ext cx="2423592" cy="169277"/>
+                <a:off x="9270500" y="6078871"/>
+                <a:ext cx="1733603" cy="171861"/>
               </a:xfrm>
               <a:prstGeom prst="rect">
                 <a:avLst/>
@@ -18469,6 +18488,7 @@
               </a:bodyPr>
               <a:lstStyle/>
               <a:p>
+                <a:pPr algn="ctr"/>
                 <a:r>
                   <a:rPr lang="es-ES" sz="1100" b="1" dirty="0">
                     <a:solidFill>
@@ -18557,8 +18577,8 @@
             </p:nvSpPr>
             <p:spPr>
               <a:xfrm>
-                <a:off x="9460423" y="6081455"/>
-                <a:ext cx="2423592" cy="169277"/>
+                <a:off x="9270500" y="6078871"/>
+                <a:ext cx="1733603" cy="171861"/>
               </a:xfrm>
               <a:prstGeom prst="rect">
                 <a:avLst/>
@@ -18566,7 +18586,7 @@
               <a:blipFill>
                 <a:blip r:embed="rId5"/>
                 <a:stretch>
-                  <a:fillRect l="-3125" t="-21429" b="-42857"/>
+                  <a:fillRect t="-21429" b="-42857"/>
                 </a:stretch>
               </a:blipFill>
             </p:spPr>
@@ -18599,8 +18619,8 @@
         </p:nvSpPr>
         <p:spPr>
           <a:xfrm>
-            <a:off x="9909152" y="2443038"/>
-            <a:ext cx="2059532" cy="307777"/>
+            <a:off x="9887459" y="2429072"/>
+            <a:ext cx="1946284" cy="307777"/>
           </a:xfrm>
           <a:prstGeom prst="rect">
             <a:avLst/>
@@ -18613,6 +18633,7 @@
           </a:bodyPr>
           <a:lstStyle/>
           <a:p>
+            <a:pPr algn="ctr"/>
             <a:r>
               <a:rPr lang="es-ES" sz="1400" dirty="0"/>
               <a:t>Mapa de características</a:t>
@@ -20025,6 +20046,7 @@
           </a:bodyPr>
           <a:lstStyle/>
           <a:p>
+            <a:pPr algn="ctr"/>
             <a:r>
               <a:rPr lang="es-ES" dirty="0" err="1"/>
               <a:t>MaxPool</a:t>
@@ -23284,7 +23306,7 @@
         </p:nvSpPr>
         <p:spPr>
           <a:xfrm>
-            <a:off x="3404131" y="4558247"/>
+            <a:off x="3343938" y="4555871"/>
             <a:ext cx="1050396" cy="261610"/>
           </a:xfrm>
           <a:prstGeom prst="rect">
@@ -23298,6 +23320,7 @@
           </a:bodyPr>
           <a:lstStyle/>
           <a:p>
+            <a:pPr algn="ctr"/>
             <a:r>
               <a:rPr lang="es-ES" sz="1100" b="1" dirty="0" err="1"/>
               <a:t>MaxPool</a:t>
@@ -23393,6 +23416,7 @@
           </a:bodyPr>
           <a:lstStyle/>
           <a:p>
+            <a:pPr algn="ctr"/>
             <a:r>
               <a:rPr lang="es-ES" sz="1100" b="1" dirty="0" err="1"/>
               <a:t>MaxPool</a:t>
@@ -23418,8 +23442,8 @@
         </p:nvSpPr>
         <p:spPr>
           <a:xfrm>
-            <a:off x="8276167" y="4609047"/>
-            <a:ext cx="1050396" cy="261610"/>
+            <a:off x="8276167" y="4612736"/>
+            <a:ext cx="753535" cy="261610"/>
           </a:xfrm>
           <a:prstGeom prst="rect">
             <a:avLst/>
@@ -23554,8 +23578,8 @@
         </p:nvSpPr>
         <p:spPr>
           <a:xfrm>
-            <a:off x="2114551" y="6308147"/>
-            <a:ext cx="5181598" cy="338554"/>
+            <a:off x="2044172" y="6347002"/>
+            <a:ext cx="4378322" cy="338554"/>
           </a:xfrm>
           <a:prstGeom prst="rect">
             <a:avLst/>
@@ -23568,6 +23592,7 @@
           </a:bodyPr>
           <a:lstStyle/>
           <a:p>
+            <a:pPr algn="ctr"/>
             <a:r>
               <a:rPr lang="es-ES" sz="1600" dirty="0"/>
               <a:t>Parte </a:t>
@@ -23597,8 +23622,8 @@
         </p:nvSpPr>
         <p:spPr>
           <a:xfrm>
-            <a:off x="8375652" y="6347332"/>
-            <a:ext cx="4239678" cy="338554"/>
+            <a:off x="8375653" y="6347002"/>
+            <a:ext cx="3783535" cy="338884"/>
           </a:xfrm>
           <a:prstGeom prst="rect">
             <a:avLst/>
@@ -23611,6 +23636,7 @@
           </a:bodyPr>
           <a:lstStyle/>
           <a:p>
+            <a:pPr algn="ctr"/>
             <a:r>
               <a:rPr lang="es-ES" sz="1600" dirty="0"/>
               <a:t>Parte de inferencia (</a:t>
@@ -23630,6 +23656,8254 @@
     <p:extLst>
       <p:ext uri="{BB962C8B-B14F-4D97-AF65-F5344CB8AC3E}">
         <p14:creationId xmlns:p14="http://schemas.microsoft.com/office/powerpoint/2010/main" val="2200699134"/>
+      </p:ext>
+    </p:extLst>
+  </p:cSld>
+  <p:clrMapOvr>
+    <a:masterClrMapping/>
+  </p:clrMapOvr>
+</p:sld>
+</file>
+
+<file path=ppt/slides/slide5.xml><?xml version="1.0" encoding="utf-8"?>
+<p:sld xmlns:a="http://schemas.openxmlformats.org/drawingml/2006/main" xmlns:r="http://schemas.openxmlformats.org/officeDocument/2006/relationships" xmlns:p="http://schemas.openxmlformats.org/presentationml/2006/main">
+  <p:cSld>
+    <p:spTree>
+      <p:nvGrpSpPr>
+        <p:cNvPr id="1" name=""/>
+        <p:cNvGrpSpPr/>
+        <p:nvPr/>
+      </p:nvGrpSpPr>
+      <p:grpSpPr>
+        <a:xfrm>
+          <a:off x="0" y="0"/>
+          <a:ext cx="0" cy="0"/>
+          <a:chOff x="0" y="0"/>
+          <a:chExt cx="0" cy="0"/>
+        </a:xfrm>
+      </p:grpSpPr>
+      <p:graphicFrame>
+        <p:nvGraphicFramePr>
+          <p:cNvPr id="4" name="Tabla 3">
+            <a:extLst>
+              <a:ext uri="{FF2B5EF4-FFF2-40B4-BE49-F238E27FC236}">
+                <a16:creationId xmlns:a16="http://schemas.microsoft.com/office/drawing/2014/main" id="{6351C9AF-2D93-9B45-BE60-5B69DC7F18AE}"/>
+              </a:ext>
+            </a:extLst>
+          </p:cNvPr>
+          <p:cNvGraphicFramePr>
+            <a:graphicFrameLocks noGrp="1"/>
+          </p:cNvGraphicFramePr>
+          <p:nvPr>
+            <p:extLst>
+              <p:ext uri="{D42A27DB-BD31-4B8C-83A1-F6EECF244321}">
+                <p14:modId xmlns:p14="http://schemas.microsoft.com/office/powerpoint/2010/main" val="3518603746"/>
+              </p:ext>
+            </p:extLst>
+          </p:nvPr>
+        </p:nvGraphicFramePr>
+        <p:xfrm>
+          <a:off x="6484511" y="1603576"/>
+          <a:ext cx="3911600" cy="3429000"/>
+        </p:xfrm>
+        <a:graphic>
+          <a:graphicData uri="http://schemas.openxmlformats.org/drawingml/2006/table">
+            <a:tbl>
+              <a:tblPr>
+                <a:tableStyleId>{5C22544A-7EE6-4342-B048-85BDC9FD1C3A}</a:tableStyleId>
+              </a:tblPr>
+              <a:tblGrid>
+                <a:gridCol w="977900">
+                  <a:extLst>
+                    <a:ext uri="{9D8B030D-6E8A-4147-A177-3AD203B41FA5}">
+                      <a16:colId xmlns:a16="http://schemas.microsoft.com/office/drawing/2014/main" val="1514235856"/>
+                    </a:ext>
+                  </a:extLst>
+                </a:gridCol>
+                <a:gridCol w="977900">
+                  <a:extLst>
+                    <a:ext uri="{9D8B030D-6E8A-4147-A177-3AD203B41FA5}">
+                      <a16:colId xmlns:a16="http://schemas.microsoft.com/office/drawing/2014/main" val="851591556"/>
+                    </a:ext>
+                  </a:extLst>
+                </a:gridCol>
+                <a:gridCol w="977900">
+                  <a:extLst>
+                    <a:ext uri="{9D8B030D-6E8A-4147-A177-3AD203B41FA5}">
+                      <a16:colId xmlns:a16="http://schemas.microsoft.com/office/drawing/2014/main" val="1909189991"/>
+                    </a:ext>
+                  </a:extLst>
+                </a:gridCol>
+                <a:gridCol w="977900">
+                  <a:extLst>
+                    <a:ext uri="{9D8B030D-6E8A-4147-A177-3AD203B41FA5}">
+                      <a16:colId xmlns:a16="http://schemas.microsoft.com/office/drawing/2014/main" val="763603990"/>
+                    </a:ext>
+                  </a:extLst>
+                </a:gridCol>
+              </a:tblGrid>
+              <a:tr h="857250">
+                <a:tc>
+                  <a:txBody>
+                    <a:bodyPr/>
+                    <a:lstStyle/>
+                    <a:p>
+                      <a:pPr algn="ctr"/>
+                      <a:r>
+                        <a:rPr lang="es-ES" sz="1400" dirty="0"/>
+                        <a:t>17</a:t>
+                      </a:r>
+                    </a:p>
+                  </a:txBody>
+                  <a:tcPr anchor="ctr">
+                    <a:lnL w="12700" cap="flat" cmpd="sng" algn="ctr">
+                      <a:solidFill>
+                        <a:schemeClr val="tx1"/>
+                      </a:solidFill>
+                      <a:prstDash val="solid"/>
+                      <a:round/>
+                      <a:headEnd type="none" w="med" len="med"/>
+                      <a:tailEnd type="none" w="med" len="med"/>
+                    </a:lnL>
+                    <a:lnR w="12700" cap="flat" cmpd="sng" algn="ctr">
+                      <a:solidFill>
+                        <a:schemeClr val="tx1"/>
+                      </a:solidFill>
+                      <a:prstDash val="solid"/>
+                      <a:round/>
+                      <a:headEnd type="none" w="med" len="med"/>
+                      <a:tailEnd type="none" w="med" len="med"/>
+                    </a:lnR>
+                    <a:lnT w="12700" cap="flat" cmpd="sng" algn="ctr">
+                      <a:solidFill>
+                        <a:schemeClr val="tx1"/>
+                      </a:solidFill>
+                      <a:prstDash val="solid"/>
+                      <a:round/>
+                      <a:headEnd type="none" w="med" len="med"/>
+                      <a:tailEnd type="none" w="med" len="med"/>
+                    </a:lnT>
+                    <a:lnB w="12700" cap="flat" cmpd="sng" algn="ctr">
+                      <a:solidFill>
+                        <a:schemeClr val="tx1"/>
+                      </a:solidFill>
+                      <a:prstDash val="solid"/>
+                      <a:round/>
+                      <a:headEnd type="none" w="med" len="med"/>
+                      <a:tailEnd type="none" w="med" len="med"/>
+                    </a:lnB>
+                    <a:solidFill>
+                      <a:schemeClr val="accent6">
+                        <a:lumMod val="60000"/>
+                        <a:lumOff val="40000"/>
+                      </a:schemeClr>
+                    </a:solidFill>
+                  </a:tcPr>
+                </a:tc>
+                <a:tc>
+                  <a:txBody>
+                    <a:bodyPr/>
+                    <a:lstStyle/>
+                    <a:p>
+                      <a:pPr algn="ctr"/>
+                      <a:r>
+                        <a:rPr lang="es-ES" sz="1400" dirty="0"/>
+                        <a:t>17</a:t>
+                      </a:r>
+                    </a:p>
+                  </a:txBody>
+                  <a:tcPr anchor="ctr">
+                    <a:lnL w="12700" cap="flat" cmpd="sng" algn="ctr">
+                      <a:solidFill>
+                        <a:schemeClr val="tx1"/>
+                      </a:solidFill>
+                      <a:prstDash val="solid"/>
+                      <a:round/>
+                      <a:headEnd type="none" w="med" len="med"/>
+                      <a:tailEnd type="none" w="med" len="med"/>
+                    </a:lnL>
+                    <a:lnR w="12700" cap="flat" cmpd="sng" algn="ctr">
+                      <a:solidFill>
+                        <a:schemeClr val="tx1"/>
+                      </a:solidFill>
+                      <a:prstDash val="solid"/>
+                      <a:round/>
+                      <a:headEnd type="none" w="med" len="med"/>
+                      <a:tailEnd type="none" w="med" len="med"/>
+                    </a:lnR>
+                    <a:lnT w="12700" cap="flat" cmpd="sng" algn="ctr">
+                      <a:solidFill>
+                        <a:schemeClr val="tx1"/>
+                      </a:solidFill>
+                      <a:prstDash val="solid"/>
+                      <a:round/>
+                      <a:headEnd type="none" w="med" len="med"/>
+                      <a:tailEnd type="none" w="med" len="med"/>
+                    </a:lnT>
+                    <a:lnB w="12700" cap="flat" cmpd="sng" algn="ctr">
+                      <a:solidFill>
+                        <a:schemeClr val="tx1"/>
+                      </a:solidFill>
+                      <a:prstDash val="solid"/>
+                      <a:round/>
+                      <a:headEnd type="none" w="med" len="med"/>
+                      <a:tailEnd type="none" w="med" len="med"/>
+                    </a:lnB>
+                    <a:solidFill>
+                      <a:schemeClr val="accent6">
+                        <a:lumMod val="60000"/>
+                        <a:lumOff val="40000"/>
+                      </a:schemeClr>
+                    </a:solidFill>
+                  </a:tcPr>
+                </a:tc>
+                <a:tc>
+                  <a:txBody>
+                    <a:bodyPr/>
+                    <a:lstStyle/>
+                    <a:p>
+                      <a:pPr algn="ctr"/>
+                      <a:r>
+                        <a:rPr lang="es-ES" sz="1400" dirty="0"/>
+                        <a:t>233</a:t>
+                      </a:r>
+                    </a:p>
+                  </a:txBody>
+                  <a:tcPr anchor="ctr">
+                    <a:lnL w="12700" cap="flat" cmpd="sng" algn="ctr">
+                      <a:solidFill>
+                        <a:schemeClr val="tx1"/>
+                      </a:solidFill>
+                      <a:prstDash val="solid"/>
+                      <a:round/>
+                      <a:headEnd type="none" w="med" len="med"/>
+                      <a:tailEnd type="none" w="med" len="med"/>
+                    </a:lnL>
+                    <a:lnR w="12700" cap="flat" cmpd="sng" algn="ctr">
+                      <a:solidFill>
+                        <a:schemeClr val="tx1"/>
+                      </a:solidFill>
+                      <a:prstDash val="solid"/>
+                      <a:round/>
+                      <a:headEnd type="none" w="med" len="med"/>
+                      <a:tailEnd type="none" w="med" len="med"/>
+                    </a:lnR>
+                    <a:lnT w="12700" cap="flat" cmpd="sng" algn="ctr">
+                      <a:solidFill>
+                        <a:schemeClr val="tx1"/>
+                      </a:solidFill>
+                      <a:prstDash val="solid"/>
+                      <a:round/>
+                      <a:headEnd type="none" w="med" len="med"/>
+                      <a:tailEnd type="none" w="med" len="med"/>
+                    </a:lnT>
+                    <a:lnB w="12700" cap="flat" cmpd="sng" algn="ctr">
+                      <a:solidFill>
+                        <a:schemeClr val="tx1"/>
+                      </a:solidFill>
+                      <a:prstDash val="solid"/>
+                      <a:round/>
+                      <a:headEnd type="none" w="med" len="med"/>
+                      <a:tailEnd type="none" w="med" len="med"/>
+                    </a:lnB>
+                    <a:solidFill>
+                      <a:schemeClr val="accent1">
+                        <a:lumMod val="60000"/>
+                        <a:lumOff val="40000"/>
+                      </a:schemeClr>
+                    </a:solidFill>
+                  </a:tcPr>
+                </a:tc>
+                <a:tc>
+                  <a:txBody>
+                    <a:bodyPr/>
+                    <a:lstStyle/>
+                    <a:p>
+                      <a:pPr algn="ctr"/>
+                      <a:r>
+                        <a:rPr lang="es-ES" sz="1400" dirty="0"/>
+                        <a:t>233</a:t>
+                      </a:r>
+                    </a:p>
+                  </a:txBody>
+                  <a:tcPr anchor="ctr">
+                    <a:lnL w="12700" cap="flat" cmpd="sng" algn="ctr">
+                      <a:solidFill>
+                        <a:schemeClr val="tx1"/>
+                      </a:solidFill>
+                      <a:prstDash val="solid"/>
+                      <a:round/>
+                      <a:headEnd type="none" w="med" len="med"/>
+                      <a:tailEnd type="none" w="med" len="med"/>
+                    </a:lnL>
+                    <a:lnR w="12700" cap="flat" cmpd="sng" algn="ctr">
+                      <a:solidFill>
+                        <a:schemeClr val="tx1"/>
+                      </a:solidFill>
+                      <a:prstDash val="solid"/>
+                      <a:round/>
+                      <a:headEnd type="none" w="med" len="med"/>
+                      <a:tailEnd type="none" w="med" len="med"/>
+                    </a:lnR>
+                    <a:lnT w="12700" cap="flat" cmpd="sng" algn="ctr">
+                      <a:solidFill>
+                        <a:schemeClr val="tx1"/>
+                      </a:solidFill>
+                      <a:prstDash val="solid"/>
+                      <a:round/>
+                      <a:headEnd type="none" w="med" len="med"/>
+                      <a:tailEnd type="none" w="med" len="med"/>
+                    </a:lnT>
+                    <a:lnB w="12700" cap="flat" cmpd="sng" algn="ctr">
+                      <a:solidFill>
+                        <a:schemeClr val="tx1"/>
+                      </a:solidFill>
+                      <a:prstDash val="solid"/>
+                      <a:round/>
+                      <a:headEnd type="none" w="med" len="med"/>
+                      <a:tailEnd type="none" w="med" len="med"/>
+                    </a:lnB>
+                    <a:solidFill>
+                      <a:schemeClr val="accent1">
+                        <a:lumMod val="60000"/>
+                        <a:lumOff val="40000"/>
+                      </a:schemeClr>
+                    </a:solidFill>
+                  </a:tcPr>
+                </a:tc>
+                <a:extLst>
+                  <a:ext uri="{0D108BD9-81ED-4DB2-BD59-A6C34878D82A}">
+                    <a16:rowId xmlns:a16="http://schemas.microsoft.com/office/drawing/2014/main" val="2759059052"/>
+                  </a:ext>
+                </a:extLst>
+              </a:tr>
+              <a:tr h="857250">
+                <a:tc>
+                  <a:txBody>
+                    <a:bodyPr/>
+                    <a:lstStyle/>
+                    <a:p>
+                      <a:pPr algn="ctr"/>
+                      <a:r>
+                        <a:rPr lang="es-ES" sz="1400" dirty="0"/>
+                        <a:t>17</a:t>
+                      </a:r>
+                    </a:p>
+                  </a:txBody>
+                  <a:tcPr anchor="ctr">
+                    <a:lnL w="12700" cap="flat" cmpd="sng" algn="ctr">
+                      <a:solidFill>
+                        <a:schemeClr val="tx1"/>
+                      </a:solidFill>
+                      <a:prstDash val="solid"/>
+                      <a:round/>
+                      <a:headEnd type="none" w="med" len="med"/>
+                      <a:tailEnd type="none" w="med" len="med"/>
+                    </a:lnL>
+                    <a:lnR w="12700" cap="flat" cmpd="sng" algn="ctr">
+                      <a:solidFill>
+                        <a:schemeClr val="tx1"/>
+                      </a:solidFill>
+                      <a:prstDash val="solid"/>
+                      <a:round/>
+                      <a:headEnd type="none" w="med" len="med"/>
+                      <a:tailEnd type="none" w="med" len="med"/>
+                    </a:lnR>
+                    <a:lnT w="12700" cap="flat" cmpd="sng" algn="ctr">
+                      <a:solidFill>
+                        <a:schemeClr val="tx1"/>
+                      </a:solidFill>
+                      <a:prstDash val="solid"/>
+                      <a:round/>
+                      <a:headEnd type="none" w="med" len="med"/>
+                      <a:tailEnd type="none" w="med" len="med"/>
+                    </a:lnT>
+                    <a:lnB w="12700" cap="flat" cmpd="sng" algn="ctr">
+                      <a:solidFill>
+                        <a:schemeClr val="tx1"/>
+                      </a:solidFill>
+                      <a:prstDash val="solid"/>
+                      <a:round/>
+                      <a:headEnd type="none" w="med" len="med"/>
+                      <a:tailEnd type="none" w="med" len="med"/>
+                    </a:lnB>
+                    <a:solidFill>
+                      <a:schemeClr val="accent6">
+                        <a:lumMod val="60000"/>
+                        <a:lumOff val="40000"/>
+                      </a:schemeClr>
+                    </a:solidFill>
+                  </a:tcPr>
+                </a:tc>
+                <a:tc>
+                  <a:txBody>
+                    <a:bodyPr/>
+                    <a:lstStyle/>
+                    <a:p>
+                      <a:pPr algn="ctr"/>
+                      <a:r>
+                        <a:rPr lang="es-ES" sz="1400" dirty="0"/>
+                        <a:t>17</a:t>
+                      </a:r>
+                    </a:p>
+                  </a:txBody>
+                  <a:tcPr anchor="ctr">
+                    <a:lnL w="12700" cap="flat" cmpd="sng" algn="ctr">
+                      <a:solidFill>
+                        <a:schemeClr val="tx1"/>
+                      </a:solidFill>
+                      <a:prstDash val="solid"/>
+                      <a:round/>
+                      <a:headEnd type="none" w="med" len="med"/>
+                      <a:tailEnd type="none" w="med" len="med"/>
+                    </a:lnL>
+                    <a:lnR w="12700" cap="flat" cmpd="sng" algn="ctr">
+                      <a:solidFill>
+                        <a:schemeClr val="tx1"/>
+                      </a:solidFill>
+                      <a:prstDash val="solid"/>
+                      <a:round/>
+                      <a:headEnd type="none" w="med" len="med"/>
+                      <a:tailEnd type="none" w="med" len="med"/>
+                    </a:lnR>
+                    <a:lnT w="12700" cap="flat" cmpd="sng" algn="ctr">
+                      <a:solidFill>
+                        <a:schemeClr val="tx1"/>
+                      </a:solidFill>
+                      <a:prstDash val="solid"/>
+                      <a:round/>
+                      <a:headEnd type="none" w="med" len="med"/>
+                      <a:tailEnd type="none" w="med" len="med"/>
+                    </a:lnT>
+                    <a:lnB w="12700" cap="flat" cmpd="sng" algn="ctr">
+                      <a:solidFill>
+                        <a:schemeClr val="tx1"/>
+                      </a:solidFill>
+                      <a:prstDash val="solid"/>
+                      <a:round/>
+                      <a:headEnd type="none" w="med" len="med"/>
+                      <a:tailEnd type="none" w="med" len="med"/>
+                    </a:lnB>
+                    <a:solidFill>
+                      <a:schemeClr val="accent6">
+                        <a:lumMod val="60000"/>
+                        <a:lumOff val="40000"/>
+                      </a:schemeClr>
+                    </a:solidFill>
+                  </a:tcPr>
+                </a:tc>
+                <a:tc>
+                  <a:txBody>
+                    <a:bodyPr/>
+                    <a:lstStyle/>
+                    <a:p>
+                      <a:pPr algn="ctr"/>
+                      <a:r>
+                        <a:rPr lang="es-ES" sz="1400" dirty="0"/>
+                        <a:t>233</a:t>
+                      </a:r>
+                    </a:p>
+                  </a:txBody>
+                  <a:tcPr anchor="ctr">
+                    <a:lnL w="12700" cap="flat" cmpd="sng" algn="ctr">
+                      <a:solidFill>
+                        <a:schemeClr val="tx1"/>
+                      </a:solidFill>
+                      <a:prstDash val="solid"/>
+                      <a:round/>
+                      <a:headEnd type="none" w="med" len="med"/>
+                      <a:tailEnd type="none" w="med" len="med"/>
+                    </a:lnL>
+                    <a:lnR w="12700" cap="flat" cmpd="sng" algn="ctr">
+                      <a:solidFill>
+                        <a:schemeClr val="tx1"/>
+                      </a:solidFill>
+                      <a:prstDash val="solid"/>
+                      <a:round/>
+                      <a:headEnd type="none" w="med" len="med"/>
+                      <a:tailEnd type="none" w="med" len="med"/>
+                    </a:lnR>
+                    <a:lnT w="12700" cap="flat" cmpd="sng" algn="ctr">
+                      <a:solidFill>
+                        <a:schemeClr val="tx1"/>
+                      </a:solidFill>
+                      <a:prstDash val="solid"/>
+                      <a:round/>
+                      <a:headEnd type="none" w="med" len="med"/>
+                      <a:tailEnd type="none" w="med" len="med"/>
+                    </a:lnT>
+                    <a:lnB w="12700" cap="flat" cmpd="sng" algn="ctr">
+                      <a:solidFill>
+                        <a:schemeClr val="tx1"/>
+                      </a:solidFill>
+                      <a:prstDash val="solid"/>
+                      <a:round/>
+                      <a:headEnd type="none" w="med" len="med"/>
+                      <a:tailEnd type="none" w="med" len="med"/>
+                    </a:lnB>
+                    <a:solidFill>
+                      <a:schemeClr val="accent1">
+                        <a:lumMod val="60000"/>
+                        <a:lumOff val="40000"/>
+                      </a:schemeClr>
+                    </a:solidFill>
+                  </a:tcPr>
+                </a:tc>
+                <a:tc>
+                  <a:txBody>
+                    <a:bodyPr/>
+                    <a:lstStyle/>
+                    <a:p>
+                      <a:pPr algn="ctr"/>
+                      <a:r>
+                        <a:rPr lang="es-ES" sz="1400" dirty="0"/>
+                        <a:t>233</a:t>
+                      </a:r>
+                    </a:p>
+                  </a:txBody>
+                  <a:tcPr anchor="ctr">
+                    <a:lnL w="12700" cap="flat" cmpd="sng" algn="ctr">
+                      <a:solidFill>
+                        <a:schemeClr val="tx1"/>
+                      </a:solidFill>
+                      <a:prstDash val="solid"/>
+                      <a:round/>
+                      <a:headEnd type="none" w="med" len="med"/>
+                      <a:tailEnd type="none" w="med" len="med"/>
+                    </a:lnL>
+                    <a:lnR w="12700" cap="flat" cmpd="sng" algn="ctr">
+                      <a:solidFill>
+                        <a:schemeClr val="tx1"/>
+                      </a:solidFill>
+                      <a:prstDash val="solid"/>
+                      <a:round/>
+                      <a:headEnd type="none" w="med" len="med"/>
+                      <a:tailEnd type="none" w="med" len="med"/>
+                    </a:lnR>
+                    <a:lnT w="12700" cap="flat" cmpd="sng" algn="ctr">
+                      <a:solidFill>
+                        <a:schemeClr val="tx1"/>
+                      </a:solidFill>
+                      <a:prstDash val="solid"/>
+                      <a:round/>
+                      <a:headEnd type="none" w="med" len="med"/>
+                      <a:tailEnd type="none" w="med" len="med"/>
+                    </a:lnT>
+                    <a:lnB w="12700" cap="flat" cmpd="sng" algn="ctr">
+                      <a:solidFill>
+                        <a:schemeClr val="tx1"/>
+                      </a:solidFill>
+                      <a:prstDash val="solid"/>
+                      <a:round/>
+                      <a:headEnd type="none" w="med" len="med"/>
+                      <a:tailEnd type="none" w="med" len="med"/>
+                    </a:lnB>
+                    <a:solidFill>
+                      <a:schemeClr val="accent1">
+                        <a:lumMod val="60000"/>
+                        <a:lumOff val="40000"/>
+                      </a:schemeClr>
+                    </a:solidFill>
+                  </a:tcPr>
+                </a:tc>
+                <a:extLst>
+                  <a:ext uri="{0D108BD9-81ED-4DB2-BD59-A6C34878D82A}">
+                    <a16:rowId xmlns:a16="http://schemas.microsoft.com/office/drawing/2014/main" val="1085864434"/>
+                  </a:ext>
+                </a:extLst>
+              </a:tr>
+              <a:tr h="857250">
+                <a:tc>
+                  <a:txBody>
+                    <a:bodyPr/>
+                    <a:lstStyle/>
+                    <a:p>
+                      <a:pPr algn="ctr"/>
+                      <a:r>
+                        <a:rPr lang="es-ES" sz="1400" dirty="0"/>
+                        <a:t>19</a:t>
+                      </a:r>
+                    </a:p>
+                  </a:txBody>
+                  <a:tcPr anchor="ctr">
+                    <a:lnL w="12700" cap="flat" cmpd="sng" algn="ctr">
+                      <a:solidFill>
+                        <a:schemeClr val="tx1"/>
+                      </a:solidFill>
+                      <a:prstDash val="solid"/>
+                      <a:round/>
+                      <a:headEnd type="none" w="med" len="med"/>
+                      <a:tailEnd type="none" w="med" len="med"/>
+                    </a:lnL>
+                    <a:lnR w="12700" cap="flat" cmpd="sng" algn="ctr">
+                      <a:solidFill>
+                        <a:schemeClr val="tx1"/>
+                      </a:solidFill>
+                      <a:prstDash val="solid"/>
+                      <a:round/>
+                      <a:headEnd type="none" w="med" len="med"/>
+                      <a:tailEnd type="none" w="med" len="med"/>
+                    </a:lnR>
+                    <a:lnT w="12700" cap="flat" cmpd="sng" algn="ctr">
+                      <a:solidFill>
+                        <a:schemeClr val="tx1"/>
+                      </a:solidFill>
+                      <a:prstDash val="solid"/>
+                      <a:round/>
+                      <a:headEnd type="none" w="med" len="med"/>
+                      <a:tailEnd type="none" w="med" len="med"/>
+                    </a:lnT>
+                    <a:lnB w="12700" cap="flat" cmpd="sng" algn="ctr">
+                      <a:solidFill>
+                        <a:schemeClr val="tx1"/>
+                      </a:solidFill>
+                      <a:prstDash val="solid"/>
+                      <a:round/>
+                      <a:headEnd type="none" w="med" len="med"/>
+                      <a:tailEnd type="none" w="med" len="med"/>
+                    </a:lnB>
+                    <a:solidFill>
+                      <a:schemeClr val="accent2">
+                        <a:lumMod val="60000"/>
+                        <a:lumOff val="40000"/>
+                      </a:schemeClr>
+                    </a:solidFill>
+                  </a:tcPr>
+                </a:tc>
+                <a:tc>
+                  <a:txBody>
+                    <a:bodyPr/>
+                    <a:lstStyle/>
+                    <a:p>
+                      <a:pPr algn="ctr"/>
+                      <a:r>
+                        <a:rPr lang="es-ES" sz="1400" dirty="0"/>
+                        <a:t>19</a:t>
+                      </a:r>
+                    </a:p>
+                  </a:txBody>
+                  <a:tcPr anchor="ctr">
+                    <a:lnL w="12700" cap="flat" cmpd="sng" algn="ctr">
+                      <a:solidFill>
+                        <a:schemeClr val="tx1"/>
+                      </a:solidFill>
+                      <a:prstDash val="solid"/>
+                      <a:round/>
+                      <a:headEnd type="none" w="med" len="med"/>
+                      <a:tailEnd type="none" w="med" len="med"/>
+                    </a:lnL>
+                    <a:lnR w="12700" cap="flat" cmpd="sng" algn="ctr">
+                      <a:solidFill>
+                        <a:schemeClr val="tx1"/>
+                      </a:solidFill>
+                      <a:prstDash val="solid"/>
+                      <a:round/>
+                      <a:headEnd type="none" w="med" len="med"/>
+                      <a:tailEnd type="none" w="med" len="med"/>
+                    </a:lnR>
+                    <a:lnT w="12700" cap="flat" cmpd="sng" algn="ctr">
+                      <a:solidFill>
+                        <a:schemeClr val="tx1"/>
+                      </a:solidFill>
+                      <a:prstDash val="solid"/>
+                      <a:round/>
+                      <a:headEnd type="none" w="med" len="med"/>
+                      <a:tailEnd type="none" w="med" len="med"/>
+                    </a:lnT>
+                    <a:lnB w="12700" cap="flat" cmpd="sng" algn="ctr">
+                      <a:solidFill>
+                        <a:schemeClr val="tx1"/>
+                      </a:solidFill>
+                      <a:prstDash val="solid"/>
+                      <a:round/>
+                      <a:headEnd type="none" w="med" len="med"/>
+                      <a:tailEnd type="none" w="med" len="med"/>
+                    </a:lnB>
+                    <a:solidFill>
+                      <a:schemeClr val="accent2">
+                        <a:lumMod val="60000"/>
+                        <a:lumOff val="40000"/>
+                      </a:schemeClr>
+                    </a:solidFill>
+                  </a:tcPr>
+                </a:tc>
+                <a:tc>
+                  <a:txBody>
+                    <a:bodyPr/>
+                    <a:lstStyle/>
+                    <a:p>
+                      <a:pPr algn="ctr"/>
+                      <a:r>
+                        <a:rPr lang="es-ES" sz="1400" dirty="0"/>
+                        <a:t>4</a:t>
+                      </a:r>
+                    </a:p>
+                  </a:txBody>
+                  <a:tcPr anchor="ctr">
+                    <a:lnL w="12700" cap="flat" cmpd="sng" algn="ctr">
+                      <a:solidFill>
+                        <a:schemeClr val="tx1"/>
+                      </a:solidFill>
+                      <a:prstDash val="solid"/>
+                      <a:round/>
+                      <a:headEnd type="none" w="med" len="med"/>
+                      <a:tailEnd type="none" w="med" len="med"/>
+                    </a:lnL>
+                    <a:lnR w="12700" cap="flat" cmpd="sng" algn="ctr">
+                      <a:solidFill>
+                        <a:schemeClr val="tx1"/>
+                      </a:solidFill>
+                      <a:prstDash val="solid"/>
+                      <a:round/>
+                      <a:headEnd type="none" w="med" len="med"/>
+                      <a:tailEnd type="none" w="med" len="med"/>
+                    </a:lnR>
+                    <a:lnT w="12700" cap="flat" cmpd="sng" algn="ctr">
+                      <a:solidFill>
+                        <a:schemeClr val="tx1"/>
+                      </a:solidFill>
+                      <a:prstDash val="solid"/>
+                      <a:round/>
+                      <a:headEnd type="none" w="med" len="med"/>
+                      <a:tailEnd type="none" w="med" len="med"/>
+                    </a:lnT>
+                    <a:lnB w="12700" cap="flat" cmpd="sng" algn="ctr">
+                      <a:solidFill>
+                        <a:schemeClr val="tx1"/>
+                      </a:solidFill>
+                      <a:prstDash val="solid"/>
+                      <a:round/>
+                      <a:headEnd type="none" w="med" len="med"/>
+                      <a:tailEnd type="none" w="med" len="med"/>
+                    </a:lnB>
+                    <a:solidFill>
+                      <a:schemeClr val="accent4">
+                        <a:lumMod val="60000"/>
+                        <a:lumOff val="40000"/>
+                      </a:schemeClr>
+                    </a:solidFill>
+                  </a:tcPr>
+                </a:tc>
+                <a:tc>
+                  <a:txBody>
+                    <a:bodyPr/>
+                    <a:lstStyle/>
+                    <a:p>
+                      <a:pPr algn="ctr"/>
+                      <a:r>
+                        <a:rPr lang="es-ES" sz="1400" dirty="0"/>
+                        <a:t>4</a:t>
+                      </a:r>
+                    </a:p>
+                  </a:txBody>
+                  <a:tcPr anchor="ctr">
+                    <a:lnL w="12700" cap="flat" cmpd="sng" algn="ctr">
+                      <a:solidFill>
+                        <a:schemeClr val="tx1"/>
+                      </a:solidFill>
+                      <a:prstDash val="solid"/>
+                      <a:round/>
+                      <a:headEnd type="none" w="med" len="med"/>
+                      <a:tailEnd type="none" w="med" len="med"/>
+                    </a:lnL>
+                    <a:lnR w="12700" cap="flat" cmpd="sng" algn="ctr">
+                      <a:solidFill>
+                        <a:schemeClr val="tx1"/>
+                      </a:solidFill>
+                      <a:prstDash val="solid"/>
+                      <a:round/>
+                      <a:headEnd type="none" w="med" len="med"/>
+                      <a:tailEnd type="none" w="med" len="med"/>
+                    </a:lnR>
+                    <a:lnT w="12700" cap="flat" cmpd="sng" algn="ctr">
+                      <a:solidFill>
+                        <a:schemeClr val="tx1"/>
+                      </a:solidFill>
+                      <a:prstDash val="solid"/>
+                      <a:round/>
+                      <a:headEnd type="none" w="med" len="med"/>
+                      <a:tailEnd type="none" w="med" len="med"/>
+                    </a:lnT>
+                    <a:lnB w="12700" cap="flat" cmpd="sng" algn="ctr">
+                      <a:solidFill>
+                        <a:schemeClr val="tx1"/>
+                      </a:solidFill>
+                      <a:prstDash val="solid"/>
+                      <a:round/>
+                      <a:headEnd type="none" w="med" len="med"/>
+                      <a:tailEnd type="none" w="med" len="med"/>
+                    </a:lnB>
+                    <a:solidFill>
+                      <a:schemeClr val="accent4">
+                        <a:lumMod val="60000"/>
+                        <a:lumOff val="40000"/>
+                      </a:schemeClr>
+                    </a:solidFill>
+                  </a:tcPr>
+                </a:tc>
+                <a:extLst>
+                  <a:ext uri="{0D108BD9-81ED-4DB2-BD59-A6C34878D82A}">
+                    <a16:rowId xmlns:a16="http://schemas.microsoft.com/office/drawing/2014/main" val="1482985559"/>
+                  </a:ext>
+                </a:extLst>
+              </a:tr>
+              <a:tr h="857250">
+                <a:tc>
+                  <a:txBody>
+                    <a:bodyPr/>
+                    <a:lstStyle/>
+                    <a:p>
+                      <a:pPr algn="ctr"/>
+                      <a:r>
+                        <a:rPr lang="es-ES" sz="1400" dirty="0"/>
+                        <a:t>19</a:t>
+                      </a:r>
+                    </a:p>
+                  </a:txBody>
+                  <a:tcPr anchor="ctr">
+                    <a:lnL w="12700" cap="flat" cmpd="sng" algn="ctr">
+                      <a:solidFill>
+                        <a:schemeClr val="tx1"/>
+                      </a:solidFill>
+                      <a:prstDash val="solid"/>
+                      <a:round/>
+                      <a:headEnd type="none" w="med" len="med"/>
+                      <a:tailEnd type="none" w="med" len="med"/>
+                    </a:lnL>
+                    <a:lnR w="12700" cap="flat" cmpd="sng" algn="ctr">
+                      <a:solidFill>
+                        <a:schemeClr val="tx1"/>
+                      </a:solidFill>
+                      <a:prstDash val="solid"/>
+                      <a:round/>
+                      <a:headEnd type="none" w="med" len="med"/>
+                      <a:tailEnd type="none" w="med" len="med"/>
+                    </a:lnR>
+                    <a:lnT w="12700" cap="flat" cmpd="sng" algn="ctr">
+                      <a:solidFill>
+                        <a:schemeClr val="tx1"/>
+                      </a:solidFill>
+                      <a:prstDash val="solid"/>
+                      <a:round/>
+                      <a:headEnd type="none" w="med" len="med"/>
+                      <a:tailEnd type="none" w="med" len="med"/>
+                    </a:lnT>
+                    <a:lnB w="12700" cap="flat" cmpd="sng" algn="ctr">
+                      <a:solidFill>
+                        <a:schemeClr val="tx1"/>
+                      </a:solidFill>
+                      <a:prstDash val="solid"/>
+                      <a:round/>
+                      <a:headEnd type="none" w="med" len="med"/>
+                      <a:tailEnd type="none" w="med" len="med"/>
+                    </a:lnB>
+                    <a:solidFill>
+                      <a:schemeClr val="accent2">
+                        <a:lumMod val="60000"/>
+                        <a:lumOff val="40000"/>
+                      </a:schemeClr>
+                    </a:solidFill>
+                  </a:tcPr>
+                </a:tc>
+                <a:tc>
+                  <a:txBody>
+                    <a:bodyPr/>
+                    <a:lstStyle/>
+                    <a:p>
+                      <a:pPr algn="ctr"/>
+                      <a:r>
+                        <a:rPr lang="es-ES" sz="1400" dirty="0"/>
+                        <a:t>19</a:t>
+                      </a:r>
+                    </a:p>
+                  </a:txBody>
+                  <a:tcPr anchor="ctr">
+                    <a:lnL w="12700" cap="flat" cmpd="sng" algn="ctr">
+                      <a:solidFill>
+                        <a:schemeClr val="tx1"/>
+                      </a:solidFill>
+                      <a:prstDash val="solid"/>
+                      <a:round/>
+                      <a:headEnd type="none" w="med" len="med"/>
+                      <a:tailEnd type="none" w="med" len="med"/>
+                    </a:lnL>
+                    <a:lnR w="12700" cap="flat" cmpd="sng" algn="ctr">
+                      <a:solidFill>
+                        <a:schemeClr val="tx1"/>
+                      </a:solidFill>
+                      <a:prstDash val="solid"/>
+                      <a:round/>
+                      <a:headEnd type="none" w="med" len="med"/>
+                      <a:tailEnd type="none" w="med" len="med"/>
+                    </a:lnR>
+                    <a:lnT w="12700" cap="flat" cmpd="sng" algn="ctr">
+                      <a:solidFill>
+                        <a:schemeClr val="tx1"/>
+                      </a:solidFill>
+                      <a:prstDash val="solid"/>
+                      <a:round/>
+                      <a:headEnd type="none" w="med" len="med"/>
+                      <a:tailEnd type="none" w="med" len="med"/>
+                    </a:lnT>
+                    <a:lnB w="12700" cap="flat" cmpd="sng" algn="ctr">
+                      <a:solidFill>
+                        <a:schemeClr val="tx1"/>
+                      </a:solidFill>
+                      <a:prstDash val="solid"/>
+                      <a:round/>
+                      <a:headEnd type="none" w="med" len="med"/>
+                      <a:tailEnd type="none" w="med" len="med"/>
+                    </a:lnB>
+                    <a:solidFill>
+                      <a:schemeClr val="accent2">
+                        <a:lumMod val="60000"/>
+                        <a:lumOff val="40000"/>
+                      </a:schemeClr>
+                    </a:solidFill>
+                  </a:tcPr>
+                </a:tc>
+                <a:tc>
+                  <a:txBody>
+                    <a:bodyPr/>
+                    <a:lstStyle/>
+                    <a:p>
+                      <a:pPr algn="ctr"/>
+                      <a:r>
+                        <a:rPr lang="es-ES" sz="1400" dirty="0"/>
+                        <a:t>4</a:t>
+                      </a:r>
+                    </a:p>
+                  </a:txBody>
+                  <a:tcPr anchor="ctr">
+                    <a:lnL w="12700" cap="flat" cmpd="sng" algn="ctr">
+                      <a:solidFill>
+                        <a:schemeClr val="tx1"/>
+                      </a:solidFill>
+                      <a:prstDash val="solid"/>
+                      <a:round/>
+                      <a:headEnd type="none" w="med" len="med"/>
+                      <a:tailEnd type="none" w="med" len="med"/>
+                    </a:lnL>
+                    <a:lnR w="12700" cap="flat" cmpd="sng" algn="ctr">
+                      <a:solidFill>
+                        <a:schemeClr val="tx1"/>
+                      </a:solidFill>
+                      <a:prstDash val="solid"/>
+                      <a:round/>
+                      <a:headEnd type="none" w="med" len="med"/>
+                      <a:tailEnd type="none" w="med" len="med"/>
+                    </a:lnR>
+                    <a:lnT w="12700" cap="flat" cmpd="sng" algn="ctr">
+                      <a:solidFill>
+                        <a:schemeClr val="tx1"/>
+                      </a:solidFill>
+                      <a:prstDash val="solid"/>
+                      <a:round/>
+                      <a:headEnd type="none" w="med" len="med"/>
+                      <a:tailEnd type="none" w="med" len="med"/>
+                    </a:lnT>
+                    <a:lnB w="12700" cap="flat" cmpd="sng" algn="ctr">
+                      <a:solidFill>
+                        <a:schemeClr val="tx1"/>
+                      </a:solidFill>
+                      <a:prstDash val="solid"/>
+                      <a:round/>
+                      <a:headEnd type="none" w="med" len="med"/>
+                      <a:tailEnd type="none" w="med" len="med"/>
+                    </a:lnB>
+                    <a:solidFill>
+                      <a:schemeClr val="accent4">
+                        <a:lumMod val="60000"/>
+                        <a:lumOff val="40000"/>
+                      </a:schemeClr>
+                    </a:solidFill>
+                  </a:tcPr>
+                </a:tc>
+                <a:tc>
+                  <a:txBody>
+                    <a:bodyPr/>
+                    <a:lstStyle/>
+                    <a:p>
+                      <a:pPr algn="ctr"/>
+                      <a:r>
+                        <a:rPr lang="es-ES" sz="1400" dirty="0"/>
+                        <a:t>4</a:t>
+                      </a:r>
+                    </a:p>
+                  </a:txBody>
+                  <a:tcPr anchor="ctr">
+                    <a:lnL w="12700" cap="flat" cmpd="sng" algn="ctr">
+                      <a:solidFill>
+                        <a:schemeClr val="tx1"/>
+                      </a:solidFill>
+                      <a:prstDash val="solid"/>
+                      <a:round/>
+                      <a:headEnd type="none" w="med" len="med"/>
+                      <a:tailEnd type="none" w="med" len="med"/>
+                    </a:lnL>
+                    <a:lnR w="12700" cap="flat" cmpd="sng" algn="ctr">
+                      <a:solidFill>
+                        <a:schemeClr val="tx1"/>
+                      </a:solidFill>
+                      <a:prstDash val="solid"/>
+                      <a:round/>
+                      <a:headEnd type="none" w="med" len="med"/>
+                      <a:tailEnd type="none" w="med" len="med"/>
+                    </a:lnR>
+                    <a:lnT w="12700" cap="flat" cmpd="sng" algn="ctr">
+                      <a:solidFill>
+                        <a:schemeClr val="tx1"/>
+                      </a:solidFill>
+                      <a:prstDash val="solid"/>
+                      <a:round/>
+                      <a:headEnd type="none" w="med" len="med"/>
+                      <a:tailEnd type="none" w="med" len="med"/>
+                    </a:lnT>
+                    <a:lnB w="12700" cap="flat" cmpd="sng" algn="ctr">
+                      <a:solidFill>
+                        <a:schemeClr val="tx1"/>
+                      </a:solidFill>
+                      <a:prstDash val="solid"/>
+                      <a:round/>
+                      <a:headEnd type="none" w="med" len="med"/>
+                      <a:tailEnd type="none" w="med" len="med"/>
+                    </a:lnB>
+                    <a:solidFill>
+                      <a:schemeClr val="accent4">
+                        <a:lumMod val="60000"/>
+                        <a:lumOff val="40000"/>
+                      </a:schemeClr>
+                    </a:solidFill>
+                  </a:tcPr>
+                </a:tc>
+                <a:extLst>
+                  <a:ext uri="{0D108BD9-81ED-4DB2-BD59-A6C34878D82A}">
+                    <a16:rowId xmlns:a16="http://schemas.microsoft.com/office/drawing/2014/main" val="3851242592"/>
+                  </a:ext>
+                </a:extLst>
+              </a:tr>
+            </a:tbl>
+          </a:graphicData>
+        </a:graphic>
+      </p:graphicFrame>
+      <p:graphicFrame>
+        <p:nvGraphicFramePr>
+          <p:cNvPr id="5" name="Tabla 4">
+            <a:extLst>
+              <a:ext uri="{FF2B5EF4-FFF2-40B4-BE49-F238E27FC236}">
+                <a16:creationId xmlns:a16="http://schemas.microsoft.com/office/drawing/2014/main" id="{9A1216C2-B7DC-5946-AB96-0D4B41FA4622}"/>
+              </a:ext>
+            </a:extLst>
+          </p:cNvPr>
+          <p:cNvGraphicFramePr>
+            <a:graphicFrameLocks noGrp="1"/>
+          </p:cNvGraphicFramePr>
+          <p:nvPr>
+            <p:extLst>
+              <p:ext uri="{D42A27DB-BD31-4B8C-83A1-F6EECF244321}">
+                <p14:modId xmlns:p14="http://schemas.microsoft.com/office/powerpoint/2010/main" val="2320472114"/>
+              </p:ext>
+            </p:extLst>
+          </p:nvPr>
+        </p:nvGraphicFramePr>
+        <p:xfrm>
+          <a:off x="1766597" y="2348642"/>
+          <a:ext cx="2201334" cy="1938868"/>
+        </p:xfrm>
+        <a:graphic>
+          <a:graphicData uri="http://schemas.openxmlformats.org/drawingml/2006/table">
+            <a:tbl>
+              <a:tblPr>
+                <a:tableStyleId>{5C22544A-7EE6-4342-B048-85BDC9FD1C3A}</a:tableStyleId>
+              </a:tblPr>
+              <a:tblGrid>
+                <a:gridCol w="1100667">
+                  <a:extLst>
+                    <a:ext uri="{9D8B030D-6E8A-4147-A177-3AD203B41FA5}">
+                      <a16:colId xmlns:a16="http://schemas.microsoft.com/office/drawing/2014/main" val="1652226933"/>
+                    </a:ext>
+                  </a:extLst>
+                </a:gridCol>
+                <a:gridCol w="1100667">
+                  <a:extLst>
+                    <a:ext uri="{9D8B030D-6E8A-4147-A177-3AD203B41FA5}">
+                      <a16:colId xmlns:a16="http://schemas.microsoft.com/office/drawing/2014/main" val="647926843"/>
+                    </a:ext>
+                  </a:extLst>
+                </a:gridCol>
+              </a:tblGrid>
+              <a:tr h="969434">
+                <a:tc>
+                  <a:txBody>
+                    <a:bodyPr/>
+                    <a:lstStyle/>
+                    <a:p>
+                      <a:pPr algn="ctr"/>
+                      <a:r>
+                        <a:rPr lang="es-ES" sz="1400" dirty="0"/>
+                        <a:t>17</a:t>
+                      </a:r>
+                    </a:p>
+                  </a:txBody>
+                  <a:tcPr anchor="ctr">
+                    <a:lnL w="12700" cap="flat" cmpd="sng" algn="ctr">
+                      <a:solidFill>
+                        <a:schemeClr val="tx1"/>
+                      </a:solidFill>
+                      <a:prstDash val="solid"/>
+                      <a:round/>
+                      <a:headEnd type="none" w="med" len="med"/>
+                      <a:tailEnd type="none" w="med" len="med"/>
+                    </a:lnL>
+                    <a:lnR w="12700" cap="flat" cmpd="sng" algn="ctr">
+                      <a:solidFill>
+                        <a:schemeClr val="tx1"/>
+                      </a:solidFill>
+                      <a:prstDash val="solid"/>
+                      <a:round/>
+                      <a:headEnd type="none" w="med" len="med"/>
+                      <a:tailEnd type="none" w="med" len="med"/>
+                    </a:lnR>
+                    <a:lnT w="12700" cap="flat" cmpd="sng" algn="ctr">
+                      <a:solidFill>
+                        <a:schemeClr val="tx1"/>
+                      </a:solidFill>
+                      <a:prstDash val="solid"/>
+                      <a:round/>
+                      <a:headEnd type="none" w="med" len="med"/>
+                      <a:tailEnd type="none" w="med" len="med"/>
+                    </a:lnT>
+                    <a:lnB w="12700" cap="flat" cmpd="sng" algn="ctr">
+                      <a:solidFill>
+                        <a:schemeClr val="tx1"/>
+                      </a:solidFill>
+                      <a:prstDash val="solid"/>
+                      <a:round/>
+                      <a:headEnd type="none" w="med" len="med"/>
+                      <a:tailEnd type="none" w="med" len="med"/>
+                    </a:lnB>
+                    <a:solidFill>
+                      <a:schemeClr val="accent6">
+                        <a:lumMod val="60000"/>
+                        <a:lumOff val="40000"/>
+                      </a:schemeClr>
+                    </a:solidFill>
+                  </a:tcPr>
+                </a:tc>
+                <a:tc>
+                  <a:txBody>
+                    <a:bodyPr/>
+                    <a:lstStyle/>
+                    <a:p>
+                      <a:pPr algn="ctr"/>
+                      <a:r>
+                        <a:rPr lang="es-ES" sz="1400" dirty="0"/>
+                        <a:t>233</a:t>
+                      </a:r>
+                    </a:p>
+                  </a:txBody>
+                  <a:tcPr anchor="ctr">
+                    <a:lnL w="12700" cap="flat" cmpd="sng" algn="ctr">
+                      <a:solidFill>
+                        <a:schemeClr val="tx1"/>
+                      </a:solidFill>
+                      <a:prstDash val="solid"/>
+                      <a:round/>
+                      <a:headEnd type="none" w="med" len="med"/>
+                      <a:tailEnd type="none" w="med" len="med"/>
+                    </a:lnL>
+                    <a:lnR w="12700" cap="flat" cmpd="sng" algn="ctr">
+                      <a:solidFill>
+                        <a:schemeClr val="tx1"/>
+                      </a:solidFill>
+                      <a:prstDash val="solid"/>
+                      <a:round/>
+                      <a:headEnd type="none" w="med" len="med"/>
+                      <a:tailEnd type="none" w="med" len="med"/>
+                    </a:lnR>
+                    <a:lnT w="12700" cap="flat" cmpd="sng" algn="ctr">
+                      <a:solidFill>
+                        <a:schemeClr val="tx1"/>
+                      </a:solidFill>
+                      <a:prstDash val="solid"/>
+                      <a:round/>
+                      <a:headEnd type="none" w="med" len="med"/>
+                      <a:tailEnd type="none" w="med" len="med"/>
+                    </a:lnT>
+                    <a:lnB w="12700" cap="flat" cmpd="sng" algn="ctr">
+                      <a:solidFill>
+                        <a:schemeClr val="tx1"/>
+                      </a:solidFill>
+                      <a:prstDash val="solid"/>
+                      <a:round/>
+                      <a:headEnd type="none" w="med" len="med"/>
+                      <a:tailEnd type="none" w="med" len="med"/>
+                    </a:lnB>
+                    <a:solidFill>
+                      <a:schemeClr val="accent5">
+                        <a:lumMod val="60000"/>
+                        <a:lumOff val="40000"/>
+                      </a:schemeClr>
+                    </a:solidFill>
+                  </a:tcPr>
+                </a:tc>
+                <a:extLst>
+                  <a:ext uri="{0D108BD9-81ED-4DB2-BD59-A6C34878D82A}">
+                    <a16:rowId xmlns:a16="http://schemas.microsoft.com/office/drawing/2014/main" val="2118910538"/>
+                  </a:ext>
+                </a:extLst>
+              </a:tr>
+              <a:tr h="969434">
+                <a:tc>
+                  <a:txBody>
+                    <a:bodyPr/>
+                    <a:lstStyle/>
+                    <a:p>
+                      <a:pPr algn="ctr"/>
+                      <a:r>
+                        <a:rPr lang="es-ES" sz="1400" dirty="0"/>
+                        <a:t>19</a:t>
+                      </a:r>
+                    </a:p>
+                  </a:txBody>
+                  <a:tcPr anchor="ctr">
+                    <a:lnL w="12700" cap="flat" cmpd="sng" algn="ctr">
+                      <a:solidFill>
+                        <a:schemeClr val="tx1"/>
+                      </a:solidFill>
+                      <a:prstDash val="solid"/>
+                      <a:round/>
+                      <a:headEnd type="none" w="med" len="med"/>
+                      <a:tailEnd type="none" w="med" len="med"/>
+                    </a:lnL>
+                    <a:lnR w="12700" cap="flat" cmpd="sng" algn="ctr">
+                      <a:solidFill>
+                        <a:schemeClr val="tx1"/>
+                      </a:solidFill>
+                      <a:prstDash val="solid"/>
+                      <a:round/>
+                      <a:headEnd type="none" w="med" len="med"/>
+                      <a:tailEnd type="none" w="med" len="med"/>
+                    </a:lnR>
+                    <a:lnT w="12700" cap="flat" cmpd="sng" algn="ctr">
+                      <a:solidFill>
+                        <a:schemeClr val="tx1"/>
+                      </a:solidFill>
+                      <a:prstDash val="solid"/>
+                      <a:round/>
+                      <a:headEnd type="none" w="med" len="med"/>
+                      <a:tailEnd type="none" w="med" len="med"/>
+                    </a:lnT>
+                    <a:lnB w="12700" cap="flat" cmpd="sng" algn="ctr">
+                      <a:solidFill>
+                        <a:schemeClr val="tx1"/>
+                      </a:solidFill>
+                      <a:prstDash val="solid"/>
+                      <a:round/>
+                      <a:headEnd type="none" w="med" len="med"/>
+                      <a:tailEnd type="none" w="med" len="med"/>
+                    </a:lnB>
+                    <a:solidFill>
+                      <a:schemeClr val="accent2">
+                        <a:lumMod val="60000"/>
+                        <a:lumOff val="40000"/>
+                      </a:schemeClr>
+                    </a:solidFill>
+                  </a:tcPr>
+                </a:tc>
+                <a:tc>
+                  <a:txBody>
+                    <a:bodyPr/>
+                    <a:lstStyle/>
+                    <a:p>
+                      <a:pPr algn="ctr"/>
+                      <a:r>
+                        <a:rPr lang="es-ES" sz="1400" dirty="0"/>
+                        <a:t>4</a:t>
+                      </a:r>
+                    </a:p>
+                  </a:txBody>
+                  <a:tcPr anchor="ctr">
+                    <a:lnL w="12700" cap="flat" cmpd="sng" algn="ctr">
+                      <a:solidFill>
+                        <a:schemeClr val="tx1"/>
+                      </a:solidFill>
+                      <a:prstDash val="solid"/>
+                      <a:round/>
+                      <a:headEnd type="none" w="med" len="med"/>
+                      <a:tailEnd type="none" w="med" len="med"/>
+                    </a:lnL>
+                    <a:lnR w="12700" cap="flat" cmpd="sng" algn="ctr">
+                      <a:solidFill>
+                        <a:schemeClr val="tx1"/>
+                      </a:solidFill>
+                      <a:prstDash val="solid"/>
+                      <a:round/>
+                      <a:headEnd type="none" w="med" len="med"/>
+                      <a:tailEnd type="none" w="med" len="med"/>
+                    </a:lnR>
+                    <a:lnT w="12700" cap="flat" cmpd="sng" algn="ctr">
+                      <a:solidFill>
+                        <a:schemeClr val="tx1"/>
+                      </a:solidFill>
+                      <a:prstDash val="solid"/>
+                      <a:round/>
+                      <a:headEnd type="none" w="med" len="med"/>
+                      <a:tailEnd type="none" w="med" len="med"/>
+                    </a:lnT>
+                    <a:lnB w="12700" cap="flat" cmpd="sng" algn="ctr">
+                      <a:solidFill>
+                        <a:schemeClr val="tx1"/>
+                      </a:solidFill>
+                      <a:prstDash val="solid"/>
+                      <a:round/>
+                      <a:headEnd type="none" w="med" len="med"/>
+                      <a:tailEnd type="none" w="med" len="med"/>
+                    </a:lnB>
+                    <a:solidFill>
+                      <a:schemeClr val="accent4">
+                        <a:lumMod val="60000"/>
+                        <a:lumOff val="40000"/>
+                      </a:schemeClr>
+                    </a:solidFill>
+                  </a:tcPr>
+                </a:tc>
+                <a:extLst>
+                  <a:ext uri="{0D108BD9-81ED-4DB2-BD59-A6C34878D82A}">
+                    <a16:rowId xmlns:a16="http://schemas.microsoft.com/office/drawing/2014/main" val="1640055570"/>
+                  </a:ext>
+                </a:extLst>
+              </a:tr>
+            </a:tbl>
+          </a:graphicData>
+        </a:graphic>
+      </p:graphicFrame>
+      <p:cxnSp>
+        <p:nvCxnSpPr>
+          <p:cNvPr id="7" name="Conector recto de flecha 6">
+            <a:extLst>
+              <a:ext uri="{FF2B5EF4-FFF2-40B4-BE49-F238E27FC236}">
+                <a16:creationId xmlns:a16="http://schemas.microsoft.com/office/drawing/2014/main" id="{D9D90BEB-CD4A-764B-BE51-968462EE4B5E}"/>
+              </a:ext>
+            </a:extLst>
+          </p:cNvPr>
+          <p:cNvCxnSpPr>
+            <a:cxnSpLocks/>
+          </p:cNvCxnSpPr>
+          <p:nvPr/>
+        </p:nvCxnSpPr>
+        <p:spPr>
+          <a:xfrm flipV="1">
+            <a:off x="4362621" y="3304806"/>
+            <a:ext cx="1727200" cy="13270"/>
+          </a:xfrm>
+          <a:prstGeom prst="straightConnector1">
+            <a:avLst/>
+          </a:prstGeom>
+          <a:ln w="76200">
+            <a:tailEnd type="triangle"/>
+          </a:ln>
+        </p:spPr>
+        <p:style>
+          <a:lnRef idx="1">
+            <a:schemeClr val="accent1"/>
+          </a:lnRef>
+          <a:fillRef idx="0">
+            <a:schemeClr val="accent1"/>
+          </a:fillRef>
+          <a:effectRef idx="0">
+            <a:schemeClr val="accent1"/>
+          </a:effectRef>
+          <a:fontRef idx="minor">
+            <a:schemeClr val="tx1"/>
+          </a:fontRef>
+        </p:style>
+      </p:cxnSp>
+      <p:sp>
+        <p:nvSpPr>
+          <p:cNvPr id="8" name="CuadroTexto 7">
+            <a:extLst>
+              <a:ext uri="{FF2B5EF4-FFF2-40B4-BE49-F238E27FC236}">
+                <a16:creationId xmlns:a16="http://schemas.microsoft.com/office/drawing/2014/main" id="{E0C5C73B-3FEC-7744-8B4D-61C50EF4D2DE}"/>
+              </a:ext>
+            </a:extLst>
+          </p:cNvPr>
+          <p:cNvSpPr txBox="1"/>
+          <p:nvPr/>
+        </p:nvSpPr>
+        <p:spPr>
+          <a:xfrm>
+            <a:off x="4544654" y="2935474"/>
+            <a:ext cx="1363134" cy="369332"/>
+          </a:xfrm>
+          <a:prstGeom prst="rect">
+            <a:avLst/>
+          </a:prstGeom>
+          <a:noFill/>
+        </p:spPr>
+        <p:txBody>
+          <a:bodyPr wrap="square" rtlCol="0">
+            <a:spAutoFit/>
+          </a:bodyPr>
+          <a:lstStyle/>
+          <a:p>
+            <a:pPr algn="ctr"/>
+            <a:r>
+              <a:rPr lang="es-ES" dirty="0"/>
+              <a:t>Duplicación</a:t>
+            </a:r>
+          </a:p>
+        </p:txBody>
+      </p:sp>
+    </p:spTree>
+    <p:extLst>
+      <p:ext uri="{BB962C8B-B14F-4D97-AF65-F5344CB8AC3E}">
+        <p14:creationId xmlns:p14="http://schemas.microsoft.com/office/powerpoint/2010/main" val="3964688213"/>
+      </p:ext>
+    </p:extLst>
+  </p:cSld>
+  <p:clrMapOvr>
+    <a:masterClrMapping/>
+  </p:clrMapOvr>
+</p:sld>
+</file>
+
+<file path=ppt/slides/slide6.xml><?xml version="1.0" encoding="utf-8"?>
+<p:sld xmlns:a="http://schemas.openxmlformats.org/drawingml/2006/main" xmlns:r="http://schemas.openxmlformats.org/officeDocument/2006/relationships" xmlns:p="http://schemas.openxmlformats.org/presentationml/2006/main">
+  <p:cSld>
+    <p:spTree>
+      <p:nvGrpSpPr>
+        <p:cNvPr id="1" name=""/>
+        <p:cNvGrpSpPr/>
+        <p:nvPr/>
+      </p:nvGrpSpPr>
+      <p:grpSpPr>
+        <a:xfrm>
+          <a:off x="0" y="0"/>
+          <a:ext cx="0" cy="0"/>
+          <a:chOff x="0" y="0"/>
+          <a:chExt cx="0" cy="0"/>
+        </a:xfrm>
+      </p:grpSpPr>
+      <p:graphicFrame>
+        <p:nvGraphicFramePr>
+          <p:cNvPr id="23" name="Tabla 22">
+            <a:extLst>
+              <a:ext uri="{FF2B5EF4-FFF2-40B4-BE49-F238E27FC236}">
+                <a16:creationId xmlns:a16="http://schemas.microsoft.com/office/drawing/2014/main" id="{A4991664-2821-0F47-B367-52DAB57225BA}"/>
+              </a:ext>
+            </a:extLst>
+          </p:cNvPr>
+          <p:cNvGraphicFramePr>
+            <a:graphicFrameLocks noGrp="1"/>
+          </p:cNvGraphicFramePr>
+          <p:nvPr>
+            <p:extLst>
+              <p:ext uri="{D42A27DB-BD31-4B8C-83A1-F6EECF244321}">
+                <p14:modId xmlns:p14="http://schemas.microsoft.com/office/powerpoint/2010/main" val="950290320"/>
+              </p:ext>
+            </p:extLst>
+          </p:nvPr>
+        </p:nvGraphicFramePr>
+        <p:xfrm>
+          <a:off x="1138111" y="1559824"/>
+          <a:ext cx="3950728" cy="3734845"/>
+        </p:xfrm>
+        <a:graphic>
+          <a:graphicData uri="http://schemas.openxmlformats.org/drawingml/2006/table">
+            <a:tbl>
+              <a:tblPr>
+                <a:noFill/>
+                <a:tableStyleId>{5C22544A-7EE6-4342-B048-85BDC9FD1C3A}</a:tableStyleId>
+              </a:tblPr>
+              <a:tblGrid>
+                <a:gridCol w="493841">
+                  <a:extLst>
+                    <a:ext uri="{9D8B030D-6E8A-4147-A177-3AD203B41FA5}">
+                      <a16:colId xmlns:a16="http://schemas.microsoft.com/office/drawing/2014/main" val="2274178778"/>
+                    </a:ext>
+                  </a:extLst>
+                </a:gridCol>
+                <a:gridCol w="493841">
+                  <a:extLst>
+                    <a:ext uri="{9D8B030D-6E8A-4147-A177-3AD203B41FA5}">
+                      <a16:colId xmlns:a16="http://schemas.microsoft.com/office/drawing/2014/main" val="3451372084"/>
+                    </a:ext>
+                  </a:extLst>
+                </a:gridCol>
+                <a:gridCol w="493841">
+                  <a:extLst>
+                    <a:ext uri="{9D8B030D-6E8A-4147-A177-3AD203B41FA5}">
+                      <a16:colId xmlns:a16="http://schemas.microsoft.com/office/drawing/2014/main" val="1162438787"/>
+                    </a:ext>
+                  </a:extLst>
+                </a:gridCol>
+                <a:gridCol w="493841">
+                  <a:extLst>
+                    <a:ext uri="{9D8B030D-6E8A-4147-A177-3AD203B41FA5}">
+                      <a16:colId xmlns:a16="http://schemas.microsoft.com/office/drawing/2014/main" val="677981758"/>
+                    </a:ext>
+                  </a:extLst>
+                </a:gridCol>
+                <a:gridCol w="493841">
+                  <a:extLst>
+                    <a:ext uri="{9D8B030D-6E8A-4147-A177-3AD203B41FA5}">
+                      <a16:colId xmlns:a16="http://schemas.microsoft.com/office/drawing/2014/main" val="3206396347"/>
+                    </a:ext>
+                  </a:extLst>
+                </a:gridCol>
+                <a:gridCol w="493841">
+                  <a:extLst>
+                    <a:ext uri="{9D8B030D-6E8A-4147-A177-3AD203B41FA5}">
+                      <a16:colId xmlns:a16="http://schemas.microsoft.com/office/drawing/2014/main" val="175919087"/>
+                    </a:ext>
+                  </a:extLst>
+                </a:gridCol>
+                <a:gridCol w="493841">
+                  <a:extLst>
+                    <a:ext uri="{9D8B030D-6E8A-4147-A177-3AD203B41FA5}">
+                      <a16:colId xmlns:a16="http://schemas.microsoft.com/office/drawing/2014/main" val="2255754315"/>
+                    </a:ext>
+                  </a:extLst>
+                </a:gridCol>
+                <a:gridCol w="493841">
+                  <a:extLst>
+                    <a:ext uri="{9D8B030D-6E8A-4147-A177-3AD203B41FA5}">
+                      <a16:colId xmlns:a16="http://schemas.microsoft.com/office/drawing/2014/main" val="2818830923"/>
+                    </a:ext>
+                  </a:extLst>
+                </a:gridCol>
+              </a:tblGrid>
+              <a:tr h="457166">
+                <a:tc>
+                  <a:txBody>
+                    <a:bodyPr/>
+                    <a:lstStyle/>
+                    <a:p>
+                      <a:pPr algn="ctr"/>
+                      <a:r>
+                        <a:rPr lang="es-ES" sz="1050" dirty="0"/>
+                        <a:t>0</a:t>
+                      </a:r>
+                    </a:p>
+                  </a:txBody>
+                  <a:tcPr anchor="ctr">
+                    <a:lnL w="12700" cap="flat" cmpd="sng" algn="ctr">
+                      <a:solidFill>
+                        <a:schemeClr val="tx1"/>
+                      </a:solidFill>
+                      <a:prstDash val="solid"/>
+                      <a:round/>
+                      <a:headEnd type="none" w="med" len="med"/>
+                      <a:tailEnd type="none" w="med" len="med"/>
+                    </a:lnL>
+                    <a:lnR w="12700" cap="flat" cmpd="sng" algn="ctr">
+                      <a:solidFill>
+                        <a:schemeClr val="tx1"/>
+                      </a:solidFill>
+                      <a:prstDash val="solid"/>
+                      <a:round/>
+                      <a:headEnd type="none" w="med" len="med"/>
+                      <a:tailEnd type="none" w="med" len="med"/>
+                    </a:lnR>
+                    <a:lnT w="12700" cap="flat" cmpd="sng" algn="ctr">
+                      <a:solidFill>
+                        <a:schemeClr val="tx1"/>
+                      </a:solidFill>
+                      <a:prstDash val="solid"/>
+                      <a:round/>
+                      <a:headEnd type="none" w="med" len="med"/>
+                      <a:tailEnd type="none" w="med" len="med"/>
+                    </a:lnT>
+                    <a:lnB w="12700" cap="flat" cmpd="sng" algn="ctr">
+                      <a:solidFill>
+                        <a:schemeClr val="tx1"/>
+                      </a:solidFill>
+                      <a:prstDash val="solid"/>
+                      <a:round/>
+                      <a:headEnd type="none" w="med" len="med"/>
+                      <a:tailEnd type="none" w="med" len="med"/>
+                    </a:lnB>
+                    <a:cell3D prstMaterial="dkEdge">
+                      <a:bevel prst="cross"/>
+                      <a:lightRig rig="flood" dir="t"/>
+                    </a:cell3D>
+                    <a:solidFill>
+                      <a:schemeClr val="accent3">
+                        <a:lumMod val="60000"/>
+                        <a:lumOff val="40000"/>
+                      </a:schemeClr>
+                    </a:solidFill>
+                  </a:tcPr>
+                </a:tc>
+                <a:tc>
+                  <a:txBody>
+                    <a:bodyPr/>
+                    <a:lstStyle/>
+                    <a:p>
+                      <a:pPr algn="ctr"/>
+                      <a:r>
+                        <a:rPr lang="es-ES" sz="1050" dirty="0"/>
+                        <a:t>0</a:t>
+                      </a:r>
+                    </a:p>
+                  </a:txBody>
+                  <a:tcPr anchor="ctr">
+                    <a:lnL w="12700" cap="flat" cmpd="sng" algn="ctr">
+                      <a:solidFill>
+                        <a:schemeClr val="tx1"/>
+                      </a:solidFill>
+                      <a:prstDash val="solid"/>
+                      <a:round/>
+                      <a:headEnd type="none" w="med" len="med"/>
+                      <a:tailEnd type="none" w="med" len="med"/>
+                    </a:lnL>
+                    <a:lnR w="12700" cap="flat" cmpd="sng" algn="ctr">
+                      <a:solidFill>
+                        <a:schemeClr val="tx1"/>
+                      </a:solidFill>
+                      <a:prstDash val="solid"/>
+                      <a:round/>
+                      <a:headEnd type="none" w="med" len="med"/>
+                      <a:tailEnd type="none" w="med" len="med"/>
+                    </a:lnR>
+                    <a:lnT w="12700" cap="flat" cmpd="sng" algn="ctr">
+                      <a:solidFill>
+                        <a:schemeClr val="tx1"/>
+                      </a:solidFill>
+                      <a:prstDash val="solid"/>
+                      <a:round/>
+                      <a:headEnd type="none" w="med" len="med"/>
+                      <a:tailEnd type="none" w="med" len="med"/>
+                    </a:lnT>
+                    <a:lnB w="12700" cap="flat" cmpd="sng" algn="ctr">
+                      <a:solidFill>
+                        <a:schemeClr val="tx1"/>
+                      </a:solidFill>
+                      <a:prstDash val="solid"/>
+                      <a:round/>
+                      <a:headEnd type="none" w="med" len="med"/>
+                      <a:tailEnd type="none" w="med" len="med"/>
+                    </a:lnB>
+                    <a:cell3D prstMaterial="dkEdge">
+                      <a:bevel prst="cross"/>
+                      <a:lightRig rig="flood" dir="t"/>
+                    </a:cell3D>
+                    <a:solidFill>
+                      <a:srgbClr val="8FAADC"/>
+                    </a:solidFill>
+                  </a:tcPr>
+                </a:tc>
+                <a:tc>
+                  <a:txBody>
+                    <a:bodyPr/>
+                    <a:lstStyle/>
+                    <a:p>
+                      <a:pPr algn="ctr"/>
+                      <a:r>
+                        <a:rPr lang="es-ES" sz="1050" dirty="0"/>
+                        <a:t>0</a:t>
+                      </a:r>
+                    </a:p>
+                  </a:txBody>
+                  <a:tcPr anchor="ctr">
+                    <a:lnL w="12700" cap="flat" cmpd="sng" algn="ctr">
+                      <a:solidFill>
+                        <a:schemeClr val="tx1"/>
+                      </a:solidFill>
+                      <a:prstDash val="solid"/>
+                      <a:round/>
+                      <a:headEnd type="none" w="med" len="med"/>
+                      <a:tailEnd type="none" w="med" len="med"/>
+                    </a:lnL>
+                    <a:lnR w="12700" cap="flat" cmpd="sng" algn="ctr">
+                      <a:solidFill>
+                        <a:schemeClr val="tx1"/>
+                      </a:solidFill>
+                      <a:prstDash val="solid"/>
+                      <a:round/>
+                      <a:headEnd type="none" w="med" len="med"/>
+                      <a:tailEnd type="none" w="med" len="med"/>
+                    </a:lnR>
+                    <a:lnT w="12700" cap="flat" cmpd="sng" algn="ctr">
+                      <a:solidFill>
+                        <a:schemeClr val="tx1"/>
+                      </a:solidFill>
+                      <a:prstDash val="solid"/>
+                      <a:round/>
+                      <a:headEnd type="none" w="med" len="med"/>
+                      <a:tailEnd type="none" w="med" len="med"/>
+                    </a:lnT>
+                    <a:lnB w="12700" cap="flat" cmpd="sng" algn="ctr">
+                      <a:solidFill>
+                        <a:schemeClr val="tx1"/>
+                      </a:solidFill>
+                      <a:prstDash val="solid"/>
+                      <a:round/>
+                      <a:headEnd type="none" w="med" len="med"/>
+                      <a:tailEnd type="none" w="med" len="med"/>
+                    </a:lnB>
+                    <a:cell3D prstMaterial="dkEdge">
+                      <a:bevel prst="cross"/>
+                      <a:lightRig rig="flood" dir="t"/>
+                    </a:cell3D>
+                    <a:solidFill>
+                      <a:srgbClr val="8FAADC"/>
+                    </a:solidFill>
+                  </a:tcPr>
+                </a:tc>
+                <a:tc>
+                  <a:txBody>
+                    <a:bodyPr/>
+                    <a:lstStyle/>
+                    <a:p>
+                      <a:pPr algn="ctr"/>
+                      <a:r>
+                        <a:rPr lang="es-ES" sz="1050" dirty="0"/>
+                        <a:t>0</a:t>
+                      </a:r>
+                    </a:p>
+                  </a:txBody>
+                  <a:tcPr anchor="ctr">
+                    <a:lnL w="12700" cap="flat" cmpd="sng" algn="ctr">
+                      <a:solidFill>
+                        <a:schemeClr val="tx1"/>
+                      </a:solidFill>
+                      <a:prstDash val="solid"/>
+                      <a:round/>
+                      <a:headEnd type="none" w="med" len="med"/>
+                      <a:tailEnd type="none" w="med" len="med"/>
+                    </a:lnL>
+                    <a:lnR w="12700" cap="flat" cmpd="sng" algn="ctr">
+                      <a:solidFill>
+                        <a:schemeClr val="tx1"/>
+                      </a:solidFill>
+                      <a:prstDash val="solid"/>
+                      <a:round/>
+                      <a:headEnd type="none" w="med" len="med"/>
+                      <a:tailEnd type="none" w="med" len="med"/>
+                    </a:lnR>
+                    <a:lnT w="12700" cap="flat" cmpd="sng" algn="ctr">
+                      <a:solidFill>
+                        <a:schemeClr val="tx1"/>
+                      </a:solidFill>
+                      <a:prstDash val="solid"/>
+                      <a:round/>
+                      <a:headEnd type="none" w="med" len="med"/>
+                      <a:tailEnd type="none" w="med" len="med"/>
+                    </a:lnT>
+                    <a:lnB w="12700" cap="flat" cmpd="sng" algn="ctr">
+                      <a:solidFill>
+                        <a:schemeClr val="tx1"/>
+                      </a:solidFill>
+                      <a:prstDash val="solid"/>
+                      <a:round/>
+                      <a:headEnd type="none" w="med" len="med"/>
+                      <a:tailEnd type="none" w="med" len="med"/>
+                    </a:lnB>
+                    <a:solidFill>
+                      <a:srgbClr val="8FAADC"/>
+                    </a:solidFill>
+                  </a:tcPr>
+                </a:tc>
+                <a:tc>
+                  <a:txBody>
+                    <a:bodyPr/>
+                    <a:lstStyle/>
+                    <a:p>
+                      <a:pPr algn="ctr"/>
+                      <a:r>
+                        <a:rPr lang="es-ES" sz="1050" dirty="0"/>
+                        <a:t>0</a:t>
+                      </a:r>
+                    </a:p>
+                  </a:txBody>
+                  <a:tcPr anchor="ctr">
+                    <a:lnL w="12700" cap="flat" cmpd="sng" algn="ctr">
+                      <a:solidFill>
+                        <a:schemeClr val="tx1"/>
+                      </a:solidFill>
+                      <a:prstDash val="solid"/>
+                      <a:round/>
+                      <a:headEnd type="none" w="med" len="med"/>
+                      <a:tailEnd type="none" w="med" len="med"/>
+                    </a:lnL>
+                    <a:lnR w="12700" cap="flat" cmpd="sng" algn="ctr">
+                      <a:solidFill>
+                        <a:schemeClr val="tx1"/>
+                      </a:solidFill>
+                      <a:prstDash val="solid"/>
+                      <a:round/>
+                      <a:headEnd type="none" w="med" len="med"/>
+                      <a:tailEnd type="none" w="med" len="med"/>
+                    </a:lnR>
+                    <a:lnT w="12700" cap="flat" cmpd="sng" algn="ctr">
+                      <a:solidFill>
+                        <a:schemeClr val="tx1"/>
+                      </a:solidFill>
+                      <a:prstDash val="solid"/>
+                      <a:round/>
+                      <a:headEnd type="none" w="med" len="med"/>
+                      <a:tailEnd type="none" w="med" len="med"/>
+                    </a:lnT>
+                    <a:lnB w="12700" cap="flat" cmpd="sng" algn="ctr">
+                      <a:solidFill>
+                        <a:schemeClr val="tx1"/>
+                      </a:solidFill>
+                      <a:prstDash val="solid"/>
+                      <a:round/>
+                      <a:headEnd type="none" w="med" len="med"/>
+                      <a:tailEnd type="none" w="med" len="med"/>
+                    </a:lnB>
+                    <a:solidFill>
+                      <a:srgbClr val="C9C9C9"/>
+                    </a:solidFill>
+                  </a:tcPr>
+                </a:tc>
+                <a:tc>
+                  <a:txBody>
+                    <a:bodyPr/>
+                    <a:lstStyle/>
+                    <a:p>
+                      <a:pPr algn="ctr"/>
+                      <a:r>
+                        <a:rPr lang="es-ES" sz="1050" dirty="0"/>
+                        <a:t>0</a:t>
+                      </a:r>
+                    </a:p>
+                  </a:txBody>
+                  <a:tcPr anchor="ctr">
+                    <a:lnL w="12700" cap="flat" cmpd="sng" algn="ctr">
+                      <a:solidFill>
+                        <a:schemeClr val="tx1"/>
+                      </a:solidFill>
+                      <a:prstDash val="solid"/>
+                      <a:round/>
+                      <a:headEnd type="none" w="med" len="med"/>
+                      <a:tailEnd type="none" w="med" len="med"/>
+                    </a:lnL>
+                    <a:lnR w="12700" cap="flat" cmpd="sng" algn="ctr">
+                      <a:solidFill>
+                        <a:schemeClr val="tx1"/>
+                      </a:solidFill>
+                      <a:prstDash val="solid"/>
+                      <a:round/>
+                      <a:headEnd type="none" w="med" len="med"/>
+                      <a:tailEnd type="none" w="med" len="med"/>
+                    </a:lnR>
+                    <a:lnT w="12700" cap="flat" cmpd="sng" algn="ctr">
+                      <a:solidFill>
+                        <a:schemeClr val="tx1"/>
+                      </a:solidFill>
+                      <a:prstDash val="solid"/>
+                      <a:round/>
+                      <a:headEnd type="none" w="med" len="med"/>
+                      <a:tailEnd type="none" w="med" len="med"/>
+                    </a:lnT>
+                    <a:lnB w="12700" cap="flat" cmpd="sng" algn="ctr">
+                      <a:solidFill>
+                        <a:schemeClr val="tx1"/>
+                      </a:solidFill>
+                      <a:prstDash val="solid"/>
+                      <a:round/>
+                      <a:headEnd type="none" w="med" len="med"/>
+                      <a:tailEnd type="none" w="med" len="med"/>
+                    </a:lnB>
+                    <a:solidFill>
+                      <a:srgbClr val="C9C9C9"/>
+                    </a:solidFill>
+                  </a:tcPr>
+                </a:tc>
+                <a:tc>
+                  <a:txBody>
+                    <a:bodyPr/>
+                    <a:lstStyle/>
+                    <a:p>
+                      <a:pPr algn="ctr"/>
+                      <a:r>
+                        <a:rPr lang="es-ES" sz="1050" dirty="0"/>
+                        <a:t>0</a:t>
+                      </a:r>
+                    </a:p>
+                  </a:txBody>
+                  <a:tcPr anchor="ctr">
+                    <a:lnL w="12700" cap="flat" cmpd="sng" algn="ctr">
+                      <a:solidFill>
+                        <a:schemeClr val="tx1"/>
+                      </a:solidFill>
+                      <a:prstDash val="solid"/>
+                      <a:round/>
+                      <a:headEnd type="none" w="med" len="med"/>
+                      <a:tailEnd type="none" w="med" len="med"/>
+                    </a:lnL>
+                    <a:lnR w="12700" cap="flat" cmpd="sng" algn="ctr">
+                      <a:solidFill>
+                        <a:schemeClr val="tx1"/>
+                      </a:solidFill>
+                      <a:prstDash val="solid"/>
+                      <a:round/>
+                      <a:headEnd type="none" w="med" len="med"/>
+                      <a:tailEnd type="none" w="med" len="med"/>
+                    </a:lnR>
+                    <a:lnT w="12700" cap="flat" cmpd="sng" algn="ctr">
+                      <a:solidFill>
+                        <a:schemeClr val="tx1"/>
+                      </a:solidFill>
+                      <a:prstDash val="solid"/>
+                      <a:round/>
+                      <a:headEnd type="none" w="med" len="med"/>
+                      <a:tailEnd type="none" w="med" len="med"/>
+                    </a:lnT>
+                    <a:lnB w="12700" cap="flat" cmpd="sng" algn="ctr">
+                      <a:solidFill>
+                        <a:schemeClr val="tx1"/>
+                      </a:solidFill>
+                      <a:prstDash val="solid"/>
+                      <a:round/>
+                      <a:headEnd type="none" w="med" len="med"/>
+                      <a:tailEnd type="none" w="med" len="med"/>
+                    </a:lnB>
+                    <a:solidFill>
+                      <a:schemeClr val="accent3">
+                        <a:lumMod val="60000"/>
+                        <a:lumOff val="40000"/>
+                      </a:schemeClr>
+                    </a:solidFill>
+                  </a:tcPr>
+                </a:tc>
+                <a:tc>
+                  <a:txBody>
+                    <a:bodyPr/>
+                    <a:lstStyle/>
+                    <a:p>
+                      <a:pPr algn="ctr"/>
+                      <a:r>
+                        <a:rPr lang="es-ES" sz="1050" dirty="0"/>
+                        <a:t>0</a:t>
+                      </a:r>
+                    </a:p>
+                  </a:txBody>
+                  <a:tcPr anchor="ctr">
+                    <a:lnL w="12700" cap="flat" cmpd="sng" algn="ctr">
+                      <a:solidFill>
+                        <a:schemeClr val="tx1"/>
+                      </a:solidFill>
+                      <a:prstDash val="solid"/>
+                      <a:round/>
+                      <a:headEnd type="none" w="med" len="med"/>
+                      <a:tailEnd type="none" w="med" len="med"/>
+                    </a:lnL>
+                    <a:lnR w="12700" cap="flat" cmpd="sng" algn="ctr">
+                      <a:solidFill>
+                        <a:schemeClr val="tx1"/>
+                      </a:solidFill>
+                      <a:prstDash val="solid"/>
+                      <a:round/>
+                      <a:headEnd type="none" w="med" len="med"/>
+                      <a:tailEnd type="none" w="med" len="med"/>
+                    </a:lnR>
+                    <a:lnT w="12700" cap="flat" cmpd="sng" algn="ctr">
+                      <a:solidFill>
+                        <a:schemeClr val="tx1"/>
+                      </a:solidFill>
+                      <a:prstDash val="solid"/>
+                      <a:round/>
+                      <a:headEnd type="none" w="med" len="med"/>
+                      <a:tailEnd type="none" w="med" len="med"/>
+                    </a:lnT>
+                    <a:lnB w="12700" cap="flat" cmpd="sng" algn="ctr">
+                      <a:solidFill>
+                        <a:schemeClr val="tx1"/>
+                      </a:solidFill>
+                      <a:prstDash val="solid"/>
+                      <a:round/>
+                      <a:headEnd type="none" w="med" len="med"/>
+                      <a:tailEnd type="none" w="med" len="med"/>
+                    </a:lnB>
+                    <a:solidFill>
+                      <a:schemeClr val="accent3">
+                        <a:lumMod val="60000"/>
+                        <a:lumOff val="40000"/>
+                      </a:schemeClr>
+                    </a:solidFill>
+                  </a:tcPr>
+                </a:tc>
+                <a:extLst>
+                  <a:ext uri="{0D108BD9-81ED-4DB2-BD59-A6C34878D82A}">
+                    <a16:rowId xmlns:a16="http://schemas.microsoft.com/office/drawing/2014/main" val="1036938673"/>
+                  </a:ext>
+                </a:extLst>
+              </a:tr>
+              <a:tr h="457166">
+                <a:tc>
+                  <a:txBody>
+                    <a:bodyPr/>
+                    <a:lstStyle/>
+                    <a:p>
+                      <a:pPr algn="ctr"/>
+                      <a:r>
+                        <a:rPr lang="es-ES" sz="1050" dirty="0"/>
+                        <a:t>0</a:t>
+                      </a:r>
+                    </a:p>
+                  </a:txBody>
+                  <a:tcPr anchor="ctr">
+                    <a:lnL w="12700" cap="flat" cmpd="sng" algn="ctr">
+                      <a:solidFill>
+                        <a:schemeClr val="tx1"/>
+                      </a:solidFill>
+                      <a:prstDash val="solid"/>
+                      <a:round/>
+                      <a:headEnd type="none" w="med" len="med"/>
+                      <a:tailEnd type="none" w="med" len="med"/>
+                    </a:lnL>
+                    <a:lnR w="12700" cap="flat" cmpd="sng" algn="ctr">
+                      <a:solidFill>
+                        <a:schemeClr val="tx1"/>
+                      </a:solidFill>
+                      <a:prstDash val="solid"/>
+                      <a:round/>
+                      <a:headEnd type="none" w="med" len="med"/>
+                      <a:tailEnd type="none" w="med" len="med"/>
+                    </a:lnR>
+                    <a:lnT w="12700" cap="flat" cmpd="sng" algn="ctr">
+                      <a:solidFill>
+                        <a:schemeClr val="tx1"/>
+                      </a:solidFill>
+                      <a:prstDash val="solid"/>
+                      <a:round/>
+                      <a:headEnd type="none" w="med" len="med"/>
+                      <a:tailEnd type="none" w="med" len="med"/>
+                    </a:lnT>
+                    <a:lnB w="12700" cap="flat" cmpd="sng" algn="ctr">
+                      <a:solidFill>
+                        <a:schemeClr val="tx1"/>
+                      </a:solidFill>
+                      <a:prstDash val="solid"/>
+                      <a:round/>
+                      <a:headEnd type="none" w="med" len="med"/>
+                      <a:tailEnd type="none" w="med" len="med"/>
+                    </a:lnB>
+                    <a:cell3D prstMaterial="dkEdge">
+                      <a:bevel prst="cross"/>
+                      <a:lightRig rig="flood" dir="t"/>
+                    </a:cell3D>
+                    <a:solidFill>
+                      <a:schemeClr val="accent3">
+                        <a:lumMod val="60000"/>
+                        <a:lumOff val="40000"/>
+                      </a:schemeClr>
+                    </a:solidFill>
+                  </a:tcPr>
+                </a:tc>
+                <a:tc>
+                  <a:txBody>
+                    <a:bodyPr/>
+                    <a:lstStyle/>
+                    <a:p>
+                      <a:pPr algn="ctr"/>
+                      <a:r>
+                        <a:rPr lang="es-ES" sz="1050" dirty="0"/>
+                        <a:t>0</a:t>
+                      </a:r>
+                    </a:p>
+                  </a:txBody>
+                  <a:tcPr anchor="ctr">
+                    <a:lnL w="12700" cap="flat" cmpd="sng" algn="ctr">
+                      <a:solidFill>
+                        <a:schemeClr val="tx1"/>
+                      </a:solidFill>
+                      <a:prstDash val="solid"/>
+                      <a:round/>
+                      <a:headEnd type="none" w="med" len="med"/>
+                      <a:tailEnd type="none" w="med" len="med"/>
+                    </a:lnL>
+                    <a:lnR w="12700" cap="flat" cmpd="sng" algn="ctr">
+                      <a:solidFill>
+                        <a:schemeClr val="tx1"/>
+                      </a:solidFill>
+                      <a:prstDash val="solid"/>
+                      <a:round/>
+                      <a:headEnd type="none" w="med" len="med"/>
+                      <a:tailEnd type="none" w="med" len="med"/>
+                    </a:lnR>
+                    <a:lnT w="12700" cap="flat" cmpd="sng" algn="ctr">
+                      <a:solidFill>
+                        <a:schemeClr val="tx1"/>
+                      </a:solidFill>
+                      <a:prstDash val="solid"/>
+                      <a:round/>
+                      <a:headEnd type="none" w="med" len="med"/>
+                      <a:tailEnd type="none" w="med" len="med"/>
+                    </a:lnT>
+                    <a:lnB w="12700" cap="flat" cmpd="sng" algn="ctr">
+                      <a:solidFill>
+                        <a:schemeClr val="tx1"/>
+                      </a:solidFill>
+                      <a:prstDash val="solid"/>
+                      <a:round/>
+                      <a:headEnd type="none" w="med" len="med"/>
+                      <a:tailEnd type="none" w="med" len="med"/>
+                    </a:lnB>
+                    <a:cell3D prstMaterial="dkEdge">
+                      <a:bevel prst="cross"/>
+                      <a:lightRig rig="flood" dir="t"/>
+                    </a:cell3D>
+                    <a:solidFill>
+                      <a:srgbClr val="8FAADC"/>
+                    </a:solidFill>
+                  </a:tcPr>
+                </a:tc>
+                <a:tc>
+                  <a:txBody>
+                    <a:bodyPr/>
+                    <a:lstStyle/>
+                    <a:p>
+                      <a:pPr algn="ctr"/>
+                      <a:r>
+                        <a:rPr lang="es-ES" sz="1050" dirty="0"/>
+                        <a:t>0</a:t>
+                      </a:r>
+                    </a:p>
+                  </a:txBody>
+                  <a:tcPr anchor="ctr">
+                    <a:lnL w="12700" cap="flat" cmpd="sng" algn="ctr">
+                      <a:solidFill>
+                        <a:schemeClr val="tx1"/>
+                      </a:solidFill>
+                      <a:prstDash val="solid"/>
+                      <a:round/>
+                      <a:headEnd type="none" w="med" len="med"/>
+                      <a:tailEnd type="none" w="med" len="med"/>
+                    </a:lnL>
+                    <a:lnR w="12700" cap="flat" cmpd="sng" algn="ctr">
+                      <a:solidFill>
+                        <a:schemeClr val="tx1"/>
+                      </a:solidFill>
+                      <a:prstDash val="solid"/>
+                      <a:round/>
+                      <a:headEnd type="none" w="med" len="med"/>
+                      <a:tailEnd type="none" w="med" len="med"/>
+                    </a:lnR>
+                    <a:lnT w="12700" cap="flat" cmpd="sng" algn="ctr">
+                      <a:solidFill>
+                        <a:schemeClr val="tx1"/>
+                      </a:solidFill>
+                      <a:prstDash val="solid"/>
+                      <a:round/>
+                      <a:headEnd type="none" w="med" len="med"/>
+                      <a:tailEnd type="none" w="med" len="med"/>
+                    </a:lnT>
+                    <a:lnB w="12700" cap="flat" cmpd="sng" algn="ctr">
+                      <a:solidFill>
+                        <a:schemeClr val="tx1"/>
+                      </a:solidFill>
+                      <a:prstDash val="solid"/>
+                      <a:round/>
+                      <a:headEnd type="none" w="med" len="med"/>
+                      <a:tailEnd type="none" w="med" len="med"/>
+                    </a:lnB>
+                    <a:cell3D prstMaterial="dkEdge">
+                      <a:bevel prst="cross"/>
+                      <a:lightRig rig="flood" dir="t"/>
+                    </a:cell3D>
+                    <a:solidFill>
+                      <a:srgbClr val="8FAADC"/>
+                    </a:solidFill>
+                  </a:tcPr>
+                </a:tc>
+                <a:tc>
+                  <a:txBody>
+                    <a:bodyPr/>
+                    <a:lstStyle/>
+                    <a:p>
+                      <a:pPr algn="ctr"/>
+                      <a:r>
+                        <a:rPr lang="es-ES" sz="1050" dirty="0"/>
+                        <a:t>0</a:t>
+                      </a:r>
+                    </a:p>
+                  </a:txBody>
+                  <a:tcPr anchor="ctr">
+                    <a:lnL w="12700" cap="flat" cmpd="sng" algn="ctr">
+                      <a:solidFill>
+                        <a:schemeClr val="tx1"/>
+                      </a:solidFill>
+                      <a:prstDash val="solid"/>
+                      <a:round/>
+                      <a:headEnd type="none" w="med" len="med"/>
+                      <a:tailEnd type="none" w="med" len="med"/>
+                    </a:lnL>
+                    <a:lnR w="12700" cap="flat" cmpd="sng" algn="ctr">
+                      <a:solidFill>
+                        <a:schemeClr val="tx1"/>
+                      </a:solidFill>
+                      <a:prstDash val="solid"/>
+                      <a:round/>
+                      <a:headEnd type="none" w="med" len="med"/>
+                      <a:tailEnd type="none" w="med" len="med"/>
+                    </a:lnR>
+                    <a:lnT w="12700" cap="flat" cmpd="sng" algn="ctr">
+                      <a:solidFill>
+                        <a:schemeClr val="tx1"/>
+                      </a:solidFill>
+                      <a:prstDash val="solid"/>
+                      <a:round/>
+                      <a:headEnd type="none" w="med" len="med"/>
+                      <a:tailEnd type="none" w="med" len="med"/>
+                    </a:lnT>
+                    <a:lnB w="12700" cap="flat" cmpd="sng" algn="ctr">
+                      <a:solidFill>
+                        <a:schemeClr val="tx1"/>
+                      </a:solidFill>
+                      <a:prstDash val="solid"/>
+                      <a:round/>
+                      <a:headEnd type="none" w="med" len="med"/>
+                      <a:tailEnd type="none" w="med" len="med"/>
+                    </a:lnB>
+                    <a:solidFill>
+                      <a:srgbClr val="8FAADC"/>
+                    </a:solidFill>
+                  </a:tcPr>
+                </a:tc>
+                <a:tc>
+                  <a:txBody>
+                    <a:bodyPr/>
+                    <a:lstStyle/>
+                    <a:p>
+                      <a:pPr algn="ctr"/>
+                      <a:r>
+                        <a:rPr lang="es-ES" sz="1050" dirty="0"/>
+                        <a:t>0</a:t>
+                      </a:r>
+                    </a:p>
+                  </a:txBody>
+                  <a:tcPr anchor="ctr">
+                    <a:lnL w="12700" cap="flat" cmpd="sng" algn="ctr">
+                      <a:solidFill>
+                        <a:schemeClr val="tx1"/>
+                      </a:solidFill>
+                      <a:prstDash val="solid"/>
+                      <a:round/>
+                      <a:headEnd type="none" w="med" len="med"/>
+                      <a:tailEnd type="none" w="med" len="med"/>
+                    </a:lnL>
+                    <a:lnR w="12700" cap="flat" cmpd="sng" algn="ctr">
+                      <a:solidFill>
+                        <a:schemeClr val="tx1"/>
+                      </a:solidFill>
+                      <a:prstDash val="solid"/>
+                      <a:round/>
+                      <a:headEnd type="none" w="med" len="med"/>
+                      <a:tailEnd type="none" w="med" len="med"/>
+                    </a:lnR>
+                    <a:lnT w="12700" cap="flat" cmpd="sng" algn="ctr">
+                      <a:solidFill>
+                        <a:schemeClr val="tx1"/>
+                      </a:solidFill>
+                      <a:prstDash val="solid"/>
+                      <a:round/>
+                      <a:headEnd type="none" w="med" len="med"/>
+                      <a:tailEnd type="none" w="med" len="med"/>
+                    </a:lnT>
+                    <a:lnB w="12700" cap="flat" cmpd="sng" algn="ctr">
+                      <a:solidFill>
+                        <a:schemeClr val="tx1"/>
+                      </a:solidFill>
+                      <a:prstDash val="solid"/>
+                      <a:round/>
+                      <a:headEnd type="none" w="med" len="med"/>
+                      <a:tailEnd type="none" w="med" len="med"/>
+                    </a:lnB>
+                    <a:solidFill>
+                      <a:srgbClr val="C9C9C9"/>
+                    </a:solidFill>
+                  </a:tcPr>
+                </a:tc>
+                <a:tc>
+                  <a:txBody>
+                    <a:bodyPr/>
+                    <a:lstStyle/>
+                    <a:p>
+                      <a:pPr algn="ctr"/>
+                      <a:r>
+                        <a:rPr lang="es-ES" sz="1050" dirty="0"/>
+                        <a:t>0</a:t>
+                      </a:r>
+                    </a:p>
+                  </a:txBody>
+                  <a:tcPr anchor="ctr">
+                    <a:lnL w="12700" cap="flat" cmpd="sng" algn="ctr">
+                      <a:solidFill>
+                        <a:schemeClr val="tx1"/>
+                      </a:solidFill>
+                      <a:prstDash val="solid"/>
+                      <a:round/>
+                      <a:headEnd type="none" w="med" len="med"/>
+                      <a:tailEnd type="none" w="med" len="med"/>
+                    </a:lnL>
+                    <a:lnR w="12700" cap="flat" cmpd="sng" algn="ctr">
+                      <a:solidFill>
+                        <a:schemeClr val="tx1"/>
+                      </a:solidFill>
+                      <a:prstDash val="solid"/>
+                      <a:round/>
+                      <a:headEnd type="none" w="med" len="med"/>
+                      <a:tailEnd type="none" w="med" len="med"/>
+                    </a:lnR>
+                    <a:lnT w="12700" cap="flat" cmpd="sng" algn="ctr">
+                      <a:solidFill>
+                        <a:schemeClr val="tx1"/>
+                      </a:solidFill>
+                      <a:prstDash val="solid"/>
+                      <a:round/>
+                      <a:headEnd type="none" w="med" len="med"/>
+                      <a:tailEnd type="none" w="med" len="med"/>
+                    </a:lnT>
+                    <a:lnB w="12700" cap="flat" cmpd="sng" algn="ctr">
+                      <a:solidFill>
+                        <a:schemeClr val="tx1"/>
+                      </a:solidFill>
+                      <a:prstDash val="solid"/>
+                      <a:round/>
+                      <a:headEnd type="none" w="med" len="med"/>
+                      <a:tailEnd type="none" w="med" len="med"/>
+                    </a:lnB>
+                    <a:solidFill>
+                      <a:srgbClr val="C9C9C9"/>
+                    </a:solidFill>
+                  </a:tcPr>
+                </a:tc>
+                <a:tc>
+                  <a:txBody>
+                    <a:bodyPr/>
+                    <a:lstStyle/>
+                    <a:p>
+                      <a:pPr algn="ctr"/>
+                      <a:r>
+                        <a:rPr lang="es-ES" sz="1050" dirty="0"/>
+                        <a:t>0</a:t>
+                      </a:r>
+                    </a:p>
+                  </a:txBody>
+                  <a:tcPr anchor="ctr">
+                    <a:lnL w="12700" cap="flat" cmpd="sng" algn="ctr">
+                      <a:solidFill>
+                        <a:schemeClr val="tx1"/>
+                      </a:solidFill>
+                      <a:prstDash val="solid"/>
+                      <a:round/>
+                      <a:headEnd type="none" w="med" len="med"/>
+                      <a:tailEnd type="none" w="med" len="med"/>
+                    </a:lnL>
+                    <a:lnR w="12700" cap="flat" cmpd="sng" algn="ctr">
+                      <a:solidFill>
+                        <a:schemeClr val="tx1"/>
+                      </a:solidFill>
+                      <a:prstDash val="solid"/>
+                      <a:round/>
+                      <a:headEnd type="none" w="med" len="med"/>
+                      <a:tailEnd type="none" w="med" len="med"/>
+                    </a:lnR>
+                    <a:lnT w="12700" cap="flat" cmpd="sng" algn="ctr">
+                      <a:solidFill>
+                        <a:schemeClr val="tx1"/>
+                      </a:solidFill>
+                      <a:prstDash val="solid"/>
+                      <a:round/>
+                      <a:headEnd type="none" w="med" len="med"/>
+                      <a:tailEnd type="none" w="med" len="med"/>
+                    </a:lnT>
+                    <a:lnB w="12700" cap="flat" cmpd="sng" algn="ctr">
+                      <a:solidFill>
+                        <a:schemeClr val="tx1"/>
+                      </a:solidFill>
+                      <a:prstDash val="solid"/>
+                      <a:round/>
+                      <a:headEnd type="none" w="med" len="med"/>
+                      <a:tailEnd type="none" w="med" len="med"/>
+                    </a:lnB>
+                    <a:solidFill>
+                      <a:schemeClr val="accent3">
+                        <a:lumMod val="60000"/>
+                        <a:lumOff val="40000"/>
+                      </a:schemeClr>
+                    </a:solidFill>
+                  </a:tcPr>
+                </a:tc>
+                <a:tc>
+                  <a:txBody>
+                    <a:bodyPr/>
+                    <a:lstStyle/>
+                    <a:p>
+                      <a:pPr algn="ctr"/>
+                      <a:r>
+                        <a:rPr lang="es-ES" sz="1050" dirty="0"/>
+                        <a:t>0</a:t>
+                      </a:r>
+                    </a:p>
+                  </a:txBody>
+                  <a:tcPr anchor="ctr">
+                    <a:lnL w="12700" cap="flat" cmpd="sng" algn="ctr">
+                      <a:solidFill>
+                        <a:schemeClr val="tx1"/>
+                      </a:solidFill>
+                      <a:prstDash val="solid"/>
+                      <a:round/>
+                      <a:headEnd type="none" w="med" len="med"/>
+                      <a:tailEnd type="none" w="med" len="med"/>
+                    </a:lnL>
+                    <a:lnR w="12700" cap="flat" cmpd="sng" algn="ctr">
+                      <a:solidFill>
+                        <a:schemeClr val="tx1"/>
+                      </a:solidFill>
+                      <a:prstDash val="solid"/>
+                      <a:round/>
+                      <a:headEnd type="none" w="med" len="med"/>
+                      <a:tailEnd type="none" w="med" len="med"/>
+                    </a:lnR>
+                    <a:lnT w="12700" cap="flat" cmpd="sng" algn="ctr">
+                      <a:solidFill>
+                        <a:schemeClr val="tx1"/>
+                      </a:solidFill>
+                      <a:prstDash val="solid"/>
+                      <a:round/>
+                      <a:headEnd type="none" w="med" len="med"/>
+                      <a:tailEnd type="none" w="med" len="med"/>
+                    </a:lnT>
+                    <a:lnB w="12700" cap="flat" cmpd="sng" algn="ctr">
+                      <a:solidFill>
+                        <a:schemeClr val="tx1"/>
+                      </a:solidFill>
+                      <a:prstDash val="solid"/>
+                      <a:round/>
+                      <a:headEnd type="none" w="med" len="med"/>
+                      <a:tailEnd type="none" w="med" len="med"/>
+                    </a:lnB>
+                    <a:solidFill>
+                      <a:schemeClr val="accent3">
+                        <a:lumMod val="60000"/>
+                        <a:lumOff val="40000"/>
+                      </a:schemeClr>
+                    </a:solidFill>
+                  </a:tcPr>
+                </a:tc>
+                <a:extLst>
+                  <a:ext uri="{0D108BD9-81ED-4DB2-BD59-A6C34878D82A}">
+                    <a16:rowId xmlns:a16="http://schemas.microsoft.com/office/drawing/2014/main" val="2803611539"/>
+                  </a:ext>
+                </a:extLst>
+              </a:tr>
+              <a:tr h="483005">
+                <a:tc>
+                  <a:txBody>
+                    <a:bodyPr/>
+                    <a:lstStyle/>
+                    <a:p>
+                      <a:pPr algn="ctr"/>
+                      <a:r>
+                        <a:rPr lang="es-ES" sz="1050" dirty="0"/>
+                        <a:t>0</a:t>
+                      </a:r>
+                    </a:p>
+                  </a:txBody>
+                  <a:tcPr anchor="ctr">
+                    <a:lnL w="12700" cap="flat" cmpd="sng" algn="ctr">
+                      <a:solidFill>
+                        <a:schemeClr val="tx1"/>
+                      </a:solidFill>
+                      <a:prstDash val="solid"/>
+                      <a:round/>
+                      <a:headEnd type="none" w="med" len="med"/>
+                      <a:tailEnd type="none" w="med" len="med"/>
+                    </a:lnL>
+                    <a:lnR w="12700" cap="flat" cmpd="sng" algn="ctr">
+                      <a:solidFill>
+                        <a:schemeClr val="tx1"/>
+                      </a:solidFill>
+                      <a:prstDash val="solid"/>
+                      <a:round/>
+                      <a:headEnd type="none" w="med" len="med"/>
+                      <a:tailEnd type="none" w="med" len="med"/>
+                    </a:lnR>
+                    <a:lnT w="12700" cap="flat" cmpd="sng" algn="ctr">
+                      <a:solidFill>
+                        <a:schemeClr val="tx1"/>
+                      </a:solidFill>
+                      <a:prstDash val="solid"/>
+                      <a:round/>
+                      <a:headEnd type="none" w="med" len="med"/>
+                      <a:tailEnd type="none" w="med" len="med"/>
+                    </a:lnT>
+                    <a:lnB w="12700" cap="flat" cmpd="sng" algn="ctr">
+                      <a:solidFill>
+                        <a:schemeClr val="tx1"/>
+                      </a:solidFill>
+                      <a:prstDash val="solid"/>
+                      <a:round/>
+                      <a:headEnd type="none" w="med" len="med"/>
+                      <a:tailEnd type="none" w="med" len="med"/>
+                    </a:lnB>
+                    <a:cell3D prstMaterial="dkEdge">
+                      <a:bevel prst="cross"/>
+                      <a:lightRig rig="flood" dir="t"/>
+                    </a:cell3D>
+                    <a:solidFill>
+                      <a:schemeClr val="bg2">
+                        <a:lumMod val="90000"/>
+                      </a:schemeClr>
+                    </a:solidFill>
+                  </a:tcPr>
+                </a:tc>
+                <a:tc>
+                  <a:txBody>
+                    <a:bodyPr/>
+                    <a:lstStyle/>
+                    <a:p>
+                      <a:pPr algn="ctr"/>
+                      <a:r>
+                        <a:rPr lang="es-ES" sz="1050" dirty="0"/>
+                        <a:t>0</a:t>
+                      </a:r>
+                    </a:p>
+                  </a:txBody>
+                  <a:tcPr anchor="ctr">
+                    <a:lnL w="12700" cap="flat" cmpd="sng" algn="ctr">
+                      <a:solidFill>
+                        <a:schemeClr val="tx1"/>
+                      </a:solidFill>
+                      <a:prstDash val="solid"/>
+                      <a:round/>
+                      <a:headEnd type="none" w="med" len="med"/>
+                      <a:tailEnd type="none" w="med" len="med"/>
+                    </a:lnL>
+                    <a:lnR w="12700" cap="flat" cmpd="sng" algn="ctr">
+                      <a:solidFill>
+                        <a:schemeClr val="tx1"/>
+                      </a:solidFill>
+                      <a:prstDash val="solid"/>
+                      <a:round/>
+                      <a:headEnd type="none" w="med" len="med"/>
+                      <a:tailEnd type="none" w="med" len="med"/>
+                    </a:lnR>
+                    <a:lnT w="12700" cap="flat" cmpd="sng" algn="ctr">
+                      <a:solidFill>
+                        <a:schemeClr val="tx1"/>
+                      </a:solidFill>
+                      <a:prstDash val="solid"/>
+                      <a:round/>
+                      <a:headEnd type="none" w="med" len="med"/>
+                      <a:tailEnd type="none" w="med" len="med"/>
+                    </a:lnT>
+                    <a:lnB w="12700" cap="flat" cmpd="sng" algn="ctr">
+                      <a:solidFill>
+                        <a:schemeClr val="tx1"/>
+                      </a:solidFill>
+                      <a:prstDash val="solid"/>
+                      <a:round/>
+                      <a:headEnd type="none" w="med" len="med"/>
+                      <a:tailEnd type="none" w="med" len="med"/>
+                    </a:lnB>
+                    <a:cell3D prstMaterial="dkEdge">
+                      <a:bevel prst="cross"/>
+                      <a:lightRig rig="flood" dir="t"/>
+                    </a:cell3D>
+                    <a:solidFill>
+                      <a:srgbClr val="8FAADC"/>
+                    </a:solidFill>
+                  </a:tcPr>
+                </a:tc>
+                <a:tc>
+                  <a:txBody>
+                    <a:bodyPr/>
+                    <a:lstStyle/>
+                    <a:p>
+                      <a:pPr algn="ctr"/>
+                      <a:r>
+                        <a:rPr lang="es-ES" sz="1050" dirty="0"/>
+                        <a:t>98</a:t>
+                      </a:r>
+                    </a:p>
+                  </a:txBody>
+                  <a:tcPr anchor="ctr">
+                    <a:lnL w="12700" cap="flat" cmpd="sng" algn="ctr">
+                      <a:solidFill>
+                        <a:schemeClr val="tx1"/>
+                      </a:solidFill>
+                      <a:prstDash val="solid"/>
+                      <a:round/>
+                      <a:headEnd type="none" w="med" len="med"/>
+                      <a:tailEnd type="none" w="med" len="med"/>
+                    </a:lnL>
+                    <a:lnR w="12700" cap="flat" cmpd="sng" algn="ctr">
+                      <a:solidFill>
+                        <a:schemeClr val="tx1"/>
+                      </a:solidFill>
+                      <a:prstDash val="solid"/>
+                      <a:round/>
+                      <a:headEnd type="none" w="med" len="med"/>
+                      <a:tailEnd type="none" w="med" len="med"/>
+                    </a:lnR>
+                    <a:lnT w="12700" cap="flat" cmpd="sng" algn="ctr">
+                      <a:solidFill>
+                        <a:schemeClr val="tx1"/>
+                      </a:solidFill>
+                      <a:prstDash val="solid"/>
+                      <a:round/>
+                      <a:headEnd type="none" w="med" len="med"/>
+                      <a:tailEnd type="none" w="med" len="med"/>
+                    </a:lnT>
+                    <a:lnB w="12700" cap="flat" cmpd="sng" algn="ctr">
+                      <a:solidFill>
+                        <a:schemeClr val="tx1"/>
+                      </a:solidFill>
+                      <a:prstDash val="solid"/>
+                      <a:round/>
+                      <a:headEnd type="none" w="med" len="med"/>
+                      <a:tailEnd type="none" w="med" len="med"/>
+                    </a:lnB>
+                    <a:cell3D prstMaterial="dkEdge">
+                      <a:bevel prst="cross"/>
+                      <a:lightRig rig="flood" dir="t"/>
+                    </a:cell3D>
+                    <a:solidFill>
+                      <a:srgbClr val="8FAADC"/>
+                    </a:solidFill>
+                  </a:tcPr>
+                </a:tc>
+                <a:tc>
+                  <a:txBody>
+                    <a:bodyPr/>
+                    <a:lstStyle/>
+                    <a:p>
+                      <a:pPr algn="ctr"/>
+                      <a:r>
+                        <a:rPr lang="es-ES" sz="1050" dirty="0"/>
+                        <a:t>252</a:t>
+                      </a:r>
+                    </a:p>
+                  </a:txBody>
+                  <a:tcPr anchor="ctr">
+                    <a:lnL w="12700" cap="flat" cmpd="sng" algn="ctr">
+                      <a:solidFill>
+                        <a:schemeClr val="tx1"/>
+                      </a:solidFill>
+                      <a:prstDash val="solid"/>
+                      <a:round/>
+                      <a:headEnd type="none" w="med" len="med"/>
+                      <a:tailEnd type="none" w="med" len="med"/>
+                    </a:lnL>
+                    <a:lnR w="12700" cap="flat" cmpd="sng" algn="ctr">
+                      <a:solidFill>
+                        <a:schemeClr val="tx1"/>
+                      </a:solidFill>
+                      <a:prstDash val="solid"/>
+                      <a:round/>
+                      <a:headEnd type="none" w="med" len="med"/>
+                      <a:tailEnd type="none" w="med" len="med"/>
+                    </a:lnR>
+                    <a:lnT w="12700" cap="flat" cmpd="sng" algn="ctr">
+                      <a:solidFill>
+                        <a:schemeClr val="tx1"/>
+                      </a:solidFill>
+                      <a:prstDash val="solid"/>
+                      <a:round/>
+                      <a:headEnd type="none" w="med" len="med"/>
+                      <a:tailEnd type="none" w="med" len="med"/>
+                    </a:lnT>
+                    <a:lnB w="12700" cap="flat" cmpd="sng" algn="ctr">
+                      <a:solidFill>
+                        <a:schemeClr val="tx1"/>
+                      </a:solidFill>
+                      <a:prstDash val="solid"/>
+                      <a:round/>
+                      <a:headEnd type="none" w="med" len="med"/>
+                      <a:tailEnd type="none" w="med" len="med"/>
+                    </a:lnB>
+                    <a:solidFill>
+                      <a:srgbClr val="8FAADC"/>
+                    </a:solidFill>
+                  </a:tcPr>
+                </a:tc>
+                <a:tc>
+                  <a:txBody>
+                    <a:bodyPr/>
+                    <a:lstStyle/>
+                    <a:p>
+                      <a:pPr algn="ctr"/>
+                      <a:r>
+                        <a:rPr lang="es-ES" sz="1050" dirty="0"/>
+                        <a:t>243</a:t>
+                      </a:r>
+                    </a:p>
+                  </a:txBody>
+                  <a:tcPr anchor="ctr">
+                    <a:lnL w="12700" cap="flat" cmpd="sng" algn="ctr">
+                      <a:solidFill>
+                        <a:schemeClr val="tx1"/>
+                      </a:solidFill>
+                      <a:prstDash val="solid"/>
+                      <a:round/>
+                      <a:headEnd type="none" w="med" len="med"/>
+                      <a:tailEnd type="none" w="med" len="med"/>
+                    </a:lnL>
+                    <a:lnR w="12700" cap="flat" cmpd="sng" algn="ctr">
+                      <a:solidFill>
+                        <a:schemeClr val="tx1"/>
+                      </a:solidFill>
+                      <a:prstDash val="solid"/>
+                      <a:round/>
+                      <a:headEnd type="none" w="med" len="med"/>
+                      <a:tailEnd type="none" w="med" len="med"/>
+                    </a:lnR>
+                    <a:lnT w="12700" cap="flat" cmpd="sng" algn="ctr">
+                      <a:solidFill>
+                        <a:schemeClr val="tx1"/>
+                      </a:solidFill>
+                      <a:prstDash val="solid"/>
+                      <a:round/>
+                      <a:headEnd type="none" w="med" len="med"/>
+                      <a:tailEnd type="none" w="med" len="med"/>
+                    </a:lnT>
+                    <a:lnB w="12700" cap="flat" cmpd="sng" algn="ctr">
+                      <a:solidFill>
+                        <a:schemeClr val="tx1"/>
+                      </a:solidFill>
+                      <a:prstDash val="solid"/>
+                      <a:round/>
+                      <a:headEnd type="none" w="med" len="med"/>
+                      <a:tailEnd type="none" w="med" len="med"/>
+                    </a:lnB>
+                    <a:solidFill>
+                      <a:srgbClr val="E9EBF6"/>
+                    </a:solidFill>
+                  </a:tcPr>
+                </a:tc>
+                <a:tc>
+                  <a:txBody>
+                    <a:bodyPr/>
+                    <a:lstStyle/>
+                    <a:p>
+                      <a:pPr algn="ctr"/>
+                      <a:r>
+                        <a:rPr lang="es-ES" sz="1050" dirty="0"/>
+                        <a:t>87</a:t>
+                      </a:r>
+                    </a:p>
+                  </a:txBody>
+                  <a:tcPr anchor="ctr">
+                    <a:lnL w="12700" cap="flat" cmpd="sng" algn="ctr">
+                      <a:solidFill>
+                        <a:schemeClr val="tx1"/>
+                      </a:solidFill>
+                      <a:prstDash val="solid"/>
+                      <a:round/>
+                      <a:headEnd type="none" w="med" len="med"/>
+                      <a:tailEnd type="none" w="med" len="med"/>
+                    </a:lnL>
+                    <a:lnR w="12700" cap="flat" cmpd="sng" algn="ctr">
+                      <a:solidFill>
+                        <a:schemeClr val="tx1"/>
+                      </a:solidFill>
+                      <a:prstDash val="solid"/>
+                      <a:round/>
+                      <a:headEnd type="none" w="med" len="med"/>
+                      <a:tailEnd type="none" w="med" len="med"/>
+                    </a:lnR>
+                    <a:lnT w="12700" cap="flat" cmpd="sng" algn="ctr">
+                      <a:solidFill>
+                        <a:schemeClr val="tx1"/>
+                      </a:solidFill>
+                      <a:prstDash val="solid"/>
+                      <a:round/>
+                      <a:headEnd type="none" w="med" len="med"/>
+                      <a:tailEnd type="none" w="med" len="med"/>
+                    </a:lnT>
+                    <a:lnB w="12700" cap="flat" cmpd="sng" algn="ctr">
+                      <a:solidFill>
+                        <a:schemeClr val="tx1"/>
+                      </a:solidFill>
+                      <a:prstDash val="solid"/>
+                      <a:round/>
+                      <a:headEnd type="none" w="med" len="med"/>
+                      <a:tailEnd type="none" w="med" len="med"/>
+                    </a:lnB>
+                    <a:solidFill>
+                      <a:srgbClr val="E9EBF6"/>
+                    </a:solidFill>
+                  </a:tcPr>
+                </a:tc>
+                <a:tc>
+                  <a:txBody>
+                    <a:bodyPr/>
+                    <a:lstStyle/>
+                    <a:p>
+                      <a:pPr algn="ctr"/>
+                      <a:r>
+                        <a:rPr lang="es-ES" sz="1050" dirty="0"/>
+                        <a:t>0</a:t>
+                      </a:r>
+                    </a:p>
+                  </a:txBody>
+                  <a:tcPr anchor="ctr">
+                    <a:lnL w="12700" cap="flat" cmpd="sng" algn="ctr">
+                      <a:solidFill>
+                        <a:schemeClr val="tx1"/>
+                      </a:solidFill>
+                      <a:prstDash val="solid"/>
+                      <a:round/>
+                      <a:headEnd type="none" w="med" len="med"/>
+                      <a:tailEnd type="none" w="med" len="med"/>
+                    </a:lnL>
+                    <a:lnR w="12700" cap="flat" cmpd="sng" algn="ctr">
+                      <a:solidFill>
+                        <a:schemeClr val="tx1"/>
+                      </a:solidFill>
+                      <a:prstDash val="solid"/>
+                      <a:round/>
+                      <a:headEnd type="none" w="med" len="med"/>
+                      <a:tailEnd type="none" w="med" len="med"/>
+                    </a:lnR>
+                    <a:lnT w="12700" cap="flat" cmpd="sng" algn="ctr">
+                      <a:solidFill>
+                        <a:schemeClr val="tx1"/>
+                      </a:solidFill>
+                      <a:prstDash val="solid"/>
+                      <a:round/>
+                      <a:headEnd type="none" w="med" len="med"/>
+                      <a:tailEnd type="none" w="med" len="med"/>
+                    </a:lnT>
+                    <a:lnB w="12700" cap="flat" cmpd="sng" algn="ctr">
+                      <a:solidFill>
+                        <a:schemeClr val="tx1"/>
+                      </a:solidFill>
+                      <a:prstDash val="solid"/>
+                      <a:round/>
+                      <a:headEnd type="none" w="med" len="med"/>
+                      <a:tailEnd type="none" w="med" len="med"/>
+                    </a:lnB>
+                    <a:solidFill>
+                      <a:schemeClr val="bg2">
+                        <a:lumMod val="90000"/>
+                      </a:schemeClr>
+                    </a:solidFill>
+                  </a:tcPr>
+                </a:tc>
+                <a:tc>
+                  <a:txBody>
+                    <a:bodyPr/>
+                    <a:lstStyle/>
+                    <a:p>
+                      <a:pPr algn="ctr"/>
+                      <a:r>
+                        <a:rPr lang="es-ES" sz="1050" dirty="0"/>
+                        <a:t>0</a:t>
+                      </a:r>
+                    </a:p>
+                  </a:txBody>
+                  <a:tcPr anchor="ctr">
+                    <a:lnL w="12700" cap="flat" cmpd="sng" algn="ctr">
+                      <a:solidFill>
+                        <a:schemeClr val="tx1"/>
+                      </a:solidFill>
+                      <a:prstDash val="solid"/>
+                      <a:round/>
+                      <a:headEnd type="none" w="med" len="med"/>
+                      <a:tailEnd type="none" w="med" len="med"/>
+                    </a:lnL>
+                    <a:lnR w="12700" cap="flat" cmpd="sng" algn="ctr">
+                      <a:solidFill>
+                        <a:schemeClr val="tx1"/>
+                      </a:solidFill>
+                      <a:prstDash val="solid"/>
+                      <a:round/>
+                      <a:headEnd type="none" w="med" len="med"/>
+                      <a:tailEnd type="none" w="med" len="med"/>
+                    </a:lnR>
+                    <a:lnT w="12700" cap="flat" cmpd="sng" algn="ctr">
+                      <a:solidFill>
+                        <a:schemeClr val="tx1"/>
+                      </a:solidFill>
+                      <a:prstDash val="solid"/>
+                      <a:round/>
+                      <a:headEnd type="none" w="med" len="med"/>
+                      <a:tailEnd type="none" w="med" len="med"/>
+                    </a:lnT>
+                    <a:lnB w="12700" cap="flat" cmpd="sng" algn="ctr">
+                      <a:solidFill>
+                        <a:schemeClr val="tx1"/>
+                      </a:solidFill>
+                      <a:prstDash val="solid"/>
+                      <a:round/>
+                      <a:headEnd type="none" w="med" len="med"/>
+                      <a:tailEnd type="none" w="med" len="med"/>
+                    </a:lnB>
+                    <a:solidFill>
+                      <a:schemeClr val="bg2">
+                        <a:lumMod val="90000"/>
+                      </a:schemeClr>
+                    </a:solidFill>
+                  </a:tcPr>
+                </a:tc>
+                <a:extLst>
+                  <a:ext uri="{0D108BD9-81ED-4DB2-BD59-A6C34878D82A}">
+                    <a16:rowId xmlns:a16="http://schemas.microsoft.com/office/drawing/2014/main" val="3030366850"/>
+                  </a:ext>
+                </a:extLst>
+              </a:tr>
+              <a:tr h="457166">
+                <a:tc>
+                  <a:txBody>
+                    <a:bodyPr/>
+                    <a:lstStyle/>
+                    <a:p>
+                      <a:pPr algn="ctr"/>
+                      <a:r>
+                        <a:rPr lang="es-ES" sz="1050" dirty="0"/>
+                        <a:t>0</a:t>
+                      </a:r>
+                    </a:p>
+                  </a:txBody>
+                  <a:tcPr anchor="ctr">
+                    <a:lnL w="12700" cap="flat" cmpd="sng" algn="ctr">
+                      <a:solidFill>
+                        <a:schemeClr val="tx1"/>
+                      </a:solidFill>
+                      <a:prstDash val="solid"/>
+                      <a:round/>
+                      <a:headEnd type="none" w="med" len="med"/>
+                      <a:tailEnd type="none" w="med" len="med"/>
+                    </a:lnL>
+                    <a:lnR w="12700" cap="flat" cmpd="sng" algn="ctr">
+                      <a:solidFill>
+                        <a:schemeClr val="tx1"/>
+                      </a:solidFill>
+                      <a:prstDash val="solid"/>
+                      <a:round/>
+                      <a:headEnd type="none" w="med" len="med"/>
+                      <a:tailEnd type="none" w="med" len="med"/>
+                    </a:lnR>
+                    <a:lnT w="12700" cap="flat" cmpd="sng" algn="ctr">
+                      <a:solidFill>
+                        <a:schemeClr val="tx1"/>
+                      </a:solidFill>
+                      <a:prstDash val="solid"/>
+                      <a:round/>
+                      <a:headEnd type="none" w="med" len="med"/>
+                      <a:tailEnd type="none" w="med" len="med"/>
+                    </a:lnT>
+                    <a:lnB w="12700" cap="flat" cmpd="sng" algn="ctr">
+                      <a:solidFill>
+                        <a:schemeClr val="tx1"/>
+                      </a:solidFill>
+                      <a:prstDash val="solid"/>
+                      <a:round/>
+                      <a:headEnd type="none" w="med" len="med"/>
+                      <a:tailEnd type="none" w="med" len="med"/>
+                    </a:lnB>
+                    <a:solidFill>
+                      <a:schemeClr val="bg2">
+                        <a:lumMod val="90000"/>
+                      </a:schemeClr>
+                    </a:solidFill>
+                  </a:tcPr>
+                </a:tc>
+                <a:tc>
+                  <a:txBody>
+                    <a:bodyPr/>
+                    <a:lstStyle/>
+                    <a:p>
+                      <a:pPr algn="ctr"/>
+                      <a:r>
+                        <a:rPr lang="es-ES" sz="1050" dirty="0"/>
+                        <a:t>0</a:t>
+                      </a:r>
+                    </a:p>
+                  </a:txBody>
+                  <a:tcPr anchor="ctr">
+                    <a:lnL w="12700" cap="flat" cmpd="sng" algn="ctr">
+                      <a:solidFill>
+                        <a:schemeClr val="tx1"/>
+                      </a:solidFill>
+                      <a:prstDash val="solid"/>
+                      <a:round/>
+                      <a:headEnd type="none" w="med" len="med"/>
+                      <a:tailEnd type="none" w="med" len="med"/>
+                    </a:lnL>
+                    <a:lnR w="12700" cap="flat" cmpd="sng" algn="ctr">
+                      <a:solidFill>
+                        <a:schemeClr val="tx1"/>
+                      </a:solidFill>
+                      <a:prstDash val="solid"/>
+                      <a:round/>
+                      <a:headEnd type="none" w="med" len="med"/>
+                      <a:tailEnd type="none" w="med" len="med"/>
+                    </a:lnR>
+                    <a:lnT w="12700" cap="flat" cmpd="sng" algn="ctr">
+                      <a:solidFill>
+                        <a:schemeClr val="tx1"/>
+                      </a:solidFill>
+                      <a:prstDash val="solid"/>
+                      <a:round/>
+                      <a:headEnd type="none" w="med" len="med"/>
+                      <a:tailEnd type="none" w="med" len="med"/>
+                    </a:lnT>
+                    <a:lnB w="12700" cap="flat" cmpd="sng" algn="ctr">
+                      <a:solidFill>
+                        <a:schemeClr val="tx1"/>
+                      </a:solidFill>
+                      <a:prstDash val="solid"/>
+                      <a:round/>
+                      <a:headEnd type="none" w="med" len="med"/>
+                      <a:tailEnd type="none" w="med" len="med"/>
+                    </a:lnB>
+                    <a:solidFill>
+                      <a:schemeClr val="bg2">
+                        <a:lumMod val="90000"/>
+                      </a:schemeClr>
+                    </a:solidFill>
+                  </a:tcPr>
+                </a:tc>
+                <a:tc>
+                  <a:txBody>
+                    <a:bodyPr/>
+                    <a:lstStyle/>
+                    <a:p>
+                      <a:pPr algn="ctr"/>
+                      <a:r>
+                        <a:rPr lang="es-ES" sz="1050" dirty="0"/>
+                        <a:t>54</a:t>
+                      </a:r>
+                    </a:p>
+                  </a:txBody>
+                  <a:tcPr anchor="ctr">
+                    <a:lnL w="12700" cap="flat" cmpd="sng" algn="ctr">
+                      <a:solidFill>
+                        <a:schemeClr val="tx1"/>
+                      </a:solidFill>
+                      <a:prstDash val="solid"/>
+                      <a:round/>
+                      <a:headEnd type="none" w="med" len="med"/>
+                      <a:tailEnd type="none" w="med" len="med"/>
+                    </a:lnL>
+                    <a:lnR w="12700" cap="flat" cmpd="sng" algn="ctr">
+                      <a:solidFill>
+                        <a:schemeClr val="tx1"/>
+                      </a:solidFill>
+                      <a:prstDash val="solid"/>
+                      <a:round/>
+                      <a:headEnd type="none" w="med" len="med"/>
+                      <a:tailEnd type="none" w="med" len="med"/>
+                    </a:lnR>
+                    <a:lnT w="12700" cap="flat" cmpd="sng" algn="ctr">
+                      <a:solidFill>
+                        <a:schemeClr val="tx1"/>
+                      </a:solidFill>
+                      <a:prstDash val="solid"/>
+                      <a:round/>
+                      <a:headEnd type="none" w="med" len="med"/>
+                      <a:tailEnd type="none" w="med" len="med"/>
+                    </a:lnT>
+                    <a:lnB w="12700" cap="flat" cmpd="sng" algn="ctr">
+                      <a:solidFill>
+                        <a:schemeClr val="tx1"/>
+                      </a:solidFill>
+                      <a:prstDash val="solid"/>
+                      <a:round/>
+                      <a:headEnd type="none" w="med" len="med"/>
+                      <a:tailEnd type="none" w="med" len="med"/>
+                    </a:lnB>
+                  </a:tcPr>
+                </a:tc>
+                <a:tc>
+                  <a:txBody>
+                    <a:bodyPr/>
+                    <a:lstStyle/>
+                    <a:p>
+                      <a:pPr algn="ctr"/>
+                      <a:r>
+                        <a:rPr lang="es-ES" sz="1050" dirty="0"/>
+                        <a:t>21</a:t>
+                      </a:r>
+                    </a:p>
+                  </a:txBody>
+                  <a:tcPr anchor="ctr">
+                    <a:lnL w="12700" cap="flat" cmpd="sng" algn="ctr">
+                      <a:solidFill>
+                        <a:schemeClr val="tx1"/>
+                      </a:solidFill>
+                      <a:prstDash val="solid"/>
+                      <a:round/>
+                      <a:headEnd type="none" w="med" len="med"/>
+                      <a:tailEnd type="none" w="med" len="med"/>
+                    </a:lnL>
+                    <a:lnR w="12700" cap="flat" cmpd="sng" algn="ctr">
+                      <a:solidFill>
+                        <a:schemeClr val="tx1"/>
+                      </a:solidFill>
+                      <a:prstDash val="solid"/>
+                      <a:round/>
+                      <a:headEnd type="none" w="med" len="med"/>
+                      <a:tailEnd type="none" w="med" len="med"/>
+                    </a:lnR>
+                    <a:lnT w="12700" cap="flat" cmpd="sng" algn="ctr">
+                      <a:solidFill>
+                        <a:schemeClr val="tx1"/>
+                      </a:solidFill>
+                      <a:prstDash val="solid"/>
+                      <a:round/>
+                      <a:headEnd type="none" w="med" len="med"/>
+                      <a:tailEnd type="none" w="med" len="med"/>
+                    </a:lnT>
+                    <a:lnB w="12700" cap="flat" cmpd="sng" algn="ctr">
+                      <a:solidFill>
+                        <a:schemeClr val="tx1"/>
+                      </a:solidFill>
+                      <a:prstDash val="solid"/>
+                      <a:round/>
+                      <a:headEnd type="none" w="med" len="med"/>
+                      <a:tailEnd type="none" w="med" len="med"/>
+                    </a:lnB>
+                    <a:solidFill>
+                      <a:srgbClr val="E9EBF6"/>
+                    </a:solidFill>
+                  </a:tcPr>
+                </a:tc>
+                <a:tc>
+                  <a:txBody>
+                    <a:bodyPr/>
+                    <a:lstStyle/>
+                    <a:p>
+                      <a:pPr algn="ctr"/>
+                      <a:r>
+                        <a:rPr lang="es-ES" sz="1050" dirty="0"/>
+                        <a:t>98</a:t>
+                      </a:r>
+                    </a:p>
+                  </a:txBody>
+                  <a:tcPr anchor="ctr">
+                    <a:lnL w="12700" cap="flat" cmpd="sng" algn="ctr">
+                      <a:solidFill>
+                        <a:schemeClr val="tx1"/>
+                      </a:solidFill>
+                      <a:prstDash val="solid"/>
+                      <a:round/>
+                      <a:headEnd type="none" w="med" len="med"/>
+                      <a:tailEnd type="none" w="med" len="med"/>
+                    </a:lnL>
+                    <a:lnR w="12700" cap="flat" cmpd="sng" algn="ctr">
+                      <a:solidFill>
+                        <a:schemeClr val="tx1"/>
+                      </a:solidFill>
+                      <a:prstDash val="solid"/>
+                      <a:round/>
+                      <a:headEnd type="none" w="med" len="med"/>
+                      <a:tailEnd type="none" w="med" len="med"/>
+                    </a:lnR>
+                    <a:lnT w="12700" cap="flat" cmpd="sng" algn="ctr">
+                      <a:solidFill>
+                        <a:schemeClr val="tx1"/>
+                      </a:solidFill>
+                      <a:prstDash val="solid"/>
+                      <a:round/>
+                      <a:headEnd type="none" w="med" len="med"/>
+                      <a:tailEnd type="none" w="med" len="med"/>
+                    </a:lnT>
+                    <a:lnB w="12700" cap="flat" cmpd="sng" algn="ctr">
+                      <a:solidFill>
+                        <a:schemeClr val="tx1"/>
+                      </a:solidFill>
+                      <a:prstDash val="solid"/>
+                      <a:round/>
+                      <a:headEnd type="none" w="med" len="med"/>
+                      <a:tailEnd type="none" w="med" len="med"/>
+                    </a:lnB>
+                    <a:solidFill>
+                      <a:srgbClr val="E9EBF6"/>
+                    </a:solidFill>
+                  </a:tcPr>
+                </a:tc>
+                <a:tc>
+                  <a:txBody>
+                    <a:bodyPr/>
+                    <a:lstStyle/>
+                    <a:p>
+                      <a:pPr algn="ctr"/>
+                      <a:r>
+                        <a:rPr lang="es-ES" sz="1050" dirty="0"/>
+                        <a:t>3</a:t>
+                      </a:r>
+                    </a:p>
+                  </a:txBody>
+                  <a:tcPr anchor="ctr">
+                    <a:lnL w="12700" cap="flat" cmpd="sng" algn="ctr">
+                      <a:solidFill>
+                        <a:schemeClr val="tx1"/>
+                      </a:solidFill>
+                      <a:prstDash val="solid"/>
+                      <a:round/>
+                      <a:headEnd type="none" w="med" len="med"/>
+                      <a:tailEnd type="none" w="med" len="med"/>
+                    </a:lnL>
+                    <a:lnR w="12700" cap="flat" cmpd="sng" algn="ctr">
+                      <a:solidFill>
+                        <a:schemeClr val="tx1"/>
+                      </a:solidFill>
+                      <a:prstDash val="solid"/>
+                      <a:round/>
+                      <a:headEnd type="none" w="med" len="med"/>
+                      <a:tailEnd type="none" w="med" len="med"/>
+                    </a:lnR>
+                    <a:lnT w="12700" cap="flat" cmpd="sng" algn="ctr">
+                      <a:solidFill>
+                        <a:schemeClr val="tx1"/>
+                      </a:solidFill>
+                      <a:prstDash val="solid"/>
+                      <a:round/>
+                      <a:headEnd type="none" w="med" len="med"/>
+                      <a:tailEnd type="none" w="med" len="med"/>
+                    </a:lnT>
+                    <a:lnB w="12700" cap="flat" cmpd="sng" algn="ctr">
+                      <a:solidFill>
+                        <a:schemeClr val="tx1"/>
+                      </a:solidFill>
+                      <a:prstDash val="solid"/>
+                      <a:round/>
+                      <a:headEnd type="none" w="med" len="med"/>
+                      <a:tailEnd type="none" w="med" len="med"/>
+                    </a:lnB>
+                    <a:solidFill>
+                      <a:srgbClr val="E9EBF6"/>
+                    </a:solidFill>
+                  </a:tcPr>
+                </a:tc>
+                <a:tc>
+                  <a:txBody>
+                    <a:bodyPr/>
+                    <a:lstStyle/>
+                    <a:p>
+                      <a:pPr algn="ctr"/>
+                      <a:r>
+                        <a:rPr lang="es-ES" sz="1050" dirty="0"/>
+                        <a:t>0</a:t>
+                      </a:r>
+                    </a:p>
+                  </a:txBody>
+                  <a:tcPr anchor="ctr">
+                    <a:lnL w="12700" cap="flat" cmpd="sng" algn="ctr">
+                      <a:solidFill>
+                        <a:schemeClr val="tx1"/>
+                      </a:solidFill>
+                      <a:prstDash val="solid"/>
+                      <a:round/>
+                      <a:headEnd type="none" w="med" len="med"/>
+                      <a:tailEnd type="none" w="med" len="med"/>
+                    </a:lnL>
+                    <a:lnR w="12700" cap="flat" cmpd="sng" algn="ctr">
+                      <a:solidFill>
+                        <a:schemeClr val="tx1"/>
+                      </a:solidFill>
+                      <a:prstDash val="solid"/>
+                      <a:round/>
+                      <a:headEnd type="none" w="med" len="med"/>
+                      <a:tailEnd type="none" w="med" len="med"/>
+                    </a:lnR>
+                    <a:lnT w="12700" cap="flat" cmpd="sng" algn="ctr">
+                      <a:solidFill>
+                        <a:schemeClr val="tx1"/>
+                      </a:solidFill>
+                      <a:prstDash val="solid"/>
+                      <a:round/>
+                      <a:headEnd type="none" w="med" len="med"/>
+                      <a:tailEnd type="none" w="med" len="med"/>
+                    </a:lnT>
+                    <a:lnB w="12700" cap="flat" cmpd="sng" algn="ctr">
+                      <a:solidFill>
+                        <a:schemeClr val="tx1"/>
+                      </a:solidFill>
+                      <a:prstDash val="solid"/>
+                      <a:round/>
+                      <a:headEnd type="none" w="med" len="med"/>
+                      <a:tailEnd type="none" w="med" len="med"/>
+                    </a:lnB>
+                    <a:solidFill>
+                      <a:schemeClr val="bg2">
+                        <a:lumMod val="90000"/>
+                      </a:schemeClr>
+                    </a:solidFill>
+                  </a:tcPr>
+                </a:tc>
+                <a:tc>
+                  <a:txBody>
+                    <a:bodyPr/>
+                    <a:lstStyle/>
+                    <a:p>
+                      <a:pPr algn="ctr"/>
+                      <a:r>
+                        <a:rPr lang="es-ES" sz="1050" dirty="0"/>
+                        <a:t>0</a:t>
+                      </a:r>
+                    </a:p>
+                  </a:txBody>
+                  <a:tcPr anchor="ctr">
+                    <a:lnL w="12700" cap="flat" cmpd="sng" algn="ctr">
+                      <a:solidFill>
+                        <a:schemeClr val="tx1"/>
+                      </a:solidFill>
+                      <a:prstDash val="solid"/>
+                      <a:round/>
+                      <a:headEnd type="none" w="med" len="med"/>
+                      <a:tailEnd type="none" w="med" len="med"/>
+                    </a:lnL>
+                    <a:lnR w="12700" cap="flat" cmpd="sng" algn="ctr">
+                      <a:solidFill>
+                        <a:schemeClr val="tx1"/>
+                      </a:solidFill>
+                      <a:prstDash val="solid"/>
+                      <a:round/>
+                      <a:headEnd type="none" w="med" len="med"/>
+                      <a:tailEnd type="none" w="med" len="med"/>
+                    </a:lnR>
+                    <a:lnT w="12700" cap="flat" cmpd="sng" algn="ctr">
+                      <a:solidFill>
+                        <a:schemeClr val="tx1"/>
+                      </a:solidFill>
+                      <a:prstDash val="solid"/>
+                      <a:round/>
+                      <a:headEnd type="none" w="med" len="med"/>
+                      <a:tailEnd type="none" w="med" len="med"/>
+                    </a:lnT>
+                    <a:lnB w="12700" cap="flat" cmpd="sng" algn="ctr">
+                      <a:solidFill>
+                        <a:schemeClr val="tx1"/>
+                      </a:solidFill>
+                      <a:prstDash val="solid"/>
+                      <a:round/>
+                      <a:headEnd type="none" w="med" len="med"/>
+                      <a:tailEnd type="none" w="med" len="med"/>
+                    </a:lnB>
+                    <a:solidFill>
+                      <a:schemeClr val="bg2">
+                        <a:lumMod val="90000"/>
+                      </a:schemeClr>
+                    </a:solidFill>
+                  </a:tcPr>
+                </a:tc>
+                <a:extLst>
+                  <a:ext uri="{0D108BD9-81ED-4DB2-BD59-A6C34878D82A}">
+                    <a16:rowId xmlns:a16="http://schemas.microsoft.com/office/drawing/2014/main" val="3950063790"/>
+                  </a:ext>
+                </a:extLst>
+              </a:tr>
+              <a:tr h="483005">
+                <a:tc>
+                  <a:txBody>
+                    <a:bodyPr/>
+                    <a:lstStyle/>
+                    <a:p>
+                      <a:pPr algn="ctr"/>
+                      <a:r>
+                        <a:rPr lang="es-ES" sz="1050" dirty="0"/>
+                        <a:t>0</a:t>
+                      </a:r>
+                    </a:p>
+                  </a:txBody>
+                  <a:tcPr anchor="ctr">
+                    <a:lnL w="12700" cap="flat" cmpd="sng" algn="ctr">
+                      <a:solidFill>
+                        <a:schemeClr val="tx1"/>
+                      </a:solidFill>
+                      <a:prstDash val="solid"/>
+                      <a:round/>
+                      <a:headEnd type="none" w="med" len="med"/>
+                      <a:tailEnd type="none" w="med" len="med"/>
+                    </a:lnL>
+                    <a:lnR w="12700" cap="flat" cmpd="sng" algn="ctr">
+                      <a:solidFill>
+                        <a:schemeClr val="tx1"/>
+                      </a:solidFill>
+                      <a:prstDash val="solid"/>
+                      <a:round/>
+                      <a:headEnd type="none" w="med" len="med"/>
+                      <a:tailEnd type="none" w="med" len="med"/>
+                    </a:lnR>
+                    <a:lnT w="12700" cap="flat" cmpd="sng" algn="ctr">
+                      <a:solidFill>
+                        <a:schemeClr val="tx1"/>
+                      </a:solidFill>
+                      <a:prstDash val="solid"/>
+                      <a:round/>
+                      <a:headEnd type="none" w="med" len="med"/>
+                      <a:tailEnd type="none" w="med" len="med"/>
+                    </a:lnT>
+                    <a:lnB w="12700" cap="flat" cmpd="sng" algn="ctr">
+                      <a:solidFill>
+                        <a:schemeClr val="tx1"/>
+                      </a:solidFill>
+                      <a:prstDash val="solid"/>
+                      <a:round/>
+                      <a:headEnd type="none" w="med" len="med"/>
+                      <a:tailEnd type="none" w="med" len="med"/>
+                    </a:lnB>
+                    <a:solidFill>
+                      <a:schemeClr val="bg2">
+                        <a:lumMod val="90000"/>
+                      </a:schemeClr>
+                    </a:solidFill>
+                  </a:tcPr>
+                </a:tc>
+                <a:tc>
+                  <a:txBody>
+                    <a:bodyPr/>
+                    <a:lstStyle/>
+                    <a:p>
+                      <a:pPr algn="ctr"/>
+                      <a:r>
+                        <a:rPr lang="es-ES" sz="1050" dirty="0"/>
+                        <a:t>0</a:t>
+                      </a:r>
+                    </a:p>
+                  </a:txBody>
+                  <a:tcPr anchor="ctr">
+                    <a:lnL w="12700" cap="flat" cmpd="sng" algn="ctr">
+                      <a:solidFill>
+                        <a:schemeClr val="tx1"/>
+                      </a:solidFill>
+                      <a:prstDash val="solid"/>
+                      <a:round/>
+                      <a:headEnd type="none" w="med" len="med"/>
+                      <a:tailEnd type="none" w="med" len="med"/>
+                    </a:lnL>
+                    <a:lnR w="12700" cap="flat" cmpd="sng" algn="ctr">
+                      <a:solidFill>
+                        <a:schemeClr val="tx1"/>
+                      </a:solidFill>
+                      <a:prstDash val="solid"/>
+                      <a:round/>
+                      <a:headEnd type="none" w="med" len="med"/>
+                      <a:tailEnd type="none" w="med" len="med"/>
+                    </a:lnR>
+                    <a:lnT w="12700" cap="flat" cmpd="sng" algn="ctr">
+                      <a:solidFill>
+                        <a:schemeClr val="tx1"/>
+                      </a:solidFill>
+                      <a:prstDash val="solid"/>
+                      <a:round/>
+                      <a:headEnd type="none" w="med" len="med"/>
+                      <a:tailEnd type="none" w="med" len="med"/>
+                    </a:lnT>
+                    <a:lnB w="12700" cap="flat" cmpd="sng" algn="ctr">
+                      <a:solidFill>
+                        <a:schemeClr val="tx1"/>
+                      </a:solidFill>
+                      <a:prstDash val="solid"/>
+                      <a:round/>
+                      <a:headEnd type="none" w="med" len="med"/>
+                      <a:tailEnd type="none" w="med" len="med"/>
+                    </a:lnB>
+                    <a:solidFill>
+                      <a:schemeClr val="bg2">
+                        <a:lumMod val="90000"/>
+                      </a:schemeClr>
+                    </a:solidFill>
+                  </a:tcPr>
+                </a:tc>
+                <a:tc>
+                  <a:txBody>
+                    <a:bodyPr/>
+                    <a:lstStyle/>
+                    <a:p>
+                      <a:pPr algn="ctr"/>
+                      <a:r>
+                        <a:rPr lang="es-ES" sz="1050" dirty="0"/>
+                        <a:t>101</a:t>
+                      </a:r>
+                    </a:p>
+                  </a:txBody>
+                  <a:tcPr anchor="ctr">
+                    <a:lnL w="12700" cap="flat" cmpd="sng" algn="ctr">
+                      <a:solidFill>
+                        <a:schemeClr val="tx1"/>
+                      </a:solidFill>
+                      <a:prstDash val="solid"/>
+                      <a:round/>
+                      <a:headEnd type="none" w="med" len="med"/>
+                      <a:tailEnd type="none" w="med" len="med"/>
+                    </a:lnL>
+                    <a:lnR w="12700" cap="flat" cmpd="sng" algn="ctr">
+                      <a:solidFill>
+                        <a:schemeClr val="tx1"/>
+                      </a:solidFill>
+                      <a:prstDash val="solid"/>
+                      <a:round/>
+                      <a:headEnd type="none" w="med" len="med"/>
+                      <a:tailEnd type="none" w="med" len="med"/>
+                    </a:lnR>
+                    <a:lnT w="12700" cap="flat" cmpd="sng" algn="ctr">
+                      <a:solidFill>
+                        <a:schemeClr val="tx1"/>
+                      </a:solidFill>
+                      <a:prstDash val="solid"/>
+                      <a:round/>
+                      <a:headEnd type="none" w="med" len="med"/>
+                      <a:tailEnd type="none" w="med" len="med"/>
+                    </a:lnT>
+                    <a:lnB w="12700" cap="flat" cmpd="sng" algn="ctr">
+                      <a:solidFill>
+                        <a:schemeClr val="tx1"/>
+                      </a:solidFill>
+                      <a:prstDash val="solid"/>
+                      <a:round/>
+                      <a:headEnd type="none" w="med" len="med"/>
+                      <a:tailEnd type="none" w="med" len="med"/>
+                    </a:lnB>
+                  </a:tcPr>
+                </a:tc>
+                <a:tc>
+                  <a:txBody>
+                    <a:bodyPr/>
+                    <a:lstStyle/>
+                    <a:p>
+                      <a:pPr algn="ctr"/>
+                      <a:r>
+                        <a:rPr lang="es-ES" sz="1050" dirty="0"/>
+                        <a:t>92</a:t>
+                      </a:r>
+                    </a:p>
+                  </a:txBody>
+                  <a:tcPr anchor="ctr">
+                    <a:lnL w="12700" cap="flat" cmpd="sng" algn="ctr">
+                      <a:solidFill>
+                        <a:schemeClr val="tx1"/>
+                      </a:solidFill>
+                      <a:prstDash val="solid"/>
+                      <a:round/>
+                      <a:headEnd type="none" w="med" len="med"/>
+                      <a:tailEnd type="none" w="med" len="med"/>
+                    </a:lnL>
+                    <a:lnR w="12700" cap="flat" cmpd="sng" algn="ctr">
+                      <a:solidFill>
+                        <a:schemeClr val="tx1"/>
+                      </a:solidFill>
+                      <a:prstDash val="solid"/>
+                      <a:round/>
+                      <a:headEnd type="none" w="med" len="med"/>
+                      <a:tailEnd type="none" w="med" len="med"/>
+                    </a:lnR>
+                    <a:lnT w="12700" cap="flat" cmpd="sng" algn="ctr">
+                      <a:solidFill>
+                        <a:schemeClr val="tx1"/>
+                      </a:solidFill>
+                      <a:prstDash val="solid"/>
+                      <a:round/>
+                      <a:headEnd type="none" w="med" len="med"/>
+                      <a:tailEnd type="none" w="med" len="med"/>
+                    </a:lnT>
+                    <a:lnB w="12700" cap="flat" cmpd="sng" algn="ctr">
+                      <a:solidFill>
+                        <a:schemeClr val="tx1"/>
+                      </a:solidFill>
+                      <a:prstDash val="solid"/>
+                      <a:round/>
+                      <a:headEnd type="none" w="med" len="med"/>
+                      <a:tailEnd type="none" w="med" len="med"/>
+                    </a:lnB>
+                  </a:tcPr>
+                </a:tc>
+                <a:tc>
+                  <a:txBody>
+                    <a:bodyPr/>
+                    <a:lstStyle/>
+                    <a:p>
+                      <a:pPr algn="ctr"/>
+                      <a:r>
+                        <a:rPr lang="es-ES" sz="1050" dirty="0"/>
+                        <a:t>204</a:t>
+                      </a:r>
+                    </a:p>
+                  </a:txBody>
+                  <a:tcPr anchor="ctr">
+                    <a:lnL w="12700" cap="flat" cmpd="sng" algn="ctr">
+                      <a:solidFill>
+                        <a:schemeClr val="tx1"/>
+                      </a:solidFill>
+                      <a:prstDash val="solid"/>
+                      <a:round/>
+                      <a:headEnd type="none" w="med" len="med"/>
+                      <a:tailEnd type="none" w="med" len="med"/>
+                    </a:lnL>
+                    <a:lnR w="12700" cap="flat" cmpd="sng" algn="ctr">
+                      <a:solidFill>
+                        <a:schemeClr val="tx1"/>
+                      </a:solidFill>
+                      <a:prstDash val="solid"/>
+                      <a:round/>
+                      <a:headEnd type="none" w="med" len="med"/>
+                      <a:tailEnd type="none" w="med" len="med"/>
+                    </a:lnR>
+                    <a:lnT w="12700" cap="flat" cmpd="sng" algn="ctr">
+                      <a:solidFill>
+                        <a:schemeClr val="tx1"/>
+                      </a:solidFill>
+                      <a:prstDash val="solid"/>
+                      <a:round/>
+                      <a:headEnd type="none" w="med" len="med"/>
+                      <a:tailEnd type="none" w="med" len="med"/>
+                    </a:lnT>
+                    <a:lnB w="12700" cap="flat" cmpd="sng" algn="ctr">
+                      <a:solidFill>
+                        <a:schemeClr val="tx1"/>
+                      </a:solidFill>
+                      <a:prstDash val="solid"/>
+                      <a:round/>
+                      <a:headEnd type="none" w="med" len="med"/>
+                      <a:tailEnd type="none" w="med" len="med"/>
+                    </a:lnB>
+                  </a:tcPr>
+                </a:tc>
+                <a:tc>
+                  <a:txBody>
+                    <a:bodyPr/>
+                    <a:lstStyle/>
+                    <a:p>
+                      <a:pPr algn="ctr"/>
+                      <a:r>
+                        <a:rPr lang="es-ES" sz="1050" dirty="0"/>
+                        <a:t>28</a:t>
+                      </a:r>
+                    </a:p>
+                  </a:txBody>
+                  <a:tcPr anchor="ctr">
+                    <a:lnL w="12700" cap="flat" cmpd="sng" algn="ctr">
+                      <a:solidFill>
+                        <a:schemeClr val="tx1"/>
+                      </a:solidFill>
+                      <a:prstDash val="solid"/>
+                      <a:round/>
+                      <a:headEnd type="none" w="med" len="med"/>
+                      <a:tailEnd type="none" w="med" len="med"/>
+                    </a:lnL>
+                    <a:lnR w="12700" cap="flat" cmpd="sng" algn="ctr">
+                      <a:solidFill>
+                        <a:schemeClr val="tx1"/>
+                      </a:solidFill>
+                      <a:prstDash val="solid"/>
+                      <a:round/>
+                      <a:headEnd type="none" w="med" len="med"/>
+                      <a:tailEnd type="none" w="med" len="med"/>
+                    </a:lnR>
+                    <a:lnT w="12700" cap="flat" cmpd="sng" algn="ctr">
+                      <a:solidFill>
+                        <a:schemeClr val="tx1"/>
+                      </a:solidFill>
+                      <a:prstDash val="solid"/>
+                      <a:round/>
+                      <a:headEnd type="none" w="med" len="med"/>
+                      <a:tailEnd type="none" w="med" len="med"/>
+                    </a:lnT>
+                    <a:lnB w="12700" cap="flat" cmpd="sng" algn="ctr">
+                      <a:solidFill>
+                        <a:schemeClr val="tx1"/>
+                      </a:solidFill>
+                      <a:prstDash val="solid"/>
+                      <a:round/>
+                      <a:headEnd type="none" w="med" len="med"/>
+                      <a:tailEnd type="none" w="med" len="med"/>
+                    </a:lnB>
+                  </a:tcPr>
+                </a:tc>
+                <a:tc>
+                  <a:txBody>
+                    <a:bodyPr/>
+                    <a:lstStyle/>
+                    <a:p>
+                      <a:pPr algn="ctr"/>
+                      <a:r>
+                        <a:rPr lang="es-ES" sz="1050" dirty="0"/>
+                        <a:t>0</a:t>
+                      </a:r>
+                    </a:p>
+                  </a:txBody>
+                  <a:tcPr anchor="ctr">
+                    <a:lnL w="12700" cap="flat" cmpd="sng" algn="ctr">
+                      <a:solidFill>
+                        <a:schemeClr val="tx1"/>
+                      </a:solidFill>
+                      <a:prstDash val="solid"/>
+                      <a:round/>
+                      <a:headEnd type="none" w="med" len="med"/>
+                      <a:tailEnd type="none" w="med" len="med"/>
+                    </a:lnL>
+                    <a:lnR w="12700" cap="flat" cmpd="sng" algn="ctr">
+                      <a:solidFill>
+                        <a:schemeClr val="tx1"/>
+                      </a:solidFill>
+                      <a:prstDash val="solid"/>
+                      <a:round/>
+                      <a:headEnd type="none" w="med" len="med"/>
+                      <a:tailEnd type="none" w="med" len="med"/>
+                    </a:lnR>
+                    <a:lnT w="12700" cap="flat" cmpd="sng" algn="ctr">
+                      <a:solidFill>
+                        <a:schemeClr val="tx1"/>
+                      </a:solidFill>
+                      <a:prstDash val="solid"/>
+                      <a:round/>
+                      <a:headEnd type="none" w="med" len="med"/>
+                      <a:tailEnd type="none" w="med" len="med"/>
+                    </a:lnT>
+                    <a:lnB w="12700" cap="flat" cmpd="sng" algn="ctr">
+                      <a:solidFill>
+                        <a:schemeClr val="tx1"/>
+                      </a:solidFill>
+                      <a:prstDash val="solid"/>
+                      <a:round/>
+                      <a:headEnd type="none" w="med" len="med"/>
+                      <a:tailEnd type="none" w="med" len="med"/>
+                    </a:lnB>
+                    <a:solidFill>
+                      <a:schemeClr val="bg2">
+                        <a:lumMod val="90000"/>
+                      </a:schemeClr>
+                    </a:solidFill>
+                  </a:tcPr>
+                </a:tc>
+                <a:tc>
+                  <a:txBody>
+                    <a:bodyPr/>
+                    <a:lstStyle/>
+                    <a:p>
+                      <a:pPr algn="ctr"/>
+                      <a:r>
+                        <a:rPr lang="es-ES" sz="1050" dirty="0"/>
+                        <a:t>0</a:t>
+                      </a:r>
+                    </a:p>
+                  </a:txBody>
+                  <a:tcPr anchor="ctr">
+                    <a:lnL w="12700" cap="flat" cmpd="sng" algn="ctr">
+                      <a:solidFill>
+                        <a:schemeClr val="tx1"/>
+                      </a:solidFill>
+                      <a:prstDash val="solid"/>
+                      <a:round/>
+                      <a:headEnd type="none" w="med" len="med"/>
+                      <a:tailEnd type="none" w="med" len="med"/>
+                    </a:lnL>
+                    <a:lnR w="12700" cap="flat" cmpd="sng" algn="ctr">
+                      <a:solidFill>
+                        <a:schemeClr val="tx1"/>
+                      </a:solidFill>
+                      <a:prstDash val="solid"/>
+                      <a:round/>
+                      <a:headEnd type="none" w="med" len="med"/>
+                      <a:tailEnd type="none" w="med" len="med"/>
+                    </a:lnR>
+                    <a:lnT w="12700" cap="flat" cmpd="sng" algn="ctr">
+                      <a:solidFill>
+                        <a:schemeClr val="tx1"/>
+                      </a:solidFill>
+                      <a:prstDash val="solid"/>
+                      <a:round/>
+                      <a:headEnd type="none" w="med" len="med"/>
+                      <a:tailEnd type="none" w="med" len="med"/>
+                    </a:lnT>
+                    <a:lnB w="12700" cap="flat" cmpd="sng" algn="ctr">
+                      <a:solidFill>
+                        <a:schemeClr val="tx1"/>
+                      </a:solidFill>
+                      <a:prstDash val="solid"/>
+                      <a:round/>
+                      <a:headEnd type="none" w="med" len="med"/>
+                      <a:tailEnd type="none" w="med" len="med"/>
+                    </a:lnB>
+                    <a:solidFill>
+                      <a:schemeClr val="bg2">
+                        <a:lumMod val="90000"/>
+                      </a:schemeClr>
+                    </a:solidFill>
+                  </a:tcPr>
+                </a:tc>
+                <a:extLst>
+                  <a:ext uri="{0D108BD9-81ED-4DB2-BD59-A6C34878D82A}">
+                    <a16:rowId xmlns:a16="http://schemas.microsoft.com/office/drawing/2014/main" val="951817312"/>
+                  </a:ext>
+                </a:extLst>
+              </a:tr>
+              <a:tr h="483005">
+                <a:tc>
+                  <a:txBody>
+                    <a:bodyPr/>
+                    <a:lstStyle/>
+                    <a:p>
+                      <a:pPr algn="ctr"/>
+                      <a:r>
+                        <a:rPr lang="es-ES" sz="1050" dirty="0"/>
+                        <a:t>0</a:t>
+                      </a:r>
+                    </a:p>
+                  </a:txBody>
+                  <a:tcPr anchor="ctr">
+                    <a:lnL w="12700" cap="flat" cmpd="sng" algn="ctr">
+                      <a:solidFill>
+                        <a:schemeClr val="tx1"/>
+                      </a:solidFill>
+                      <a:prstDash val="solid"/>
+                      <a:round/>
+                      <a:headEnd type="none" w="med" len="med"/>
+                      <a:tailEnd type="none" w="med" len="med"/>
+                    </a:lnL>
+                    <a:lnR w="12700" cap="flat" cmpd="sng" algn="ctr">
+                      <a:solidFill>
+                        <a:schemeClr val="tx1"/>
+                      </a:solidFill>
+                      <a:prstDash val="solid"/>
+                      <a:round/>
+                      <a:headEnd type="none" w="med" len="med"/>
+                      <a:tailEnd type="none" w="med" len="med"/>
+                    </a:lnR>
+                    <a:lnT w="12700" cap="flat" cmpd="sng" algn="ctr">
+                      <a:solidFill>
+                        <a:schemeClr val="tx1"/>
+                      </a:solidFill>
+                      <a:prstDash val="solid"/>
+                      <a:round/>
+                      <a:headEnd type="none" w="med" len="med"/>
+                      <a:tailEnd type="none" w="med" len="med"/>
+                    </a:lnT>
+                    <a:lnB w="12700" cap="flat" cmpd="sng" algn="ctr">
+                      <a:solidFill>
+                        <a:schemeClr val="tx1"/>
+                      </a:solidFill>
+                      <a:prstDash val="solid"/>
+                      <a:round/>
+                      <a:headEnd type="none" w="med" len="med"/>
+                      <a:tailEnd type="none" w="med" len="med"/>
+                    </a:lnB>
+                    <a:solidFill>
+                      <a:schemeClr val="bg2">
+                        <a:lumMod val="90000"/>
+                      </a:schemeClr>
+                    </a:solidFill>
+                  </a:tcPr>
+                </a:tc>
+                <a:tc>
+                  <a:txBody>
+                    <a:bodyPr/>
+                    <a:lstStyle/>
+                    <a:p>
+                      <a:pPr algn="ctr"/>
+                      <a:r>
+                        <a:rPr lang="es-ES" sz="1050" dirty="0"/>
+                        <a:t>0</a:t>
+                      </a:r>
+                    </a:p>
+                  </a:txBody>
+                  <a:tcPr anchor="ctr">
+                    <a:lnL w="12700" cap="flat" cmpd="sng" algn="ctr">
+                      <a:solidFill>
+                        <a:schemeClr val="tx1"/>
+                      </a:solidFill>
+                      <a:prstDash val="solid"/>
+                      <a:round/>
+                      <a:headEnd type="none" w="med" len="med"/>
+                      <a:tailEnd type="none" w="med" len="med"/>
+                    </a:lnL>
+                    <a:lnR w="12700" cap="flat" cmpd="sng" algn="ctr">
+                      <a:solidFill>
+                        <a:schemeClr val="tx1"/>
+                      </a:solidFill>
+                      <a:prstDash val="solid"/>
+                      <a:round/>
+                      <a:headEnd type="none" w="med" len="med"/>
+                      <a:tailEnd type="none" w="med" len="med"/>
+                    </a:lnR>
+                    <a:lnT w="12700" cap="flat" cmpd="sng" algn="ctr">
+                      <a:solidFill>
+                        <a:schemeClr val="tx1"/>
+                      </a:solidFill>
+                      <a:prstDash val="solid"/>
+                      <a:round/>
+                      <a:headEnd type="none" w="med" len="med"/>
+                      <a:tailEnd type="none" w="med" len="med"/>
+                    </a:lnT>
+                    <a:lnB w="12700" cap="flat" cmpd="sng" algn="ctr">
+                      <a:solidFill>
+                        <a:schemeClr val="tx1"/>
+                      </a:solidFill>
+                      <a:prstDash val="solid"/>
+                      <a:round/>
+                      <a:headEnd type="none" w="med" len="med"/>
+                      <a:tailEnd type="none" w="med" len="med"/>
+                    </a:lnB>
+                    <a:solidFill>
+                      <a:schemeClr val="bg2">
+                        <a:lumMod val="90000"/>
+                      </a:schemeClr>
+                    </a:solidFill>
+                  </a:tcPr>
+                </a:tc>
+                <a:tc>
+                  <a:txBody>
+                    <a:bodyPr/>
+                    <a:lstStyle/>
+                    <a:p>
+                      <a:pPr algn="ctr"/>
+                      <a:r>
+                        <a:rPr lang="es-ES" sz="1050" dirty="0"/>
+                        <a:t>123</a:t>
+                      </a:r>
+                    </a:p>
+                  </a:txBody>
+                  <a:tcPr anchor="ctr">
+                    <a:lnL w="12700" cap="flat" cmpd="sng" algn="ctr">
+                      <a:solidFill>
+                        <a:schemeClr val="tx1"/>
+                      </a:solidFill>
+                      <a:prstDash val="solid"/>
+                      <a:round/>
+                      <a:headEnd type="none" w="med" len="med"/>
+                      <a:tailEnd type="none" w="med" len="med"/>
+                    </a:lnL>
+                    <a:lnR w="12700" cap="flat" cmpd="sng" algn="ctr">
+                      <a:solidFill>
+                        <a:schemeClr val="tx1"/>
+                      </a:solidFill>
+                      <a:prstDash val="solid"/>
+                      <a:round/>
+                      <a:headEnd type="none" w="med" len="med"/>
+                      <a:tailEnd type="none" w="med" len="med"/>
+                    </a:lnR>
+                    <a:lnT w="12700" cap="flat" cmpd="sng" algn="ctr">
+                      <a:solidFill>
+                        <a:schemeClr val="tx1"/>
+                      </a:solidFill>
+                      <a:prstDash val="solid"/>
+                      <a:round/>
+                      <a:headEnd type="none" w="med" len="med"/>
+                      <a:tailEnd type="none" w="med" len="med"/>
+                    </a:lnT>
+                    <a:lnB w="12700" cap="flat" cmpd="sng" algn="ctr">
+                      <a:solidFill>
+                        <a:schemeClr val="tx1"/>
+                      </a:solidFill>
+                      <a:prstDash val="solid"/>
+                      <a:round/>
+                      <a:headEnd type="none" w="med" len="med"/>
+                      <a:tailEnd type="none" w="med" len="med"/>
+                    </a:lnB>
+                  </a:tcPr>
+                </a:tc>
+                <a:tc>
+                  <a:txBody>
+                    <a:bodyPr/>
+                    <a:lstStyle/>
+                    <a:p>
+                      <a:pPr algn="ctr"/>
+                      <a:r>
+                        <a:rPr lang="es-ES" sz="1050" dirty="0"/>
+                        <a:t>93</a:t>
+                      </a:r>
+                    </a:p>
+                  </a:txBody>
+                  <a:tcPr anchor="ctr">
+                    <a:lnL w="12700" cap="flat" cmpd="sng" algn="ctr">
+                      <a:solidFill>
+                        <a:schemeClr val="tx1"/>
+                      </a:solidFill>
+                      <a:prstDash val="solid"/>
+                      <a:round/>
+                      <a:headEnd type="none" w="med" len="med"/>
+                      <a:tailEnd type="none" w="med" len="med"/>
+                    </a:lnL>
+                    <a:lnR w="12700" cap="flat" cmpd="sng" algn="ctr">
+                      <a:solidFill>
+                        <a:schemeClr val="tx1"/>
+                      </a:solidFill>
+                      <a:prstDash val="solid"/>
+                      <a:round/>
+                      <a:headEnd type="none" w="med" len="med"/>
+                      <a:tailEnd type="none" w="med" len="med"/>
+                    </a:lnR>
+                    <a:lnT w="12700" cap="flat" cmpd="sng" algn="ctr">
+                      <a:solidFill>
+                        <a:schemeClr val="tx1"/>
+                      </a:solidFill>
+                      <a:prstDash val="solid"/>
+                      <a:round/>
+                      <a:headEnd type="none" w="med" len="med"/>
+                      <a:tailEnd type="none" w="med" len="med"/>
+                    </a:lnT>
+                    <a:lnB w="12700" cap="flat" cmpd="sng" algn="ctr">
+                      <a:solidFill>
+                        <a:schemeClr val="tx1"/>
+                      </a:solidFill>
+                      <a:prstDash val="solid"/>
+                      <a:round/>
+                      <a:headEnd type="none" w="med" len="med"/>
+                      <a:tailEnd type="none" w="med" len="med"/>
+                    </a:lnB>
+                  </a:tcPr>
+                </a:tc>
+                <a:tc>
+                  <a:txBody>
+                    <a:bodyPr/>
+                    <a:lstStyle/>
+                    <a:p>
+                      <a:pPr algn="ctr"/>
+                      <a:r>
+                        <a:rPr lang="es-ES" sz="1050" dirty="0"/>
+                        <a:t>48</a:t>
+                      </a:r>
+                    </a:p>
+                  </a:txBody>
+                  <a:tcPr anchor="ctr">
+                    <a:lnL w="12700" cap="flat" cmpd="sng" algn="ctr">
+                      <a:solidFill>
+                        <a:schemeClr val="tx1"/>
+                      </a:solidFill>
+                      <a:prstDash val="solid"/>
+                      <a:round/>
+                      <a:headEnd type="none" w="med" len="med"/>
+                      <a:tailEnd type="none" w="med" len="med"/>
+                    </a:lnL>
+                    <a:lnR w="12700" cap="flat" cmpd="sng" algn="ctr">
+                      <a:solidFill>
+                        <a:schemeClr val="tx1"/>
+                      </a:solidFill>
+                      <a:prstDash val="solid"/>
+                      <a:round/>
+                      <a:headEnd type="none" w="med" len="med"/>
+                      <a:tailEnd type="none" w="med" len="med"/>
+                    </a:lnR>
+                    <a:lnT w="12700" cap="flat" cmpd="sng" algn="ctr">
+                      <a:solidFill>
+                        <a:schemeClr val="tx1"/>
+                      </a:solidFill>
+                      <a:prstDash val="solid"/>
+                      <a:round/>
+                      <a:headEnd type="none" w="med" len="med"/>
+                      <a:tailEnd type="none" w="med" len="med"/>
+                    </a:lnT>
+                    <a:lnB w="12700" cap="flat" cmpd="sng" algn="ctr">
+                      <a:solidFill>
+                        <a:schemeClr val="tx1"/>
+                      </a:solidFill>
+                      <a:prstDash val="solid"/>
+                      <a:round/>
+                      <a:headEnd type="none" w="med" len="med"/>
+                      <a:tailEnd type="none" w="med" len="med"/>
+                    </a:lnB>
+                  </a:tcPr>
+                </a:tc>
+                <a:tc>
+                  <a:txBody>
+                    <a:bodyPr/>
+                    <a:lstStyle/>
+                    <a:p>
+                      <a:pPr algn="ctr"/>
+                      <a:r>
+                        <a:rPr lang="es-ES" sz="1050" dirty="0"/>
+                        <a:t>21</a:t>
+                      </a:r>
+                    </a:p>
+                  </a:txBody>
+                  <a:tcPr anchor="ctr">
+                    <a:lnL w="12700" cap="flat" cmpd="sng" algn="ctr">
+                      <a:solidFill>
+                        <a:schemeClr val="tx1"/>
+                      </a:solidFill>
+                      <a:prstDash val="solid"/>
+                      <a:round/>
+                      <a:headEnd type="none" w="med" len="med"/>
+                      <a:tailEnd type="none" w="med" len="med"/>
+                    </a:lnL>
+                    <a:lnR w="12700" cap="flat" cmpd="sng" algn="ctr">
+                      <a:solidFill>
+                        <a:schemeClr val="tx1"/>
+                      </a:solidFill>
+                      <a:prstDash val="solid"/>
+                      <a:round/>
+                      <a:headEnd type="none" w="med" len="med"/>
+                      <a:tailEnd type="none" w="med" len="med"/>
+                    </a:lnR>
+                    <a:lnT w="12700" cap="flat" cmpd="sng" algn="ctr">
+                      <a:solidFill>
+                        <a:schemeClr val="tx1"/>
+                      </a:solidFill>
+                      <a:prstDash val="solid"/>
+                      <a:round/>
+                      <a:headEnd type="none" w="med" len="med"/>
+                      <a:tailEnd type="none" w="med" len="med"/>
+                    </a:lnT>
+                    <a:lnB w="12700" cap="flat" cmpd="sng" algn="ctr">
+                      <a:solidFill>
+                        <a:schemeClr val="tx1"/>
+                      </a:solidFill>
+                      <a:prstDash val="solid"/>
+                      <a:round/>
+                      <a:headEnd type="none" w="med" len="med"/>
+                      <a:tailEnd type="none" w="med" len="med"/>
+                    </a:lnB>
+                  </a:tcPr>
+                </a:tc>
+                <a:tc>
+                  <a:txBody>
+                    <a:bodyPr/>
+                    <a:lstStyle/>
+                    <a:p>
+                      <a:pPr algn="ctr"/>
+                      <a:r>
+                        <a:rPr lang="es-ES" sz="1050" dirty="0"/>
+                        <a:t>0</a:t>
+                      </a:r>
+                    </a:p>
+                  </a:txBody>
+                  <a:tcPr anchor="ctr">
+                    <a:lnL w="12700" cap="flat" cmpd="sng" algn="ctr">
+                      <a:solidFill>
+                        <a:schemeClr val="tx1"/>
+                      </a:solidFill>
+                      <a:prstDash val="solid"/>
+                      <a:round/>
+                      <a:headEnd type="none" w="med" len="med"/>
+                      <a:tailEnd type="none" w="med" len="med"/>
+                    </a:lnL>
+                    <a:lnR w="12700" cap="flat" cmpd="sng" algn="ctr">
+                      <a:solidFill>
+                        <a:schemeClr val="tx1"/>
+                      </a:solidFill>
+                      <a:prstDash val="solid"/>
+                      <a:round/>
+                      <a:headEnd type="none" w="med" len="med"/>
+                      <a:tailEnd type="none" w="med" len="med"/>
+                    </a:lnR>
+                    <a:lnT w="12700" cap="flat" cmpd="sng" algn="ctr">
+                      <a:solidFill>
+                        <a:schemeClr val="tx1"/>
+                      </a:solidFill>
+                      <a:prstDash val="solid"/>
+                      <a:round/>
+                      <a:headEnd type="none" w="med" len="med"/>
+                      <a:tailEnd type="none" w="med" len="med"/>
+                    </a:lnT>
+                    <a:lnB w="12700" cap="flat" cmpd="sng" algn="ctr">
+                      <a:solidFill>
+                        <a:schemeClr val="tx1"/>
+                      </a:solidFill>
+                      <a:prstDash val="solid"/>
+                      <a:round/>
+                      <a:headEnd type="none" w="med" len="med"/>
+                      <a:tailEnd type="none" w="med" len="med"/>
+                    </a:lnB>
+                    <a:solidFill>
+                      <a:schemeClr val="bg2">
+                        <a:lumMod val="90000"/>
+                      </a:schemeClr>
+                    </a:solidFill>
+                  </a:tcPr>
+                </a:tc>
+                <a:tc>
+                  <a:txBody>
+                    <a:bodyPr/>
+                    <a:lstStyle/>
+                    <a:p>
+                      <a:pPr algn="ctr"/>
+                      <a:r>
+                        <a:rPr lang="es-ES" sz="1050" dirty="0"/>
+                        <a:t>0</a:t>
+                      </a:r>
+                    </a:p>
+                  </a:txBody>
+                  <a:tcPr anchor="ctr">
+                    <a:lnL w="12700" cap="flat" cmpd="sng" algn="ctr">
+                      <a:solidFill>
+                        <a:schemeClr val="tx1"/>
+                      </a:solidFill>
+                      <a:prstDash val="solid"/>
+                      <a:round/>
+                      <a:headEnd type="none" w="med" len="med"/>
+                      <a:tailEnd type="none" w="med" len="med"/>
+                    </a:lnL>
+                    <a:lnR w="12700" cap="flat" cmpd="sng" algn="ctr">
+                      <a:solidFill>
+                        <a:schemeClr val="tx1"/>
+                      </a:solidFill>
+                      <a:prstDash val="solid"/>
+                      <a:round/>
+                      <a:headEnd type="none" w="med" len="med"/>
+                      <a:tailEnd type="none" w="med" len="med"/>
+                    </a:lnR>
+                    <a:lnT w="12700" cap="flat" cmpd="sng" algn="ctr">
+                      <a:solidFill>
+                        <a:schemeClr val="tx1"/>
+                      </a:solidFill>
+                      <a:prstDash val="solid"/>
+                      <a:round/>
+                      <a:headEnd type="none" w="med" len="med"/>
+                      <a:tailEnd type="none" w="med" len="med"/>
+                    </a:lnT>
+                    <a:lnB w="12700" cap="flat" cmpd="sng" algn="ctr">
+                      <a:solidFill>
+                        <a:schemeClr val="tx1"/>
+                      </a:solidFill>
+                      <a:prstDash val="solid"/>
+                      <a:round/>
+                      <a:headEnd type="none" w="med" len="med"/>
+                      <a:tailEnd type="none" w="med" len="med"/>
+                    </a:lnB>
+                    <a:solidFill>
+                      <a:schemeClr val="bg2">
+                        <a:lumMod val="90000"/>
+                      </a:schemeClr>
+                    </a:solidFill>
+                  </a:tcPr>
+                </a:tc>
+                <a:extLst>
+                  <a:ext uri="{0D108BD9-81ED-4DB2-BD59-A6C34878D82A}">
+                    <a16:rowId xmlns:a16="http://schemas.microsoft.com/office/drawing/2014/main" val="4140805963"/>
+                  </a:ext>
+                </a:extLst>
+              </a:tr>
+              <a:tr h="457166">
+                <a:tc>
+                  <a:txBody>
+                    <a:bodyPr/>
+                    <a:lstStyle/>
+                    <a:p>
+                      <a:pPr algn="ctr"/>
+                      <a:r>
+                        <a:rPr lang="es-ES" sz="1050" dirty="0"/>
+                        <a:t>0</a:t>
+                      </a:r>
+                    </a:p>
+                  </a:txBody>
+                  <a:tcPr anchor="ctr">
+                    <a:lnL w="12700" cap="flat" cmpd="sng" algn="ctr">
+                      <a:solidFill>
+                        <a:schemeClr val="tx1"/>
+                      </a:solidFill>
+                      <a:prstDash val="solid"/>
+                      <a:round/>
+                      <a:headEnd type="none" w="med" len="med"/>
+                      <a:tailEnd type="none" w="med" len="med"/>
+                    </a:lnL>
+                    <a:lnR w="12700" cap="flat" cmpd="sng" algn="ctr">
+                      <a:solidFill>
+                        <a:schemeClr val="tx1"/>
+                      </a:solidFill>
+                      <a:prstDash val="solid"/>
+                      <a:round/>
+                      <a:headEnd type="none" w="med" len="med"/>
+                      <a:tailEnd type="none" w="med" len="med"/>
+                    </a:lnR>
+                    <a:lnT w="12700" cap="flat" cmpd="sng" algn="ctr">
+                      <a:solidFill>
+                        <a:schemeClr val="tx1"/>
+                      </a:solidFill>
+                      <a:prstDash val="solid"/>
+                      <a:round/>
+                      <a:headEnd type="none" w="med" len="med"/>
+                      <a:tailEnd type="none" w="med" len="med"/>
+                    </a:lnT>
+                    <a:lnB w="12700" cap="flat" cmpd="sng" algn="ctr">
+                      <a:solidFill>
+                        <a:schemeClr val="tx1"/>
+                      </a:solidFill>
+                      <a:prstDash val="solid"/>
+                      <a:round/>
+                      <a:headEnd type="none" w="med" len="med"/>
+                      <a:tailEnd type="none" w="med" len="med"/>
+                    </a:lnB>
+                    <a:solidFill>
+                      <a:schemeClr val="bg2">
+                        <a:lumMod val="90000"/>
+                      </a:schemeClr>
+                    </a:solidFill>
+                  </a:tcPr>
+                </a:tc>
+                <a:tc>
+                  <a:txBody>
+                    <a:bodyPr/>
+                    <a:lstStyle/>
+                    <a:p>
+                      <a:pPr algn="ctr"/>
+                      <a:r>
+                        <a:rPr lang="es-ES" sz="1050" dirty="0"/>
+                        <a:t>0</a:t>
+                      </a:r>
+                    </a:p>
+                  </a:txBody>
+                  <a:tcPr anchor="ctr">
+                    <a:lnL w="12700" cap="flat" cmpd="sng" algn="ctr">
+                      <a:solidFill>
+                        <a:schemeClr val="tx1"/>
+                      </a:solidFill>
+                      <a:prstDash val="solid"/>
+                      <a:round/>
+                      <a:headEnd type="none" w="med" len="med"/>
+                      <a:tailEnd type="none" w="med" len="med"/>
+                    </a:lnL>
+                    <a:lnR w="12700" cap="flat" cmpd="sng" algn="ctr">
+                      <a:solidFill>
+                        <a:schemeClr val="tx1"/>
+                      </a:solidFill>
+                      <a:prstDash val="solid"/>
+                      <a:round/>
+                      <a:headEnd type="none" w="med" len="med"/>
+                      <a:tailEnd type="none" w="med" len="med"/>
+                    </a:lnR>
+                    <a:lnT w="12700" cap="flat" cmpd="sng" algn="ctr">
+                      <a:solidFill>
+                        <a:schemeClr val="tx1"/>
+                      </a:solidFill>
+                      <a:prstDash val="solid"/>
+                      <a:round/>
+                      <a:headEnd type="none" w="med" len="med"/>
+                      <a:tailEnd type="none" w="med" len="med"/>
+                    </a:lnT>
+                    <a:lnB w="12700" cap="flat" cmpd="sng" algn="ctr">
+                      <a:solidFill>
+                        <a:schemeClr val="tx1"/>
+                      </a:solidFill>
+                      <a:prstDash val="solid"/>
+                      <a:round/>
+                      <a:headEnd type="none" w="med" len="med"/>
+                      <a:tailEnd type="none" w="med" len="med"/>
+                    </a:lnB>
+                    <a:solidFill>
+                      <a:schemeClr val="bg2">
+                        <a:lumMod val="90000"/>
+                      </a:schemeClr>
+                    </a:solidFill>
+                  </a:tcPr>
+                </a:tc>
+                <a:tc>
+                  <a:txBody>
+                    <a:bodyPr/>
+                    <a:lstStyle/>
+                    <a:p>
+                      <a:pPr algn="ctr"/>
+                      <a:r>
+                        <a:rPr lang="es-ES" sz="1050" dirty="0"/>
+                        <a:t>0</a:t>
+                      </a:r>
+                    </a:p>
+                  </a:txBody>
+                  <a:tcPr anchor="ctr">
+                    <a:lnL w="12700" cap="flat" cmpd="sng" algn="ctr">
+                      <a:solidFill>
+                        <a:schemeClr val="tx1"/>
+                      </a:solidFill>
+                      <a:prstDash val="solid"/>
+                      <a:round/>
+                      <a:headEnd type="none" w="med" len="med"/>
+                      <a:tailEnd type="none" w="med" len="med"/>
+                    </a:lnL>
+                    <a:lnR w="12700" cap="flat" cmpd="sng" algn="ctr">
+                      <a:solidFill>
+                        <a:schemeClr val="tx1"/>
+                      </a:solidFill>
+                      <a:prstDash val="solid"/>
+                      <a:round/>
+                      <a:headEnd type="none" w="med" len="med"/>
+                      <a:tailEnd type="none" w="med" len="med"/>
+                    </a:lnR>
+                    <a:lnT w="12700" cap="flat" cmpd="sng" algn="ctr">
+                      <a:solidFill>
+                        <a:schemeClr val="tx1"/>
+                      </a:solidFill>
+                      <a:prstDash val="solid"/>
+                      <a:round/>
+                      <a:headEnd type="none" w="med" len="med"/>
+                      <a:tailEnd type="none" w="med" len="med"/>
+                    </a:lnT>
+                    <a:lnB w="12700" cap="flat" cmpd="sng" algn="ctr">
+                      <a:solidFill>
+                        <a:schemeClr val="tx1"/>
+                      </a:solidFill>
+                      <a:prstDash val="solid"/>
+                      <a:round/>
+                      <a:headEnd type="none" w="med" len="med"/>
+                      <a:tailEnd type="none" w="med" len="med"/>
+                    </a:lnB>
+                    <a:solidFill>
+                      <a:schemeClr val="bg2">
+                        <a:lumMod val="90000"/>
+                      </a:schemeClr>
+                    </a:solidFill>
+                  </a:tcPr>
+                </a:tc>
+                <a:tc>
+                  <a:txBody>
+                    <a:bodyPr/>
+                    <a:lstStyle/>
+                    <a:p>
+                      <a:pPr algn="ctr"/>
+                      <a:r>
+                        <a:rPr lang="es-ES" sz="1050" dirty="0"/>
+                        <a:t>0</a:t>
+                      </a:r>
+                    </a:p>
+                  </a:txBody>
+                  <a:tcPr anchor="ctr">
+                    <a:lnL w="12700" cap="flat" cmpd="sng" algn="ctr">
+                      <a:solidFill>
+                        <a:schemeClr val="tx1"/>
+                      </a:solidFill>
+                      <a:prstDash val="solid"/>
+                      <a:round/>
+                      <a:headEnd type="none" w="med" len="med"/>
+                      <a:tailEnd type="none" w="med" len="med"/>
+                    </a:lnL>
+                    <a:lnR w="12700" cap="flat" cmpd="sng" algn="ctr">
+                      <a:solidFill>
+                        <a:schemeClr val="tx1"/>
+                      </a:solidFill>
+                      <a:prstDash val="solid"/>
+                      <a:round/>
+                      <a:headEnd type="none" w="med" len="med"/>
+                      <a:tailEnd type="none" w="med" len="med"/>
+                    </a:lnR>
+                    <a:lnT w="12700" cap="flat" cmpd="sng" algn="ctr">
+                      <a:solidFill>
+                        <a:schemeClr val="tx1"/>
+                      </a:solidFill>
+                      <a:prstDash val="solid"/>
+                      <a:round/>
+                      <a:headEnd type="none" w="med" len="med"/>
+                      <a:tailEnd type="none" w="med" len="med"/>
+                    </a:lnT>
+                    <a:lnB w="12700" cap="flat" cmpd="sng" algn="ctr">
+                      <a:solidFill>
+                        <a:schemeClr val="tx1"/>
+                      </a:solidFill>
+                      <a:prstDash val="solid"/>
+                      <a:round/>
+                      <a:headEnd type="none" w="med" len="med"/>
+                      <a:tailEnd type="none" w="med" len="med"/>
+                    </a:lnB>
+                    <a:solidFill>
+                      <a:schemeClr val="bg2">
+                        <a:lumMod val="90000"/>
+                      </a:schemeClr>
+                    </a:solidFill>
+                  </a:tcPr>
+                </a:tc>
+                <a:tc>
+                  <a:txBody>
+                    <a:bodyPr/>
+                    <a:lstStyle/>
+                    <a:p>
+                      <a:pPr algn="ctr"/>
+                      <a:r>
+                        <a:rPr lang="es-ES" sz="1050" dirty="0"/>
+                        <a:t>0</a:t>
+                      </a:r>
+                    </a:p>
+                  </a:txBody>
+                  <a:tcPr anchor="ctr">
+                    <a:lnL w="12700" cap="flat" cmpd="sng" algn="ctr">
+                      <a:solidFill>
+                        <a:schemeClr val="tx1"/>
+                      </a:solidFill>
+                      <a:prstDash val="solid"/>
+                      <a:round/>
+                      <a:headEnd type="none" w="med" len="med"/>
+                      <a:tailEnd type="none" w="med" len="med"/>
+                    </a:lnL>
+                    <a:lnR w="12700" cap="flat" cmpd="sng" algn="ctr">
+                      <a:solidFill>
+                        <a:schemeClr val="tx1"/>
+                      </a:solidFill>
+                      <a:prstDash val="solid"/>
+                      <a:round/>
+                      <a:headEnd type="none" w="med" len="med"/>
+                      <a:tailEnd type="none" w="med" len="med"/>
+                    </a:lnR>
+                    <a:lnT w="12700" cap="flat" cmpd="sng" algn="ctr">
+                      <a:solidFill>
+                        <a:schemeClr val="tx1"/>
+                      </a:solidFill>
+                      <a:prstDash val="solid"/>
+                      <a:round/>
+                      <a:headEnd type="none" w="med" len="med"/>
+                      <a:tailEnd type="none" w="med" len="med"/>
+                    </a:lnT>
+                    <a:lnB w="12700" cap="flat" cmpd="sng" algn="ctr">
+                      <a:solidFill>
+                        <a:schemeClr val="tx1"/>
+                      </a:solidFill>
+                      <a:prstDash val="solid"/>
+                      <a:round/>
+                      <a:headEnd type="none" w="med" len="med"/>
+                      <a:tailEnd type="none" w="med" len="med"/>
+                    </a:lnB>
+                    <a:solidFill>
+                      <a:schemeClr val="bg2">
+                        <a:lumMod val="90000"/>
+                      </a:schemeClr>
+                    </a:solidFill>
+                  </a:tcPr>
+                </a:tc>
+                <a:tc>
+                  <a:txBody>
+                    <a:bodyPr/>
+                    <a:lstStyle/>
+                    <a:p>
+                      <a:pPr algn="ctr"/>
+                      <a:r>
+                        <a:rPr lang="es-ES" sz="1050" dirty="0"/>
+                        <a:t>0</a:t>
+                      </a:r>
+                    </a:p>
+                  </a:txBody>
+                  <a:tcPr anchor="ctr">
+                    <a:lnL w="12700" cap="flat" cmpd="sng" algn="ctr">
+                      <a:solidFill>
+                        <a:schemeClr val="tx1"/>
+                      </a:solidFill>
+                      <a:prstDash val="solid"/>
+                      <a:round/>
+                      <a:headEnd type="none" w="med" len="med"/>
+                      <a:tailEnd type="none" w="med" len="med"/>
+                    </a:lnL>
+                    <a:lnR w="12700" cap="flat" cmpd="sng" algn="ctr">
+                      <a:solidFill>
+                        <a:schemeClr val="tx1"/>
+                      </a:solidFill>
+                      <a:prstDash val="solid"/>
+                      <a:round/>
+                      <a:headEnd type="none" w="med" len="med"/>
+                      <a:tailEnd type="none" w="med" len="med"/>
+                    </a:lnR>
+                    <a:lnT w="12700" cap="flat" cmpd="sng" algn="ctr">
+                      <a:solidFill>
+                        <a:schemeClr val="tx1"/>
+                      </a:solidFill>
+                      <a:prstDash val="solid"/>
+                      <a:round/>
+                      <a:headEnd type="none" w="med" len="med"/>
+                      <a:tailEnd type="none" w="med" len="med"/>
+                    </a:lnT>
+                    <a:lnB w="12700" cap="flat" cmpd="sng" algn="ctr">
+                      <a:solidFill>
+                        <a:schemeClr val="tx1"/>
+                      </a:solidFill>
+                      <a:prstDash val="solid"/>
+                      <a:round/>
+                      <a:headEnd type="none" w="med" len="med"/>
+                      <a:tailEnd type="none" w="med" len="med"/>
+                    </a:lnB>
+                    <a:solidFill>
+                      <a:schemeClr val="bg2">
+                        <a:lumMod val="90000"/>
+                      </a:schemeClr>
+                    </a:solidFill>
+                  </a:tcPr>
+                </a:tc>
+                <a:tc>
+                  <a:txBody>
+                    <a:bodyPr/>
+                    <a:lstStyle/>
+                    <a:p>
+                      <a:pPr algn="ctr"/>
+                      <a:r>
+                        <a:rPr lang="es-ES" sz="1050" dirty="0"/>
+                        <a:t>0</a:t>
+                      </a:r>
+                    </a:p>
+                  </a:txBody>
+                  <a:tcPr anchor="ctr">
+                    <a:lnL w="12700" cap="flat" cmpd="sng" algn="ctr">
+                      <a:solidFill>
+                        <a:schemeClr val="tx1"/>
+                      </a:solidFill>
+                      <a:prstDash val="solid"/>
+                      <a:round/>
+                      <a:headEnd type="none" w="med" len="med"/>
+                      <a:tailEnd type="none" w="med" len="med"/>
+                    </a:lnL>
+                    <a:lnR w="12700" cap="flat" cmpd="sng" algn="ctr">
+                      <a:solidFill>
+                        <a:schemeClr val="tx1"/>
+                      </a:solidFill>
+                      <a:prstDash val="solid"/>
+                      <a:round/>
+                      <a:headEnd type="none" w="med" len="med"/>
+                      <a:tailEnd type="none" w="med" len="med"/>
+                    </a:lnR>
+                    <a:lnT w="12700" cap="flat" cmpd="sng" algn="ctr">
+                      <a:solidFill>
+                        <a:schemeClr val="tx1"/>
+                      </a:solidFill>
+                      <a:prstDash val="solid"/>
+                      <a:round/>
+                      <a:headEnd type="none" w="med" len="med"/>
+                      <a:tailEnd type="none" w="med" len="med"/>
+                    </a:lnT>
+                    <a:lnB w="12700" cap="flat" cmpd="sng" algn="ctr">
+                      <a:solidFill>
+                        <a:schemeClr val="tx1"/>
+                      </a:solidFill>
+                      <a:prstDash val="solid"/>
+                      <a:round/>
+                      <a:headEnd type="none" w="med" len="med"/>
+                      <a:tailEnd type="none" w="med" len="med"/>
+                    </a:lnB>
+                    <a:solidFill>
+                      <a:schemeClr val="bg2">
+                        <a:lumMod val="90000"/>
+                      </a:schemeClr>
+                    </a:solidFill>
+                  </a:tcPr>
+                </a:tc>
+                <a:tc>
+                  <a:txBody>
+                    <a:bodyPr/>
+                    <a:lstStyle/>
+                    <a:p>
+                      <a:pPr algn="ctr"/>
+                      <a:r>
+                        <a:rPr lang="es-ES" sz="1050" dirty="0"/>
+                        <a:t>0</a:t>
+                      </a:r>
+                    </a:p>
+                  </a:txBody>
+                  <a:tcPr anchor="ctr">
+                    <a:lnL w="12700" cap="flat" cmpd="sng" algn="ctr">
+                      <a:solidFill>
+                        <a:schemeClr val="tx1"/>
+                      </a:solidFill>
+                      <a:prstDash val="solid"/>
+                      <a:round/>
+                      <a:headEnd type="none" w="med" len="med"/>
+                      <a:tailEnd type="none" w="med" len="med"/>
+                    </a:lnL>
+                    <a:lnR w="12700" cap="flat" cmpd="sng" algn="ctr">
+                      <a:solidFill>
+                        <a:schemeClr val="tx1"/>
+                      </a:solidFill>
+                      <a:prstDash val="solid"/>
+                      <a:round/>
+                      <a:headEnd type="none" w="med" len="med"/>
+                      <a:tailEnd type="none" w="med" len="med"/>
+                    </a:lnR>
+                    <a:lnT w="12700" cap="flat" cmpd="sng" algn="ctr">
+                      <a:solidFill>
+                        <a:schemeClr val="tx1"/>
+                      </a:solidFill>
+                      <a:prstDash val="solid"/>
+                      <a:round/>
+                      <a:headEnd type="none" w="med" len="med"/>
+                      <a:tailEnd type="none" w="med" len="med"/>
+                    </a:lnT>
+                    <a:lnB w="12700" cap="flat" cmpd="sng" algn="ctr">
+                      <a:solidFill>
+                        <a:schemeClr val="tx1"/>
+                      </a:solidFill>
+                      <a:prstDash val="solid"/>
+                      <a:round/>
+                      <a:headEnd type="none" w="med" len="med"/>
+                      <a:tailEnd type="none" w="med" len="med"/>
+                    </a:lnB>
+                    <a:solidFill>
+                      <a:schemeClr val="bg2">
+                        <a:lumMod val="90000"/>
+                      </a:schemeClr>
+                    </a:solidFill>
+                  </a:tcPr>
+                </a:tc>
+                <a:extLst>
+                  <a:ext uri="{0D108BD9-81ED-4DB2-BD59-A6C34878D82A}">
+                    <a16:rowId xmlns:a16="http://schemas.microsoft.com/office/drawing/2014/main" val="1952915420"/>
+                  </a:ext>
+                </a:extLst>
+              </a:tr>
+              <a:tr h="457166">
+                <a:tc>
+                  <a:txBody>
+                    <a:bodyPr/>
+                    <a:lstStyle/>
+                    <a:p>
+                      <a:pPr algn="ctr"/>
+                      <a:r>
+                        <a:rPr lang="es-ES" sz="1050" dirty="0"/>
+                        <a:t>0</a:t>
+                      </a:r>
+                    </a:p>
+                  </a:txBody>
+                  <a:tcPr anchor="ctr">
+                    <a:lnL w="12700" cap="flat" cmpd="sng" algn="ctr">
+                      <a:solidFill>
+                        <a:schemeClr val="tx1"/>
+                      </a:solidFill>
+                      <a:prstDash val="solid"/>
+                      <a:round/>
+                      <a:headEnd type="none" w="med" len="med"/>
+                      <a:tailEnd type="none" w="med" len="med"/>
+                    </a:lnL>
+                    <a:lnR w="12700" cap="flat" cmpd="sng" algn="ctr">
+                      <a:solidFill>
+                        <a:schemeClr val="tx1"/>
+                      </a:solidFill>
+                      <a:prstDash val="solid"/>
+                      <a:round/>
+                      <a:headEnd type="none" w="med" len="med"/>
+                      <a:tailEnd type="none" w="med" len="med"/>
+                    </a:lnR>
+                    <a:lnT w="12700" cap="flat" cmpd="sng" algn="ctr">
+                      <a:solidFill>
+                        <a:schemeClr val="tx1"/>
+                      </a:solidFill>
+                      <a:prstDash val="solid"/>
+                      <a:round/>
+                      <a:headEnd type="none" w="med" len="med"/>
+                      <a:tailEnd type="none" w="med" len="med"/>
+                    </a:lnT>
+                    <a:lnB w="12700" cap="flat" cmpd="sng" algn="ctr">
+                      <a:solidFill>
+                        <a:schemeClr val="tx1"/>
+                      </a:solidFill>
+                      <a:prstDash val="solid"/>
+                      <a:round/>
+                      <a:headEnd type="none" w="med" len="med"/>
+                      <a:tailEnd type="none" w="med" len="med"/>
+                    </a:lnB>
+                    <a:solidFill>
+                      <a:schemeClr val="bg2">
+                        <a:lumMod val="90000"/>
+                      </a:schemeClr>
+                    </a:solidFill>
+                  </a:tcPr>
+                </a:tc>
+                <a:tc>
+                  <a:txBody>
+                    <a:bodyPr/>
+                    <a:lstStyle/>
+                    <a:p>
+                      <a:pPr algn="ctr"/>
+                      <a:r>
+                        <a:rPr lang="es-ES" sz="1050" dirty="0"/>
+                        <a:t>0</a:t>
+                      </a:r>
+                    </a:p>
+                  </a:txBody>
+                  <a:tcPr anchor="ctr">
+                    <a:lnL w="12700" cap="flat" cmpd="sng" algn="ctr">
+                      <a:solidFill>
+                        <a:schemeClr val="tx1"/>
+                      </a:solidFill>
+                      <a:prstDash val="solid"/>
+                      <a:round/>
+                      <a:headEnd type="none" w="med" len="med"/>
+                      <a:tailEnd type="none" w="med" len="med"/>
+                    </a:lnL>
+                    <a:lnR w="12700" cap="flat" cmpd="sng" algn="ctr">
+                      <a:solidFill>
+                        <a:schemeClr val="tx1"/>
+                      </a:solidFill>
+                      <a:prstDash val="solid"/>
+                      <a:round/>
+                      <a:headEnd type="none" w="med" len="med"/>
+                      <a:tailEnd type="none" w="med" len="med"/>
+                    </a:lnR>
+                    <a:lnT w="12700" cap="flat" cmpd="sng" algn="ctr">
+                      <a:solidFill>
+                        <a:schemeClr val="tx1"/>
+                      </a:solidFill>
+                      <a:prstDash val="solid"/>
+                      <a:round/>
+                      <a:headEnd type="none" w="med" len="med"/>
+                      <a:tailEnd type="none" w="med" len="med"/>
+                    </a:lnT>
+                    <a:lnB w="12700" cap="flat" cmpd="sng" algn="ctr">
+                      <a:solidFill>
+                        <a:schemeClr val="tx1"/>
+                      </a:solidFill>
+                      <a:prstDash val="solid"/>
+                      <a:round/>
+                      <a:headEnd type="none" w="med" len="med"/>
+                      <a:tailEnd type="none" w="med" len="med"/>
+                    </a:lnB>
+                    <a:solidFill>
+                      <a:schemeClr val="bg2">
+                        <a:lumMod val="90000"/>
+                      </a:schemeClr>
+                    </a:solidFill>
+                  </a:tcPr>
+                </a:tc>
+                <a:tc>
+                  <a:txBody>
+                    <a:bodyPr/>
+                    <a:lstStyle/>
+                    <a:p>
+                      <a:pPr algn="ctr"/>
+                      <a:r>
+                        <a:rPr lang="es-ES" sz="1050" dirty="0"/>
+                        <a:t>0</a:t>
+                      </a:r>
+                    </a:p>
+                  </a:txBody>
+                  <a:tcPr anchor="ctr">
+                    <a:lnL w="12700" cap="flat" cmpd="sng" algn="ctr">
+                      <a:solidFill>
+                        <a:schemeClr val="tx1"/>
+                      </a:solidFill>
+                      <a:prstDash val="solid"/>
+                      <a:round/>
+                      <a:headEnd type="none" w="med" len="med"/>
+                      <a:tailEnd type="none" w="med" len="med"/>
+                    </a:lnL>
+                    <a:lnR w="12700" cap="flat" cmpd="sng" algn="ctr">
+                      <a:solidFill>
+                        <a:schemeClr val="tx1"/>
+                      </a:solidFill>
+                      <a:prstDash val="solid"/>
+                      <a:round/>
+                      <a:headEnd type="none" w="med" len="med"/>
+                      <a:tailEnd type="none" w="med" len="med"/>
+                    </a:lnR>
+                    <a:lnT w="12700" cap="flat" cmpd="sng" algn="ctr">
+                      <a:solidFill>
+                        <a:schemeClr val="tx1"/>
+                      </a:solidFill>
+                      <a:prstDash val="solid"/>
+                      <a:round/>
+                      <a:headEnd type="none" w="med" len="med"/>
+                      <a:tailEnd type="none" w="med" len="med"/>
+                    </a:lnT>
+                    <a:lnB w="12700" cap="flat" cmpd="sng" algn="ctr">
+                      <a:solidFill>
+                        <a:schemeClr val="tx1"/>
+                      </a:solidFill>
+                      <a:prstDash val="solid"/>
+                      <a:round/>
+                      <a:headEnd type="none" w="med" len="med"/>
+                      <a:tailEnd type="none" w="med" len="med"/>
+                    </a:lnB>
+                    <a:solidFill>
+                      <a:schemeClr val="bg2">
+                        <a:lumMod val="90000"/>
+                      </a:schemeClr>
+                    </a:solidFill>
+                  </a:tcPr>
+                </a:tc>
+                <a:tc>
+                  <a:txBody>
+                    <a:bodyPr/>
+                    <a:lstStyle/>
+                    <a:p>
+                      <a:pPr algn="ctr"/>
+                      <a:r>
+                        <a:rPr lang="es-ES" sz="1050" dirty="0"/>
+                        <a:t>0</a:t>
+                      </a:r>
+                    </a:p>
+                  </a:txBody>
+                  <a:tcPr anchor="ctr">
+                    <a:lnL w="12700" cap="flat" cmpd="sng" algn="ctr">
+                      <a:solidFill>
+                        <a:schemeClr val="tx1"/>
+                      </a:solidFill>
+                      <a:prstDash val="solid"/>
+                      <a:round/>
+                      <a:headEnd type="none" w="med" len="med"/>
+                      <a:tailEnd type="none" w="med" len="med"/>
+                    </a:lnL>
+                    <a:lnR w="12700" cap="flat" cmpd="sng" algn="ctr">
+                      <a:solidFill>
+                        <a:schemeClr val="tx1"/>
+                      </a:solidFill>
+                      <a:prstDash val="solid"/>
+                      <a:round/>
+                      <a:headEnd type="none" w="med" len="med"/>
+                      <a:tailEnd type="none" w="med" len="med"/>
+                    </a:lnR>
+                    <a:lnT w="12700" cap="flat" cmpd="sng" algn="ctr">
+                      <a:solidFill>
+                        <a:schemeClr val="tx1"/>
+                      </a:solidFill>
+                      <a:prstDash val="solid"/>
+                      <a:round/>
+                      <a:headEnd type="none" w="med" len="med"/>
+                      <a:tailEnd type="none" w="med" len="med"/>
+                    </a:lnT>
+                    <a:lnB w="12700" cap="flat" cmpd="sng" algn="ctr">
+                      <a:solidFill>
+                        <a:schemeClr val="tx1"/>
+                      </a:solidFill>
+                      <a:prstDash val="solid"/>
+                      <a:round/>
+                      <a:headEnd type="none" w="med" len="med"/>
+                      <a:tailEnd type="none" w="med" len="med"/>
+                    </a:lnB>
+                    <a:solidFill>
+                      <a:schemeClr val="bg2">
+                        <a:lumMod val="90000"/>
+                      </a:schemeClr>
+                    </a:solidFill>
+                  </a:tcPr>
+                </a:tc>
+                <a:tc>
+                  <a:txBody>
+                    <a:bodyPr/>
+                    <a:lstStyle/>
+                    <a:p>
+                      <a:pPr algn="ctr"/>
+                      <a:r>
+                        <a:rPr lang="es-ES" sz="1050" dirty="0"/>
+                        <a:t>0</a:t>
+                      </a:r>
+                    </a:p>
+                  </a:txBody>
+                  <a:tcPr anchor="ctr">
+                    <a:lnL w="12700" cap="flat" cmpd="sng" algn="ctr">
+                      <a:solidFill>
+                        <a:schemeClr val="tx1"/>
+                      </a:solidFill>
+                      <a:prstDash val="solid"/>
+                      <a:round/>
+                      <a:headEnd type="none" w="med" len="med"/>
+                      <a:tailEnd type="none" w="med" len="med"/>
+                    </a:lnL>
+                    <a:lnR w="12700" cap="flat" cmpd="sng" algn="ctr">
+                      <a:solidFill>
+                        <a:schemeClr val="tx1"/>
+                      </a:solidFill>
+                      <a:prstDash val="solid"/>
+                      <a:round/>
+                      <a:headEnd type="none" w="med" len="med"/>
+                      <a:tailEnd type="none" w="med" len="med"/>
+                    </a:lnR>
+                    <a:lnT w="12700" cap="flat" cmpd="sng" algn="ctr">
+                      <a:solidFill>
+                        <a:schemeClr val="tx1"/>
+                      </a:solidFill>
+                      <a:prstDash val="solid"/>
+                      <a:round/>
+                      <a:headEnd type="none" w="med" len="med"/>
+                      <a:tailEnd type="none" w="med" len="med"/>
+                    </a:lnT>
+                    <a:lnB w="12700" cap="flat" cmpd="sng" algn="ctr">
+                      <a:solidFill>
+                        <a:schemeClr val="tx1"/>
+                      </a:solidFill>
+                      <a:prstDash val="solid"/>
+                      <a:round/>
+                      <a:headEnd type="none" w="med" len="med"/>
+                      <a:tailEnd type="none" w="med" len="med"/>
+                    </a:lnB>
+                    <a:solidFill>
+                      <a:schemeClr val="bg2">
+                        <a:lumMod val="90000"/>
+                      </a:schemeClr>
+                    </a:solidFill>
+                  </a:tcPr>
+                </a:tc>
+                <a:tc>
+                  <a:txBody>
+                    <a:bodyPr/>
+                    <a:lstStyle/>
+                    <a:p>
+                      <a:pPr algn="ctr"/>
+                      <a:r>
+                        <a:rPr lang="es-ES" sz="1050" dirty="0"/>
+                        <a:t>0</a:t>
+                      </a:r>
+                    </a:p>
+                  </a:txBody>
+                  <a:tcPr anchor="ctr">
+                    <a:lnL w="12700" cap="flat" cmpd="sng" algn="ctr">
+                      <a:solidFill>
+                        <a:schemeClr val="tx1"/>
+                      </a:solidFill>
+                      <a:prstDash val="solid"/>
+                      <a:round/>
+                      <a:headEnd type="none" w="med" len="med"/>
+                      <a:tailEnd type="none" w="med" len="med"/>
+                    </a:lnL>
+                    <a:lnR w="12700" cap="flat" cmpd="sng" algn="ctr">
+                      <a:solidFill>
+                        <a:schemeClr val="tx1"/>
+                      </a:solidFill>
+                      <a:prstDash val="solid"/>
+                      <a:round/>
+                      <a:headEnd type="none" w="med" len="med"/>
+                      <a:tailEnd type="none" w="med" len="med"/>
+                    </a:lnR>
+                    <a:lnT w="12700" cap="flat" cmpd="sng" algn="ctr">
+                      <a:solidFill>
+                        <a:schemeClr val="tx1"/>
+                      </a:solidFill>
+                      <a:prstDash val="solid"/>
+                      <a:round/>
+                      <a:headEnd type="none" w="med" len="med"/>
+                      <a:tailEnd type="none" w="med" len="med"/>
+                    </a:lnT>
+                    <a:lnB w="12700" cap="flat" cmpd="sng" algn="ctr">
+                      <a:solidFill>
+                        <a:schemeClr val="tx1"/>
+                      </a:solidFill>
+                      <a:prstDash val="solid"/>
+                      <a:round/>
+                      <a:headEnd type="none" w="med" len="med"/>
+                      <a:tailEnd type="none" w="med" len="med"/>
+                    </a:lnB>
+                    <a:solidFill>
+                      <a:schemeClr val="bg2">
+                        <a:lumMod val="90000"/>
+                      </a:schemeClr>
+                    </a:solidFill>
+                  </a:tcPr>
+                </a:tc>
+                <a:tc>
+                  <a:txBody>
+                    <a:bodyPr/>
+                    <a:lstStyle/>
+                    <a:p>
+                      <a:pPr algn="ctr"/>
+                      <a:r>
+                        <a:rPr lang="es-ES" sz="1050" dirty="0"/>
+                        <a:t>0</a:t>
+                      </a:r>
+                    </a:p>
+                  </a:txBody>
+                  <a:tcPr anchor="ctr">
+                    <a:lnL w="12700" cap="flat" cmpd="sng" algn="ctr">
+                      <a:solidFill>
+                        <a:schemeClr val="tx1"/>
+                      </a:solidFill>
+                      <a:prstDash val="solid"/>
+                      <a:round/>
+                      <a:headEnd type="none" w="med" len="med"/>
+                      <a:tailEnd type="none" w="med" len="med"/>
+                    </a:lnL>
+                    <a:lnR w="12700" cap="flat" cmpd="sng" algn="ctr">
+                      <a:solidFill>
+                        <a:schemeClr val="tx1"/>
+                      </a:solidFill>
+                      <a:prstDash val="solid"/>
+                      <a:round/>
+                      <a:headEnd type="none" w="med" len="med"/>
+                      <a:tailEnd type="none" w="med" len="med"/>
+                    </a:lnR>
+                    <a:lnT w="12700" cap="flat" cmpd="sng" algn="ctr">
+                      <a:solidFill>
+                        <a:schemeClr val="tx1"/>
+                      </a:solidFill>
+                      <a:prstDash val="solid"/>
+                      <a:round/>
+                      <a:headEnd type="none" w="med" len="med"/>
+                      <a:tailEnd type="none" w="med" len="med"/>
+                    </a:lnT>
+                    <a:lnB w="12700" cap="flat" cmpd="sng" algn="ctr">
+                      <a:solidFill>
+                        <a:schemeClr val="tx1"/>
+                      </a:solidFill>
+                      <a:prstDash val="solid"/>
+                      <a:round/>
+                      <a:headEnd type="none" w="med" len="med"/>
+                      <a:tailEnd type="none" w="med" len="med"/>
+                    </a:lnB>
+                    <a:solidFill>
+                      <a:schemeClr val="bg2">
+                        <a:lumMod val="90000"/>
+                      </a:schemeClr>
+                    </a:solidFill>
+                  </a:tcPr>
+                </a:tc>
+                <a:tc>
+                  <a:txBody>
+                    <a:bodyPr/>
+                    <a:lstStyle/>
+                    <a:p>
+                      <a:pPr algn="ctr"/>
+                      <a:r>
+                        <a:rPr lang="es-ES" sz="1050" dirty="0"/>
+                        <a:t>0</a:t>
+                      </a:r>
+                    </a:p>
+                  </a:txBody>
+                  <a:tcPr anchor="ctr">
+                    <a:lnL w="12700" cap="flat" cmpd="sng" algn="ctr">
+                      <a:solidFill>
+                        <a:schemeClr val="tx1"/>
+                      </a:solidFill>
+                      <a:prstDash val="solid"/>
+                      <a:round/>
+                      <a:headEnd type="none" w="med" len="med"/>
+                      <a:tailEnd type="none" w="med" len="med"/>
+                    </a:lnL>
+                    <a:lnR w="12700" cap="flat" cmpd="sng" algn="ctr">
+                      <a:solidFill>
+                        <a:schemeClr val="tx1"/>
+                      </a:solidFill>
+                      <a:prstDash val="solid"/>
+                      <a:round/>
+                      <a:headEnd type="none" w="med" len="med"/>
+                      <a:tailEnd type="none" w="med" len="med"/>
+                    </a:lnR>
+                    <a:lnT w="12700" cap="flat" cmpd="sng" algn="ctr">
+                      <a:solidFill>
+                        <a:schemeClr val="tx1"/>
+                      </a:solidFill>
+                      <a:prstDash val="solid"/>
+                      <a:round/>
+                      <a:headEnd type="none" w="med" len="med"/>
+                      <a:tailEnd type="none" w="med" len="med"/>
+                    </a:lnT>
+                    <a:lnB w="12700" cap="flat" cmpd="sng" algn="ctr">
+                      <a:solidFill>
+                        <a:schemeClr val="tx1"/>
+                      </a:solidFill>
+                      <a:prstDash val="solid"/>
+                      <a:round/>
+                      <a:headEnd type="none" w="med" len="med"/>
+                      <a:tailEnd type="none" w="med" len="med"/>
+                    </a:lnB>
+                    <a:solidFill>
+                      <a:schemeClr val="bg2">
+                        <a:lumMod val="90000"/>
+                      </a:schemeClr>
+                    </a:solidFill>
+                  </a:tcPr>
+                </a:tc>
+                <a:extLst>
+                  <a:ext uri="{0D108BD9-81ED-4DB2-BD59-A6C34878D82A}">
+                    <a16:rowId xmlns:a16="http://schemas.microsoft.com/office/drawing/2014/main" val="3900097503"/>
+                  </a:ext>
+                </a:extLst>
+              </a:tr>
+            </a:tbl>
+          </a:graphicData>
+        </a:graphic>
+      </p:graphicFrame>
+      <p:graphicFrame>
+        <p:nvGraphicFramePr>
+          <p:cNvPr id="26" name="Tabla 25">
+            <a:extLst>
+              <a:ext uri="{FF2B5EF4-FFF2-40B4-BE49-F238E27FC236}">
+                <a16:creationId xmlns:a16="http://schemas.microsoft.com/office/drawing/2014/main" id="{0AD12F51-5653-AC44-A38A-EAB22198B1E8}"/>
+              </a:ext>
+            </a:extLst>
+          </p:cNvPr>
+          <p:cNvGraphicFramePr>
+            <a:graphicFrameLocks noGrp="1"/>
+          </p:cNvGraphicFramePr>
+          <p:nvPr>
+            <p:extLst>
+              <p:ext uri="{D42A27DB-BD31-4B8C-83A1-F6EECF244321}">
+                <p14:modId xmlns:p14="http://schemas.microsoft.com/office/powerpoint/2010/main" val="3389164007"/>
+              </p:ext>
+            </p:extLst>
+          </p:nvPr>
+        </p:nvGraphicFramePr>
+        <p:xfrm>
+          <a:off x="5821889" y="2781553"/>
+          <a:ext cx="1456269" cy="1384302"/>
+        </p:xfrm>
+        <a:graphic>
+          <a:graphicData uri="http://schemas.openxmlformats.org/drawingml/2006/table">
+            <a:tbl>
+              <a:tblPr>
+                <a:tableStyleId>{5C22544A-7EE6-4342-B048-85BDC9FD1C3A}</a:tableStyleId>
+              </a:tblPr>
+              <a:tblGrid>
+                <a:gridCol w="485423">
+                  <a:extLst>
+                    <a:ext uri="{9D8B030D-6E8A-4147-A177-3AD203B41FA5}">
+                      <a16:colId xmlns:a16="http://schemas.microsoft.com/office/drawing/2014/main" val="3096633466"/>
+                    </a:ext>
+                  </a:extLst>
+                </a:gridCol>
+                <a:gridCol w="485423">
+                  <a:extLst>
+                    <a:ext uri="{9D8B030D-6E8A-4147-A177-3AD203B41FA5}">
+                      <a16:colId xmlns:a16="http://schemas.microsoft.com/office/drawing/2014/main" val="4113516193"/>
+                    </a:ext>
+                  </a:extLst>
+                </a:gridCol>
+                <a:gridCol w="485423">
+                  <a:extLst>
+                    <a:ext uri="{9D8B030D-6E8A-4147-A177-3AD203B41FA5}">
+                      <a16:colId xmlns:a16="http://schemas.microsoft.com/office/drawing/2014/main" val="4241283399"/>
+                    </a:ext>
+                  </a:extLst>
+                </a:gridCol>
+              </a:tblGrid>
+              <a:tr h="461434">
+                <a:tc>
+                  <a:txBody>
+                    <a:bodyPr/>
+                    <a:lstStyle/>
+                    <a:p>
+                      <a:pPr algn="ctr"/>
+                      <a:r>
+                        <a:rPr lang="es-ES" sz="1200" dirty="0"/>
+                        <a:t>1</a:t>
+                      </a:r>
+                    </a:p>
+                  </a:txBody>
+                  <a:tcPr anchor="ctr">
+                    <a:lnL w="12700" cap="flat" cmpd="sng" algn="ctr">
+                      <a:solidFill>
+                        <a:schemeClr val="tx1"/>
+                      </a:solidFill>
+                      <a:prstDash val="solid"/>
+                      <a:round/>
+                      <a:headEnd type="none" w="med" len="med"/>
+                      <a:tailEnd type="none" w="med" len="med"/>
+                    </a:lnL>
+                    <a:lnR w="12700" cap="flat" cmpd="sng" algn="ctr">
+                      <a:solidFill>
+                        <a:schemeClr val="tx1"/>
+                      </a:solidFill>
+                      <a:prstDash val="solid"/>
+                      <a:round/>
+                      <a:headEnd type="none" w="med" len="med"/>
+                      <a:tailEnd type="none" w="med" len="med"/>
+                    </a:lnR>
+                    <a:lnT w="12700" cap="flat" cmpd="sng" algn="ctr">
+                      <a:solidFill>
+                        <a:schemeClr val="tx1"/>
+                      </a:solidFill>
+                      <a:prstDash val="solid"/>
+                      <a:round/>
+                      <a:headEnd type="none" w="med" len="med"/>
+                      <a:tailEnd type="none" w="med" len="med"/>
+                    </a:lnT>
+                    <a:lnB w="12700" cap="flat" cmpd="sng" algn="ctr">
+                      <a:solidFill>
+                        <a:schemeClr val="tx1"/>
+                      </a:solidFill>
+                      <a:prstDash val="solid"/>
+                      <a:round/>
+                      <a:headEnd type="none" w="med" len="med"/>
+                      <a:tailEnd type="none" w="med" len="med"/>
+                    </a:lnB>
+                    <a:solidFill>
+                      <a:schemeClr val="accent1">
+                        <a:lumMod val="60000"/>
+                        <a:lumOff val="40000"/>
+                      </a:schemeClr>
+                    </a:solidFill>
+                  </a:tcPr>
+                </a:tc>
+                <a:tc>
+                  <a:txBody>
+                    <a:bodyPr/>
+                    <a:lstStyle/>
+                    <a:p>
+                      <a:pPr algn="ctr"/>
+                      <a:r>
+                        <a:rPr lang="es-ES" sz="1200" dirty="0"/>
+                        <a:t>0</a:t>
+                      </a:r>
+                    </a:p>
+                  </a:txBody>
+                  <a:tcPr anchor="ctr">
+                    <a:lnL w="12700" cap="flat" cmpd="sng" algn="ctr">
+                      <a:solidFill>
+                        <a:schemeClr val="tx1"/>
+                      </a:solidFill>
+                      <a:prstDash val="solid"/>
+                      <a:round/>
+                      <a:headEnd type="none" w="med" len="med"/>
+                      <a:tailEnd type="none" w="med" len="med"/>
+                    </a:lnL>
+                    <a:lnR w="12700" cap="flat" cmpd="sng" algn="ctr">
+                      <a:solidFill>
+                        <a:schemeClr val="tx1"/>
+                      </a:solidFill>
+                      <a:prstDash val="solid"/>
+                      <a:round/>
+                      <a:headEnd type="none" w="med" len="med"/>
+                      <a:tailEnd type="none" w="med" len="med"/>
+                    </a:lnR>
+                    <a:lnT w="12700" cap="flat" cmpd="sng" algn="ctr">
+                      <a:solidFill>
+                        <a:schemeClr val="tx1"/>
+                      </a:solidFill>
+                      <a:prstDash val="solid"/>
+                      <a:round/>
+                      <a:headEnd type="none" w="med" len="med"/>
+                      <a:tailEnd type="none" w="med" len="med"/>
+                    </a:lnT>
+                    <a:lnB w="12700" cap="flat" cmpd="sng" algn="ctr">
+                      <a:solidFill>
+                        <a:schemeClr val="tx1"/>
+                      </a:solidFill>
+                      <a:prstDash val="solid"/>
+                      <a:round/>
+                      <a:headEnd type="none" w="med" len="med"/>
+                      <a:tailEnd type="none" w="med" len="med"/>
+                    </a:lnB>
+                    <a:solidFill>
+                      <a:schemeClr val="accent1">
+                        <a:lumMod val="60000"/>
+                        <a:lumOff val="40000"/>
+                      </a:schemeClr>
+                    </a:solidFill>
+                  </a:tcPr>
+                </a:tc>
+                <a:tc>
+                  <a:txBody>
+                    <a:bodyPr/>
+                    <a:lstStyle/>
+                    <a:p>
+                      <a:pPr algn="ctr"/>
+                      <a:r>
+                        <a:rPr lang="es-ES" sz="1200" dirty="0"/>
+                        <a:t>1</a:t>
+                      </a:r>
+                    </a:p>
+                  </a:txBody>
+                  <a:tcPr anchor="ctr">
+                    <a:lnL w="12700" cap="flat" cmpd="sng" algn="ctr">
+                      <a:solidFill>
+                        <a:schemeClr val="tx1"/>
+                      </a:solidFill>
+                      <a:prstDash val="solid"/>
+                      <a:round/>
+                      <a:headEnd type="none" w="med" len="med"/>
+                      <a:tailEnd type="none" w="med" len="med"/>
+                    </a:lnL>
+                    <a:lnR w="12700" cap="flat" cmpd="sng" algn="ctr">
+                      <a:solidFill>
+                        <a:schemeClr val="tx1"/>
+                      </a:solidFill>
+                      <a:prstDash val="solid"/>
+                      <a:round/>
+                      <a:headEnd type="none" w="med" len="med"/>
+                      <a:tailEnd type="none" w="med" len="med"/>
+                    </a:lnR>
+                    <a:lnT w="12700" cap="flat" cmpd="sng" algn="ctr">
+                      <a:solidFill>
+                        <a:schemeClr val="tx1"/>
+                      </a:solidFill>
+                      <a:prstDash val="solid"/>
+                      <a:round/>
+                      <a:headEnd type="none" w="med" len="med"/>
+                      <a:tailEnd type="none" w="med" len="med"/>
+                    </a:lnT>
+                    <a:lnB w="12700" cap="flat" cmpd="sng" algn="ctr">
+                      <a:solidFill>
+                        <a:schemeClr val="tx1"/>
+                      </a:solidFill>
+                      <a:prstDash val="solid"/>
+                      <a:round/>
+                      <a:headEnd type="none" w="med" len="med"/>
+                      <a:tailEnd type="none" w="med" len="med"/>
+                    </a:lnB>
+                    <a:solidFill>
+                      <a:schemeClr val="accent1">
+                        <a:lumMod val="60000"/>
+                        <a:lumOff val="40000"/>
+                      </a:schemeClr>
+                    </a:solidFill>
+                  </a:tcPr>
+                </a:tc>
+                <a:extLst>
+                  <a:ext uri="{0D108BD9-81ED-4DB2-BD59-A6C34878D82A}">
+                    <a16:rowId xmlns:a16="http://schemas.microsoft.com/office/drawing/2014/main" val="362188485"/>
+                  </a:ext>
+                </a:extLst>
+              </a:tr>
+              <a:tr h="461434">
+                <a:tc>
+                  <a:txBody>
+                    <a:bodyPr/>
+                    <a:lstStyle/>
+                    <a:p>
+                      <a:pPr algn="ctr"/>
+                      <a:r>
+                        <a:rPr lang="es-ES" sz="1200" dirty="0"/>
+                        <a:t>0</a:t>
+                      </a:r>
+                    </a:p>
+                  </a:txBody>
+                  <a:tcPr anchor="ctr">
+                    <a:lnL w="12700" cap="flat" cmpd="sng" algn="ctr">
+                      <a:solidFill>
+                        <a:schemeClr val="tx1"/>
+                      </a:solidFill>
+                      <a:prstDash val="solid"/>
+                      <a:round/>
+                      <a:headEnd type="none" w="med" len="med"/>
+                      <a:tailEnd type="none" w="med" len="med"/>
+                    </a:lnL>
+                    <a:lnR w="12700" cap="flat" cmpd="sng" algn="ctr">
+                      <a:solidFill>
+                        <a:schemeClr val="tx1"/>
+                      </a:solidFill>
+                      <a:prstDash val="solid"/>
+                      <a:round/>
+                      <a:headEnd type="none" w="med" len="med"/>
+                      <a:tailEnd type="none" w="med" len="med"/>
+                    </a:lnR>
+                    <a:lnT w="12700" cap="flat" cmpd="sng" algn="ctr">
+                      <a:solidFill>
+                        <a:schemeClr val="tx1"/>
+                      </a:solidFill>
+                      <a:prstDash val="solid"/>
+                      <a:round/>
+                      <a:headEnd type="none" w="med" len="med"/>
+                      <a:tailEnd type="none" w="med" len="med"/>
+                    </a:lnT>
+                    <a:lnB w="12700" cap="flat" cmpd="sng" algn="ctr">
+                      <a:solidFill>
+                        <a:schemeClr val="tx1"/>
+                      </a:solidFill>
+                      <a:prstDash val="solid"/>
+                      <a:round/>
+                      <a:headEnd type="none" w="med" len="med"/>
+                      <a:tailEnd type="none" w="med" len="med"/>
+                    </a:lnB>
+                    <a:solidFill>
+                      <a:schemeClr val="accent1">
+                        <a:lumMod val="60000"/>
+                        <a:lumOff val="40000"/>
+                      </a:schemeClr>
+                    </a:solidFill>
+                  </a:tcPr>
+                </a:tc>
+                <a:tc>
+                  <a:txBody>
+                    <a:bodyPr/>
+                    <a:lstStyle/>
+                    <a:p>
+                      <a:pPr algn="ctr"/>
+                      <a:r>
+                        <a:rPr lang="es-ES" sz="1200" dirty="0"/>
+                        <a:t>1</a:t>
+                      </a:r>
+                    </a:p>
+                  </a:txBody>
+                  <a:tcPr anchor="ctr">
+                    <a:lnL w="12700" cap="flat" cmpd="sng" algn="ctr">
+                      <a:solidFill>
+                        <a:schemeClr val="tx1"/>
+                      </a:solidFill>
+                      <a:prstDash val="solid"/>
+                      <a:round/>
+                      <a:headEnd type="none" w="med" len="med"/>
+                      <a:tailEnd type="none" w="med" len="med"/>
+                    </a:lnL>
+                    <a:lnR w="12700" cap="flat" cmpd="sng" algn="ctr">
+                      <a:solidFill>
+                        <a:schemeClr val="tx1"/>
+                      </a:solidFill>
+                      <a:prstDash val="solid"/>
+                      <a:round/>
+                      <a:headEnd type="none" w="med" len="med"/>
+                      <a:tailEnd type="none" w="med" len="med"/>
+                    </a:lnR>
+                    <a:lnT w="12700" cap="flat" cmpd="sng" algn="ctr">
+                      <a:solidFill>
+                        <a:schemeClr val="tx1"/>
+                      </a:solidFill>
+                      <a:prstDash val="solid"/>
+                      <a:round/>
+                      <a:headEnd type="none" w="med" len="med"/>
+                      <a:tailEnd type="none" w="med" len="med"/>
+                    </a:lnT>
+                    <a:lnB w="12700" cap="flat" cmpd="sng" algn="ctr">
+                      <a:solidFill>
+                        <a:schemeClr val="tx1"/>
+                      </a:solidFill>
+                      <a:prstDash val="solid"/>
+                      <a:round/>
+                      <a:headEnd type="none" w="med" len="med"/>
+                      <a:tailEnd type="none" w="med" len="med"/>
+                    </a:lnB>
+                    <a:solidFill>
+                      <a:schemeClr val="accent1">
+                        <a:lumMod val="60000"/>
+                        <a:lumOff val="40000"/>
+                      </a:schemeClr>
+                    </a:solidFill>
+                  </a:tcPr>
+                </a:tc>
+                <a:tc>
+                  <a:txBody>
+                    <a:bodyPr/>
+                    <a:lstStyle/>
+                    <a:p>
+                      <a:pPr algn="ctr"/>
+                      <a:r>
+                        <a:rPr lang="es-ES" sz="1200" dirty="0"/>
+                        <a:t>0</a:t>
+                      </a:r>
+                    </a:p>
+                  </a:txBody>
+                  <a:tcPr anchor="ctr">
+                    <a:lnL w="12700" cap="flat" cmpd="sng" algn="ctr">
+                      <a:solidFill>
+                        <a:schemeClr val="tx1"/>
+                      </a:solidFill>
+                      <a:prstDash val="solid"/>
+                      <a:round/>
+                      <a:headEnd type="none" w="med" len="med"/>
+                      <a:tailEnd type="none" w="med" len="med"/>
+                    </a:lnL>
+                    <a:lnR w="12700" cap="flat" cmpd="sng" algn="ctr">
+                      <a:solidFill>
+                        <a:schemeClr val="tx1"/>
+                      </a:solidFill>
+                      <a:prstDash val="solid"/>
+                      <a:round/>
+                      <a:headEnd type="none" w="med" len="med"/>
+                      <a:tailEnd type="none" w="med" len="med"/>
+                    </a:lnR>
+                    <a:lnT w="12700" cap="flat" cmpd="sng" algn="ctr">
+                      <a:solidFill>
+                        <a:schemeClr val="tx1"/>
+                      </a:solidFill>
+                      <a:prstDash val="solid"/>
+                      <a:round/>
+                      <a:headEnd type="none" w="med" len="med"/>
+                      <a:tailEnd type="none" w="med" len="med"/>
+                    </a:lnT>
+                    <a:lnB w="12700" cap="flat" cmpd="sng" algn="ctr">
+                      <a:solidFill>
+                        <a:schemeClr val="tx1"/>
+                      </a:solidFill>
+                      <a:prstDash val="solid"/>
+                      <a:round/>
+                      <a:headEnd type="none" w="med" len="med"/>
+                      <a:tailEnd type="none" w="med" len="med"/>
+                    </a:lnB>
+                    <a:solidFill>
+                      <a:schemeClr val="accent1">
+                        <a:lumMod val="60000"/>
+                        <a:lumOff val="40000"/>
+                      </a:schemeClr>
+                    </a:solidFill>
+                  </a:tcPr>
+                </a:tc>
+                <a:extLst>
+                  <a:ext uri="{0D108BD9-81ED-4DB2-BD59-A6C34878D82A}">
+                    <a16:rowId xmlns:a16="http://schemas.microsoft.com/office/drawing/2014/main" val="947130838"/>
+                  </a:ext>
+                </a:extLst>
+              </a:tr>
+              <a:tr h="461434">
+                <a:tc>
+                  <a:txBody>
+                    <a:bodyPr/>
+                    <a:lstStyle/>
+                    <a:p>
+                      <a:pPr algn="ctr"/>
+                      <a:r>
+                        <a:rPr lang="es-ES" sz="1200" dirty="0"/>
+                        <a:t>1</a:t>
+                      </a:r>
+                    </a:p>
+                  </a:txBody>
+                  <a:tcPr anchor="ctr">
+                    <a:lnL w="12700" cap="flat" cmpd="sng" algn="ctr">
+                      <a:solidFill>
+                        <a:schemeClr val="tx1"/>
+                      </a:solidFill>
+                      <a:prstDash val="solid"/>
+                      <a:round/>
+                      <a:headEnd type="none" w="med" len="med"/>
+                      <a:tailEnd type="none" w="med" len="med"/>
+                    </a:lnL>
+                    <a:lnR w="12700" cap="flat" cmpd="sng" algn="ctr">
+                      <a:solidFill>
+                        <a:schemeClr val="tx1"/>
+                      </a:solidFill>
+                      <a:prstDash val="solid"/>
+                      <a:round/>
+                      <a:headEnd type="none" w="med" len="med"/>
+                      <a:tailEnd type="none" w="med" len="med"/>
+                    </a:lnR>
+                    <a:lnT w="12700" cap="flat" cmpd="sng" algn="ctr">
+                      <a:solidFill>
+                        <a:schemeClr val="tx1"/>
+                      </a:solidFill>
+                      <a:prstDash val="solid"/>
+                      <a:round/>
+                      <a:headEnd type="none" w="med" len="med"/>
+                      <a:tailEnd type="none" w="med" len="med"/>
+                    </a:lnT>
+                    <a:lnB w="12700" cap="flat" cmpd="sng" algn="ctr">
+                      <a:solidFill>
+                        <a:schemeClr val="tx1"/>
+                      </a:solidFill>
+                      <a:prstDash val="solid"/>
+                      <a:round/>
+                      <a:headEnd type="none" w="med" len="med"/>
+                      <a:tailEnd type="none" w="med" len="med"/>
+                    </a:lnB>
+                    <a:solidFill>
+                      <a:schemeClr val="accent1">
+                        <a:lumMod val="60000"/>
+                        <a:lumOff val="40000"/>
+                      </a:schemeClr>
+                    </a:solidFill>
+                  </a:tcPr>
+                </a:tc>
+                <a:tc>
+                  <a:txBody>
+                    <a:bodyPr/>
+                    <a:lstStyle/>
+                    <a:p>
+                      <a:pPr algn="ctr"/>
+                      <a:r>
+                        <a:rPr lang="es-ES" sz="1200" dirty="0"/>
+                        <a:t>0</a:t>
+                      </a:r>
+                    </a:p>
+                  </a:txBody>
+                  <a:tcPr anchor="ctr">
+                    <a:lnL w="12700" cap="flat" cmpd="sng" algn="ctr">
+                      <a:solidFill>
+                        <a:schemeClr val="tx1"/>
+                      </a:solidFill>
+                      <a:prstDash val="solid"/>
+                      <a:round/>
+                      <a:headEnd type="none" w="med" len="med"/>
+                      <a:tailEnd type="none" w="med" len="med"/>
+                    </a:lnL>
+                    <a:lnR w="12700" cap="flat" cmpd="sng" algn="ctr">
+                      <a:solidFill>
+                        <a:schemeClr val="tx1"/>
+                      </a:solidFill>
+                      <a:prstDash val="solid"/>
+                      <a:round/>
+                      <a:headEnd type="none" w="med" len="med"/>
+                      <a:tailEnd type="none" w="med" len="med"/>
+                    </a:lnR>
+                    <a:lnT w="12700" cap="flat" cmpd="sng" algn="ctr">
+                      <a:solidFill>
+                        <a:schemeClr val="tx1"/>
+                      </a:solidFill>
+                      <a:prstDash val="solid"/>
+                      <a:round/>
+                      <a:headEnd type="none" w="med" len="med"/>
+                      <a:tailEnd type="none" w="med" len="med"/>
+                    </a:lnT>
+                    <a:lnB w="12700" cap="flat" cmpd="sng" algn="ctr">
+                      <a:solidFill>
+                        <a:schemeClr val="tx1"/>
+                      </a:solidFill>
+                      <a:prstDash val="solid"/>
+                      <a:round/>
+                      <a:headEnd type="none" w="med" len="med"/>
+                      <a:tailEnd type="none" w="med" len="med"/>
+                    </a:lnB>
+                    <a:solidFill>
+                      <a:schemeClr val="accent1">
+                        <a:lumMod val="60000"/>
+                        <a:lumOff val="40000"/>
+                      </a:schemeClr>
+                    </a:solidFill>
+                  </a:tcPr>
+                </a:tc>
+                <a:tc>
+                  <a:txBody>
+                    <a:bodyPr/>
+                    <a:lstStyle/>
+                    <a:p>
+                      <a:pPr algn="ctr"/>
+                      <a:r>
+                        <a:rPr lang="es-ES" sz="1200" dirty="0"/>
+                        <a:t>1</a:t>
+                      </a:r>
+                    </a:p>
+                  </a:txBody>
+                  <a:tcPr anchor="ctr">
+                    <a:lnL w="12700" cap="flat" cmpd="sng" algn="ctr">
+                      <a:solidFill>
+                        <a:schemeClr val="tx1"/>
+                      </a:solidFill>
+                      <a:prstDash val="solid"/>
+                      <a:round/>
+                      <a:headEnd type="none" w="med" len="med"/>
+                      <a:tailEnd type="none" w="med" len="med"/>
+                    </a:lnL>
+                    <a:lnR w="12700" cap="flat" cmpd="sng" algn="ctr">
+                      <a:solidFill>
+                        <a:schemeClr val="tx1"/>
+                      </a:solidFill>
+                      <a:prstDash val="solid"/>
+                      <a:round/>
+                      <a:headEnd type="none" w="med" len="med"/>
+                      <a:tailEnd type="none" w="med" len="med"/>
+                    </a:lnR>
+                    <a:lnT w="12700" cap="flat" cmpd="sng" algn="ctr">
+                      <a:solidFill>
+                        <a:schemeClr val="tx1"/>
+                      </a:solidFill>
+                      <a:prstDash val="solid"/>
+                      <a:round/>
+                      <a:headEnd type="none" w="med" len="med"/>
+                      <a:tailEnd type="none" w="med" len="med"/>
+                    </a:lnT>
+                    <a:lnB w="12700" cap="flat" cmpd="sng" algn="ctr">
+                      <a:solidFill>
+                        <a:schemeClr val="tx1"/>
+                      </a:solidFill>
+                      <a:prstDash val="solid"/>
+                      <a:round/>
+                      <a:headEnd type="none" w="med" len="med"/>
+                      <a:tailEnd type="none" w="med" len="med"/>
+                    </a:lnB>
+                    <a:solidFill>
+                      <a:schemeClr val="accent1">
+                        <a:lumMod val="60000"/>
+                        <a:lumOff val="40000"/>
+                      </a:schemeClr>
+                    </a:solidFill>
+                  </a:tcPr>
+                </a:tc>
+                <a:extLst>
+                  <a:ext uri="{0D108BD9-81ED-4DB2-BD59-A6C34878D82A}">
+                    <a16:rowId xmlns:a16="http://schemas.microsoft.com/office/drawing/2014/main" val="608383978"/>
+                  </a:ext>
+                </a:extLst>
+              </a:tr>
+            </a:tbl>
+          </a:graphicData>
+        </a:graphic>
+      </p:graphicFrame>
+      <p:sp>
+        <p:nvSpPr>
+          <p:cNvPr id="29" name="CuadroTexto 28">
+            <a:extLst>
+              <a:ext uri="{FF2B5EF4-FFF2-40B4-BE49-F238E27FC236}">
+                <a16:creationId xmlns:a16="http://schemas.microsoft.com/office/drawing/2014/main" id="{85389319-7717-F643-851D-3B356960ABDD}"/>
+              </a:ext>
+            </a:extLst>
+          </p:cNvPr>
+          <p:cNvSpPr txBox="1"/>
+          <p:nvPr/>
+        </p:nvSpPr>
+        <p:spPr>
+          <a:xfrm>
+            <a:off x="2586427" y="1190492"/>
+            <a:ext cx="1054095" cy="369332"/>
+          </a:xfrm>
+          <a:prstGeom prst="rect">
+            <a:avLst/>
+          </a:prstGeom>
+          <a:noFill/>
+        </p:spPr>
+        <p:txBody>
+          <a:bodyPr wrap="square" rtlCol="0">
+            <a:spAutoFit/>
+          </a:bodyPr>
+          <a:lstStyle/>
+          <a:p>
+            <a:pPr algn="ctr"/>
+            <a:r>
+              <a:rPr lang="es-ES" dirty="0"/>
+              <a:t>Original</a:t>
+            </a:r>
+          </a:p>
+        </p:txBody>
+      </p:sp>
+      <p:graphicFrame>
+        <p:nvGraphicFramePr>
+          <p:cNvPr id="54" name="Tabla 53">
+            <a:extLst>
+              <a:ext uri="{FF2B5EF4-FFF2-40B4-BE49-F238E27FC236}">
+                <a16:creationId xmlns:a16="http://schemas.microsoft.com/office/drawing/2014/main" id="{70DFC722-EA0E-1D4E-B3D6-EC61E4968019}"/>
+              </a:ext>
+            </a:extLst>
+          </p:cNvPr>
+          <p:cNvGraphicFramePr>
+            <a:graphicFrameLocks noGrp="1"/>
+          </p:cNvGraphicFramePr>
+          <p:nvPr>
+            <p:extLst>
+              <p:ext uri="{D42A27DB-BD31-4B8C-83A1-F6EECF244321}">
+                <p14:modId xmlns:p14="http://schemas.microsoft.com/office/powerpoint/2010/main" val="1374015736"/>
+              </p:ext>
+            </p:extLst>
+          </p:nvPr>
+        </p:nvGraphicFramePr>
+        <p:xfrm>
+          <a:off x="8149823" y="1986967"/>
+          <a:ext cx="2904066" cy="2839268"/>
+        </p:xfrm>
+        <a:graphic>
+          <a:graphicData uri="http://schemas.openxmlformats.org/drawingml/2006/table">
+            <a:tbl>
+              <a:tblPr>
+                <a:tableStyleId>{5C22544A-7EE6-4342-B048-85BDC9FD1C3A}</a:tableStyleId>
+              </a:tblPr>
+              <a:tblGrid>
+                <a:gridCol w="484011">
+                  <a:extLst>
+                    <a:ext uri="{9D8B030D-6E8A-4147-A177-3AD203B41FA5}">
+                      <a16:colId xmlns:a16="http://schemas.microsoft.com/office/drawing/2014/main" val="1856810096"/>
+                    </a:ext>
+                  </a:extLst>
+                </a:gridCol>
+                <a:gridCol w="484011">
+                  <a:extLst>
+                    <a:ext uri="{9D8B030D-6E8A-4147-A177-3AD203B41FA5}">
+                      <a16:colId xmlns:a16="http://schemas.microsoft.com/office/drawing/2014/main" val="3096633466"/>
+                    </a:ext>
+                  </a:extLst>
+                </a:gridCol>
+                <a:gridCol w="484011">
+                  <a:extLst>
+                    <a:ext uri="{9D8B030D-6E8A-4147-A177-3AD203B41FA5}">
+                      <a16:colId xmlns:a16="http://schemas.microsoft.com/office/drawing/2014/main" val="4113516193"/>
+                    </a:ext>
+                  </a:extLst>
+                </a:gridCol>
+                <a:gridCol w="484011">
+                  <a:extLst>
+                    <a:ext uri="{9D8B030D-6E8A-4147-A177-3AD203B41FA5}">
+                      <a16:colId xmlns:a16="http://schemas.microsoft.com/office/drawing/2014/main" val="4241283399"/>
+                    </a:ext>
+                  </a:extLst>
+                </a:gridCol>
+                <a:gridCol w="484011">
+                  <a:extLst>
+                    <a:ext uri="{9D8B030D-6E8A-4147-A177-3AD203B41FA5}">
+                      <a16:colId xmlns:a16="http://schemas.microsoft.com/office/drawing/2014/main" val="2705079341"/>
+                    </a:ext>
+                  </a:extLst>
+                </a:gridCol>
+                <a:gridCol w="484011">
+                  <a:extLst>
+                    <a:ext uri="{9D8B030D-6E8A-4147-A177-3AD203B41FA5}">
+                      <a16:colId xmlns:a16="http://schemas.microsoft.com/office/drawing/2014/main" val="1743955281"/>
+                    </a:ext>
+                  </a:extLst>
+                </a:gridCol>
+              </a:tblGrid>
+              <a:tr h="475453">
+                <a:tc>
+                  <a:txBody>
+                    <a:bodyPr/>
+                    <a:lstStyle/>
+                    <a:p>
+                      <a:pPr algn="ctr"/>
+                      <a:r>
+                        <a:rPr lang="es-ES" sz="1200" dirty="0"/>
+                        <a:t>98</a:t>
+                      </a:r>
+                    </a:p>
+                  </a:txBody>
+                  <a:tcPr anchor="ctr">
+                    <a:lnL w="12700" cap="flat" cmpd="sng" algn="ctr">
+                      <a:solidFill>
+                        <a:schemeClr val="tx1"/>
+                      </a:solidFill>
+                      <a:prstDash val="solid"/>
+                      <a:round/>
+                      <a:headEnd type="none" w="med" len="med"/>
+                      <a:tailEnd type="none" w="med" len="med"/>
+                    </a:lnL>
+                    <a:lnR w="12700" cap="flat" cmpd="sng" algn="ctr">
+                      <a:solidFill>
+                        <a:schemeClr val="tx1"/>
+                      </a:solidFill>
+                      <a:prstDash val="solid"/>
+                      <a:round/>
+                      <a:headEnd type="none" w="med" len="med"/>
+                      <a:tailEnd type="none" w="med" len="med"/>
+                    </a:lnR>
+                    <a:lnT w="12700" cap="flat" cmpd="sng" algn="ctr">
+                      <a:solidFill>
+                        <a:schemeClr val="tx1"/>
+                      </a:solidFill>
+                      <a:prstDash val="solid"/>
+                      <a:round/>
+                      <a:headEnd type="none" w="med" len="med"/>
+                      <a:tailEnd type="none" w="med" len="med"/>
+                    </a:lnT>
+                    <a:lnB w="12700" cap="flat" cmpd="sng" algn="ctr">
+                      <a:solidFill>
+                        <a:schemeClr val="tx1"/>
+                      </a:solidFill>
+                      <a:prstDash val="solid"/>
+                      <a:round/>
+                      <a:headEnd type="none" w="med" len="med"/>
+                      <a:tailEnd type="none" w="med" len="med"/>
+                    </a:lnB>
+                    <a:cell3D prstMaterial="dkEdge">
+                      <a:bevel prst="cross"/>
+                      <a:lightRig rig="flood" dir="t"/>
+                    </a:cell3D>
+                    <a:solidFill>
+                      <a:schemeClr val="accent2">
+                        <a:lumMod val="60000"/>
+                        <a:lumOff val="40000"/>
+                        <a:alpha val="27000"/>
+                      </a:schemeClr>
+                    </a:solidFill>
+                  </a:tcPr>
+                </a:tc>
+                <a:tc>
+                  <a:txBody>
+                    <a:bodyPr/>
+                    <a:lstStyle/>
+                    <a:p>
+                      <a:pPr algn="ctr"/>
+                      <a:r>
+                        <a:rPr lang="es-ES" sz="1200" dirty="0"/>
+                        <a:t>252</a:t>
+                      </a:r>
+                    </a:p>
+                  </a:txBody>
+                  <a:tcPr anchor="ctr">
+                    <a:lnL w="12700" cap="flat" cmpd="sng" algn="ctr">
+                      <a:solidFill>
+                        <a:schemeClr val="tx1"/>
+                      </a:solidFill>
+                      <a:prstDash val="solid"/>
+                      <a:round/>
+                      <a:headEnd type="none" w="med" len="med"/>
+                      <a:tailEnd type="none" w="med" len="med"/>
+                    </a:lnL>
+                    <a:lnR w="12700" cap="flat" cmpd="sng" algn="ctr">
+                      <a:solidFill>
+                        <a:schemeClr val="tx1"/>
+                      </a:solidFill>
+                      <a:prstDash val="solid"/>
+                      <a:round/>
+                      <a:headEnd type="none" w="med" len="med"/>
+                      <a:tailEnd type="none" w="med" len="med"/>
+                    </a:lnR>
+                    <a:lnT w="12700" cap="flat" cmpd="sng" algn="ctr">
+                      <a:solidFill>
+                        <a:schemeClr val="tx1"/>
+                      </a:solidFill>
+                      <a:prstDash val="solid"/>
+                      <a:round/>
+                      <a:headEnd type="none" w="med" len="med"/>
+                      <a:tailEnd type="none" w="med" len="med"/>
+                    </a:lnT>
+                    <a:lnB w="12700" cap="flat" cmpd="sng" algn="ctr">
+                      <a:solidFill>
+                        <a:schemeClr val="tx1"/>
+                      </a:solidFill>
+                      <a:prstDash val="solid"/>
+                      <a:round/>
+                      <a:headEnd type="none" w="med" len="med"/>
+                      <a:tailEnd type="none" w="med" len="med"/>
+                    </a:lnB>
+                    <a:cell3D prstMaterial="dkEdge">
+                      <a:bevel prst="cross"/>
+                      <a:lightRig rig="flood" dir="t"/>
+                    </a:cell3D>
+                    <a:solidFill>
+                      <a:schemeClr val="accent2">
+                        <a:lumMod val="60000"/>
+                        <a:lumOff val="40000"/>
+                        <a:alpha val="27000"/>
+                      </a:schemeClr>
+                    </a:solidFill>
+                  </a:tcPr>
+                </a:tc>
+                <a:tc>
+                  <a:txBody>
+                    <a:bodyPr/>
+                    <a:lstStyle/>
+                    <a:p>
+                      <a:pPr algn="ctr"/>
+                      <a:r>
+                        <a:rPr lang="es-ES" sz="1200" dirty="0"/>
+                        <a:t>341</a:t>
+                      </a:r>
+                    </a:p>
+                  </a:txBody>
+                  <a:tcPr anchor="ctr">
+                    <a:lnL w="12700" cap="flat" cmpd="sng" algn="ctr">
+                      <a:solidFill>
+                        <a:schemeClr val="tx1"/>
+                      </a:solidFill>
+                      <a:prstDash val="solid"/>
+                      <a:round/>
+                      <a:headEnd type="none" w="med" len="med"/>
+                      <a:tailEnd type="none" w="med" len="med"/>
+                    </a:lnL>
+                    <a:lnR w="12700" cap="flat" cmpd="sng" algn="ctr">
+                      <a:solidFill>
+                        <a:schemeClr val="tx1"/>
+                      </a:solidFill>
+                      <a:prstDash val="solid"/>
+                      <a:round/>
+                      <a:headEnd type="none" w="med" len="med"/>
+                      <a:tailEnd type="none" w="med" len="med"/>
+                    </a:lnR>
+                    <a:lnT w="12700" cap="flat" cmpd="sng" algn="ctr">
+                      <a:solidFill>
+                        <a:schemeClr val="tx1"/>
+                      </a:solidFill>
+                      <a:prstDash val="solid"/>
+                      <a:round/>
+                      <a:headEnd type="none" w="med" len="med"/>
+                      <a:tailEnd type="none" w="med" len="med"/>
+                    </a:lnT>
+                    <a:lnB w="12700" cap="flat" cmpd="sng" algn="ctr">
+                      <a:solidFill>
+                        <a:schemeClr val="tx1"/>
+                      </a:solidFill>
+                      <a:prstDash val="solid"/>
+                      <a:round/>
+                      <a:headEnd type="none" w="med" len="med"/>
+                      <a:tailEnd type="none" w="med" len="med"/>
+                    </a:lnB>
+                    <a:solidFill>
+                      <a:schemeClr val="accent2">
+                        <a:lumMod val="60000"/>
+                        <a:lumOff val="40000"/>
+                        <a:alpha val="27000"/>
+                      </a:schemeClr>
+                    </a:solidFill>
+                  </a:tcPr>
+                </a:tc>
+                <a:tc>
+                  <a:txBody>
+                    <a:bodyPr/>
+                    <a:lstStyle/>
+                    <a:p>
+                      <a:pPr algn="ctr"/>
+                      <a:r>
+                        <a:rPr lang="es-ES" sz="1200" dirty="0"/>
+                        <a:t>339</a:t>
+                      </a:r>
+                    </a:p>
+                  </a:txBody>
+                  <a:tcPr anchor="ctr">
+                    <a:lnL w="12700" cap="flat" cmpd="sng" algn="ctr">
+                      <a:solidFill>
+                        <a:schemeClr val="tx1"/>
+                      </a:solidFill>
+                      <a:prstDash val="solid"/>
+                      <a:round/>
+                      <a:headEnd type="none" w="med" len="med"/>
+                      <a:tailEnd type="none" w="med" len="med"/>
+                    </a:lnL>
+                    <a:lnR w="12700" cap="flat" cmpd="sng" algn="ctr">
+                      <a:solidFill>
+                        <a:schemeClr val="tx1"/>
+                      </a:solidFill>
+                      <a:prstDash val="solid"/>
+                      <a:round/>
+                      <a:headEnd type="none" w="med" len="med"/>
+                      <a:tailEnd type="none" w="med" len="med"/>
+                    </a:lnR>
+                    <a:lnT w="12700" cap="flat" cmpd="sng" algn="ctr">
+                      <a:solidFill>
+                        <a:schemeClr val="tx1"/>
+                      </a:solidFill>
+                      <a:prstDash val="solid"/>
+                      <a:round/>
+                      <a:headEnd type="none" w="med" len="med"/>
+                      <a:tailEnd type="none" w="med" len="med"/>
+                    </a:lnT>
+                    <a:lnB w="12700" cap="flat" cmpd="sng" algn="ctr">
+                      <a:solidFill>
+                        <a:schemeClr val="tx1"/>
+                      </a:solidFill>
+                      <a:prstDash val="solid"/>
+                      <a:round/>
+                      <a:headEnd type="none" w="med" len="med"/>
+                      <a:tailEnd type="none" w="med" len="med"/>
+                    </a:lnB>
+                    <a:solidFill>
+                      <a:schemeClr val="accent2">
+                        <a:lumMod val="60000"/>
+                        <a:lumOff val="40000"/>
+                        <a:alpha val="27000"/>
+                      </a:schemeClr>
+                    </a:solidFill>
+                  </a:tcPr>
+                </a:tc>
+                <a:tc>
+                  <a:txBody>
+                    <a:bodyPr/>
+                    <a:lstStyle/>
+                    <a:p>
+                      <a:pPr algn="ctr"/>
+                      <a:r>
+                        <a:rPr lang="es-ES" sz="1200" dirty="0"/>
+                        <a:t>243</a:t>
+                      </a:r>
+                    </a:p>
+                  </a:txBody>
+                  <a:tcPr anchor="ctr">
+                    <a:lnL w="12700" cap="flat" cmpd="sng" algn="ctr">
+                      <a:solidFill>
+                        <a:schemeClr val="tx1"/>
+                      </a:solidFill>
+                      <a:prstDash val="solid"/>
+                      <a:round/>
+                      <a:headEnd type="none" w="med" len="med"/>
+                      <a:tailEnd type="none" w="med" len="med"/>
+                    </a:lnL>
+                    <a:lnR w="12700" cap="flat" cmpd="sng" algn="ctr">
+                      <a:solidFill>
+                        <a:schemeClr val="tx1"/>
+                      </a:solidFill>
+                      <a:prstDash val="solid"/>
+                      <a:round/>
+                      <a:headEnd type="none" w="med" len="med"/>
+                      <a:tailEnd type="none" w="med" len="med"/>
+                    </a:lnR>
+                    <a:lnT w="12700" cap="flat" cmpd="sng" algn="ctr">
+                      <a:solidFill>
+                        <a:schemeClr val="tx1"/>
+                      </a:solidFill>
+                      <a:prstDash val="solid"/>
+                      <a:round/>
+                      <a:headEnd type="none" w="med" len="med"/>
+                      <a:tailEnd type="none" w="med" len="med"/>
+                    </a:lnT>
+                    <a:lnB w="12700" cap="flat" cmpd="sng" algn="ctr">
+                      <a:solidFill>
+                        <a:schemeClr val="tx1"/>
+                      </a:solidFill>
+                      <a:prstDash val="solid"/>
+                      <a:round/>
+                      <a:headEnd type="none" w="med" len="med"/>
+                      <a:tailEnd type="none" w="med" len="med"/>
+                    </a:lnB>
+                    <a:solidFill>
+                      <a:schemeClr val="accent2">
+                        <a:lumMod val="60000"/>
+                        <a:lumOff val="40000"/>
+                        <a:alpha val="27000"/>
+                      </a:schemeClr>
+                    </a:solidFill>
+                  </a:tcPr>
+                </a:tc>
+                <a:tc>
+                  <a:txBody>
+                    <a:bodyPr/>
+                    <a:lstStyle/>
+                    <a:p>
+                      <a:pPr algn="ctr"/>
+                      <a:r>
+                        <a:rPr lang="es-ES" sz="1200" dirty="0"/>
+                        <a:t>87</a:t>
+                      </a:r>
+                    </a:p>
+                  </a:txBody>
+                  <a:tcPr anchor="ctr">
+                    <a:lnL w="12700" cap="flat" cmpd="sng" algn="ctr">
+                      <a:solidFill>
+                        <a:schemeClr val="tx1"/>
+                      </a:solidFill>
+                      <a:prstDash val="solid"/>
+                      <a:round/>
+                      <a:headEnd type="none" w="med" len="med"/>
+                      <a:tailEnd type="none" w="med" len="med"/>
+                    </a:lnL>
+                    <a:lnR w="12700" cap="flat" cmpd="sng" algn="ctr">
+                      <a:solidFill>
+                        <a:schemeClr val="tx1"/>
+                      </a:solidFill>
+                      <a:prstDash val="solid"/>
+                      <a:round/>
+                      <a:headEnd type="none" w="med" len="med"/>
+                      <a:tailEnd type="none" w="med" len="med"/>
+                    </a:lnR>
+                    <a:lnT w="12700" cap="flat" cmpd="sng" algn="ctr">
+                      <a:solidFill>
+                        <a:schemeClr val="tx1"/>
+                      </a:solidFill>
+                      <a:prstDash val="solid"/>
+                      <a:round/>
+                      <a:headEnd type="none" w="med" len="med"/>
+                      <a:tailEnd type="none" w="med" len="med"/>
+                    </a:lnT>
+                    <a:lnB w="12700" cap="flat" cmpd="sng" algn="ctr">
+                      <a:solidFill>
+                        <a:schemeClr val="tx1"/>
+                      </a:solidFill>
+                      <a:prstDash val="solid"/>
+                      <a:round/>
+                      <a:headEnd type="none" w="med" len="med"/>
+                      <a:tailEnd type="none" w="med" len="med"/>
+                    </a:lnB>
+                    <a:solidFill>
+                      <a:schemeClr val="accent2">
+                        <a:lumMod val="60000"/>
+                        <a:lumOff val="40000"/>
+                        <a:alpha val="27000"/>
+                      </a:schemeClr>
+                    </a:solidFill>
+                  </a:tcPr>
+                </a:tc>
+                <a:extLst>
+                  <a:ext uri="{0D108BD9-81ED-4DB2-BD59-A6C34878D82A}">
+                    <a16:rowId xmlns:a16="http://schemas.microsoft.com/office/drawing/2014/main" val="9044681"/>
+                  </a:ext>
+                </a:extLst>
+              </a:tr>
+              <a:tr h="516194">
+                <a:tc>
+                  <a:txBody>
+                    <a:bodyPr/>
+                    <a:lstStyle/>
+                    <a:p>
+                      <a:pPr algn="ctr"/>
+                      <a:r>
+                        <a:rPr lang="es-ES" sz="1200" dirty="0"/>
+                        <a:t>54</a:t>
+                      </a:r>
+                    </a:p>
+                  </a:txBody>
+                  <a:tcPr anchor="ctr">
+                    <a:lnL w="12700" cap="flat" cmpd="sng" algn="ctr">
+                      <a:solidFill>
+                        <a:schemeClr val="tx1"/>
+                      </a:solidFill>
+                      <a:prstDash val="solid"/>
+                      <a:round/>
+                      <a:headEnd type="none" w="med" len="med"/>
+                      <a:tailEnd type="none" w="med" len="med"/>
+                    </a:lnL>
+                    <a:lnR w="12700" cap="flat" cmpd="sng" algn="ctr">
+                      <a:solidFill>
+                        <a:schemeClr val="tx1"/>
+                      </a:solidFill>
+                      <a:prstDash val="solid"/>
+                      <a:round/>
+                      <a:headEnd type="none" w="med" len="med"/>
+                      <a:tailEnd type="none" w="med" len="med"/>
+                    </a:lnR>
+                    <a:lnT w="12700" cap="flat" cmpd="sng" algn="ctr">
+                      <a:solidFill>
+                        <a:schemeClr val="tx1"/>
+                      </a:solidFill>
+                      <a:prstDash val="solid"/>
+                      <a:round/>
+                      <a:headEnd type="none" w="med" len="med"/>
+                      <a:tailEnd type="none" w="med" len="med"/>
+                    </a:lnT>
+                    <a:lnB w="12700" cap="flat" cmpd="sng" algn="ctr">
+                      <a:solidFill>
+                        <a:schemeClr val="tx1"/>
+                      </a:solidFill>
+                      <a:prstDash val="solid"/>
+                      <a:round/>
+                      <a:headEnd type="none" w="med" len="med"/>
+                      <a:tailEnd type="none" w="med" len="med"/>
+                    </a:lnB>
+                    <a:cell3D prstMaterial="dkEdge">
+                      <a:bevel prst="cross"/>
+                      <a:lightRig rig="flood" dir="t"/>
+                    </a:cell3D>
+                    <a:solidFill>
+                      <a:schemeClr val="accent2">
+                        <a:lumMod val="60000"/>
+                        <a:lumOff val="40000"/>
+                        <a:alpha val="27000"/>
+                      </a:schemeClr>
+                    </a:solidFill>
+                  </a:tcPr>
+                </a:tc>
+                <a:tc>
+                  <a:txBody>
+                    <a:bodyPr/>
+                    <a:lstStyle/>
+                    <a:p>
+                      <a:pPr algn="ctr"/>
+                      <a:r>
+                        <a:rPr lang="es-ES" sz="1200" dirty="0"/>
+                        <a:t>119</a:t>
+                      </a:r>
+                    </a:p>
+                  </a:txBody>
+                  <a:tcPr anchor="ctr">
+                    <a:lnL w="12700" cap="flat" cmpd="sng" algn="ctr">
+                      <a:solidFill>
+                        <a:schemeClr val="tx1"/>
+                      </a:solidFill>
+                      <a:prstDash val="solid"/>
+                      <a:round/>
+                      <a:headEnd type="none" w="med" len="med"/>
+                      <a:tailEnd type="none" w="med" len="med"/>
+                    </a:lnL>
+                    <a:lnR w="12700" cap="flat" cmpd="sng" algn="ctr">
+                      <a:solidFill>
+                        <a:schemeClr val="tx1"/>
+                      </a:solidFill>
+                      <a:prstDash val="solid"/>
+                      <a:round/>
+                      <a:headEnd type="none" w="med" len="med"/>
+                      <a:tailEnd type="none" w="med" len="med"/>
+                    </a:lnR>
+                    <a:lnT w="12700" cap="flat" cmpd="sng" algn="ctr">
+                      <a:solidFill>
+                        <a:schemeClr val="tx1"/>
+                      </a:solidFill>
+                      <a:prstDash val="solid"/>
+                      <a:round/>
+                      <a:headEnd type="none" w="med" len="med"/>
+                      <a:tailEnd type="none" w="med" len="med"/>
+                    </a:lnT>
+                    <a:lnB w="12700" cap="flat" cmpd="sng" algn="ctr">
+                      <a:solidFill>
+                        <a:schemeClr val="tx1"/>
+                      </a:solidFill>
+                      <a:prstDash val="solid"/>
+                      <a:round/>
+                      <a:headEnd type="none" w="med" len="med"/>
+                      <a:tailEnd type="none" w="med" len="med"/>
+                    </a:lnB>
+                    <a:cell3D prstMaterial="dkEdge">
+                      <a:bevel prst="cross"/>
+                      <a:lightRig rig="flood" dir="t"/>
+                    </a:cell3D>
+                    <a:solidFill>
+                      <a:schemeClr val="accent2">
+                        <a:lumMod val="60000"/>
+                        <a:lumOff val="40000"/>
+                        <a:alpha val="27000"/>
+                      </a:schemeClr>
+                    </a:solidFill>
+                  </a:tcPr>
+                </a:tc>
+                <a:tc>
+                  <a:txBody>
+                    <a:bodyPr/>
+                    <a:lstStyle/>
+                    <a:p>
+                      <a:pPr algn="ctr"/>
+                      <a:r>
+                        <a:rPr lang="es-ES" sz="1200" dirty="0"/>
+                        <a:t>404</a:t>
+                      </a:r>
+                    </a:p>
+                  </a:txBody>
+                  <a:tcPr anchor="ctr">
+                    <a:lnL w="12700" cap="flat" cmpd="sng" algn="ctr">
+                      <a:solidFill>
+                        <a:schemeClr val="tx1"/>
+                      </a:solidFill>
+                      <a:prstDash val="solid"/>
+                      <a:round/>
+                      <a:headEnd type="none" w="med" len="med"/>
+                      <a:tailEnd type="none" w="med" len="med"/>
+                    </a:lnL>
+                    <a:lnR w="12700" cap="flat" cmpd="sng" algn="ctr">
+                      <a:solidFill>
+                        <a:schemeClr val="tx1"/>
+                      </a:solidFill>
+                      <a:prstDash val="solid"/>
+                      <a:round/>
+                      <a:headEnd type="none" w="med" len="med"/>
+                      <a:tailEnd type="none" w="med" len="med"/>
+                    </a:lnR>
+                    <a:lnT w="12700" cap="flat" cmpd="sng" algn="ctr">
+                      <a:solidFill>
+                        <a:schemeClr val="tx1"/>
+                      </a:solidFill>
+                      <a:prstDash val="solid"/>
+                      <a:round/>
+                      <a:headEnd type="none" w="med" len="med"/>
+                      <a:tailEnd type="none" w="med" len="med"/>
+                    </a:lnT>
+                    <a:lnB w="12700" cap="flat" cmpd="sng" algn="ctr">
+                      <a:solidFill>
+                        <a:schemeClr val="tx1"/>
+                      </a:solidFill>
+                      <a:prstDash val="solid"/>
+                      <a:round/>
+                      <a:headEnd type="none" w="med" len="med"/>
+                      <a:tailEnd type="none" w="med" len="med"/>
+                    </a:lnB>
+                    <a:solidFill>
+                      <a:schemeClr val="accent2">
+                        <a:lumMod val="60000"/>
+                        <a:lumOff val="40000"/>
+                        <a:alpha val="27000"/>
+                      </a:schemeClr>
+                    </a:solidFill>
+                  </a:tcPr>
+                </a:tc>
+                <a:tc>
+                  <a:txBody>
+                    <a:bodyPr/>
+                    <a:lstStyle/>
+                    <a:p>
+                      <a:pPr algn="ctr"/>
+                      <a:r>
+                        <a:rPr lang="es-ES" sz="1200" dirty="0"/>
+                        <a:t>267</a:t>
+                      </a:r>
+                    </a:p>
+                  </a:txBody>
+                  <a:tcPr anchor="ctr">
+                    <a:lnL w="12700" cap="flat" cmpd="sng" algn="ctr">
+                      <a:solidFill>
+                        <a:schemeClr val="tx1"/>
+                      </a:solidFill>
+                      <a:prstDash val="solid"/>
+                      <a:round/>
+                      <a:headEnd type="none" w="med" len="med"/>
+                      <a:tailEnd type="none" w="med" len="med"/>
+                    </a:lnL>
+                    <a:lnR w="12700" cap="flat" cmpd="sng" algn="ctr">
+                      <a:solidFill>
+                        <a:schemeClr val="tx1"/>
+                      </a:solidFill>
+                      <a:prstDash val="solid"/>
+                      <a:round/>
+                      <a:headEnd type="none" w="med" len="med"/>
+                      <a:tailEnd type="none" w="med" len="med"/>
+                    </a:lnR>
+                    <a:lnT w="12700" cap="flat" cmpd="sng" algn="ctr">
+                      <a:solidFill>
+                        <a:schemeClr val="tx1"/>
+                      </a:solidFill>
+                      <a:prstDash val="solid"/>
+                      <a:round/>
+                      <a:headEnd type="none" w="med" len="med"/>
+                      <a:tailEnd type="none" w="med" len="med"/>
+                    </a:lnT>
+                    <a:lnB w="12700" cap="flat" cmpd="sng" algn="ctr">
+                      <a:solidFill>
+                        <a:schemeClr val="tx1"/>
+                      </a:solidFill>
+                      <a:prstDash val="solid"/>
+                      <a:round/>
+                      <a:headEnd type="none" w="med" len="med"/>
+                      <a:tailEnd type="none" w="med" len="med"/>
+                    </a:lnB>
+                    <a:solidFill>
+                      <a:schemeClr val="accent2">
+                        <a:lumMod val="60000"/>
+                        <a:lumOff val="40000"/>
+                        <a:alpha val="27000"/>
+                      </a:schemeClr>
+                    </a:solidFill>
+                  </a:tcPr>
+                </a:tc>
+                <a:tc>
+                  <a:txBody>
+                    <a:bodyPr/>
+                    <a:lstStyle/>
+                    <a:p>
+                      <a:pPr algn="ctr"/>
+                      <a:r>
+                        <a:rPr lang="es-ES" sz="1200" dirty="0"/>
+                        <a:t>185</a:t>
+                      </a:r>
+                    </a:p>
+                  </a:txBody>
+                  <a:tcPr anchor="ctr">
+                    <a:lnL w="12700" cap="flat" cmpd="sng" algn="ctr">
+                      <a:solidFill>
+                        <a:schemeClr val="tx1"/>
+                      </a:solidFill>
+                      <a:prstDash val="solid"/>
+                      <a:round/>
+                      <a:headEnd type="none" w="med" len="med"/>
+                      <a:tailEnd type="none" w="med" len="med"/>
+                    </a:lnL>
+                    <a:lnR w="12700" cap="flat" cmpd="sng" algn="ctr">
+                      <a:solidFill>
+                        <a:schemeClr val="tx1"/>
+                      </a:solidFill>
+                      <a:prstDash val="solid"/>
+                      <a:round/>
+                      <a:headEnd type="none" w="med" len="med"/>
+                      <a:tailEnd type="none" w="med" len="med"/>
+                    </a:lnR>
+                    <a:lnT w="12700" cap="flat" cmpd="sng" algn="ctr">
+                      <a:solidFill>
+                        <a:schemeClr val="tx1"/>
+                      </a:solidFill>
+                      <a:prstDash val="solid"/>
+                      <a:round/>
+                      <a:headEnd type="none" w="med" len="med"/>
+                      <a:tailEnd type="none" w="med" len="med"/>
+                    </a:lnT>
+                    <a:lnB w="12700" cap="flat" cmpd="sng" algn="ctr">
+                      <a:solidFill>
+                        <a:schemeClr val="tx1"/>
+                      </a:solidFill>
+                      <a:prstDash val="solid"/>
+                      <a:round/>
+                      <a:headEnd type="none" w="med" len="med"/>
+                      <a:tailEnd type="none" w="med" len="med"/>
+                    </a:lnB>
+                    <a:solidFill>
+                      <a:schemeClr val="accent2">
+                        <a:lumMod val="60000"/>
+                        <a:lumOff val="40000"/>
+                        <a:alpha val="27000"/>
+                      </a:schemeClr>
+                    </a:solidFill>
+                  </a:tcPr>
+                </a:tc>
+                <a:tc>
+                  <a:txBody>
+                    <a:bodyPr/>
+                    <a:lstStyle/>
+                    <a:p>
+                      <a:pPr algn="ctr"/>
+                      <a:r>
+                        <a:rPr lang="es-ES" sz="1200" dirty="0"/>
+                        <a:t>3</a:t>
+                      </a:r>
+                    </a:p>
+                  </a:txBody>
+                  <a:tcPr anchor="ctr">
+                    <a:lnL w="12700" cap="flat" cmpd="sng" algn="ctr">
+                      <a:solidFill>
+                        <a:schemeClr val="tx1"/>
+                      </a:solidFill>
+                      <a:prstDash val="solid"/>
+                      <a:round/>
+                      <a:headEnd type="none" w="med" len="med"/>
+                      <a:tailEnd type="none" w="med" len="med"/>
+                    </a:lnL>
+                    <a:lnR w="12700" cap="flat" cmpd="sng" algn="ctr">
+                      <a:solidFill>
+                        <a:schemeClr val="tx1"/>
+                      </a:solidFill>
+                      <a:prstDash val="solid"/>
+                      <a:round/>
+                      <a:headEnd type="none" w="med" len="med"/>
+                      <a:tailEnd type="none" w="med" len="med"/>
+                    </a:lnR>
+                    <a:lnT w="12700" cap="flat" cmpd="sng" algn="ctr">
+                      <a:solidFill>
+                        <a:schemeClr val="tx1"/>
+                      </a:solidFill>
+                      <a:prstDash val="solid"/>
+                      <a:round/>
+                      <a:headEnd type="none" w="med" len="med"/>
+                      <a:tailEnd type="none" w="med" len="med"/>
+                    </a:lnT>
+                    <a:lnB w="12700" cap="flat" cmpd="sng" algn="ctr">
+                      <a:solidFill>
+                        <a:schemeClr val="tx1"/>
+                      </a:solidFill>
+                      <a:prstDash val="solid"/>
+                      <a:round/>
+                      <a:headEnd type="none" w="med" len="med"/>
+                      <a:tailEnd type="none" w="med" len="med"/>
+                    </a:lnB>
+                    <a:solidFill>
+                      <a:schemeClr val="accent2">
+                        <a:lumMod val="60000"/>
+                        <a:lumOff val="40000"/>
+                        <a:alpha val="27000"/>
+                      </a:schemeClr>
+                    </a:solidFill>
+                  </a:tcPr>
+                </a:tc>
+                <a:extLst>
+                  <a:ext uri="{0D108BD9-81ED-4DB2-BD59-A6C34878D82A}">
+                    <a16:rowId xmlns:a16="http://schemas.microsoft.com/office/drawing/2014/main" val="362188485"/>
+                  </a:ext>
+                </a:extLst>
+              </a:tr>
+              <a:tr h="486697">
+                <a:tc>
+                  <a:txBody>
+                    <a:bodyPr/>
+                    <a:lstStyle/>
+                    <a:p>
+                      <a:pPr algn="ctr"/>
+                      <a:r>
+                        <a:rPr lang="es-ES" sz="1200" dirty="0"/>
+                        <a:t>199</a:t>
+                      </a:r>
+                    </a:p>
+                  </a:txBody>
+                  <a:tcPr anchor="ctr">
+                    <a:lnL w="12700" cap="flat" cmpd="sng" algn="ctr">
+                      <a:solidFill>
+                        <a:schemeClr val="tx1"/>
+                      </a:solidFill>
+                      <a:prstDash val="solid"/>
+                      <a:round/>
+                      <a:headEnd type="none" w="med" len="med"/>
+                      <a:tailEnd type="none" w="med" len="med"/>
+                    </a:lnL>
+                    <a:lnR w="12700" cap="flat" cmpd="sng" algn="ctr">
+                      <a:solidFill>
+                        <a:schemeClr val="tx1"/>
+                      </a:solidFill>
+                      <a:prstDash val="solid"/>
+                      <a:round/>
+                      <a:headEnd type="none" w="med" len="med"/>
+                      <a:tailEnd type="none" w="med" len="med"/>
+                    </a:lnR>
+                    <a:lnT w="12700" cap="flat" cmpd="sng" algn="ctr">
+                      <a:solidFill>
+                        <a:schemeClr val="tx1"/>
+                      </a:solidFill>
+                      <a:prstDash val="solid"/>
+                      <a:round/>
+                      <a:headEnd type="none" w="med" len="med"/>
+                      <a:tailEnd type="none" w="med" len="med"/>
+                    </a:lnT>
+                    <a:lnB w="12700" cap="flat" cmpd="sng" algn="ctr">
+                      <a:solidFill>
+                        <a:schemeClr val="tx1"/>
+                      </a:solidFill>
+                      <a:prstDash val="solid"/>
+                      <a:round/>
+                      <a:headEnd type="none" w="med" len="med"/>
+                      <a:tailEnd type="none" w="med" len="med"/>
+                    </a:lnB>
+                    <a:solidFill>
+                      <a:schemeClr val="accent2">
+                        <a:lumMod val="60000"/>
+                        <a:lumOff val="40000"/>
+                        <a:alpha val="27000"/>
+                      </a:schemeClr>
+                    </a:solidFill>
+                  </a:tcPr>
+                </a:tc>
+                <a:tc>
+                  <a:txBody>
+                    <a:bodyPr/>
+                    <a:lstStyle/>
+                    <a:p>
+                      <a:pPr algn="ctr"/>
+                      <a:r>
+                        <a:rPr lang="es-ES" sz="1200" dirty="0"/>
+                        <a:t>398</a:t>
+                      </a:r>
+                    </a:p>
+                  </a:txBody>
+                  <a:tcPr anchor="ctr">
+                    <a:lnL w="12700" cap="flat" cmpd="sng" algn="ctr">
+                      <a:solidFill>
+                        <a:schemeClr val="tx1"/>
+                      </a:solidFill>
+                      <a:prstDash val="solid"/>
+                      <a:round/>
+                      <a:headEnd type="none" w="med" len="med"/>
+                      <a:tailEnd type="none" w="med" len="med"/>
+                    </a:lnL>
+                    <a:lnR w="12700" cap="flat" cmpd="sng" algn="ctr">
+                      <a:solidFill>
+                        <a:schemeClr val="tx1"/>
+                      </a:solidFill>
+                      <a:prstDash val="solid"/>
+                      <a:round/>
+                      <a:headEnd type="none" w="med" len="med"/>
+                      <a:tailEnd type="none" w="med" len="med"/>
+                    </a:lnR>
+                    <a:lnT w="12700" cap="flat" cmpd="sng" algn="ctr">
+                      <a:solidFill>
+                        <a:schemeClr val="tx1"/>
+                      </a:solidFill>
+                      <a:prstDash val="solid"/>
+                      <a:round/>
+                      <a:headEnd type="none" w="med" len="med"/>
+                      <a:tailEnd type="none" w="med" len="med"/>
+                    </a:lnT>
+                    <a:lnB w="12700" cap="flat" cmpd="sng" algn="ctr">
+                      <a:solidFill>
+                        <a:schemeClr val="tx1"/>
+                      </a:solidFill>
+                      <a:prstDash val="solid"/>
+                      <a:round/>
+                      <a:headEnd type="none" w="med" len="med"/>
+                      <a:tailEnd type="none" w="med" len="med"/>
+                    </a:lnB>
+                    <a:solidFill>
+                      <a:schemeClr val="accent2">
+                        <a:lumMod val="60000"/>
+                        <a:lumOff val="40000"/>
+                        <a:alpha val="27000"/>
+                      </a:schemeClr>
+                    </a:solidFill>
+                  </a:tcPr>
+                </a:tc>
+                <a:tc>
+                  <a:txBody>
+                    <a:bodyPr/>
+                    <a:lstStyle/>
+                    <a:p>
+                      <a:pPr algn="ctr"/>
+                      <a:r>
+                        <a:rPr lang="es-ES" sz="1200" dirty="0"/>
+                        <a:t>667</a:t>
+                      </a:r>
+                    </a:p>
+                  </a:txBody>
+                  <a:tcPr anchor="ctr">
+                    <a:lnL w="12700" cap="flat" cmpd="sng" algn="ctr">
+                      <a:solidFill>
+                        <a:schemeClr val="tx1"/>
+                      </a:solidFill>
+                      <a:prstDash val="solid"/>
+                      <a:round/>
+                      <a:headEnd type="none" w="med" len="med"/>
+                      <a:tailEnd type="none" w="med" len="med"/>
+                    </a:lnL>
+                    <a:lnR w="12700" cap="flat" cmpd="sng" algn="ctr">
+                      <a:solidFill>
+                        <a:schemeClr val="tx1"/>
+                      </a:solidFill>
+                      <a:prstDash val="solid"/>
+                      <a:round/>
+                      <a:headEnd type="none" w="med" len="med"/>
+                      <a:tailEnd type="none" w="med" len="med"/>
+                    </a:lnR>
+                    <a:lnT w="12700" cap="flat" cmpd="sng" algn="ctr">
+                      <a:solidFill>
+                        <a:schemeClr val="tx1"/>
+                      </a:solidFill>
+                      <a:prstDash val="solid"/>
+                      <a:round/>
+                      <a:headEnd type="none" w="med" len="med"/>
+                      <a:tailEnd type="none" w="med" len="med"/>
+                    </a:lnT>
+                    <a:lnB w="12700" cap="flat" cmpd="sng" algn="ctr">
+                      <a:solidFill>
+                        <a:schemeClr val="tx1"/>
+                      </a:solidFill>
+                      <a:prstDash val="solid"/>
+                      <a:round/>
+                      <a:headEnd type="none" w="med" len="med"/>
+                      <a:tailEnd type="none" w="med" len="med"/>
+                    </a:lnB>
+                    <a:solidFill>
+                      <a:schemeClr val="accent2">
+                        <a:lumMod val="60000"/>
+                        <a:lumOff val="40000"/>
+                        <a:alpha val="27000"/>
+                      </a:schemeClr>
+                    </a:solidFill>
+                  </a:tcPr>
+                </a:tc>
+                <a:tc>
+                  <a:txBody>
+                    <a:bodyPr/>
+                    <a:lstStyle/>
+                    <a:p>
+                      <a:pPr algn="ctr"/>
+                      <a:r>
+                        <a:rPr lang="es-ES" sz="1200" dirty="0"/>
+                        <a:t>557</a:t>
+                      </a:r>
+                    </a:p>
+                  </a:txBody>
+                  <a:tcPr anchor="ctr">
+                    <a:lnL w="12700" cap="flat" cmpd="sng" algn="ctr">
+                      <a:solidFill>
+                        <a:schemeClr val="tx1"/>
+                      </a:solidFill>
+                      <a:prstDash val="solid"/>
+                      <a:round/>
+                      <a:headEnd type="none" w="med" len="med"/>
+                      <a:tailEnd type="none" w="med" len="med"/>
+                    </a:lnL>
+                    <a:lnR w="12700" cap="flat" cmpd="sng" algn="ctr">
+                      <a:solidFill>
+                        <a:schemeClr val="tx1"/>
+                      </a:solidFill>
+                      <a:prstDash val="solid"/>
+                      <a:round/>
+                      <a:headEnd type="none" w="med" len="med"/>
+                      <a:tailEnd type="none" w="med" len="med"/>
+                    </a:lnR>
+                    <a:lnT w="12700" cap="flat" cmpd="sng" algn="ctr">
+                      <a:solidFill>
+                        <a:schemeClr val="tx1"/>
+                      </a:solidFill>
+                      <a:prstDash val="solid"/>
+                      <a:round/>
+                      <a:headEnd type="none" w="med" len="med"/>
+                      <a:tailEnd type="none" w="med" len="med"/>
+                    </a:lnT>
+                    <a:lnB w="12700" cap="flat" cmpd="sng" algn="ctr">
+                      <a:solidFill>
+                        <a:schemeClr val="tx1"/>
+                      </a:solidFill>
+                      <a:prstDash val="solid"/>
+                      <a:round/>
+                      <a:headEnd type="none" w="med" len="med"/>
+                      <a:tailEnd type="none" w="med" len="med"/>
+                    </a:lnB>
+                    <a:solidFill>
+                      <a:schemeClr val="accent2">
+                        <a:lumMod val="60000"/>
+                        <a:lumOff val="40000"/>
+                        <a:alpha val="27000"/>
+                      </a:schemeClr>
+                    </a:solidFill>
+                  </a:tcPr>
+                </a:tc>
+                <a:tc>
+                  <a:txBody>
+                    <a:bodyPr/>
+                    <a:lstStyle/>
+                    <a:p>
+                      <a:pPr algn="ctr"/>
+                      <a:r>
+                        <a:rPr lang="es-ES" sz="1200" dirty="0"/>
+                        <a:t>450</a:t>
+                      </a:r>
+                    </a:p>
+                  </a:txBody>
+                  <a:tcPr anchor="ctr">
+                    <a:lnL w="12700" cap="flat" cmpd="sng" algn="ctr">
+                      <a:solidFill>
+                        <a:schemeClr val="tx1"/>
+                      </a:solidFill>
+                      <a:prstDash val="solid"/>
+                      <a:round/>
+                      <a:headEnd type="none" w="med" len="med"/>
+                      <a:tailEnd type="none" w="med" len="med"/>
+                    </a:lnL>
+                    <a:lnR w="12700" cap="flat" cmpd="sng" algn="ctr">
+                      <a:solidFill>
+                        <a:schemeClr val="tx1"/>
+                      </a:solidFill>
+                      <a:prstDash val="solid"/>
+                      <a:round/>
+                      <a:headEnd type="none" w="med" len="med"/>
+                      <a:tailEnd type="none" w="med" len="med"/>
+                    </a:lnR>
+                    <a:lnT w="12700" cap="flat" cmpd="sng" algn="ctr">
+                      <a:solidFill>
+                        <a:schemeClr val="tx1"/>
+                      </a:solidFill>
+                      <a:prstDash val="solid"/>
+                      <a:round/>
+                      <a:headEnd type="none" w="med" len="med"/>
+                      <a:tailEnd type="none" w="med" len="med"/>
+                    </a:lnT>
+                    <a:lnB w="12700" cap="flat" cmpd="sng" algn="ctr">
+                      <a:solidFill>
+                        <a:schemeClr val="tx1"/>
+                      </a:solidFill>
+                      <a:prstDash val="solid"/>
+                      <a:round/>
+                      <a:headEnd type="none" w="med" len="med"/>
+                      <a:tailEnd type="none" w="med" len="med"/>
+                    </a:lnB>
+                    <a:solidFill>
+                      <a:schemeClr val="accent2">
+                        <a:lumMod val="60000"/>
+                        <a:lumOff val="40000"/>
+                        <a:alpha val="27000"/>
+                      </a:schemeClr>
+                    </a:solidFill>
+                  </a:tcPr>
+                </a:tc>
+                <a:tc>
+                  <a:txBody>
+                    <a:bodyPr/>
+                    <a:lstStyle/>
+                    <a:p>
+                      <a:pPr algn="ctr"/>
+                      <a:r>
+                        <a:rPr lang="es-ES" sz="1200" dirty="0"/>
+                        <a:t>115</a:t>
+                      </a:r>
+                    </a:p>
+                  </a:txBody>
+                  <a:tcPr anchor="ctr">
+                    <a:lnL w="12700" cap="flat" cmpd="sng" algn="ctr">
+                      <a:solidFill>
+                        <a:schemeClr val="tx1"/>
+                      </a:solidFill>
+                      <a:prstDash val="solid"/>
+                      <a:round/>
+                      <a:headEnd type="none" w="med" len="med"/>
+                      <a:tailEnd type="none" w="med" len="med"/>
+                    </a:lnL>
+                    <a:lnR w="12700" cap="flat" cmpd="sng" algn="ctr">
+                      <a:solidFill>
+                        <a:schemeClr val="tx1"/>
+                      </a:solidFill>
+                      <a:prstDash val="solid"/>
+                      <a:round/>
+                      <a:headEnd type="none" w="med" len="med"/>
+                      <a:tailEnd type="none" w="med" len="med"/>
+                    </a:lnR>
+                    <a:lnT w="12700" cap="flat" cmpd="sng" algn="ctr">
+                      <a:solidFill>
+                        <a:schemeClr val="tx1"/>
+                      </a:solidFill>
+                      <a:prstDash val="solid"/>
+                      <a:round/>
+                      <a:headEnd type="none" w="med" len="med"/>
+                      <a:tailEnd type="none" w="med" len="med"/>
+                    </a:lnT>
+                    <a:lnB w="12700" cap="flat" cmpd="sng" algn="ctr">
+                      <a:solidFill>
+                        <a:schemeClr val="tx1"/>
+                      </a:solidFill>
+                      <a:prstDash val="solid"/>
+                      <a:round/>
+                      <a:headEnd type="none" w="med" len="med"/>
+                      <a:tailEnd type="none" w="med" len="med"/>
+                    </a:lnB>
+                    <a:solidFill>
+                      <a:schemeClr val="accent2">
+                        <a:lumMod val="60000"/>
+                        <a:lumOff val="40000"/>
+                        <a:alpha val="27000"/>
+                      </a:schemeClr>
+                    </a:solidFill>
+                  </a:tcPr>
+                </a:tc>
+                <a:extLst>
+                  <a:ext uri="{0D108BD9-81ED-4DB2-BD59-A6C34878D82A}">
+                    <a16:rowId xmlns:a16="http://schemas.microsoft.com/office/drawing/2014/main" val="947130838"/>
+                  </a:ext>
+                </a:extLst>
+              </a:tr>
+              <a:tr h="442451">
+                <a:tc>
+                  <a:txBody>
+                    <a:bodyPr/>
+                    <a:lstStyle/>
+                    <a:p>
+                      <a:pPr algn="ctr"/>
+                      <a:r>
+                        <a:rPr lang="es-ES" sz="1200" dirty="0"/>
+                        <a:t>177</a:t>
+                      </a:r>
+                    </a:p>
+                  </a:txBody>
+                  <a:tcPr anchor="ctr">
+                    <a:lnL w="12700" cap="flat" cmpd="sng" algn="ctr">
+                      <a:solidFill>
+                        <a:schemeClr val="tx1"/>
+                      </a:solidFill>
+                      <a:prstDash val="solid"/>
+                      <a:round/>
+                      <a:headEnd type="none" w="med" len="med"/>
+                      <a:tailEnd type="none" w="med" len="med"/>
+                    </a:lnL>
+                    <a:lnR w="12700" cap="flat" cmpd="sng" algn="ctr">
+                      <a:solidFill>
+                        <a:schemeClr val="tx1"/>
+                      </a:solidFill>
+                      <a:prstDash val="solid"/>
+                      <a:round/>
+                      <a:headEnd type="none" w="med" len="med"/>
+                      <a:tailEnd type="none" w="med" len="med"/>
+                    </a:lnR>
+                    <a:lnT w="12700" cap="flat" cmpd="sng" algn="ctr">
+                      <a:solidFill>
+                        <a:schemeClr val="tx1"/>
+                      </a:solidFill>
+                      <a:prstDash val="solid"/>
+                      <a:round/>
+                      <a:headEnd type="none" w="med" len="med"/>
+                      <a:tailEnd type="none" w="med" len="med"/>
+                    </a:lnT>
+                    <a:lnB w="12700" cap="flat" cmpd="sng" algn="ctr">
+                      <a:solidFill>
+                        <a:schemeClr val="tx1"/>
+                      </a:solidFill>
+                      <a:prstDash val="solid"/>
+                      <a:round/>
+                      <a:headEnd type="none" w="med" len="med"/>
+                      <a:tailEnd type="none" w="med" len="med"/>
+                    </a:lnB>
+                    <a:solidFill>
+                      <a:schemeClr val="accent2">
+                        <a:lumMod val="60000"/>
+                        <a:lumOff val="40000"/>
+                        <a:alpha val="27000"/>
+                      </a:schemeClr>
+                    </a:solidFill>
+                  </a:tcPr>
+                </a:tc>
+                <a:tc>
+                  <a:txBody>
+                    <a:bodyPr/>
+                    <a:lstStyle/>
+                    <a:p>
+                      <a:pPr algn="ctr"/>
+                      <a:r>
+                        <a:rPr lang="es-ES" sz="1200" dirty="0"/>
+                        <a:t>215</a:t>
+                      </a:r>
+                    </a:p>
+                  </a:txBody>
+                  <a:tcPr anchor="ctr">
+                    <a:lnL w="12700" cap="flat" cmpd="sng" algn="ctr">
+                      <a:solidFill>
+                        <a:schemeClr val="tx1"/>
+                      </a:solidFill>
+                      <a:prstDash val="solid"/>
+                      <a:round/>
+                      <a:headEnd type="none" w="med" len="med"/>
+                      <a:tailEnd type="none" w="med" len="med"/>
+                    </a:lnL>
+                    <a:lnR w="12700" cap="flat" cmpd="sng" algn="ctr">
+                      <a:solidFill>
+                        <a:schemeClr val="tx1"/>
+                      </a:solidFill>
+                      <a:prstDash val="solid"/>
+                      <a:round/>
+                      <a:headEnd type="none" w="med" len="med"/>
+                      <a:tailEnd type="none" w="med" len="med"/>
+                    </a:lnR>
+                    <a:lnT w="12700" cap="flat" cmpd="sng" algn="ctr">
+                      <a:solidFill>
+                        <a:schemeClr val="tx1"/>
+                      </a:solidFill>
+                      <a:prstDash val="solid"/>
+                      <a:round/>
+                      <a:headEnd type="none" w="med" len="med"/>
+                      <a:tailEnd type="none" w="med" len="med"/>
+                    </a:lnT>
+                    <a:lnB w="12700" cap="flat" cmpd="sng" algn="ctr">
+                      <a:solidFill>
+                        <a:schemeClr val="tx1"/>
+                      </a:solidFill>
+                      <a:prstDash val="solid"/>
+                      <a:round/>
+                      <a:headEnd type="none" w="med" len="med"/>
+                      <a:tailEnd type="none" w="med" len="med"/>
+                    </a:lnB>
+                    <a:solidFill>
+                      <a:schemeClr val="accent2">
+                        <a:lumMod val="60000"/>
+                        <a:lumOff val="40000"/>
+                        <a:alpha val="27000"/>
+                      </a:schemeClr>
+                    </a:solidFill>
+                  </a:tcPr>
+                </a:tc>
+                <a:tc>
+                  <a:txBody>
+                    <a:bodyPr/>
+                    <a:lstStyle/>
+                    <a:p>
+                      <a:pPr algn="ctr"/>
+                      <a:r>
+                        <a:rPr lang="es-ES" sz="1200" dirty="0"/>
+                        <a:t>415</a:t>
+                      </a:r>
+                    </a:p>
+                  </a:txBody>
+                  <a:tcPr anchor="ctr">
+                    <a:lnL w="12700" cap="flat" cmpd="sng" algn="ctr">
+                      <a:solidFill>
+                        <a:schemeClr val="tx1"/>
+                      </a:solidFill>
+                      <a:prstDash val="solid"/>
+                      <a:round/>
+                      <a:headEnd type="none" w="med" len="med"/>
+                      <a:tailEnd type="none" w="med" len="med"/>
+                    </a:lnL>
+                    <a:lnR w="12700" cap="flat" cmpd="sng" algn="ctr">
+                      <a:solidFill>
+                        <a:schemeClr val="tx1"/>
+                      </a:solidFill>
+                      <a:prstDash val="solid"/>
+                      <a:round/>
+                      <a:headEnd type="none" w="med" len="med"/>
+                      <a:tailEnd type="none" w="med" len="med"/>
+                    </a:lnR>
+                    <a:lnT w="12700" cap="flat" cmpd="sng" algn="ctr">
+                      <a:solidFill>
+                        <a:schemeClr val="tx1"/>
+                      </a:solidFill>
+                      <a:prstDash val="solid"/>
+                      <a:round/>
+                      <a:headEnd type="none" w="med" len="med"/>
+                      <a:tailEnd type="none" w="med" len="med"/>
+                    </a:lnT>
+                    <a:lnB w="12700" cap="flat" cmpd="sng" algn="ctr">
+                      <a:solidFill>
+                        <a:schemeClr val="tx1"/>
+                      </a:solidFill>
+                      <a:prstDash val="solid"/>
+                      <a:round/>
+                      <a:headEnd type="none" w="med" len="med"/>
+                      <a:tailEnd type="none" w="med" len="med"/>
+                    </a:lnB>
+                    <a:solidFill>
+                      <a:schemeClr val="accent2">
+                        <a:lumMod val="60000"/>
+                        <a:lumOff val="40000"/>
+                        <a:alpha val="27000"/>
+                      </a:schemeClr>
+                    </a:solidFill>
+                  </a:tcPr>
+                </a:tc>
+                <a:tc>
+                  <a:txBody>
+                    <a:bodyPr/>
+                    <a:lstStyle/>
+                    <a:p>
+                      <a:pPr algn="ctr"/>
+                      <a:r>
+                        <a:rPr lang="es-ES" sz="1200" dirty="0"/>
+                        <a:t>342</a:t>
+                      </a:r>
+                    </a:p>
+                  </a:txBody>
+                  <a:tcPr anchor="ctr">
+                    <a:lnL w="12700" cap="flat" cmpd="sng" algn="ctr">
+                      <a:solidFill>
+                        <a:schemeClr val="tx1"/>
+                      </a:solidFill>
+                      <a:prstDash val="solid"/>
+                      <a:round/>
+                      <a:headEnd type="none" w="med" len="med"/>
+                      <a:tailEnd type="none" w="med" len="med"/>
+                    </a:lnL>
+                    <a:lnR w="12700" cap="flat" cmpd="sng" algn="ctr">
+                      <a:solidFill>
+                        <a:schemeClr val="tx1"/>
+                      </a:solidFill>
+                      <a:prstDash val="solid"/>
+                      <a:round/>
+                      <a:headEnd type="none" w="med" len="med"/>
+                      <a:tailEnd type="none" w="med" len="med"/>
+                    </a:lnR>
+                    <a:lnT w="12700" cap="flat" cmpd="sng" algn="ctr">
+                      <a:solidFill>
+                        <a:schemeClr val="tx1"/>
+                      </a:solidFill>
+                      <a:prstDash val="solid"/>
+                      <a:round/>
+                      <a:headEnd type="none" w="med" len="med"/>
+                      <a:tailEnd type="none" w="med" len="med"/>
+                    </a:lnT>
+                    <a:lnB w="12700" cap="flat" cmpd="sng" algn="ctr">
+                      <a:solidFill>
+                        <a:schemeClr val="tx1"/>
+                      </a:solidFill>
+                      <a:prstDash val="solid"/>
+                      <a:round/>
+                      <a:headEnd type="none" w="med" len="med"/>
+                      <a:tailEnd type="none" w="med" len="med"/>
+                    </a:lnB>
+                    <a:solidFill>
+                      <a:schemeClr val="accent2">
+                        <a:lumMod val="60000"/>
+                        <a:lumOff val="40000"/>
+                        <a:alpha val="27000"/>
+                      </a:schemeClr>
+                    </a:solidFill>
+                  </a:tcPr>
+                </a:tc>
+                <a:tc>
+                  <a:txBody>
+                    <a:bodyPr/>
+                    <a:lstStyle/>
+                    <a:p>
+                      <a:pPr algn="ctr"/>
+                      <a:r>
+                        <a:rPr lang="es-ES" sz="1200" dirty="0"/>
+                        <a:t>174</a:t>
+                      </a:r>
+                    </a:p>
+                  </a:txBody>
+                  <a:tcPr anchor="ctr">
+                    <a:lnL w="12700" cap="flat" cmpd="sng" algn="ctr">
+                      <a:solidFill>
+                        <a:schemeClr val="tx1"/>
+                      </a:solidFill>
+                      <a:prstDash val="solid"/>
+                      <a:round/>
+                      <a:headEnd type="none" w="med" len="med"/>
+                      <a:tailEnd type="none" w="med" len="med"/>
+                    </a:lnL>
+                    <a:lnR w="12700" cap="flat" cmpd="sng" algn="ctr">
+                      <a:solidFill>
+                        <a:schemeClr val="tx1"/>
+                      </a:solidFill>
+                      <a:prstDash val="solid"/>
+                      <a:round/>
+                      <a:headEnd type="none" w="med" len="med"/>
+                      <a:tailEnd type="none" w="med" len="med"/>
+                    </a:lnR>
+                    <a:lnT w="12700" cap="flat" cmpd="sng" algn="ctr">
+                      <a:solidFill>
+                        <a:schemeClr val="tx1"/>
+                      </a:solidFill>
+                      <a:prstDash val="solid"/>
+                      <a:round/>
+                      <a:headEnd type="none" w="med" len="med"/>
+                      <a:tailEnd type="none" w="med" len="med"/>
+                    </a:lnT>
+                    <a:lnB w="12700" cap="flat" cmpd="sng" algn="ctr">
+                      <a:solidFill>
+                        <a:schemeClr val="tx1"/>
+                      </a:solidFill>
+                      <a:prstDash val="solid"/>
+                      <a:round/>
+                      <a:headEnd type="none" w="med" len="med"/>
+                      <a:tailEnd type="none" w="med" len="med"/>
+                    </a:lnB>
+                    <a:solidFill>
+                      <a:schemeClr val="accent2">
+                        <a:lumMod val="60000"/>
+                        <a:lumOff val="40000"/>
+                        <a:alpha val="27000"/>
+                      </a:schemeClr>
+                    </a:solidFill>
+                  </a:tcPr>
+                </a:tc>
+                <a:tc>
+                  <a:txBody>
+                    <a:bodyPr/>
+                    <a:lstStyle/>
+                    <a:p>
+                      <a:pPr algn="ctr"/>
+                      <a:r>
+                        <a:rPr lang="es-ES" sz="1200" dirty="0"/>
+                        <a:t>24</a:t>
+                      </a:r>
+                    </a:p>
+                  </a:txBody>
+                  <a:tcPr anchor="ctr">
+                    <a:lnL w="12700" cap="flat" cmpd="sng" algn="ctr">
+                      <a:solidFill>
+                        <a:schemeClr val="tx1"/>
+                      </a:solidFill>
+                      <a:prstDash val="solid"/>
+                      <a:round/>
+                      <a:headEnd type="none" w="med" len="med"/>
+                      <a:tailEnd type="none" w="med" len="med"/>
+                    </a:lnL>
+                    <a:lnR w="12700" cap="flat" cmpd="sng" algn="ctr">
+                      <a:solidFill>
+                        <a:schemeClr val="tx1"/>
+                      </a:solidFill>
+                      <a:prstDash val="solid"/>
+                      <a:round/>
+                      <a:headEnd type="none" w="med" len="med"/>
+                      <a:tailEnd type="none" w="med" len="med"/>
+                    </a:lnR>
+                    <a:lnT w="12700" cap="flat" cmpd="sng" algn="ctr">
+                      <a:solidFill>
+                        <a:schemeClr val="tx1"/>
+                      </a:solidFill>
+                      <a:prstDash val="solid"/>
+                      <a:round/>
+                      <a:headEnd type="none" w="med" len="med"/>
+                      <a:tailEnd type="none" w="med" len="med"/>
+                    </a:lnT>
+                    <a:lnB w="12700" cap="flat" cmpd="sng" algn="ctr">
+                      <a:solidFill>
+                        <a:schemeClr val="tx1"/>
+                      </a:solidFill>
+                      <a:prstDash val="solid"/>
+                      <a:round/>
+                      <a:headEnd type="none" w="med" len="med"/>
+                      <a:tailEnd type="none" w="med" len="med"/>
+                    </a:lnB>
+                    <a:solidFill>
+                      <a:schemeClr val="accent2">
+                        <a:lumMod val="60000"/>
+                        <a:lumOff val="40000"/>
+                        <a:alpha val="27000"/>
+                      </a:schemeClr>
+                    </a:solidFill>
+                  </a:tcPr>
+                </a:tc>
+                <a:extLst>
+                  <a:ext uri="{0D108BD9-81ED-4DB2-BD59-A6C34878D82A}">
+                    <a16:rowId xmlns:a16="http://schemas.microsoft.com/office/drawing/2014/main" val="608383978"/>
+                  </a:ext>
+                </a:extLst>
+              </a:tr>
+              <a:tr h="427704">
+                <a:tc>
+                  <a:txBody>
+                    <a:bodyPr/>
+                    <a:lstStyle/>
+                    <a:p>
+                      <a:pPr algn="ctr"/>
+                      <a:r>
+                        <a:rPr lang="es-ES" sz="1200" dirty="0"/>
+                        <a:t>101</a:t>
+                      </a:r>
+                    </a:p>
+                  </a:txBody>
+                  <a:tcPr anchor="ctr">
+                    <a:lnL w="12700" cap="flat" cmpd="sng" algn="ctr">
+                      <a:solidFill>
+                        <a:schemeClr val="tx1"/>
+                      </a:solidFill>
+                      <a:prstDash val="solid"/>
+                      <a:round/>
+                      <a:headEnd type="none" w="med" len="med"/>
+                      <a:tailEnd type="none" w="med" len="med"/>
+                    </a:lnL>
+                    <a:lnR w="12700" cap="flat" cmpd="sng" algn="ctr">
+                      <a:solidFill>
+                        <a:schemeClr val="tx1"/>
+                      </a:solidFill>
+                      <a:prstDash val="solid"/>
+                      <a:round/>
+                      <a:headEnd type="none" w="med" len="med"/>
+                      <a:tailEnd type="none" w="med" len="med"/>
+                    </a:lnR>
+                    <a:lnT w="12700" cap="flat" cmpd="sng" algn="ctr">
+                      <a:solidFill>
+                        <a:schemeClr val="tx1"/>
+                      </a:solidFill>
+                      <a:prstDash val="solid"/>
+                      <a:round/>
+                      <a:headEnd type="none" w="med" len="med"/>
+                      <a:tailEnd type="none" w="med" len="med"/>
+                    </a:lnT>
+                    <a:lnB w="12700" cap="flat" cmpd="sng" algn="ctr">
+                      <a:solidFill>
+                        <a:schemeClr val="tx1"/>
+                      </a:solidFill>
+                      <a:prstDash val="solid"/>
+                      <a:round/>
+                      <a:headEnd type="none" w="med" len="med"/>
+                      <a:tailEnd type="none" w="med" len="med"/>
+                    </a:lnB>
+                    <a:solidFill>
+                      <a:schemeClr val="accent2">
+                        <a:lumMod val="60000"/>
+                        <a:lumOff val="40000"/>
+                        <a:alpha val="27000"/>
+                      </a:schemeClr>
+                    </a:solidFill>
+                  </a:tcPr>
+                </a:tc>
+                <a:tc>
+                  <a:txBody>
+                    <a:bodyPr/>
+                    <a:lstStyle/>
+                    <a:p>
+                      <a:pPr algn="ctr"/>
+                      <a:r>
+                        <a:rPr lang="es-ES" sz="1200" dirty="0"/>
+                        <a:t>215</a:t>
+                      </a:r>
+                    </a:p>
+                  </a:txBody>
+                  <a:tcPr anchor="ctr">
+                    <a:lnL w="12700" cap="flat" cmpd="sng" algn="ctr">
+                      <a:solidFill>
+                        <a:schemeClr val="tx1"/>
+                      </a:solidFill>
+                      <a:prstDash val="solid"/>
+                      <a:round/>
+                      <a:headEnd type="none" w="med" len="med"/>
+                      <a:tailEnd type="none" w="med" len="med"/>
+                    </a:lnL>
+                    <a:lnR w="12700" cap="flat" cmpd="sng" algn="ctr">
+                      <a:solidFill>
+                        <a:schemeClr val="tx1"/>
+                      </a:solidFill>
+                      <a:prstDash val="solid"/>
+                      <a:round/>
+                      <a:headEnd type="none" w="med" len="med"/>
+                      <a:tailEnd type="none" w="med" len="med"/>
+                    </a:lnR>
+                    <a:lnT w="12700" cap="flat" cmpd="sng" algn="ctr">
+                      <a:solidFill>
+                        <a:schemeClr val="tx1"/>
+                      </a:solidFill>
+                      <a:prstDash val="solid"/>
+                      <a:round/>
+                      <a:headEnd type="none" w="med" len="med"/>
+                      <a:tailEnd type="none" w="med" len="med"/>
+                    </a:lnT>
+                    <a:lnB w="12700" cap="flat" cmpd="sng" algn="ctr">
+                      <a:solidFill>
+                        <a:schemeClr val="tx1"/>
+                      </a:solidFill>
+                      <a:prstDash val="solid"/>
+                      <a:round/>
+                      <a:headEnd type="none" w="med" len="med"/>
+                      <a:tailEnd type="none" w="med" len="med"/>
+                    </a:lnB>
+                    <a:solidFill>
+                      <a:schemeClr val="accent2">
+                        <a:lumMod val="60000"/>
+                        <a:lumOff val="40000"/>
+                        <a:alpha val="27000"/>
+                      </a:schemeClr>
+                    </a:solidFill>
+                  </a:tcPr>
+                </a:tc>
+                <a:tc>
+                  <a:txBody>
+                    <a:bodyPr/>
+                    <a:lstStyle/>
+                    <a:p>
+                      <a:pPr algn="ctr"/>
+                      <a:r>
+                        <a:rPr lang="es-ES" sz="1200" dirty="0"/>
+                        <a:t>398</a:t>
+                      </a:r>
+                    </a:p>
+                  </a:txBody>
+                  <a:tcPr anchor="ctr">
+                    <a:lnL w="12700" cap="flat" cmpd="sng" algn="ctr">
+                      <a:solidFill>
+                        <a:schemeClr val="tx1"/>
+                      </a:solidFill>
+                      <a:prstDash val="solid"/>
+                      <a:round/>
+                      <a:headEnd type="none" w="med" len="med"/>
+                      <a:tailEnd type="none" w="med" len="med"/>
+                    </a:lnL>
+                    <a:lnR w="12700" cap="flat" cmpd="sng" algn="ctr">
+                      <a:solidFill>
+                        <a:schemeClr val="tx1"/>
+                      </a:solidFill>
+                      <a:prstDash val="solid"/>
+                      <a:round/>
+                      <a:headEnd type="none" w="med" len="med"/>
+                      <a:tailEnd type="none" w="med" len="med"/>
+                    </a:lnR>
+                    <a:lnT w="12700" cap="flat" cmpd="sng" algn="ctr">
+                      <a:solidFill>
+                        <a:schemeClr val="tx1"/>
+                      </a:solidFill>
+                      <a:prstDash val="solid"/>
+                      <a:round/>
+                      <a:headEnd type="none" w="med" len="med"/>
+                      <a:tailEnd type="none" w="med" len="med"/>
+                    </a:lnT>
+                    <a:lnB w="12700" cap="flat" cmpd="sng" algn="ctr">
+                      <a:solidFill>
+                        <a:schemeClr val="tx1"/>
+                      </a:solidFill>
+                      <a:prstDash val="solid"/>
+                      <a:round/>
+                      <a:headEnd type="none" w="med" len="med"/>
+                      <a:tailEnd type="none" w="med" len="med"/>
+                    </a:lnB>
+                    <a:solidFill>
+                      <a:schemeClr val="accent2">
+                        <a:lumMod val="60000"/>
+                        <a:lumOff val="40000"/>
+                        <a:alpha val="27000"/>
+                      </a:schemeClr>
+                    </a:solidFill>
+                  </a:tcPr>
+                </a:tc>
+                <a:tc>
+                  <a:txBody>
+                    <a:bodyPr/>
+                    <a:lstStyle/>
+                    <a:p>
+                      <a:pPr algn="ctr"/>
+                      <a:r>
+                        <a:rPr lang="es-ES" sz="1200" dirty="0"/>
+                        <a:t>168</a:t>
+                      </a:r>
+                    </a:p>
+                  </a:txBody>
+                  <a:tcPr anchor="ctr">
+                    <a:lnL w="12700" cap="flat" cmpd="sng" algn="ctr">
+                      <a:solidFill>
+                        <a:schemeClr val="tx1"/>
+                      </a:solidFill>
+                      <a:prstDash val="solid"/>
+                      <a:round/>
+                      <a:headEnd type="none" w="med" len="med"/>
+                      <a:tailEnd type="none" w="med" len="med"/>
+                    </a:lnL>
+                    <a:lnR w="12700" cap="flat" cmpd="sng" algn="ctr">
+                      <a:solidFill>
+                        <a:schemeClr val="tx1"/>
+                      </a:solidFill>
+                      <a:prstDash val="solid"/>
+                      <a:round/>
+                      <a:headEnd type="none" w="med" len="med"/>
+                      <a:tailEnd type="none" w="med" len="med"/>
+                    </a:lnR>
+                    <a:lnT w="12700" cap="flat" cmpd="sng" algn="ctr">
+                      <a:solidFill>
+                        <a:schemeClr val="tx1"/>
+                      </a:solidFill>
+                      <a:prstDash val="solid"/>
+                      <a:round/>
+                      <a:headEnd type="none" w="med" len="med"/>
+                      <a:tailEnd type="none" w="med" len="med"/>
+                    </a:lnT>
+                    <a:lnB w="12700" cap="flat" cmpd="sng" algn="ctr">
+                      <a:solidFill>
+                        <a:schemeClr val="tx1"/>
+                      </a:solidFill>
+                      <a:prstDash val="solid"/>
+                      <a:round/>
+                      <a:headEnd type="none" w="med" len="med"/>
+                      <a:tailEnd type="none" w="med" len="med"/>
+                    </a:lnB>
+                    <a:solidFill>
+                      <a:schemeClr val="accent2">
+                        <a:lumMod val="60000"/>
+                        <a:lumOff val="40000"/>
+                        <a:alpha val="27000"/>
+                      </a:schemeClr>
+                    </a:solidFill>
+                  </a:tcPr>
+                </a:tc>
+                <a:tc>
+                  <a:txBody>
+                    <a:bodyPr/>
+                    <a:lstStyle/>
+                    <a:p>
+                      <a:pPr algn="ctr"/>
+                      <a:r>
+                        <a:rPr lang="es-ES" sz="1200" dirty="0"/>
+                        <a:t>225</a:t>
+                      </a:r>
+                    </a:p>
+                  </a:txBody>
+                  <a:tcPr anchor="ctr">
+                    <a:lnL w="12700" cap="flat" cmpd="sng" algn="ctr">
+                      <a:solidFill>
+                        <a:schemeClr val="tx1"/>
+                      </a:solidFill>
+                      <a:prstDash val="solid"/>
+                      <a:round/>
+                      <a:headEnd type="none" w="med" len="med"/>
+                      <a:tailEnd type="none" w="med" len="med"/>
+                    </a:lnL>
+                    <a:lnR w="12700" cap="flat" cmpd="sng" algn="ctr">
+                      <a:solidFill>
+                        <a:schemeClr val="tx1"/>
+                      </a:solidFill>
+                      <a:prstDash val="solid"/>
+                      <a:round/>
+                      <a:headEnd type="none" w="med" len="med"/>
+                      <a:tailEnd type="none" w="med" len="med"/>
+                    </a:lnR>
+                    <a:lnT w="12700" cap="flat" cmpd="sng" algn="ctr">
+                      <a:solidFill>
+                        <a:schemeClr val="tx1"/>
+                      </a:solidFill>
+                      <a:prstDash val="solid"/>
+                      <a:round/>
+                      <a:headEnd type="none" w="med" len="med"/>
+                      <a:tailEnd type="none" w="med" len="med"/>
+                    </a:lnT>
+                    <a:lnB w="12700" cap="flat" cmpd="sng" algn="ctr">
+                      <a:solidFill>
+                        <a:schemeClr val="tx1"/>
+                      </a:solidFill>
+                      <a:prstDash val="solid"/>
+                      <a:round/>
+                      <a:headEnd type="none" w="med" len="med"/>
+                      <a:tailEnd type="none" w="med" len="med"/>
+                    </a:lnB>
+                    <a:solidFill>
+                      <a:schemeClr val="accent2">
+                        <a:lumMod val="60000"/>
+                        <a:lumOff val="40000"/>
+                        <a:alpha val="27000"/>
+                      </a:schemeClr>
+                    </a:solidFill>
+                  </a:tcPr>
+                </a:tc>
+                <a:tc>
+                  <a:txBody>
+                    <a:bodyPr/>
+                    <a:lstStyle/>
+                    <a:p>
+                      <a:pPr algn="ctr"/>
+                      <a:r>
+                        <a:rPr lang="es-ES" sz="1200" dirty="0"/>
+                        <a:t>28</a:t>
+                      </a:r>
+                    </a:p>
+                  </a:txBody>
+                  <a:tcPr anchor="ctr">
+                    <a:lnL w="12700" cap="flat" cmpd="sng" algn="ctr">
+                      <a:solidFill>
+                        <a:schemeClr val="tx1"/>
+                      </a:solidFill>
+                      <a:prstDash val="solid"/>
+                      <a:round/>
+                      <a:headEnd type="none" w="med" len="med"/>
+                      <a:tailEnd type="none" w="med" len="med"/>
+                    </a:lnL>
+                    <a:lnR w="12700" cap="flat" cmpd="sng" algn="ctr">
+                      <a:solidFill>
+                        <a:schemeClr val="tx1"/>
+                      </a:solidFill>
+                      <a:prstDash val="solid"/>
+                      <a:round/>
+                      <a:headEnd type="none" w="med" len="med"/>
+                      <a:tailEnd type="none" w="med" len="med"/>
+                    </a:lnR>
+                    <a:lnT w="12700" cap="flat" cmpd="sng" algn="ctr">
+                      <a:solidFill>
+                        <a:schemeClr val="tx1"/>
+                      </a:solidFill>
+                      <a:prstDash val="solid"/>
+                      <a:round/>
+                      <a:headEnd type="none" w="med" len="med"/>
+                      <a:tailEnd type="none" w="med" len="med"/>
+                    </a:lnT>
+                    <a:lnB w="12700" cap="flat" cmpd="sng" algn="ctr">
+                      <a:solidFill>
+                        <a:schemeClr val="tx1"/>
+                      </a:solidFill>
+                      <a:prstDash val="solid"/>
+                      <a:round/>
+                      <a:headEnd type="none" w="med" len="med"/>
+                      <a:tailEnd type="none" w="med" len="med"/>
+                    </a:lnB>
+                    <a:solidFill>
+                      <a:schemeClr val="accent2">
+                        <a:lumMod val="60000"/>
+                        <a:lumOff val="40000"/>
+                        <a:alpha val="27000"/>
+                      </a:schemeClr>
+                    </a:solidFill>
+                  </a:tcPr>
+                </a:tc>
+                <a:extLst>
+                  <a:ext uri="{0D108BD9-81ED-4DB2-BD59-A6C34878D82A}">
+                    <a16:rowId xmlns:a16="http://schemas.microsoft.com/office/drawing/2014/main" val="4200223648"/>
+                  </a:ext>
+                </a:extLst>
+              </a:tr>
+              <a:tr h="490769">
+                <a:tc>
+                  <a:txBody>
+                    <a:bodyPr/>
+                    <a:lstStyle/>
+                    <a:p>
+                      <a:pPr algn="ctr"/>
+                      <a:r>
+                        <a:rPr lang="es-ES" sz="1200" dirty="0"/>
+                        <a:t>123</a:t>
+                      </a:r>
+                    </a:p>
+                  </a:txBody>
+                  <a:tcPr anchor="ctr">
+                    <a:lnL w="12700" cap="flat" cmpd="sng" algn="ctr">
+                      <a:solidFill>
+                        <a:schemeClr val="tx1"/>
+                      </a:solidFill>
+                      <a:prstDash val="solid"/>
+                      <a:round/>
+                      <a:headEnd type="none" w="med" len="med"/>
+                      <a:tailEnd type="none" w="med" len="med"/>
+                    </a:lnL>
+                    <a:lnR w="12700" cap="flat" cmpd="sng" algn="ctr">
+                      <a:solidFill>
+                        <a:schemeClr val="tx1"/>
+                      </a:solidFill>
+                      <a:prstDash val="solid"/>
+                      <a:round/>
+                      <a:headEnd type="none" w="med" len="med"/>
+                      <a:tailEnd type="none" w="med" len="med"/>
+                    </a:lnR>
+                    <a:lnT w="12700" cap="flat" cmpd="sng" algn="ctr">
+                      <a:solidFill>
+                        <a:schemeClr val="tx1"/>
+                      </a:solidFill>
+                      <a:prstDash val="solid"/>
+                      <a:round/>
+                      <a:headEnd type="none" w="med" len="med"/>
+                      <a:tailEnd type="none" w="med" len="med"/>
+                    </a:lnT>
+                    <a:lnB w="12700" cap="flat" cmpd="sng" algn="ctr">
+                      <a:solidFill>
+                        <a:schemeClr val="tx1"/>
+                      </a:solidFill>
+                      <a:prstDash val="solid"/>
+                      <a:round/>
+                      <a:headEnd type="none" w="med" len="med"/>
+                      <a:tailEnd type="none" w="med" len="med"/>
+                    </a:lnB>
+                    <a:solidFill>
+                      <a:schemeClr val="accent2">
+                        <a:lumMod val="60000"/>
+                        <a:lumOff val="40000"/>
+                        <a:alpha val="27000"/>
+                      </a:schemeClr>
+                    </a:solidFill>
+                  </a:tcPr>
+                </a:tc>
+                <a:tc>
+                  <a:txBody>
+                    <a:bodyPr/>
+                    <a:lstStyle/>
+                    <a:p>
+                      <a:pPr algn="ctr"/>
+                      <a:r>
+                        <a:rPr lang="es-ES" sz="1200" dirty="0"/>
+                        <a:t>93</a:t>
+                      </a:r>
+                    </a:p>
+                  </a:txBody>
+                  <a:tcPr anchor="ctr">
+                    <a:lnL w="12700" cap="flat" cmpd="sng" algn="ctr">
+                      <a:solidFill>
+                        <a:schemeClr val="tx1"/>
+                      </a:solidFill>
+                      <a:prstDash val="solid"/>
+                      <a:round/>
+                      <a:headEnd type="none" w="med" len="med"/>
+                      <a:tailEnd type="none" w="med" len="med"/>
+                    </a:lnL>
+                    <a:lnR w="12700" cap="flat" cmpd="sng" algn="ctr">
+                      <a:solidFill>
+                        <a:schemeClr val="tx1"/>
+                      </a:solidFill>
+                      <a:prstDash val="solid"/>
+                      <a:round/>
+                      <a:headEnd type="none" w="med" len="med"/>
+                      <a:tailEnd type="none" w="med" len="med"/>
+                    </a:lnR>
+                    <a:lnT w="12700" cap="flat" cmpd="sng" algn="ctr">
+                      <a:solidFill>
+                        <a:schemeClr val="tx1"/>
+                      </a:solidFill>
+                      <a:prstDash val="solid"/>
+                      <a:round/>
+                      <a:headEnd type="none" w="med" len="med"/>
+                      <a:tailEnd type="none" w="med" len="med"/>
+                    </a:lnT>
+                    <a:lnB w="12700" cap="flat" cmpd="sng" algn="ctr">
+                      <a:solidFill>
+                        <a:schemeClr val="tx1"/>
+                      </a:solidFill>
+                      <a:prstDash val="solid"/>
+                      <a:round/>
+                      <a:headEnd type="none" w="med" len="med"/>
+                      <a:tailEnd type="none" w="med" len="med"/>
+                    </a:lnB>
+                    <a:solidFill>
+                      <a:schemeClr val="accent2">
+                        <a:lumMod val="60000"/>
+                        <a:lumOff val="40000"/>
+                        <a:alpha val="27000"/>
+                      </a:schemeClr>
+                    </a:solidFill>
+                  </a:tcPr>
+                </a:tc>
+                <a:tc>
+                  <a:txBody>
+                    <a:bodyPr/>
+                    <a:lstStyle/>
+                    <a:p>
+                      <a:pPr algn="ctr"/>
+                      <a:r>
+                        <a:rPr lang="es-ES" sz="1200" dirty="0"/>
+                        <a:t>171</a:t>
+                      </a:r>
+                    </a:p>
+                  </a:txBody>
+                  <a:tcPr anchor="ctr">
+                    <a:lnL w="12700" cap="flat" cmpd="sng" algn="ctr">
+                      <a:solidFill>
+                        <a:schemeClr val="tx1"/>
+                      </a:solidFill>
+                      <a:prstDash val="solid"/>
+                      <a:round/>
+                      <a:headEnd type="none" w="med" len="med"/>
+                      <a:tailEnd type="none" w="med" len="med"/>
+                    </a:lnL>
+                    <a:lnR w="12700" cap="flat" cmpd="sng" algn="ctr">
+                      <a:solidFill>
+                        <a:schemeClr val="tx1"/>
+                      </a:solidFill>
+                      <a:prstDash val="solid"/>
+                      <a:round/>
+                      <a:headEnd type="none" w="med" len="med"/>
+                      <a:tailEnd type="none" w="med" len="med"/>
+                    </a:lnR>
+                    <a:lnT w="12700" cap="flat" cmpd="sng" algn="ctr">
+                      <a:solidFill>
+                        <a:schemeClr val="tx1"/>
+                      </a:solidFill>
+                      <a:prstDash val="solid"/>
+                      <a:round/>
+                      <a:headEnd type="none" w="med" len="med"/>
+                      <a:tailEnd type="none" w="med" len="med"/>
+                    </a:lnT>
+                    <a:lnB w="12700" cap="flat" cmpd="sng" algn="ctr">
+                      <a:solidFill>
+                        <a:schemeClr val="tx1"/>
+                      </a:solidFill>
+                      <a:prstDash val="solid"/>
+                      <a:round/>
+                      <a:headEnd type="none" w="med" len="med"/>
+                      <a:tailEnd type="none" w="med" len="med"/>
+                    </a:lnB>
+                    <a:solidFill>
+                      <a:schemeClr val="accent2">
+                        <a:lumMod val="60000"/>
+                        <a:lumOff val="40000"/>
+                        <a:alpha val="27000"/>
+                      </a:schemeClr>
+                    </a:solidFill>
+                  </a:tcPr>
+                </a:tc>
+                <a:tc>
+                  <a:txBody>
+                    <a:bodyPr/>
+                    <a:lstStyle/>
+                    <a:p>
+                      <a:pPr algn="ctr"/>
+                      <a:r>
+                        <a:rPr lang="es-ES" sz="1200" dirty="0"/>
+                        <a:t>114</a:t>
+                      </a:r>
+                    </a:p>
+                  </a:txBody>
+                  <a:tcPr anchor="ctr">
+                    <a:lnL w="12700" cap="flat" cmpd="sng" algn="ctr">
+                      <a:solidFill>
+                        <a:schemeClr val="tx1"/>
+                      </a:solidFill>
+                      <a:prstDash val="solid"/>
+                      <a:round/>
+                      <a:headEnd type="none" w="med" len="med"/>
+                      <a:tailEnd type="none" w="med" len="med"/>
+                    </a:lnL>
+                    <a:lnR w="12700" cap="flat" cmpd="sng" algn="ctr">
+                      <a:solidFill>
+                        <a:schemeClr val="tx1"/>
+                      </a:solidFill>
+                      <a:prstDash val="solid"/>
+                      <a:round/>
+                      <a:headEnd type="none" w="med" len="med"/>
+                      <a:tailEnd type="none" w="med" len="med"/>
+                    </a:lnR>
+                    <a:lnT w="12700" cap="flat" cmpd="sng" algn="ctr">
+                      <a:solidFill>
+                        <a:schemeClr val="tx1"/>
+                      </a:solidFill>
+                      <a:prstDash val="solid"/>
+                      <a:round/>
+                      <a:headEnd type="none" w="med" len="med"/>
+                      <a:tailEnd type="none" w="med" len="med"/>
+                    </a:lnT>
+                    <a:lnB w="12700" cap="flat" cmpd="sng" algn="ctr">
+                      <a:solidFill>
+                        <a:schemeClr val="tx1"/>
+                      </a:solidFill>
+                      <a:prstDash val="solid"/>
+                      <a:round/>
+                      <a:headEnd type="none" w="med" len="med"/>
+                      <a:tailEnd type="none" w="med" len="med"/>
+                    </a:lnB>
+                    <a:solidFill>
+                      <a:schemeClr val="accent2">
+                        <a:lumMod val="60000"/>
+                        <a:lumOff val="40000"/>
+                        <a:alpha val="27000"/>
+                      </a:schemeClr>
+                    </a:solidFill>
+                  </a:tcPr>
+                </a:tc>
+                <a:tc>
+                  <a:txBody>
+                    <a:bodyPr/>
+                    <a:lstStyle/>
+                    <a:p>
+                      <a:pPr algn="ctr"/>
+                      <a:r>
+                        <a:rPr lang="es-ES" sz="1200" dirty="0"/>
+                        <a:t>48</a:t>
+                      </a:r>
+                    </a:p>
+                  </a:txBody>
+                  <a:tcPr anchor="ctr">
+                    <a:lnL w="12700" cap="flat" cmpd="sng" algn="ctr">
+                      <a:solidFill>
+                        <a:schemeClr val="tx1"/>
+                      </a:solidFill>
+                      <a:prstDash val="solid"/>
+                      <a:round/>
+                      <a:headEnd type="none" w="med" len="med"/>
+                      <a:tailEnd type="none" w="med" len="med"/>
+                    </a:lnL>
+                    <a:lnR w="12700" cap="flat" cmpd="sng" algn="ctr">
+                      <a:solidFill>
+                        <a:schemeClr val="tx1"/>
+                      </a:solidFill>
+                      <a:prstDash val="solid"/>
+                      <a:round/>
+                      <a:headEnd type="none" w="med" len="med"/>
+                      <a:tailEnd type="none" w="med" len="med"/>
+                    </a:lnR>
+                    <a:lnT w="12700" cap="flat" cmpd="sng" algn="ctr">
+                      <a:solidFill>
+                        <a:schemeClr val="tx1"/>
+                      </a:solidFill>
+                      <a:prstDash val="solid"/>
+                      <a:round/>
+                      <a:headEnd type="none" w="med" len="med"/>
+                      <a:tailEnd type="none" w="med" len="med"/>
+                    </a:lnT>
+                    <a:lnB w="12700" cap="flat" cmpd="sng" algn="ctr">
+                      <a:solidFill>
+                        <a:schemeClr val="tx1"/>
+                      </a:solidFill>
+                      <a:prstDash val="solid"/>
+                      <a:round/>
+                      <a:headEnd type="none" w="med" len="med"/>
+                      <a:tailEnd type="none" w="med" len="med"/>
+                    </a:lnB>
+                    <a:solidFill>
+                      <a:schemeClr val="accent2">
+                        <a:lumMod val="60000"/>
+                        <a:lumOff val="40000"/>
+                        <a:alpha val="27000"/>
+                      </a:schemeClr>
+                    </a:solidFill>
+                  </a:tcPr>
+                </a:tc>
+                <a:tc>
+                  <a:txBody>
+                    <a:bodyPr/>
+                    <a:lstStyle/>
+                    <a:p>
+                      <a:pPr algn="ctr"/>
+                      <a:r>
+                        <a:rPr lang="es-ES" sz="1200" dirty="0"/>
+                        <a:t>21</a:t>
+                      </a:r>
+                    </a:p>
+                  </a:txBody>
+                  <a:tcPr anchor="ctr">
+                    <a:lnL w="12700" cap="flat" cmpd="sng" algn="ctr">
+                      <a:solidFill>
+                        <a:schemeClr val="tx1"/>
+                      </a:solidFill>
+                      <a:prstDash val="solid"/>
+                      <a:round/>
+                      <a:headEnd type="none" w="med" len="med"/>
+                      <a:tailEnd type="none" w="med" len="med"/>
+                    </a:lnL>
+                    <a:lnR w="12700" cap="flat" cmpd="sng" algn="ctr">
+                      <a:solidFill>
+                        <a:schemeClr val="tx1"/>
+                      </a:solidFill>
+                      <a:prstDash val="solid"/>
+                      <a:round/>
+                      <a:headEnd type="none" w="med" len="med"/>
+                      <a:tailEnd type="none" w="med" len="med"/>
+                    </a:lnR>
+                    <a:lnT w="12700" cap="flat" cmpd="sng" algn="ctr">
+                      <a:solidFill>
+                        <a:schemeClr val="tx1"/>
+                      </a:solidFill>
+                      <a:prstDash val="solid"/>
+                      <a:round/>
+                      <a:headEnd type="none" w="med" len="med"/>
+                      <a:tailEnd type="none" w="med" len="med"/>
+                    </a:lnT>
+                    <a:lnB w="12700" cap="flat" cmpd="sng" algn="ctr">
+                      <a:solidFill>
+                        <a:schemeClr val="tx1"/>
+                      </a:solidFill>
+                      <a:prstDash val="solid"/>
+                      <a:round/>
+                      <a:headEnd type="none" w="med" len="med"/>
+                      <a:tailEnd type="none" w="med" len="med"/>
+                    </a:lnB>
+                    <a:solidFill>
+                      <a:schemeClr val="accent2">
+                        <a:lumMod val="60000"/>
+                        <a:lumOff val="40000"/>
+                        <a:alpha val="27000"/>
+                      </a:schemeClr>
+                    </a:solidFill>
+                  </a:tcPr>
+                </a:tc>
+                <a:extLst>
+                  <a:ext uri="{0D108BD9-81ED-4DB2-BD59-A6C34878D82A}">
+                    <a16:rowId xmlns:a16="http://schemas.microsoft.com/office/drawing/2014/main" val="4128410436"/>
+                  </a:ext>
+                </a:extLst>
+              </a:tr>
+            </a:tbl>
+          </a:graphicData>
+        </a:graphic>
+      </p:graphicFrame>
+      <p:sp>
+        <p:nvSpPr>
+          <p:cNvPr id="60" name="CuadroTexto 59">
+            <a:extLst>
+              <a:ext uri="{FF2B5EF4-FFF2-40B4-BE49-F238E27FC236}">
+                <a16:creationId xmlns:a16="http://schemas.microsoft.com/office/drawing/2014/main" id="{F5E3D82B-B701-3E45-AC7B-123D64C4041E}"/>
+              </a:ext>
+            </a:extLst>
+          </p:cNvPr>
+          <p:cNvSpPr txBox="1"/>
+          <p:nvPr/>
+        </p:nvSpPr>
+        <p:spPr>
+          <a:xfrm>
+            <a:off x="5830365" y="2412221"/>
+            <a:ext cx="1456269" cy="369332"/>
+          </a:xfrm>
+          <a:prstGeom prst="rect">
+            <a:avLst/>
+          </a:prstGeom>
+          <a:noFill/>
+        </p:spPr>
+        <p:txBody>
+          <a:bodyPr wrap="square" rtlCol="0">
+            <a:spAutoFit/>
+          </a:bodyPr>
+          <a:lstStyle/>
+          <a:p>
+            <a:pPr algn="ctr"/>
+            <a:r>
+              <a:rPr lang="es-ES" dirty="0"/>
+              <a:t>Filtro</a:t>
+            </a:r>
+          </a:p>
+        </p:txBody>
+      </p:sp>
+      <p:cxnSp>
+        <p:nvCxnSpPr>
+          <p:cNvPr id="66" name="Conector recto de flecha 65">
+            <a:extLst>
+              <a:ext uri="{FF2B5EF4-FFF2-40B4-BE49-F238E27FC236}">
+                <a16:creationId xmlns:a16="http://schemas.microsoft.com/office/drawing/2014/main" id="{F1AD12C6-F85E-0C4D-B185-8D0A98D2CD4E}"/>
+              </a:ext>
+            </a:extLst>
+          </p:cNvPr>
+          <p:cNvCxnSpPr>
+            <a:cxnSpLocks/>
+          </p:cNvCxnSpPr>
+          <p:nvPr/>
+        </p:nvCxnSpPr>
+        <p:spPr>
+          <a:xfrm>
+            <a:off x="6544731" y="4352112"/>
+            <a:ext cx="0" cy="287866"/>
+          </a:xfrm>
+          <a:prstGeom prst="straightConnector1">
+            <a:avLst/>
+          </a:prstGeom>
+          <a:ln w="38100">
+            <a:tailEnd type="triangle"/>
+          </a:ln>
+        </p:spPr>
+        <p:style>
+          <a:lnRef idx="1">
+            <a:schemeClr val="accent1"/>
+          </a:lnRef>
+          <a:fillRef idx="0">
+            <a:schemeClr val="accent1"/>
+          </a:fillRef>
+          <a:effectRef idx="0">
+            <a:schemeClr val="accent1"/>
+          </a:effectRef>
+          <a:fontRef idx="minor">
+            <a:schemeClr val="tx1"/>
+          </a:fontRef>
+        </p:style>
+      </p:cxnSp>
+      <mc:AlternateContent xmlns:mc="http://schemas.openxmlformats.org/markup-compatibility/2006">
+        <mc:Choice xmlns:a14="http://schemas.microsoft.com/office/drawing/2010/main" Requires="a14">
+          <p:sp>
+            <p:nvSpPr>
+              <p:cNvPr id="71" name="CuadroTexto 70">
+                <a:extLst>
+                  <a:ext uri="{FF2B5EF4-FFF2-40B4-BE49-F238E27FC236}">
+                    <a16:creationId xmlns:a16="http://schemas.microsoft.com/office/drawing/2014/main" id="{B4DBE806-B7B2-5842-903E-B48700E77472}"/>
+                  </a:ext>
+                </a:extLst>
+              </p:cNvPr>
+              <p:cNvSpPr txBox="1"/>
+              <p:nvPr/>
+            </p:nvSpPr>
+            <p:spPr>
+              <a:xfrm>
+                <a:off x="5332935" y="4656958"/>
+                <a:ext cx="2423592" cy="169277"/>
+              </a:xfrm>
+              <a:prstGeom prst="rect">
+                <a:avLst/>
+              </a:prstGeom>
+              <a:noFill/>
+            </p:spPr>
+            <p:txBody>
+              <a:bodyPr wrap="square" lIns="0" tIns="0" rIns="0" bIns="0" rtlCol="0">
+                <a:spAutoFit/>
+              </a:bodyPr>
+              <a:lstStyle/>
+              <a:p>
+                <a:pPr algn="ctr"/>
+                <a:r>
+                  <a:rPr lang="es-ES" sz="1100" dirty="0"/>
+                  <a:t>0 + 0 + 0 + 0 + 0 + 0 + 0 + 0 + 252 </a:t>
+                </a:r>
+                <a14:m>
+                  <m:oMath xmlns:m="http://schemas.openxmlformats.org/officeDocument/2006/math">
+                    <m:r>
+                      <a:rPr lang="es-ES" sz="1100" i="1" smtClean="0">
+                        <a:latin typeface="Cambria Math" panose="02040503050406030204" pitchFamily="18" charset="0"/>
+                      </a:rPr>
+                      <m:t>=</m:t>
+                    </m:r>
+                    <m:r>
+                      <a:rPr lang="es-ES" sz="1100" b="1" i="1" smtClean="0">
+                        <a:solidFill>
+                          <a:srgbClr val="0070C0"/>
+                        </a:solidFill>
+                        <a:latin typeface="Cambria Math" panose="02040503050406030204" pitchFamily="18" charset="0"/>
+                      </a:rPr>
+                      <m:t>𝟐</m:t>
+                    </m:r>
+                    <m:r>
+                      <a:rPr lang="es-ES" sz="1100" b="1" i="1" smtClean="0">
+                        <a:solidFill>
+                          <a:srgbClr val="0070C0"/>
+                        </a:solidFill>
+                        <a:latin typeface="Cambria Math" panose="02040503050406030204" pitchFamily="18" charset="0"/>
+                      </a:rPr>
+                      <m:t>𝟓𝟐</m:t>
+                    </m:r>
+                  </m:oMath>
+                </a14:m>
+                <a:endParaRPr lang="es-ES" sz="1100" b="1" i="1" dirty="0"/>
+              </a:p>
+            </p:txBody>
+          </p:sp>
+        </mc:Choice>
+        <mc:Fallback>
+          <p:sp>
+            <p:nvSpPr>
+              <p:cNvPr id="71" name="CuadroTexto 70">
+                <a:extLst>
+                  <a:ext uri="{FF2B5EF4-FFF2-40B4-BE49-F238E27FC236}">
+                    <a16:creationId xmlns:a16="http://schemas.microsoft.com/office/drawing/2014/main" id="{B4DBE806-B7B2-5842-903E-B48700E77472}"/>
+                  </a:ext>
+                </a:extLst>
+              </p:cNvPr>
+              <p:cNvSpPr txBox="1">
+                <a:spLocks noRot="1" noChangeAspect="1" noMove="1" noResize="1" noEditPoints="1" noAdjustHandles="1" noChangeArrowheads="1" noChangeShapeType="1" noTextEdit="1"/>
+              </p:cNvSpPr>
+              <p:nvPr/>
+            </p:nvSpPr>
+            <p:spPr>
+              <a:xfrm>
+                <a:off x="5332935" y="4656958"/>
+                <a:ext cx="2423592" cy="169277"/>
+              </a:xfrm>
+              <a:prstGeom prst="rect">
+                <a:avLst/>
+              </a:prstGeom>
+              <a:blipFill>
+                <a:blip r:embed="rId2"/>
+                <a:stretch>
+                  <a:fillRect l="-524" t="-21429" b="-42857"/>
+                </a:stretch>
+              </a:blipFill>
+            </p:spPr>
+            <p:txBody>
+              <a:bodyPr/>
+              <a:lstStyle/>
+              <a:p>
+                <a:r>
+                  <a:rPr lang="es-ES">
+                    <a:noFill/>
+                  </a:rPr>
+                  <a:t> </a:t>
+                </a:r>
+              </a:p>
+            </p:txBody>
+          </p:sp>
+        </mc:Fallback>
+      </mc:AlternateContent>
+      <p:sp>
+        <p:nvSpPr>
+          <p:cNvPr id="10" name="CuadroTexto 9">
+            <a:extLst>
+              <a:ext uri="{FF2B5EF4-FFF2-40B4-BE49-F238E27FC236}">
+                <a16:creationId xmlns:a16="http://schemas.microsoft.com/office/drawing/2014/main" id="{F611FAAA-9ED1-A844-A53A-51294BD93BD0}"/>
+              </a:ext>
+            </a:extLst>
+          </p:cNvPr>
+          <p:cNvSpPr txBox="1"/>
+          <p:nvPr/>
+        </p:nvSpPr>
+        <p:spPr>
+          <a:xfrm>
+            <a:off x="8511772" y="1571067"/>
+            <a:ext cx="2180168" cy="369332"/>
+          </a:xfrm>
+          <a:prstGeom prst="rect">
+            <a:avLst/>
+          </a:prstGeom>
+          <a:noFill/>
+        </p:spPr>
+        <p:txBody>
+          <a:bodyPr wrap="square" rtlCol="0">
+            <a:spAutoFit/>
+          </a:bodyPr>
+          <a:lstStyle/>
+          <a:p>
+            <a:pPr algn="ctr"/>
+            <a:r>
+              <a:rPr lang="es-ES" dirty="0"/>
+              <a:t>Imagen aumentada</a:t>
+            </a:r>
+          </a:p>
+        </p:txBody>
+      </p:sp>
+      <p:cxnSp>
+        <p:nvCxnSpPr>
+          <p:cNvPr id="3" name="Conector angular 2">
+            <a:extLst>
+              <a:ext uri="{FF2B5EF4-FFF2-40B4-BE49-F238E27FC236}">
+                <a16:creationId xmlns:a16="http://schemas.microsoft.com/office/drawing/2014/main" id="{5ED536A3-66C0-4A43-871C-E5F2E253E796}"/>
+              </a:ext>
+            </a:extLst>
+          </p:cNvPr>
+          <p:cNvCxnSpPr>
+            <a:cxnSpLocks/>
+          </p:cNvCxnSpPr>
+          <p:nvPr/>
+        </p:nvCxnSpPr>
+        <p:spPr>
+          <a:xfrm rot="5400000" flipH="1" flipV="1">
+            <a:off x="7090301" y="2874191"/>
+            <a:ext cx="2244738" cy="1320799"/>
+          </a:xfrm>
+          <a:prstGeom prst="bentConnector3">
+            <a:avLst>
+              <a:gd name="adj1" fmla="val 50000"/>
+            </a:avLst>
+          </a:prstGeom>
+          <a:ln w="41275">
+            <a:headEnd type="triangle"/>
+            <a:tailEnd type="triangle"/>
+          </a:ln>
+        </p:spPr>
+        <p:style>
+          <a:lnRef idx="1">
+            <a:schemeClr val="accent1"/>
+          </a:lnRef>
+          <a:fillRef idx="0">
+            <a:schemeClr val="accent1"/>
+          </a:fillRef>
+          <a:effectRef idx="0">
+            <a:schemeClr val="accent1"/>
+          </a:effectRef>
+          <a:fontRef idx="minor">
+            <a:schemeClr val="tx1"/>
+          </a:fontRef>
+        </p:style>
+      </p:cxnSp>
+    </p:spTree>
+    <p:extLst>
+      <p:ext uri="{BB962C8B-B14F-4D97-AF65-F5344CB8AC3E}">
+        <p14:creationId xmlns:p14="http://schemas.microsoft.com/office/powerpoint/2010/main" val="3906706521"/>
       </p:ext>
     </p:extLst>
   </p:cSld>

--- a/diagrams/CNN_diagrams.pptx
+++ b/diagrams/CNN_diagrams.pptx
@@ -10,7 +10,7 @@
     <p:sldId id="257" r:id="rId4"/>
     <p:sldId id="259" r:id="rId5"/>
     <p:sldId id="260" r:id="rId6"/>
-    <p:sldId id="261" r:id="rId7"/>
+    <p:sldId id="262" r:id="rId7"/>
   </p:sldIdLst>
   <p:sldSz cx="12192000" cy="6858000"/>
   <p:notesSz cx="6858000" cy="9144000"/>
@@ -3315,7 +3315,7 @@
 </file>
 
 <file path=ppt/slides/slide1.xml><?xml version="1.0" encoding="utf-8"?>
-<p:sld xmlns:a="http://schemas.openxmlformats.org/drawingml/2006/main" xmlns:r="http://schemas.openxmlformats.org/officeDocument/2006/relationships" xmlns:p="http://schemas.openxmlformats.org/presentationml/2006/main">
+<p:sld xmlns:a="http://schemas.openxmlformats.org/drawingml/2006/main" xmlns:r="http://schemas.openxmlformats.org/officeDocument/2006/relationships" xmlns:p="http://schemas.openxmlformats.org/presentationml/2006/main" show="0">
   <p:cSld>
     <p:bg>
       <p:bgPr>
@@ -6836,7 +6836,7 @@
 </file>
 
 <file path=ppt/slides/slide2.xml><?xml version="1.0" encoding="utf-8"?>
-<p:sld xmlns:a="http://schemas.openxmlformats.org/drawingml/2006/main" xmlns:r="http://schemas.openxmlformats.org/officeDocument/2006/relationships" xmlns:p="http://schemas.openxmlformats.org/presentationml/2006/main">
+<p:sld xmlns:a="http://schemas.openxmlformats.org/drawingml/2006/main" xmlns:r="http://schemas.openxmlformats.org/officeDocument/2006/relationships" xmlns:p="http://schemas.openxmlformats.org/presentationml/2006/main" show="0">
   <p:cSld>
     <p:spTree>
       <p:nvGrpSpPr>
@@ -18134,8 +18134,8 @@
           </a:fontRef>
         </p:style>
       </p:cxnSp>
-      <mc:AlternateContent xmlns:mc="http://schemas.openxmlformats.org/markup-compatibility/2006">
-        <mc:Choice xmlns:a14="http://schemas.microsoft.com/office/drawing/2010/main" Requires="a14">
+      <mc:AlternateContent xmlns:mc="http://schemas.openxmlformats.org/markup-compatibility/2006" xmlns:a14="http://schemas.microsoft.com/office/drawing/2010/main">
+        <mc:Choice Requires="a14">
           <p:sp>
             <p:nvSpPr>
               <p:cNvPr id="69" name="CuadroTexto 68">
@@ -18199,7 +18199,7 @@
             </p:txBody>
           </p:sp>
         </mc:Choice>
-        <mc:Fallback>
+        <mc:Fallback xmlns="">
           <p:sp>
             <p:nvSpPr>
               <p:cNvPr id="69" name="CuadroTexto 68">
@@ -18244,8 +18244,8 @@
           </p:sp>
         </mc:Fallback>
       </mc:AlternateContent>
-      <mc:AlternateContent xmlns:mc="http://schemas.openxmlformats.org/markup-compatibility/2006">
-        <mc:Choice xmlns:a14="http://schemas.microsoft.com/office/drawing/2010/main" Requires="a14">
+      <mc:AlternateContent xmlns:mc="http://schemas.openxmlformats.org/markup-compatibility/2006" xmlns:a14="http://schemas.microsoft.com/office/drawing/2010/main">
+        <mc:Choice Requires="a14">
           <p:sp>
             <p:nvSpPr>
               <p:cNvPr id="70" name="CuadroTexto 69">
@@ -18309,7 +18309,7 @@
             </p:txBody>
           </p:sp>
         </mc:Choice>
-        <mc:Fallback>
+        <mc:Fallback xmlns="">
           <p:sp>
             <p:nvSpPr>
               <p:cNvPr id="70" name="CuadroTexto 69">
@@ -18354,8 +18354,8 @@
           </p:sp>
         </mc:Fallback>
       </mc:AlternateContent>
-      <mc:AlternateContent xmlns:mc="http://schemas.openxmlformats.org/markup-compatibility/2006">
-        <mc:Choice xmlns:a14="http://schemas.microsoft.com/office/drawing/2010/main" Requires="a14">
+      <mc:AlternateContent xmlns:mc="http://schemas.openxmlformats.org/markup-compatibility/2006" xmlns:a14="http://schemas.microsoft.com/office/drawing/2010/main">
+        <mc:Choice Requires="a14">
           <p:sp>
             <p:nvSpPr>
               <p:cNvPr id="71" name="CuadroTexto 70">
@@ -18413,7 +18413,7 @@
             </p:txBody>
           </p:sp>
         </mc:Choice>
-        <mc:Fallback>
+        <mc:Fallback xmlns="">
           <p:sp>
             <p:nvSpPr>
               <p:cNvPr id="71" name="CuadroTexto 70">
@@ -18458,8 +18458,8 @@
           </p:sp>
         </mc:Fallback>
       </mc:AlternateContent>
-      <mc:AlternateContent xmlns:mc="http://schemas.openxmlformats.org/markup-compatibility/2006">
-        <mc:Choice xmlns:a14="http://schemas.microsoft.com/office/drawing/2010/main" Requires="a14">
+      <mc:AlternateContent xmlns:mc="http://schemas.openxmlformats.org/markup-compatibility/2006" xmlns:a14="http://schemas.microsoft.com/office/drawing/2010/main">
+        <mc:Choice Requires="a14">
           <p:sp>
             <p:nvSpPr>
               <p:cNvPr id="73" name="CuadroTexto 72">
@@ -18560,7 +18560,7 @@
             </p:txBody>
           </p:sp>
         </mc:Choice>
-        <mc:Fallback>
+        <mc:Fallback xmlns="">
           <p:sp>
             <p:nvSpPr>
               <p:cNvPr id="73" name="CuadroTexto 72">
@@ -18655,7 +18655,7 @@
 </file>
 
 <file path=ppt/slides/slide3.xml><?xml version="1.0" encoding="utf-8"?>
-<p:sld xmlns:a="http://schemas.openxmlformats.org/drawingml/2006/main" xmlns:r="http://schemas.openxmlformats.org/officeDocument/2006/relationships" xmlns:p="http://schemas.openxmlformats.org/presentationml/2006/main">
+<p:sld xmlns:a="http://schemas.openxmlformats.org/drawingml/2006/main" xmlns:r="http://schemas.openxmlformats.org/officeDocument/2006/relationships" xmlns:p="http://schemas.openxmlformats.org/presentationml/2006/main" show="0">
   <p:cSld>
     <p:bg>
       <p:bgPr>
@@ -20069,7 +20069,7 @@
 </file>
 
 <file path=ppt/slides/slide4.xml><?xml version="1.0" encoding="utf-8"?>
-<p:sld xmlns:a="http://schemas.openxmlformats.org/drawingml/2006/main" xmlns:r="http://schemas.openxmlformats.org/officeDocument/2006/relationships" xmlns:p="http://schemas.openxmlformats.org/presentationml/2006/main">
+<p:sld xmlns:a="http://schemas.openxmlformats.org/drawingml/2006/main" xmlns:r="http://schemas.openxmlformats.org/officeDocument/2006/relationships" xmlns:p="http://schemas.openxmlformats.org/presentationml/2006/main" show="0">
   <p:cSld>
     <p:spTree>
       <p:nvGrpSpPr>
@@ -23666,7 +23666,7 @@
 </file>
 
 <file path=ppt/slides/slide5.xml><?xml version="1.0" encoding="utf-8"?>
-<p:sld xmlns:a="http://schemas.openxmlformats.org/drawingml/2006/main" xmlns:r="http://schemas.openxmlformats.org/officeDocument/2006/relationships" xmlns:p="http://schemas.openxmlformats.org/presentationml/2006/main">
+<p:sld xmlns:a="http://schemas.openxmlformats.org/drawingml/2006/main" xmlns:r="http://schemas.openxmlformats.org/officeDocument/2006/relationships" xmlns:p="http://schemas.openxmlformats.org/presentationml/2006/main" show="0">
   <p:cSld>
     <p:spTree>
       <p:nvGrpSpPr>
@@ -25100,14 +25100,14 @@
           <p:nvPr>
             <p:extLst>
               <p:ext uri="{D42A27DB-BD31-4B8C-83A1-F6EECF244321}">
-                <p14:modId xmlns:p14="http://schemas.microsoft.com/office/powerpoint/2010/main" val="950290320"/>
+                <p14:modId xmlns:p14="http://schemas.microsoft.com/office/powerpoint/2010/main" val="662428545"/>
               </p:ext>
             </p:extLst>
           </p:nvPr>
         </p:nvGraphicFramePr>
         <p:xfrm>
-          <a:off x="1138111" y="1559824"/>
-          <a:ext cx="3950728" cy="3734845"/>
+          <a:off x="844999" y="485106"/>
+          <a:ext cx="2878056" cy="2683214"/>
         </p:xfrm>
         <a:graphic>
           <a:graphicData uri="http://schemas.openxmlformats.org/drawingml/2006/table">
@@ -25117,56 +25117,42 @@
                 <a:tableStyleId>{5C22544A-7EE6-4342-B048-85BDC9FD1C3A}</a:tableStyleId>
               </a:tblPr>
               <a:tblGrid>
-                <a:gridCol w="493841">
+                <a:gridCol w="479676">
                   <a:extLst>
                     <a:ext uri="{9D8B030D-6E8A-4147-A177-3AD203B41FA5}">
                       <a16:colId xmlns:a16="http://schemas.microsoft.com/office/drawing/2014/main" val="2274178778"/>
                     </a:ext>
                   </a:extLst>
                 </a:gridCol>
-                <a:gridCol w="493841">
+                <a:gridCol w="479676">
                   <a:extLst>
                     <a:ext uri="{9D8B030D-6E8A-4147-A177-3AD203B41FA5}">
                       <a16:colId xmlns:a16="http://schemas.microsoft.com/office/drawing/2014/main" val="3451372084"/>
                     </a:ext>
                   </a:extLst>
                 </a:gridCol>
-                <a:gridCol w="493841">
-                  <a:extLst>
-                    <a:ext uri="{9D8B030D-6E8A-4147-A177-3AD203B41FA5}">
-                      <a16:colId xmlns:a16="http://schemas.microsoft.com/office/drawing/2014/main" val="1162438787"/>
-                    </a:ext>
-                  </a:extLst>
-                </a:gridCol>
-                <a:gridCol w="493841">
+                <a:gridCol w="479676">
                   <a:extLst>
                     <a:ext uri="{9D8B030D-6E8A-4147-A177-3AD203B41FA5}">
                       <a16:colId xmlns:a16="http://schemas.microsoft.com/office/drawing/2014/main" val="677981758"/>
                     </a:ext>
                   </a:extLst>
                 </a:gridCol>
-                <a:gridCol w="493841">
+                <a:gridCol w="479676">
                   <a:extLst>
                     <a:ext uri="{9D8B030D-6E8A-4147-A177-3AD203B41FA5}">
                       <a16:colId xmlns:a16="http://schemas.microsoft.com/office/drawing/2014/main" val="3206396347"/>
                     </a:ext>
                   </a:extLst>
                 </a:gridCol>
-                <a:gridCol w="493841">
-                  <a:extLst>
-                    <a:ext uri="{9D8B030D-6E8A-4147-A177-3AD203B41FA5}">
-                      <a16:colId xmlns:a16="http://schemas.microsoft.com/office/drawing/2014/main" val="175919087"/>
-                    </a:ext>
-                  </a:extLst>
-                </a:gridCol>
-                <a:gridCol w="493841">
+                <a:gridCol w="479676">
                   <a:extLst>
                     <a:ext uri="{9D8B030D-6E8A-4147-A177-3AD203B41FA5}">
                       <a16:colId xmlns:a16="http://schemas.microsoft.com/office/drawing/2014/main" val="2255754315"/>
                     </a:ext>
                   </a:extLst>
                 </a:gridCol>
-                <a:gridCol w="493841">
+                <a:gridCol w="479676">
                   <a:extLst>
                     <a:ext uri="{9D8B030D-6E8A-4147-A177-3AD203B41FA5}">
                       <a16:colId xmlns:a16="http://schemas.microsoft.com/office/drawing/2014/main" val="2818830923"/>
@@ -25174,7 +25160,7 @@
                   </a:extLst>
                 </a:gridCol>
               </a:tblGrid>
-              <a:tr h="457166">
+              <a:tr h="443029">
                 <a:tc>
                   <a:txBody>
                     <a:bodyPr/>
@@ -25403,114 +25389,6 @@
                     </a:lnB>
                     <a:solidFill>
                       <a:srgbClr val="8FAADC"/>
-                    </a:solidFill>
-                  </a:tcPr>
-                </a:tc>
-                <a:tc>
-                  <a:txBody>
-                    <a:bodyPr/>
-                    <a:lstStyle/>
-                    <a:p>
-                      <a:pPr algn="ctr"/>
-                      <a:r>
-                        <a:rPr lang="es-ES" sz="1050" dirty="0"/>
-                        <a:t>0</a:t>
-                      </a:r>
-                    </a:p>
-                  </a:txBody>
-                  <a:tcPr anchor="ctr">
-                    <a:lnL w="12700" cap="flat" cmpd="sng" algn="ctr">
-                      <a:solidFill>
-                        <a:schemeClr val="tx1"/>
-                      </a:solidFill>
-                      <a:prstDash val="solid"/>
-                      <a:round/>
-                      <a:headEnd type="none" w="med" len="med"/>
-                      <a:tailEnd type="none" w="med" len="med"/>
-                    </a:lnL>
-                    <a:lnR w="12700" cap="flat" cmpd="sng" algn="ctr">
-                      <a:solidFill>
-                        <a:schemeClr val="tx1"/>
-                      </a:solidFill>
-                      <a:prstDash val="solid"/>
-                      <a:round/>
-                      <a:headEnd type="none" w="med" len="med"/>
-                      <a:tailEnd type="none" w="med" len="med"/>
-                    </a:lnR>
-                    <a:lnT w="12700" cap="flat" cmpd="sng" algn="ctr">
-                      <a:solidFill>
-                        <a:schemeClr val="tx1"/>
-                      </a:solidFill>
-                      <a:prstDash val="solid"/>
-                      <a:round/>
-                      <a:headEnd type="none" w="med" len="med"/>
-                      <a:tailEnd type="none" w="med" len="med"/>
-                    </a:lnT>
-                    <a:lnB w="12700" cap="flat" cmpd="sng" algn="ctr">
-                      <a:solidFill>
-                        <a:schemeClr val="tx1"/>
-                      </a:solidFill>
-                      <a:prstDash val="solid"/>
-                      <a:round/>
-                      <a:headEnd type="none" w="med" len="med"/>
-                      <a:tailEnd type="none" w="med" len="med"/>
-                    </a:lnB>
-                    <a:solidFill>
-                      <a:srgbClr val="C9C9C9"/>
-                    </a:solidFill>
-                  </a:tcPr>
-                </a:tc>
-                <a:tc>
-                  <a:txBody>
-                    <a:bodyPr/>
-                    <a:lstStyle/>
-                    <a:p>
-                      <a:pPr algn="ctr"/>
-                      <a:r>
-                        <a:rPr lang="es-ES" sz="1050" dirty="0"/>
-                        <a:t>0</a:t>
-                      </a:r>
-                    </a:p>
-                  </a:txBody>
-                  <a:tcPr anchor="ctr">
-                    <a:lnL w="12700" cap="flat" cmpd="sng" algn="ctr">
-                      <a:solidFill>
-                        <a:schemeClr val="tx1"/>
-                      </a:solidFill>
-                      <a:prstDash val="solid"/>
-                      <a:round/>
-                      <a:headEnd type="none" w="med" len="med"/>
-                      <a:tailEnd type="none" w="med" len="med"/>
-                    </a:lnL>
-                    <a:lnR w="12700" cap="flat" cmpd="sng" algn="ctr">
-                      <a:solidFill>
-                        <a:schemeClr val="tx1"/>
-                      </a:solidFill>
-                      <a:prstDash val="solid"/>
-                      <a:round/>
-                      <a:headEnd type="none" w="med" len="med"/>
-                      <a:tailEnd type="none" w="med" len="med"/>
-                    </a:lnR>
-                    <a:lnT w="12700" cap="flat" cmpd="sng" algn="ctr">
-                      <a:solidFill>
-                        <a:schemeClr val="tx1"/>
-                      </a:solidFill>
-                      <a:prstDash val="solid"/>
-                      <a:round/>
-                      <a:headEnd type="none" w="med" len="med"/>
-                      <a:tailEnd type="none" w="med" len="med"/>
-                    </a:lnT>
-                    <a:lnB w="12700" cap="flat" cmpd="sng" algn="ctr">
-                      <a:solidFill>
-                        <a:schemeClr val="tx1"/>
-                      </a:solidFill>
-                      <a:prstDash val="solid"/>
-                      <a:round/>
-                      <a:headEnd type="none" w="med" len="med"/>
-                      <a:tailEnd type="none" w="med" len="med"/>
-                    </a:lnB>
-                    <a:solidFill>
-                      <a:srgbClr val="C9C9C9"/>
                     </a:solidFill>
                   </a:tcPr>
                 </a:tc>
@@ -25634,7 +25512,7 @@
                   </a:ext>
                 </a:extLst>
               </a:tr>
-              <a:tr h="457166">
+              <a:tr h="443029">
                 <a:tc>
                   <a:txBody>
                     <a:bodyPr/>
@@ -25863,114 +25741,6 @@
                     </a:lnB>
                     <a:solidFill>
                       <a:srgbClr val="8FAADC"/>
-                    </a:solidFill>
-                  </a:tcPr>
-                </a:tc>
-                <a:tc>
-                  <a:txBody>
-                    <a:bodyPr/>
-                    <a:lstStyle/>
-                    <a:p>
-                      <a:pPr algn="ctr"/>
-                      <a:r>
-                        <a:rPr lang="es-ES" sz="1050" dirty="0"/>
-                        <a:t>0</a:t>
-                      </a:r>
-                    </a:p>
-                  </a:txBody>
-                  <a:tcPr anchor="ctr">
-                    <a:lnL w="12700" cap="flat" cmpd="sng" algn="ctr">
-                      <a:solidFill>
-                        <a:schemeClr val="tx1"/>
-                      </a:solidFill>
-                      <a:prstDash val="solid"/>
-                      <a:round/>
-                      <a:headEnd type="none" w="med" len="med"/>
-                      <a:tailEnd type="none" w="med" len="med"/>
-                    </a:lnL>
-                    <a:lnR w="12700" cap="flat" cmpd="sng" algn="ctr">
-                      <a:solidFill>
-                        <a:schemeClr val="tx1"/>
-                      </a:solidFill>
-                      <a:prstDash val="solid"/>
-                      <a:round/>
-                      <a:headEnd type="none" w="med" len="med"/>
-                      <a:tailEnd type="none" w="med" len="med"/>
-                    </a:lnR>
-                    <a:lnT w="12700" cap="flat" cmpd="sng" algn="ctr">
-                      <a:solidFill>
-                        <a:schemeClr val="tx1"/>
-                      </a:solidFill>
-                      <a:prstDash val="solid"/>
-                      <a:round/>
-                      <a:headEnd type="none" w="med" len="med"/>
-                      <a:tailEnd type="none" w="med" len="med"/>
-                    </a:lnT>
-                    <a:lnB w="12700" cap="flat" cmpd="sng" algn="ctr">
-                      <a:solidFill>
-                        <a:schemeClr val="tx1"/>
-                      </a:solidFill>
-                      <a:prstDash val="solid"/>
-                      <a:round/>
-                      <a:headEnd type="none" w="med" len="med"/>
-                      <a:tailEnd type="none" w="med" len="med"/>
-                    </a:lnB>
-                    <a:solidFill>
-                      <a:srgbClr val="C9C9C9"/>
-                    </a:solidFill>
-                  </a:tcPr>
-                </a:tc>
-                <a:tc>
-                  <a:txBody>
-                    <a:bodyPr/>
-                    <a:lstStyle/>
-                    <a:p>
-                      <a:pPr algn="ctr"/>
-                      <a:r>
-                        <a:rPr lang="es-ES" sz="1050" dirty="0"/>
-                        <a:t>0</a:t>
-                      </a:r>
-                    </a:p>
-                  </a:txBody>
-                  <a:tcPr anchor="ctr">
-                    <a:lnL w="12700" cap="flat" cmpd="sng" algn="ctr">
-                      <a:solidFill>
-                        <a:schemeClr val="tx1"/>
-                      </a:solidFill>
-                      <a:prstDash val="solid"/>
-                      <a:round/>
-                      <a:headEnd type="none" w="med" len="med"/>
-                      <a:tailEnd type="none" w="med" len="med"/>
-                    </a:lnL>
-                    <a:lnR w="12700" cap="flat" cmpd="sng" algn="ctr">
-                      <a:solidFill>
-                        <a:schemeClr val="tx1"/>
-                      </a:solidFill>
-                      <a:prstDash val="solid"/>
-                      <a:round/>
-                      <a:headEnd type="none" w="med" len="med"/>
-                      <a:tailEnd type="none" w="med" len="med"/>
-                    </a:lnR>
-                    <a:lnT w="12700" cap="flat" cmpd="sng" algn="ctr">
-                      <a:solidFill>
-                        <a:schemeClr val="tx1"/>
-                      </a:solidFill>
-                      <a:prstDash val="solid"/>
-                      <a:round/>
-                      <a:headEnd type="none" w="med" len="med"/>
-                      <a:tailEnd type="none" w="med" len="med"/>
-                    </a:lnT>
-                    <a:lnB w="12700" cap="flat" cmpd="sng" algn="ctr">
-                      <a:solidFill>
-                        <a:schemeClr val="tx1"/>
-                      </a:solidFill>
-                      <a:prstDash val="solid"/>
-                      <a:round/>
-                      <a:headEnd type="none" w="med" len="med"/>
-                      <a:tailEnd type="none" w="med" len="med"/>
-                    </a:lnB>
-                    <a:solidFill>
-                      <a:srgbClr val="C9C9C9"/>
                     </a:solidFill>
                   </a:tcPr>
                 </a:tc>
@@ -26094,7 +25864,7 @@
                   </a:ext>
                 </a:extLst>
               </a:tr>
-              <a:tr h="483005">
+              <a:tr h="468069">
                 <a:tc>
                   <a:txBody>
                     <a:bodyPr/>
@@ -26221,7 +25991,7 @@
                       <a:pPr algn="ctr"/>
                       <a:r>
                         <a:rPr lang="es-ES" sz="1050" dirty="0"/>
-                        <a:t>98</a:t>
+                        <a:t>252</a:t>
                       </a:r>
                     </a:p>
                   </a:txBody>
@@ -26279,7 +26049,7 @@
                       <a:pPr algn="ctr"/>
                       <a:r>
                         <a:rPr lang="es-ES" sz="1050" dirty="0"/>
-                        <a:t>252</a:t>
+                        <a:t>243</a:t>
                       </a:r>
                     </a:p>
                   </a:txBody>
@@ -26322,114 +26092,6 @@
                     </a:lnB>
                     <a:solidFill>
                       <a:srgbClr val="8FAADC"/>
-                    </a:solidFill>
-                  </a:tcPr>
-                </a:tc>
-                <a:tc>
-                  <a:txBody>
-                    <a:bodyPr/>
-                    <a:lstStyle/>
-                    <a:p>
-                      <a:pPr algn="ctr"/>
-                      <a:r>
-                        <a:rPr lang="es-ES" sz="1050" dirty="0"/>
-                        <a:t>243</a:t>
-                      </a:r>
-                    </a:p>
-                  </a:txBody>
-                  <a:tcPr anchor="ctr">
-                    <a:lnL w="12700" cap="flat" cmpd="sng" algn="ctr">
-                      <a:solidFill>
-                        <a:schemeClr val="tx1"/>
-                      </a:solidFill>
-                      <a:prstDash val="solid"/>
-                      <a:round/>
-                      <a:headEnd type="none" w="med" len="med"/>
-                      <a:tailEnd type="none" w="med" len="med"/>
-                    </a:lnL>
-                    <a:lnR w="12700" cap="flat" cmpd="sng" algn="ctr">
-                      <a:solidFill>
-                        <a:schemeClr val="tx1"/>
-                      </a:solidFill>
-                      <a:prstDash val="solid"/>
-                      <a:round/>
-                      <a:headEnd type="none" w="med" len="med"/>
-                      <a:tailEnd type="none" w="med" len="med"/>
-                    </a:lnR>
-                    <a:lnT w="12700" cap="flat" cmpd="sng" algn="ctr">
-                      <a:solidFill>
-                        <a:schemeClr val="tx1"/>
-                      </a:solidFill>
-                      <a:prstDash val="solid"/>
-                      <a:round/>
-                      <a:headEnd type="none" w="med" len="med"/>
-                      <a:tailEnd type="none" w="med" len="med"/>
-                    </a:lnT>
-                    <a:lnB w="12700" cap="flat" cmpd="sng" algn="ctr">
-                      <a:solidFill>
-                        <a:schemeClr val="tx1"/>
-                      </a:solidFill>
-                      <a:prstDash val="solid"/>
-                      <a:round/>
-                      <a:headEnd type="none" w="med" len="med"/>
-                      <a:tailEnd type="none" w="med" len="med"/>
-                    </a:lnB>
-                    <a:solidFill>
-                      <a:srgbClr val="E9EBF6"/>
-                    </a:solidFill>
-                  </a:tcPr>
-                </a:tc>
-                <a:tc>
-                  <a:txBody>
-                    <a:bodyPr/>
-                    <a:lstStyle/>
-                    <a:p>
-                      <a:pPr algn="ctr"/>
-                      <a:r>
-                        <a:rPr lang="es-ES" sz="1050" dirty="0"/>
-                        <a:t>87</a:t>
-                      </a:r>
-                    </a:p>
-                  </a:txBody>
-                  <a:tcPr anchor="ctr">
-                    <a:lnL w="12700" cap="flat" cmpd="sng" algn="ctr">
-                      <a:solidFill>
-                        <a:schemeClr val="tx1"/>
-                      </a:solidFill>
-                      <a:prstDash val="solid"/>
-                      <a:round/>
-                      <a:headEnd type="none" w="med" len="med"/>
-                      <a:tailEnd type="none" w="med" len="med"/>
-                    </a:lnL>
-                    <a:lnR w="12700" cap="flat" cmpd="sng" algn="ctr">
-                      <a:solidFill>
-                        <a:schemeClr val="tx1"/>
-                      </a:solidFill>
-                      <a:prstDash val="solid"/>
-                      <a:round/>
-                      <a:headEnd type="none" w="med" len="med"/>
-                      <a:tailEnd type="none" w="med" len="med"/>
-                    </a:lnR>
-                    <a:lnT w="12700" cap="flat" cmpd="sng" algn="ctr">
-                      <a:solidFill>
-                        <a:schemeClr val="tx1"/>
-                      </a:solidFill>
-                      <a:prstDash val="solid"/>
-                      <a:round/>
-                      <a:headEnd type="none" w="med" len="med"/>
-                      <a:tailEnd type="none" w="med" len="med"/>
-                    </a:lnT>
-                    <a:lnB w="12700" cap="flat" cmpd="sng" algn="ctr">
-                      <a:solidFill>
-                        <a:schemeClr val="tx1"/>
-                      </a:solidFill>
-                      <a:prstDash val="solid"/>
-                      <a:round/>
-                      <a:headEnd type="none" w="med" len="med"/>
-                      <a:tailEnd type="none" w="med" len="med"/>
-                    </a:lnB>
-                    <a:solidFill>
-                      <a:srgbClr val="E9EBF6"/>
                     </a:solidFill>
                   </a:tcPr>
                 </a:tc>
@@ -26551,7 +26213,7 @@
                   </a:ext>
                 </a:extLst>
               </a:tr>
-              <a:tr h="457166">
+              <a:tr h="443029">
                 <a:tc>
                   <a:txBody>
                     <a:bodyPr/>
@@ -26672,57 +26334,6 @@
                       <a:pPr algn="ctr"/>
                       <a:r>
                         <a:rPr lang="es-ES" sz="1050" dirty="0"/>
-                        <a:t>54</a:t>
-                      </a:r>
-                    </a:p>
-                  </a:txBody>
-                  <a:tcPr anchor="ctr">
-                    <a:lnL w="12700" cap="flat" cmpd="sng" algn="ctr">
-                      <a:solidFill>
-                        <a:schemeClr val="tx1"/>
-                      </a:solidFill>
-                      <a:prstDash val="solid"/>
-                      <a:round/>
-                      <a:headEnd type="none" w="med" len="med"/>
-                      <a:tailEnd type="none" w="med" len="med"/>
-                    </a:lnL>
-                    <a:lnR w="12700" cap="flat" cmpd="sng" algn="ctr">
-                      <a:solidFill>
-                        <a:schemeClr val="tx1"/>
-                      </a:solidFill>
-                      <a:prstDash val="solid"/>
-                      <a:round/>
-                      <a:headEnd type="none" w="med" len="med"/>
-                      <a:tailEnd type="none" w="med" len="med"/>
-                    </a:lnR>
-                    <a:lnT w="12700" cap="flat" cmpd="sng" algn="ctr">
-                      <a:solidFill>
-                        <a:schemeClr val="tx1"/>
-                      </a:solidFill>
-                      <a:prstDash val="solid"/>
-                      <a:round/>
-                      <a:headEnd type="none" w="med" len="med"/>
-                      <a:tailEnd type="none" w="med" len="med"/>
-                    </a:lnT>
-                    <a:lnB w="12700" cap="flat" cmpd="sng" algn="ctr">
-                      <a:solidFill>
-                        <a:schemeClr val="tx1"/>
-                      </a:solidFill>
-                      <a:prstDash val="solid"/>
-                      <a:round/>
-                      <a:headEnd type="none" w="med" len="med"/>
-                      <a:tailEnd type="none" w="med" len="med"/>
-                    </a:lnB>
-                  </a:tcPr>
-                </a:tc>
-                <a:tc>
-                  <a:txBody>
-                    <a:bodyPr/>
-                    <a:lstStyle/>
-                    <a:p>
-                      <a:pPr algn="ctr"/>
-                      <a:r>
-                        <a:rPr lang="es-ES" sz="1050" dirty="0"/>
                         <a:t>21</a:t>
                       </a:r>
                     </a:p>
@@ -26778,60 +26389,6 @@
                       <a:r>
                         <a:rPr lang="es-ES" sz="1050" dirty="0"/>
                         <a:t>98</a:t>
-                      </a:r>
-                    </a:p>
-                  </a:txBody>
-                  <a:tcPr anchor="ctr">
-                    <a:lnL w="12700" cap="flat" cmpd="sng" algn="ctr">
-                      <a:solidFill>
-                        <a:schemeClr val="tx1"/>
-                      </a:solidFill>
-                      <a:prstDash val="solid"/>
-                      <a:round/>
-                      <a:headEnd type="none" w="med" len="med"/>
-                      <a:tailEnd type="none" w="med" len="med"/>
-                    </a:lnL>
-                    <a:lnR w="12700" cap="flat" cmpd="sng" algn="ctr">
-                      <a:solidFill>
-                        <a:schemeClr val="tx1"/>
-                      </a:solidFill>
-                      <a:prstDash val="solid"/>
-                      <a:round/>
-                      <a:headEnd type="none" w="med" len="med"/>
-                      <a:tailEnd type="none" w="med" len="med"/>
-                    </a:lnR>
-                    <a:lnT w="12700" cap="flat" cmpd="sng" algn="ctr">
-                      <a:solidFill>
-                        <a:schemeClr val="tx1"/>
-                      </a:solidFill>
-                      <a:prstDash val="solid"/>
-                      <a:round/>
-                      <a:headEnd type="none" w="med" len="med"/>
-                      <a:tailEnd type="none" w="med" len="med"/>
-                    </a:lnT>
-                    <a:lnB w="12700" cap="flat" cmpd="sng" algn="ctr">
-                      <a:solidFill>
-                        <a:schemeClr val="tx1"/>
-                      </a:solidFill>
-                      <a:prstDash val="solid"/>
-                      <a:round/>
-                      <a:headEnd type="none" w="med" len="med"/>
-                      <a:tailEnd type="none" w="med" len="med"/>
-                    </a:lnB>
-                    <a:solidFill>
-                      <a:srgbClr val="E9EBF6"/>
-                    </a:solidFill>
-                  </a:tcPr>
-                </a:tc>
-                <a:tc>
-                  <a:txBody>
-                    <a:bodyPr/>
-                    <a:lstStyle/>
-                    <a:p>
-                      <a:pPr algn="ctr"/>
-                      <a:r>
-                        <a:rPr lang="es-ES" sz="1050" dirty="0"/>
-                        <a:t>3</a:t>
                       </a:r>
                     </a:p>
                   </a:txBody>
@@ -26995,989 +26552,7 @@
                   </a:ext>
                 </a:extLst>
               </a:tr>
-              <a:tr h="483005">
-                <a:tc>
-                  <a:txBody>
-                    <a:bodyPr/>
-                    <a:lstStyle/>
-                    <a:p>
-                      <a:pPr algn="ctr"/>
-                      <a:r>
-                        <a:rPr lang="es-ES" sz="1050" dirty="0"/>
-                        <a:t>0</a:t>
-                      </a:r>
-                    </a:p>
-                  </a:txBody>
-                  <a:tcPr anchor="ctr">
-                    <a:lnL w="12700" cap="flat" cmpd="sng" algn="ctr">
-                      <a:solidFill>
-                        <a:schemeClr val="tx1"/>
-                      </a:solidFill>
-                      <a:prstDash val="solid"/>
-                      <a:round/>
-                      <a:headEnd type="none" w="med" len="med"/>
-                      <a:tailEnd type="none" w="med" len="med"/>
-                    </a:lnL>
-                    <a:lnR w="12700" cap="flat" cmpd="sng" algn="ctr">
-                      <a:solidFill>
-                        <a:schemeClr val="tx1"/>
-                      </a:solidFill>
-                      <a:prstDash val="solid"/>
-                      <a:round/>
-                      <a:headEnd type="none" w="med" len="med"/>
-                      <a:tailEnd type="none" w="med" len="med"/>
-                    </a:lnR>
-                    <a:lnT w="12700" cap="flat" cmpd="sng" algn="ctr">
-                      <a:solidFill>
-                        <a:schemeClr val="tx1"/>
-                      </a:solidFill>
-                      <a:prstDash val="solid"/>
-                      <a:round/>
-                      <a:headEnd type="none" w="med" len="med"/>
-                      <a:tailEnd type="none" w="med" len="med"/>
-                    </a:lnT>
-                    <a:lnB w="12700" cap="flat" cmpd="sng" algn="ctr">
-                      <a:solidFill>
-                        <a:schemeClr val="tx1"/>
-                      </a:solidFill>
-                      <a:prstDash val="solid"/>
-                      <a:round/>
-                      <a:headEnd type="none" w="med" len="med"/>
-                      <a:tailEnd type="none" w="med" len="med"/>
-                    </a:lnB>
-                    <a:solidFill>
-                      <a:schemeClr val="bg2">
-                        <a:lumMod val="90000"/>
-                      </a:schemeClr>
-                    </a:solidFill>
-                  </a:tcPr>
-                </a:tc>
-                <a:tc>
-                  <a:txBody>
-                    <a:bodyPr/>
-                    <a:lstStyle/>
-                    <a:p>
-                      <a:pPr algn="ctr"/>
-                      <a:r>
-                        <a:rPr lang="es-ES" sz="1050" dirty="0"/>
-                        <a:t>0</a:t>
-                      </a:r>
-                    </a:p>
-                  </a:txBody>
-                  <a:tcPr anchor="ctr">
-                    <a:lnL w="12700" cap="flat" cmpd="sng" algn="ctr">
-                      <a:solidFill>
-                        <a:schemeClr val="tx1"/>
-                      </a:solidFill>
-                      <a:prstDash val="solid"/>
-                      <a:round/>
-                      <a:headEnd type="none" w="med" len="med"/>
-                      <a:tailEnd type="none" w="med" len="med"/>
-                    </a:lnL>
-                    <a:lnR w="12700" cap="flat" cmpd="sng" algn="ctr">
-                      <a:solidFill>
-                        <a:schemeClr val="tx1"/>
-                      </a:solidFill>
-                      <a:prstDash val="solid"/>
-                      <a:round/>
-                      <a:headEnd type="none" w="med" len="med"/>
-                      <a:tailEnd type="none" w="med" len="med"/>
-                    </a:lnR>
-                    <a:lnT w="12700" cap="flat" cmpd="sng" algn="ctr">
-                      <a:solidFill>
-                        <a:schemeClr val="tx1"/>
-                      </a:solidFill>
-                      <a:prstDash val="solid"/>
-                      <a:round/>
-                      <a:headEnd type="none" w="med" len="med"/>
-                      <a:tailEnd type="none" w="med" len="med"/>
-                    </a:lnT>
-                    <a:lnB w="12700" cap="flat" cmpd="sng" algn="ctr">
-                      <a:solidFill>
-                        <a:schemeClr val="tx1"/>
-                      </a:solidFill>
-                      <a:prstDash val="solid"/>
-                      <a:round/>
-                      <a:headEnd type="none" w="med" len="med"/>
-                      <a:tailEnd type="none" w="med" len="med"/>
-                    </a:lnB>
-                    <a:solidFill>
-                      <a:schemeClr val="bg2">
-                        <a:lumMod val="90000"/>
-                      </a:schemeClr>
-                    </a:solidFill>
-                  </a:tcPr>
-                </a:tc>
-                <a:tc>
-                  <a:txBody>
-                    <a:bodyPr/>
-                    <a:lstStyle/>
-                    <a:p>
-                      <a:pPr algn="ctr"/>
-                      <a:r>
-                        <a:rPr lang="es-ES" sz="1050" dirty="0"/>
-                        <a:t>101</a:t>
-                      </a:r>
-                    </a:p>
-                  </a:txBody>
-                  <a:tcPr anchor="ctr">
-                    <a:lnL w="12700" cap="flat" cmpd="sng" algn="ctr">
-                      <a:solidFill>
-                        <a:schemeClr val="tx1"/>
-                      </a:solidFill>
-                      <a:prstDash val="solid"/>
-                      <a:round/>
-                      <a:headEnd type="none" w="med" len="med"/>
-                      <a:tailEnd type="none" w="med" len="med"/>
-                    </a:lnL>
-                    <a:lnR w="12700" cap="flat" cmpd="sng" algn="ctr">
-                      <a:solidFill>
-                        <a:schemeClr val="tx1"/>
-                      </a:solidFill>
-                      <a:prstDash val="solid"/>
-                      <a:round/>
-                      <a:headEnd type="none" w="med" len="med"/>
-                      <a:tailEnd type="none" w="med" len="med"/>
-                    </a:lnR>
-                    <a:lnT w="12700" cap="flat" cmpd="sng" algn="ctr">
-                      <a:solidFill>
-                        <a:schemeClr val="tx1"/>
-                      </a:solidFill>
-                      <a:prstDash val="solid"/>
-                      <a:round/>
-                      <a:headEnd type="none" w="med" len="med"/>
-                      <a:tailEnd type="none" w="med" len="med"/>
-                    </a:lnT>
-                    <a:lnB w="12700" cap="flat" cmpd="sng" algn="ctr">
-                      <a:solidFill>
-                        <a:schemeClr val="tx1"/>
-                      </a:solidFill>
-                      <a:prstDash val="solid"/>
-                      <a:round/>
-                      <a:headEnd type="none" w="med" len="med"/>
-                      <a:tailEnd type="none" w="med" len="med"/>
-                    </a:lnB>
-                  </a:tcPr>
-                </a:tc>
-                <a:tc>
-                  <a:txBody>
-                    <a:bodyPr/>
-                    <a:lstStyle/>
-                    <a:p>
-                      <a:pPr algn="ctr"/>
-                      <a:r>
-                        <a:rPr lang="es-ES" sz="1050" dirty="0"/>
-                        <a:t>92</a:t>
-                      </a:r>
-                    </a:p>
-                  </a:txBody>
-                  <a:tcPr anchor="ctr">
-                    <a:lnL w="12700" cap="flat" cmpd="sng" algn="ctr">
-                      <a:solidFill>
-                        <a:schemeClr val="tx1"/>
-                      </a:solidFill>
-                      <a:prstDash val="solid"/>
-                      <a:round/>
-                      <a:headEnd type="none" w="med" len="med"/>
-                      <a:tailEnd type="none" w="med" len="med"/>
-                    </a:lnL>
-                    <a:lnR w="12700" cap="flat" cmpd="sng" algn="ctr">
-                      <a:solidFill>
-                        <a:schemeClr val="tx1"/>
-                      </a:solidFill>
-                      <a:prstDash val="solid"/>
-                      <a:round/>
-                      <a:headEnd type="none" w="med" len="med"/>
-                      <a:tailEnd type="none" w="med" len="med"/>
-                    </a:lnR>
-                    <a:lnT w="12700" cap="flat" cmpd="sng" algn="ctr">
-                      <a:solidFill>
-                        <a:schemeClr val="tx1"/>
-                      </a:solidFill>
-                      <a:prstDash val="solid"/>
-                      <a:round/>
-                      <a:headEnd type="none" w="med" len="med"/>
-                      <a:tailEnd type="none" w="med" len="med"/>
-                    </a:lnT>
-                    <a:lnB w="12700" cap="flat" cmpd="sng" algn="ctr">
-                      <a:solidFill>
-                        <a:schemeClr val="tx1"/>
-                      </a:solidFill>
-                      <a:prstDash val="solid"/>
-                      <a:round/>
-                      <a:headEnd type="none" w="med" len="med"/>
-                      <a:tailEnd type="none" w="med" len="med"/>
-                    </a:lnB>
-                  </a:tcPr>
-                </a:tc>
-                <a:tc>
-                  <a:txBody>
-                    <a:bodyPr/>
-                    <a:lstStyle/>
-                    <a:p>
-                      <a:pPr algn="ctr"/>
-                      <a:r>
-                        <a:rPr lang="es-ES" sz="1050" dirty="0"/>
-                        <a:t>204</a:t>
-                      </a:r>
-                    </a:p>
-                  </a:txBody>
-                  <a:tcPr anchor="ctr">
-                    <a:lnL w="12700" cap="flat" cmpd="sng" algn="ctr">
-                      <a:solidFill>
-                        <a:schemeClr val="tx1"/>
-                      </a:solidFill>
-                      <a:prstDash val="solid"/>
-                      <a:round/>
-                      <a:headEnd type="none" w="med" len="med"/>
-                      <a:tailEnd type="none" w="med" len="med"/>
-                    </a:lnL>
-                    <a:lnR w="12700" cap="flat" cmpd="sng" algn="ctr">
-                      <a:solidFill>
-                        <a:schemeClr val="tx1"/>
-                      </a:solidFill>
-                      <a:prstDash val="solid"/>
-                      <a:round/>
-                      <a:headEnd type="none" w="med" len="med"/>
-                      <a:tailEnd type="none" w="med" len="med"/>
-                    </a:lnR>
-                    <a:lnT w="12700" cap="flat" cmpd="sng" algn="ctr">
-                      <a:solidFill>
-                        <a:schemeClr val="tx1"/>
-                      </a:solidFill>
-                      <a:prstDash val="solid"/>
-                      <a:round/>
-                      <a:headEnd type="none" w="med" len="med"/>
-                      <a:tailEnd type="none" w="med" len="med"/>
-                    </a:lnT>
-                    <a:lnB w="12700" cap="flat" cmpd="sng" algn="ctr">
-                      <a:solidFill>
-                        <a:schemeClr val="tx1"/>
-                      </a:solidFill>
-                      <a:prstDash val="solid"/>
-                      <a:round/>
-                      <a:headEnd type="none" w="med" len="med"/>
-                      <a:tailEnd type="none" w="med" len="med"/>
-                    </a:lnB>
-                  </a:tcPr>
-                </a:tc>
-                <a:tc>
-                  <a:txBody>
-                    <a:bodyPr/>
-                    <a:lstStyle/>
-                    <a:p>
-                      <a:pPr algn="ctr"/>
-                      <a:r>
-                        <a:rPr lang="es-ES" sz="1050" dirty="0"/>
-                        <a:t>28</a:t>
-                      </a:r>
-                    </a:p>
-                  </a:txBody>
-                  <a:tcPr anchor="ctr">
-                    <a:lnL w="12700" cap="flat" cmpd="sng" algn="ctr">
-                      <a:solidFill>
-                        <a:schemeClr val="tx1"/>
-                      </a:solidFill>
-                      <a:prstDash val="solid"/>
-                      <a:round/>
-                      <a:headEnd type="none" w="med" len="med"/>
-                      <a:tailEnd type="none" w="med" len="med"/>
-                    </a:lnL>
-                    <a:lnR w="12700" cap="flat" cmpd="sng" algn="ctr">
-                      <a:solidFill>
-                        <a:schemeClr val="tx1"/>
-                      </a:solidFill>
-                      <a:prstDash val="solid"/>
-                      <a:round/>
-                      <a:headEnd type="none" w="med" len="med"/>
-                      <a:tailEnd type="none" w="med" len="med"/>
-                    </a:lnR>
-                    <a:lnT w="12700" cap="flat" cmpd="sng" algn="ctr">
-                      <a:solidFill>
-                        <a:schemeClr val="tx1"/>
-                      </a:solidFill>
-                      <a:prstDash val="solid"/>
-                      <a:round/>
-                      <a:headEnd type="none" w="med" len="med"/>
-                      <a:tailEnd type="none" w="med" len="med"/>
-                    </a:lnT>
-                    <a:lnB w="12700" cap="flat" cmpd="sng" algn="ctr">
-                      <a:solidFill>
-                        <a:schemeClr val="tx1"/>
-                      </a:solidFill>
-                      <a:prstDash val="solid"/>
-                      <a:round/>
-                      <a:headEnd type="none" w="med" len="med"/>
-                      <a:tailEnd type="none" w="med" len="med"/>
-                    </a:lnB>
-                  </a:tcPr>
-                </a:tc>
-                <a:tc>
-                  <a:txBody>
-                    <a:bodyPr/>
-                    <a:lstStyle/>
-                    <a:p>
-                      <a:pPr algn="ctr"/>
-                      <a:r>
-                        <a:rPr lang="es-ES" sz="1050" dirty="0"/>
-                        <a:t>0</a:t>
-                      </a:r>
-                    </a:p>
-                  </a:txBody>
-                  <a:tcPr anchor="ctr">
-                    <a:lnL w="12700" cap="flat" cmpd="sng" algn="ctr">
-                      <a:solidFill>
-                        <a:schemeClr val="tx1"/>
-                      </a:solidFill>
-                      <a:prstDash val="solid"/>
-                      <a:round/>
-                      <a:headEnd type="none" w="med" len="med"/>
-                      <a:tailEnd type="none" w="med" len="med"/>
-                    </a:lnL>
-                    <a:lnR w="12700" cap="flat" cmpd="sng" algn="ctr">
-                      <a:solidFill>
-                        <a:schemeClr val="tx1"/>
-                      </a:solidFill>
-                      <a:prstDash val="solid"/>
-                      <a:round/>
-                      <a:headEnd type="none" w="med" len="med"/>
-                      <a:tailEnd type="none" w="med" len="med"/>
-                    </a:lnR>
-                    <a:lnT w="12700" cap="flat" cmpd="sng" algn="ctr">
-                      <a:solidFill>
-                        <a:schemeClr val="tx1"/>
-                      </a:solidFill>
-                      <a:prstDash val="solid"/>
-                      <a:round/>
-                      <a:headEnd type="none" w="med" len="med"/>
-                      <a:tailEnd type="none" w="med" len="med"/>
-                    </a:lnT>
-                    <a:lnB w="12700" cap="flat" cmpd="sng" algn="ctr">
-                      <a:solidFill>
-                        <a:schemeClr val="tx1"/>
-                      </a:solidFill>
-                      <a:prstDash val="solid"/>
-                      <a:round/>
-                      <a:headEnd type="none" w="med" len="med"/>
-                      <a:tailEnd type="none" w="med" len="med"/>
-                    </a:lnB>
-                    <a:solidFill>
-                      <a:schemeClr val="bg2">
-                        <a:lumMod val="90000"/>
-                      </a:schemeClr>
-                    </a:solidFill>
-                  </a:tcPr>
-                </a:tc>
-                <a:tc>
-                  <a:txBody>
-                    <a:bodyPr/>
-                    <a:lstStyle/>
-                    <a:p>
-                      <a:pPr algn="ctr"/>
-                      <a:r>
-                        <a:rPr lang="es-ES" sz="1050" dirty="0"/>
-                        <a:t>0</a:t>
-                      </a:r>
-                    </a:p>
-                  </a:txBody>
-                  <a:tcPr anchor="ctr">
-                    <a:lnL w="12700" cap="flat" cmpd="sng" algn="ctr">
-                      <a:solidFill>
-                        <a:schemeClr val="tx1"/>
-                      </a:solidFill>
-                      <a:prstDash val="solid"/>
-                      <a:round/>
-                      <a:headEnd type="none" w="med" len="med"/>
-                      <a:tailEnd type="none" w="med" len="med"/>
-                    </a:lnL>
-                    <a:lnR w="12700" cap="flat" cmpd="sng" algn="ctr">
-                      <a:solidFill>
-                        <a:schemeClr val="tx1"/>
-                      </a:solidFill>
-                      <a:prstDash val="solid"/>
-                      <a:round/>
-                      <a:headEnd type="none" w="med" len="med"/>
-                      <a:tailEnd type="none" w="med" len="med"/>
-                    </a:lnR>
-                    <a:lnT w="12700" cap="flat" cmpd="sng" algn="ctr">
-                      <a:solidFill>
-                        <a:schemeClr val="tx1"/>
-                      </a:solidFill>
-                      <a:prstDash val="solid"/>
-                      <a:round/>
-                      <a:headEnd type="none" w="med" len="med"/>
-                      <a:tailEnd type="none" w="med" len="med"/>
-                    </a:lnT>
-                    <a:lnB w="12700" cap="flat" cmpd="sng" algn="ctr">
-                      <a:solidFill>
-                        <a:schemeClr val="tx1"/>
-                      </a:solidFill>
-                      <a:prstDash val="solid"/>
-                      <a:round/>
-                      <a:headEnd type="none" w="med" len="med"/>
-                      <a:tailEnd type="none" w="med" len="med"/>
-                    </a:lnB>
-                    <a:solidFill>
-                      <a:schemeClr val="bg2">
-                        <a:lumMod val="90000"/>
-                      </a:schemeClr>
-                    </a:solidFill>
-                  </a:tcPr>
-                </a:tc>
-                <a:extLst>
-                  <a:ext uri="{0D108BD9-81ED-4DB2-BD59-A6C34878D82A}">
-                    <a16:rowId xmlns:a16="http://schemas.microsoft.com/office/drawing/2014/main" val="951817312"/>
-                  </a:ext>
-                </a:extLst>
-              </a:tr>
-              <a:tr h="483005">
-                <a:tc>
-                  <a:txBody>
-                    <a:bodyPr/>
-                    <a:lstStyle/>
-                    <a:p>
-                      <a:pPr algn="ctr"/>
-                      <a:r>
-                        <a:rPr lang="es-ES" sz="1050" dirty="0"/>
-                        <a:t>0</a:t>
-                      </a:r>
-                    </a:p>
-                  </a:txBody>
-                  <a:tcPr anchor="ctr">
-                    <a:lnL w="12700" cap="flat" cmpd="sng" algn="ctr">
-                      <a:solidFill>
-                        <a:schemeClr val="tx1"/>
-                      </a:solidFill>
-                      <a:prstDash val="solid"/>
-                      <a:round/>
-                      <a:headEnd type="none" w="med" len="med"/>
-                      <a:tailEnd type="none" w="med" len="med"/>
-                    </a:lnL>
-                    <a:lnR w="12700" cap="flat" cmpd="sng" algn="ctr">
-                      <a:solidFill>
-                        <a:schemeClr val="tx1"/>
-                      </a:solidFill>
-                      <a:prstDash val="solid"/>
-                      <a:round/>
-                      <a:headEnd type="none" w="med" len="med"/>
-                      <a:tailEnd type="none" w="med" len="med"/>
-                    </a:lnR>
-                    <a:lnT w="12700" cap="flat" cmpd="sng" algn="ctr">
-                      <a:solidFill>
-                        <a:schemeClr val="tx1"/>
-                      </a:solidFill>
-                      <a:prstDash val="solid"/>
-                      <a:round/>
-                      <a:headEnd type="none" w="med" len="med"/>
-                      <a:tailEnd type="none" w="med" len="med"/>
-                    </a:lnT>
-                    <a:lnB w="12700" cap="flat" cmpd="sng" algn="ctr">
-                      <a:solidFill>
-                        <a:schemeClr val="tx1"/>
-                      </a:solidFill>
-                      <a:prstDash val="solid"/>
-                      <a:round/>
-                      <a:headEnd type="none" w="med" len="med"/>
-                      <a:tailEnd type="none" w="med" len="med"/>
-                    </a:lnB>
-                    <a:solidFill>
-                      <a:schemeClr val="bg2">
-                        <a:lumMod val="90000"/>
-                      </a:schemeClr>
-                    </a:solidFill>
-                  </a:tcPr>
-                </a:tc>
-                <a:tc>
-                  <a:txBody>
-                    <a:bodyPr/>
-                    <a:lstStyle/>
-                    <a:p>
-                      <a:pPr algn="ctr"/>
-                      <a:r>
-                        <a:rPr lang="es-ES" sz="1050" dirty="0"/>
-                        <a:t>0</a:t>
-                      </a:r>
-                    </a:p>
-                  </a:txBody>
-                  <a:tcPr anchor="ctr">
-                    <a:lnL w="12700" cap="flat" cmpd="sng" algn="ctr">
-                      <a:solidFill>
-                        <a:schemeClr val="tx1"/>
-                      </a:solidFill>
-                      <a:prstDash val="solid"/>
-                      <a:round/>
-                      <a:headEnd type="none" w="med" len="med"/>
-                      <a:tailEnd type="none" w="med" len="med"/>
-                    </a:lnL>
-                    <a:lnR w="12700" cap="flat" cmpd="sng" algn="ctr">
-                      <a:solidFill>
-                        <a:schemeClr val="tx1"/>
-                      </a:solidFill>
-                      <a:prstDash val="solid"/>
-                      <a:round/>
-                      <a:headEnd type="none" w="med" len="med"/>
-                      <a:tailEnd type="none" w="med" len="med"/>
-                    </a:lnR>
-                    <a:lnT w="12700" cap="flat" cmpd="sng" algn="ctr">
-                      <a:solidFill>
-                        <a:schemeClr val="tx1"/>
-                      </a:solidFill>
-                      <a:prstDash val="solid"/>
-                      <a:round/>
-                      <a:headEnd type="none" w="med" len="med"/>
-                      <a:tailEnd type="none" w="med" len="med"/>
-                    </a:lnT>
-                    <a:lnB w="12700" cap="flat" cmpd="sng" algn="ctr">
-                      <a:solidFill>
-                        <a:schemeClr val="tx1"/>
-                      </a:solidFill>
-                      <a:prstDash val="solid"/>
-                      <a:round/>
-                      <a:headEnd type="none" w="med" len="med"/>
-                      <a:tailEnd type="none" w="med" len="med"/>
-                    </a:lnB>
-                    <a:solidFill>
-                      <a:schemeClr val="bg2">
-                        <a:lumMod val="90000"/>
-                      </a:schemeClr>
-                    </a:solidFill>
-                  </a:tcPr>
-                </a:tc>
-                <a:tc>
-                  <a:txBody>
-                    <a:bodyPr/>
-                    <a:lstStyle/>
-                    <a:p>
-                      <a:pPr algn="ctr"/>
-                      <a:r>
-                        <a:rPr lang="es-ES" sz="1050" dirty="0"/>
-                        <a:t>123</a:t>
-                      </a:r>
-                    </a:p>
-                  </a:txBody>
-                  <a:tcPr anchor="ctr">
-                    <a:lnL w="12700" cap="flat" cmpd="sng" algn="ctr">
-                      <a:solidFill>
-                        <a:schemeClr val="tx1"/>
-                      </a:solidFill>
-                      <a:prstDash val="solid"/>
-                      <a:round/>
-                      <a:headEnd type="none" w="med" len="med"/>
-                      <a:tailEnd type="none" w="med" len="med"/>
-                    </a:lnL>
-                    <a:lnR w="12700" cap="flat" cmpd="sng" algn="ctr">
-                      <a:solidFill>
-                        <a:schemeClr val="tx1"/>
-                      </a:solidFill>
-                      <a:prstDash val="solid"/>
-                      <a:round/>
-                      <a:headEnd type="none" w="med" len="med"/>
-                      <a:tailEnd type="none" w="med" len="med"/>
-                    </a:lnR>
-                    <a:lnT w="12700" cap="flat" cmpd="sng" algn="ctr">
-                      <a:solidFill>
-                        <a:schemeClr val="tx1"/>
-                      </a:solidFill>
-                      <a:prstDash val="solid"/>
-                      <a:round/>
-                      <a:headEnd type="none" w="med" len="med"/>
-                      <a:tailEnd type="none" w="med" len="med"/>
-                    </a:lnT>
-                    <a:lnB w="12700" cap="flat" cmpd="sng" algn="ctr">
-                      <a:solidFill>
-                        <a:schemeClr val="tx1"/>
-                      </a:solidFill>
-                      <a:prstDash val="solid"/>
-                      <a:round/>
-                      <a:headEnd type="none" w="med" len="med"/>
-                      <a:tailEnd type="none" w="med" len="med"/>
-                    </a:lnB>
-                  </a:tcPr>
-                </a:tc>
-                <a:tc>
-                  <a:txBody>
-                    <a:bodyPr/>
-                    <a:lstStyle/>
-                    <a:p>
-                      <a:pPr algn="ctr"/>
-                      <a:r>
-                        <a:rPr lang="es-ES" sz="1050" dirty="0"/>
-                        <a:t>93</a:t>
-                      </a:r>
-                    </a:p>
-                  </a:txBody>
-                  <a:tcPr anchor="ctr">
-                    <a:lnL w="12700" cap="flat" cmpd="sng" algn="ctr">
-                      <a:solidFill>
-                        <a:schemeClr val="tx1"/>
-                      </a:solidFill>
-                      <a:prstDash val="solid"/>
-                      <a:round/>
-                      <a:headEnd type="none" w="med" len="med"/>
-                      <a:tailEnd type="none" w="med" len="med"/>
-                    </a:lnL>
-                    <a:lnR w="12700" cap="flat" cmpd="sng" algn="ctr">
-                      <a:solidFill>
-                        <a:schemeClr val="tx1"/>
-                      </a:solidFill>
-                      <a:prstDash val="solid"/>
-                      <a:round/>
-                      <a:headEnd type="none" w="med" len="med"/>
-                      <a:tailEnd type="none" w="med" len="med"/>
-                    </a:lnR>
-                    <a:lnT w="12700" cap="flat" cmpd="sng" algn="ctr">
-                      <a:solidFill>
-                        <a:schemeClr val="tx1"/>
-                      </a:solidFill>
-                      <a:prstDash val="solid"/>
-                      <a:round/>
-                      <a:headEnd type="none" w="med" len="med"/>
-                      <a:tailEnd type="none" w="med" len="med"/>
-                    </a:lnT>
-                    <a:lnB w="12700" cap="flat" cmpd="sng" algn="ctr">
-                      <a:solidFill>
-                        <a:schemeClr val="tx1"/>
-                      </a:solidFill>
-                      <a:prstDash val="solid"/>
-                      <a:round/>
-                      <a:headEnd type="none" w="med" len="med"/>
-                      <a:tailEnd type="none" w="med" len="med"/>
-                    </a:lnB>
-                  </a:tcPr>
-                </a:tc>
-                <a:tc>
-                  <a:txBody>
-                    <a:bodyPr/>
-                    <a:lstStyle/>
-                    <a:p>
-                      <a:pPr algn="ctr"/>
-                      <a:r>
-                        <a:rPr lang="es-ES" sz="1050" dirty="0"/>
-                        <a:t>48</a:t>
-                      </a:r>
-                    </a:p>
-                  </a:txBody>
-                  <a:tcPr anchor="ctr">
-                    <a:lnL w="12700" cap="flat" cmpd="sng" algn="ctr">
-                      <a:solidFill>
-                        <a:schemeClr val="tx1"/>
-                      </a:solidFill>
-                      <a:prstDash val="solid"/>
-                      <a:round/>
-                      <a:headEnd type="none" w="med" len="med"/>
-                      <a:tailEnd type="none" w="med" len="med"/>
-                    </a:lnL>
-                    <a:lnR w="12700" cap="flat" cmpd="sng" algn="ctr">
-                      <a:solidFill>
-                        <a:schemeClr val="tx1"/>
-                      </a:solidFill>
-                      <a:prstDash val="solid"/>
-                      <a:round/>
-                      <a:headEnd type="none" w="med" len="med"/>
-                      <a:tailEnd type="none" w="med" len="med"/>
-                    </a:lnR>
-                    <a:lnT w="12700" cap="flat" cmpd="sng" algn="ctr">
-                      <a:solidFill>
-                        <a:schemeClr val="tx1"/>
-                      </a:solidFill>
-                      <a:prstDash val="solid"/>
-                      <a:round/>
-                      <a:headEnd type="none" w="med" len="med"/>
-                      <a:tailEnd type="none" w="med" len="med"/>
-                    </a:lnT>
-                    <a:lnB w="12700" cap="flat" cmpd="sng" algn="ctr">
-                      <a:solidFill>
-                        <a:schemeClr val="tx1"/>
-                      </a:solidFill>
-                      <a:prstDash val="solid"/>
-                      <a:round/>
-                      <a:headEnd type="none" w="med" len="med"/>
-                      <a:tailEnd type="none" w="med" len="med"/>
-                    </a:lnB>
-                  </a:tcPr>
-                </a:tc>
-                <a:tc>
-                  <a:txBody>
-                    <a:bodyPr/>
-                    <a:lstStyle/>
-                    <a:p>
-                      <a:pPr algn="ctr"/>
-                      <a:r>
-                        <a:rPr lang="es-ES" sz="1050" dirty="0"/>
-                        <a:t>21</a:t>
-                      </a:r>
-                    </a:p>
-                  </a:txBody>
-                  <a:tcPr anchor="ctr">
-                    <a:lnL w="12700" cap="flat" cmpd="sng" algn="ctr">
-                      <a:solidFill>
-                        <a:schemeClr val="tx1"/>
-                      </a:solidFill>
-                      <a:prstDash val="solid"/>
-                      <a:round/>
-                      <a:headEnd type="none" w="med" len="med"/>
-                      <a:tailEnd type="none" w="med" len="med"/>
-                    </a:lnL>
-                    <a:lnR w="12700" cap="flat" cmpd="sng" algn="ctr">
-                      <a:solidFill>
-                        <a:schemeClr val="tx1"/>
-                      </a:solidFill>
-                      <a:prstDash val="solid"/>
-                      <a:round/>
-                      <a:headEnd type="none" w="med" len="med"/>
-                      <a:tailEnd type="none" w="med" len="med"/>
-                    </a:lnR>
-                    <a:lnT w="12700" cap="flat" cmpd="sng" algn="ctr">
-                      <a:solidFill>
-                        <a:schemeClr val="tx1"/>
-                      </a:solidFill>
-                      <a:prstDash val="solid"/>
-                      <a:round/>
-                      <a:headEnd type="none" w="med" len="med"/>
-                      <a:tailEnd type="none" w="med" len="med"/>
-                    </a:lnT>
-                    <a:lnB w="12700" cap="flat" cmpd="sng" algn="ctr">
-                      <a:solidFill>
-                        <a:schemeClr val="tx1"/>
-                      </a:solidFill>
-                      <a:prstDash val="solid"/>
-                      <a:round/>
-                      <a:headEnd type="none" w="med" len="med"/>
-                      <a:tailEnd type="none" w="med" len="med"/>
-                    </a:lnB>
-                  </a:tcPr>
-                </a:tc>
-                <a:tc>
-                  <a:txBody>
-                    <a:bodyPr/>
-                    <a:lstStyle/>
-                    <a:p>
-                      <a:pPr algn="ctr"/>
-                      <a:r>
-                        <a:rPr lang="es-ES" sz="1050" dirty="0"/>
-                        <a:t>0</a:t>
-                      </a:r>
-                    </a:p>
-                  </a:txBody>
-                  <a:tcPr anchor="ctr">
-                    <a:lnL w="12700" cap="flat" cmpd="sng" algn="ctr">
-                      <a:solidFill>
-                        <a:schemeClr val="tx1"/>
-                      </a:solidFill>
-                      <a:prstDash val="solid"/>
-                      <a:round/>
-                      <a:headEnd type="none" w="med" len="med"/>
-                      <a:tailEnd type="none" w="med" len="med"/>
-                    </a:lnL>
-                    <a:lnR w="12700" cap="flat" cmpd="sng" algn="ctr">
-                      <a:solidFill>
-                        <a:schemeClr val="tx1"/>
-                      </a:solidFill>
-                      <a:prstDash val="solid"/>
-                      <a:round/>
-                      <a:headEnd type="none" w="med" len="med"/>
-                      <a:tailEnd type="none" w="med" len="med"/>
-                    </a:lnR>
-                    <a:lnT w="12700" cap="flat" cmpd="sng" algn="ctr">
-                      <a:solidFill>
-                        <a:schemeClr val="tx1"/>
-                      </a:solidFill>
-                      <a:prstDash val="solid"/>
-                      <a:round/>
-                      <a:headEnd type="none" w="med" len="med"/>
-                      <a:tailEnd type="none" w="med" len="med"/>
-                    </a:lnT>
-                    <a:lnB w="12700" cap="flat" cmpd="sng" algn="ctr">
-                      <a:solidFill>
-                        <a:schemeClr val="tx1"/>
-                      </a:solidFill>
-                      <a:prstDash val="solid"/>
-                      <a:round/>
-                      <a:headEnd type="none" w="med" len="med"/>
-                      <a:tailEnd type="none" w="med" len="med"/>
-                    </a:lnB>
-                    <a:solidFill>
-                      <a:schemeClr val="bg2">
-                        <a:lumMod val="90000"/>
-                      </a:schemeClr>
-                    </a:solidFill>
-                  </a:tcPr>
-                </a:tc>
-                <a:tc>
-                  <a:txBody>
-                    <a:bodyPr/>
-                    <a:lstStyle/>
-                    <a:p>
-                      <a:pPr algn="ctr"/>
-                      <a:r>
-                        <a:rPr lang="es-ES" sz="1050" dirty="0"/>
-                        <a:t>0</a:t>
-                      </a:r>
-                    </a:p>
-                  </a:txBody>
-                  <a:tcPr anchor="ctr">
-                    <a:lnL w="12700" cap="flat" cmpd="sng" algn="ctr">
-                      <a:solidFill>
-                        <a:schemeClr val="tx1"/>
-                      </a:solidFill>
-                      <a:prstDash val="solid"/>
-                      <a:round/>
-                      <a:headEnd type="none" w="med" len="med"/>
-                      <a:tailEnd type="none" w="med" len="med"/>
-                    </a:lnL>
-                    <a:lnR w="12700" cap="flat" cmpd="sng" algn="ctr">
-                      <a:solidFill>
-                        <a:schemeClr val="tx1"/>
-                      </a:solidFill>
-                      <a:prstDash val="solid"/>
-                      <a:round/>
-                      <a:headEnd type="none" w="med" len="med"/>
-                      <a:tailEnd type="none" w="med" len="med"/>
-                    </a:lnR>
-                    <a:lnT w="12700" cap="flat" cmpd="sng" algn="ctr">
-                      <a:solidFill>
-                        <a:schemeClr val="tx1"/>
-                      </a:solidFill>
-                      <a:prstDash val="solid"/>
-                      <a:round/>
-                      <a:headEnd type="none" w="med" len="med"/>
-                      <a:tailEnd type="none" w="med" len="med"/>
-                    </a:lnT>
-                    <a:lnB w="12700" cap="flat" cmpd="sng" algn="ctr">
-                      <a:solidFill>
-                        <a:schemeClr val="tx1"/>
-                      </a:solidFill>
-                      <a:prstDash val="solid"/>
-                      <a:round/>
-                      <a:headEnd type="none" w="med" len="med"/>
-                      <a:tailEnd type="none" w="med" len="med"/>
-                    </a:lnB>
-                    <a:solidFill>
-                      <a:schemeClr val="bg2">
-                        <a:lumMod val="90000"/>
-                      </a:schemeClr>
-                    </a:solidFill>
-                  </a:tcPr>
-                </a:tc>
-                <a:extLst>
-                  <a:ext uri="{0D108BD9-81ED-4DB2-BD59-A6C34878D82A}">
-                    <a16:rowId xmlns:a16="http://schemas.microsoft.com/office/drawing/2014/main" val="4140805963"/>
-                  </a:ext>
-                </a:extLst>
-              </a:tr>
-              <a:tr h="457166">
-                <a:tc>
-                  <a:txBody>
-                    <a:bodyPr/>
-                    <a:lstStyle/>
-                    <a:p>
-                      <a:pPr algn="ctr"/>
-                      <a:r>
-                        <a:rPr lang="es-ES" sz="1050" dirty="0"/>
-                        <a:t>0</a:t>
-                      </a:r>
-                    </a:p>
-                  </a:txBody>
-                  <a:tcPr anchor="ctr">
-                    <a:lnL w="12700" cap="flat" cmpd="sng" algn="ctr">
-                      <a:solidFill>
-                        <a:schemeClr val="tx1"/>
-                      </a:solidFill>
-                      <a:prstDash val="solid"/>
-                      <a:round/>
-                      <a:headEnd type="none" w="med" len="med"/>
-                      <a:tailEnd type="none" w="med" len="med"/>
-                    </a:lnL>
-                    <a:lnR w="12700" cap="flat" cmpd="sng" algn="ctr">
-                      <a:solidFill>
-                        <a:schemeClr val="tx1"/>
-                      </a:solidFill>
-                      <a:prstDash val="solid"/>
-                      <a:round/>
-                      <a:headEnd type="none" w="med" len="med"/>
-                      <a:tailEnd type="none" w="med" len="med"/>
-                    </a:lnR>
-                    <a:lnT w="12700" cap="flat" cmpd="sng" algn="ctr">
-                      <a:solidFill>
-                        <a:schemeClr val="tx1"/>
-                      </a:solidFill>
-                      <a:prstDash val="solid"/>
-                      <a:round/>
-                      <a:headEnd type="none" w="med" len="med"/>
-                      <a:tailEnd type="none" w="med" len="med"/>
-                    </a:lnT>
-                    <a:lnB w="12700" cap="flat" cmpd="sng" algn="ctr">
-                      <a:solidFill>
-                        <a:schemeClr val="tx1"/>
-                      </a:solidFill>
-                      <a:prstDash val="solid"/>
-                      <a:round/>
-                      <a:headEnd type="none" w="med" len="med"/>
-                      <a:tailEnd type="none" w="med" len="med"/>
-                    </a:lnB>
-                    <a:solidFill>
-                      <a:schemeClr val="bg2">
-                        <a:lumMod val="90000"/>
-                      </a:schemeClr>
-                    </a:solidFill>
-                  </a:tcPr>
-                </a:tc>
-                <a:tc>
-                  <a:txBody>
-                    <a:bodyPr/>
-                    <a:lstStyle/>
-                    <a:p>
-                      <a:pPr algn="ctr"/>
-                      <a:r>
-                        <a:rPr lang="es-ES" sz="1050" dirty="0"/>
-                        <a:t>0</a:t>
-                      </a:r>
-                    </a:p>
-                  </a:txBody>
-                  <a:tcPr anchor="ctr">
-                    <a:lnL w="12700" cap="flat" cmpd="sng" algn="ctr">
-                      <a:solidFill>
-                        <a:schemeClr val="tx1"/>
-                      </a:solidFill>
-                      <a:prstDash val="solid"/>
-                      <a:round/>
-                      <a:headEnd type="none" w="med" len="med"/>
-                      <a:tailEnd type="none" w="med" len="med"/>
-                    </a:lnL>
-                    <a:lnR w="12700" cap="flat" cmpd="sng" algn="ctr">
-                      <a:solidFill>
-                        <a:schemeClr val="tx1"/>
-                      </a:solidFill>
-                      <a:prstDash val="solid"/>
-                      <a:round/>
-                      <a:headEnd type="none" w="med" len="med"/>
-                      <a:tailEnd type="none" w="med" len="med"/>
-                    </a:lnR>
-                    <a:lnT w="12700" cap="flat" cmpd="sng" algn="ctr">
-                      <a:solidFill>
-                        <a:schemeClr val="tx1"/>
-                      </a:solidFill>
-                      <a:prstDash val="solid"/>
-                      <a:round/>
-                      <a:headEnd type="none" w="med" len="med"/>
-                      <a:tailEnd type="none" w="med" len="med"/>
-                    </a:lnT>
-                    <a:lnB w="12700" cap="flat" cmpd="sng" algn="ctr">
-                      <a:solidFill>
-                        <a:schemeClr val="tx1"/>
-                      </a:solidFill>
-                      <a:prstDash val="solid"/>
-                      <a:round/>
-                      <a:headEnd type="none" w="med" len="med"/>
-                      <a:tailEnd type="none" w="med" len="med"/>
-                    </a:lnB>
-                    <a:solidFill>
-                      <a:schemeClr val="bg2">
-                        <a:lumMod val="90000"/>
-                      </a:schemeClr>
-                    </a:solidFill>
-                  </a:tcPr>
-                </a:tc>
+              <a:tr h="443029">
                 <a:tc>
                   <a:txBody>
                     <a:bodyPr/>
@@ -28320,119 +26895,7 @@
                   </a:ext>
                 </a:extLst>
               </a:tr>
-              <a:tr h="457166">
-                <a:tc>
-                  <a:txBody>
-                    <a:bodyPr/>
-                    <a:lstStyle/>
-                    <a:p>
-                      <a:pPr algn="ctr"/>
-                      <a:r>
-                        <a:rPr lang="es-ES" sz="1050" dirty="0"/>
-                        <a:t>0</a:t>
-                      </a:r>
-                    </a:p>
-                  </a:txBody>
-                  <a:tcPr anchor="ctr">
-                    <a:lnL w="12700" cap="flat" cmpd="sng" algn="ctr">
-                      <a:solidFill>
-                        <a:schemeClr val="tx1"/>
-                      </a:solidFill>
-                      <a:prstDash val="solid"/>
-                      <a:round/>
-                      <a:headEnd type="none" w="med" len="med"/>
-                      <a:tailEnd type="none" w="med" len="med"/>
-                    </a:lnL>
-                    <a:lnR w="12700" cap="flat" cmpd="sng" algn="ctr">
-                      <a:solidFill>
-                        <a:schemeClr val="tx1"/>
-                      </a:solidFill>
-                      <a:prstDash val="solid"/>
-                      <a:round/>
-                      <a:headEnd type="none" w="med" len="med"/>
-                      <a:tailEnd type="none" w="med" len="med"/>
-                    </a:lnR>
-                    <a:lnT w="12700" cap="flat" cmpd="sng" algn="ctr">
-                      <a:solidFill>
-                        <a:schemeClr val="tx1"/>
-                      </a:solidFill>
-                      <a:prstDash val="solid"/>
-                      <a:round/>
-                      <a:headEnd type="none" w="med" len="med"/>
-                      <a:tailEnd type="none" w="med" len="med"/>
-                    </a:lnT>
-                    <a:lnB w="12700" cap="flat" cmpd="sng" algn="ctr">
-                      <a:solidFill>
-                        <a:schemeClr val="tx1"/>
-                      </a:solidFill>
-                      <a:prstDash val="solid"/>
-                      <a:round/>
-                      <a:headEnd type="none" w="med" len="med"/>
-                      <a:tailEnd type="none" w="med" len="med"/>
-                    </a:lnB>
-                    <a:solidFill>
-                      <a:schemeClr val="bg2">
-                        <a:lumMod val="90000"/>
-                      </a:schemeClr>
-                    </a:solidFill>
-                  </a:tcPr>
-                </a:tc>
-                <a:tc>
-                  <a:txBody>
-                    <a:bodyPr/>
-                    <a:lstStyle/>
-                    <a:p>
-                      <a:pPr algn="ctr"/>
-                      <a:r>
-                        <a:rPr lang="es-ES" sz="1050" dirty="0"/>
-                        <a:t>0</a:t>
-                      </a:r>
-                    </a:p>
-                  </a:txBody>
-                  <a:tcPr anchor="ctr">
-                    <a:lnL w="12700" cap="flat" cmpd="sng" algn="ctr">
-                      <a:solidFill>
-                        <a:schemeClr val="tx1"/>
-                      </a:solidFill>
-                      <a:prstDash val="solid"/>
-                      <a:round/>
-                      <a:headEnd type="none" w="med" len="med"/>
-                      <a:tailEnd type="none" w="med" len="med"/>
-                    </a:lnL>
-                    <a:lnR w="12700" cap="flat" cmpd="sng" algn="ctr">
-                      <a:solidFill>
-                        <a:schemeClr val="tx1"/>
-                      </a:solidFill>
-                      <a:prstDash val="solid"/>
-                      <a:round/>
-                      <a:headEnd type="none" w="med" len="med"/>
-                      <a:tailEnd type="none" w="med" len="med"/>
-                    </a:lnR>
-                    <a:lnT w="12700" cap="flat" cmpd="sng" algn="ctr">
-                      <a:solidFill>
-                        <a:schemeClr val="tx1"/>
-                      </a:solidFill>
-                      <a:prstDash val="solid"/>
-                      <a:round/>
-                      <a:headEnd type="none" w="med" len="med"/>
-                      <a:tailEnd type="none" w="med" len="med"/>
-                    </a:lnT>
-                    <a:lnB w="12700" cap="flat" cmpd="sng" algn="ctr">
-                      <a:solidFill>
-                        <a:schemeClr val="tx1"/>
-                      </a:solidFill>
-                      <a:prstDash val="solid"/>
-                      <a:round/>
-                      <a:headEnd type="none" w="med" len="med"/>
-                      <a:tailEnd type="none" w="med" len="med"/>
-                    </a:lnB>
-                    <a:solidFill>
-                      <a:schemeClr val="bg2">
-                        <a:lumMod val="90000"/>
-                      </a:schemeClr>
-                    </a:solidFill>
-                  </a:tcPr>
-                </a:tc>
+              <a:tr h="443029">
                 <a:tc>
                   <a:txBody>
                     <a:bodyPr/>
@@ -28779,12 +27242,68 @@
           </a:graphicData>
         </a:graphic>
       </p:graphicFrame>
+      <p:sp>
+        <p:nvSpPr>
+          <p:cNvPr id="29" name="CuadroTexto 28">
+            <a:extLst>
+              <a:ext uri="{FF2B5EF4-FFF2-40B4-BE49-F238E27FC236}">
+                <a16:creationId xmlns:a16="http://schemas.microsoft.com/office/drawing/2014/main" id="{85389319-7717-F643-851D-3B356960ABDD}"/>
+              </a:ext>
+            </a:extLst>
+          </p:cNvPr>
+          <p:cNvSpPr txBox="1"/>
+          <p:nvPr/>
+        </p:nvSpPr>
+        <p:spPr>
+          <a:xfrm>
+            <a:off x="4256015" y="1518936"/>
+            <a:ext cx="3427223" cy="307777"/>
+          </a:xfrm>
+          <a:prstGeom prst="rect">
+            <a:avLst/>
+          </a:prstGeom>
+          <a:noFill/>
+        </p:spPr>
+        <p:txBody>
+          <a:bodyPr wrap="square" rtlCol="0">
+            <a:spAutoFit/>
+          </a:bodyPr>
+          <a:lstStyle/>
+          <a:p>
+            <a:pPr algn="ctr"/>
+            <a:r>
+              <a:rPr lang="es-ES" sz="1400" dirty="0" err="1"/>
+              <a:t>Convolución</a:t>
+            </a:r>
+            <a:r>
+              <a:rPr lang="es-ES" sz="1400" dirty="0"/>
+              <a:t> fraccional sin </a:t>
+            </a:r>
+            <a:r>
+              <a:rPr lang="es-ES" sz="1400" dirty="0" err="1"/>
+              <a:t>padding</a:t>
+            </a:r>
+            <a:r>
+              <a:rPr lang="es-ES" sz="1400" dirty="0"/>
+              <a:t> y </a:t>
+            </a:r>
+            <a:r>
+              <a:rPr lang="es-ES" sz="1400" dirty="0" err="1"/>
+              <a:t>stride</a:t>
+            </a:r>
+            <a:r>
+              <a:rPr lang="es-ES" sz="1400" dirty="0"/>
+              <a:t> 1</a:t>
+            </a:r>
+          </a:p>
+        </p:txBody>
+      </p:sp>
       <p:graphicFrame>
         <p:nvGraphicFramePr>
-          <p:cNvPr id="26" name="Tabla 25">
+          <p:cNvPr id="11" name="Tabla 10">
             <a:extLst>
               <a:ext uri="{FF2B5EF4-FFF2-40B4-BE49-F238E27FC236}">
-                <a16:creationId xmlns:a16="http://schemas.microsoft.com/office/drawing/2014/main" id="{0AD12F51-5653-AC44-A38A-EAB22198B1E8}"/>
+                <a16:creationId xmlns:a16="http://schemas.microsoft.com/office/drawing/2014/main" id="{CB7225B5-6190-C74F-B47D-A32D96D46124}"/>
               </a:ext>
             </a:extLst>
           </p:cNvPr>
@@ -28794,13 +27313,2928 @@
           <p:nvPr>
             <p:extLst>
               <p:ext uri="{D42A27DB-BD31-4B8C-83A1-F6EECF244321}">
-                <p14:modId xmlns:p14="http://schemas.microsoft.com/office/powerpoint/2010/main" val="3389164007"/>
+                <p14:modId xmlns:p14="http://schemas.microsoft.com/office/powerpoint/2010/main" val="1043706284"/>
               </p:ext>
             </p:extLst>
           </p:nvPr>
         </p:nvGraphicFramePr>
         <p:xfrm>
-          <a:off x="5821889" y="2781553"/>
+          <a:off x="894416" y="3900854"/>
+          <a:ext cx="2878057" cy="2683215"/>
+        </p:xfrm>
+        <a:graphic>
+          <a:graphicData uri="http://schemas.openxmlformats.org/drawingml/2006/table">
+            <a:tbl>
+              <a:tblPr>
+                <a:noFill/>
+                <a:tableStyleId>{5C22544A-7EE6-4342-B048-85BDC9FD1C3A}</a:tableStyleId>
+              </a:tblPr>
+              <a:tblGrid>
+                <a:gridCol w="411151">
+                  <a:extLst>
+                    <a:ext uri="{9D8B030D-6E8A-4147-A177-3AD203B41FA5}">
+                      <a16:colId xmlns:a16="http://schemas.microsoft.com/office/drawing/2014/main" val="2274178778"/>
+                    </a:ext>
+                  </a:extLst>
+                </a:gridCol>
+                <a:gridCol w="411151">
+                  <a:extLst>
+                    <a:ext uri="{9D8B030D-6E8A-4147-A177-3AD203B41FA5}">
+                      <a16:colId xmlns:a16="http://schemas.microsoft.com/office/drawing/2014/main" val="3451372084"/>
+                    </a:ext>
+                  </a:extLst>
+                </a:gridCol>
+                <a:gridCol w="411151">
+                  <a:extLst>
+                    <a:ext uri="{9D8B030D-6E8A-4147-A177-3AD203B41FA5}">
+                      <a16:colId xmlns:a16="http://schemas.microsoft.com/office/drawing/2014/main" val="1162438787"/>
+                    </a:ext>
+                  </a:extLst>
+                </a:gridCol>
+                <a:gridCol w="411151">
+                  <a:extLst>
+                    <a:ext uri="{9D8B030D-6E8A-4147-A177-3AD203B41FA5}">
+                      <a16:colId xmlns:a16="http://schemas.microsoft.com/office/drawing/2014/main" val="677981758"/>
+                    </a:ext>
+                  </a:extLst>
+                </a:gridCol>
+                <a:gridCol w="411151">
+                  <a:extLst>
+                    <a:ext uri="{9D8B030D-6E8A-4147-A177-3AD203B41FA5}">
+                      <a16:colId xmlns:a16="http://schemas.microsoft.com/office/drawing/2014/main" val="3206396347"/>
+                    </a:ext>
+                  </a:extLst>
+                </a:gridCol>
+                <a:gridCol w="411151">
+                  <a:extLst>
+                    <a:ext uri="{9D8B030D-6E8A-4147-A177-3AD203B41FA5}">
+                      <a16:colId xmlns:a16="http://schemas.microsoft.com/office/drawing/2014/main" val="2255754315"/>
+                    </a:ext>
+                  </a:extLst>
+                </a:gridCol>
+                <a:gridCol w="411151">
+                  <a:extLst>
+                    <a:ext uri="{9D8B030D-6E8A-4147-A177-3AD203B41FA5}">
+                      <a16:colId xmlns:a16="http://schemas.microsoft.com/office/drawing/2014/main" val="2818830923"/>
+                    </a:ext>
+                  </a:extLst>
+                </a:gridCol>
+              </a:tblGrid>
+              <a:tr h="377225">
+                <a:tc>
+                  <a:txBody>
+                    <a:bodyPr/>
+                    <a:lstStyle/>
+                    <a:p>
+                      <a:pPr algn="ctr"/>
+                      <a:r>
+                        <a:rPr lang="es-ES" sz="1050" dirty="0"/>
+                        <a:t>0</a:t>
+                      </a:r>
+                    </a:p>
+                  </a:txBody>
+                  <a:tcPr anchor="ctr">
+                    <a:lnL w="12700" cap="flat" cmpd="sng" algn="ctr">
+                      <a:solidFill>
+                        <a:schemeClr val="tx1"/>
+                      </a:solidFill>
+                      <a:prstDash val="solid"/>
+                      <a:round/>
+                      <a:headEnd type="none" w="med" len="med"/>
+                      <a:tailEnd type="none" w="med" len="med"/>
+                    </a:lnL>
+                    <a:lnR w="12700" cap="flat" cmpd="sng" algn="ctr">
+                      <a:solidFill>
+                        <a:schemeClr val="tx1"/>
+                      </a:solidFill>
+                      <a:prstDash val="solid"/>
+                      <a:round/>
+                      <a:headEnd type="none" w="med" len="med"/>
+                      <a:tailEnd type="none" w="med" len="med"/>
+                    </a:lnR>
+                    <a:lnT w="12700" cap="flat" cmpd="sng" algn="ctr">
+                      <a:solidFill>
+                        <a:schemeClr val="tx1"/>
+                      </a:solidFill>
+                      <a:prstDash val="solid"/>
+                      <a:round/>
+                      <a:headEnd type="none" w="med" len="med"/>
+                      <a:tailEnd type="none" w="med" len="med"/>
+                    </a:lnT>
+                    <a:lnB w="12700" cap="flat" cmpd="sng" algn="ctr">
+                      <a:solidFill>
+                        <a:schemeClr val="tx1"/>
+                      </a:solidFill>
+                      <a:prstDash val="solid"/>
+                      <a:round/>
+                      <a:headEnd type="none" w="med" len="med"/>
+                      <a:tailEnd type="none" w="med" len="med"/>
+                    </a:lnB>
+                    <a:cell3D prstMaterial="dkEdge">
+                      <a:bevel prst="cross"/>
+                      <a:lightRig rig="flood" dir="t"/>
+                    </a:cell3D>
+                    <a:solidFill>
+                      <a:schemeClr val="accent3">
+                        <a:lumMod val="60000"/>
+                        <a:lumOff val="40000"/>
+                      </a:schemeClr>
+                    </a:solidFill>
+                  </a:tcPr>
+                </a:tc>
+                <a:tc>
+                  <a:txBody>
+                    <a:bodyPr/>
+                    <a:lstStyle/>
+                    <a:p>
+                      <a:pPr algn="ctr"/>
+                      <a:r>
+                        <a:rPr lang="es-ES" sz="1050" dirty="0"/>
+                        <a:t>0</a:t>
+                      </a:r>
+                    </a:p>
+                  </a:txBody>
+                  <a:tcPr anchor="ctr">
+                    <a:lnL w="12700" cap="flat" cmpd="sng" algn="ctr">
+                      <a:solidFill>
+                        <a:schemeClr val="tx1"/>
+                      </a:solidFill>
+                      <a:prstDash val="solid"/>
+                      <a:round/>
+                      <a:headEnd type="none" w="med" len="med"/>
+                      <a:tailEnd type="none" w="med" len="med"/>
+                    </a:lnL>
+                    <a:lnR w="12700" cap="flat" cmpd="sng" algn="ctr">
+                      <a:solidFill>
+                        <a:schemeClr val="tx1"/>
+                      </a:solidFill>
+                      <a:prstDash val="solid"/>
+                      <a:round/>
+                      <a:headEnd type="none" w="med" len="med"/>
+                      <a:tailEnd type="none" w="med" len="med"/>
+                    </a:lnR>
+                    <a:lnT w="12700" cap="flat" cmpd="sng" algn="ctr">
+                      <a:solidFill>
+                        <a:schemeClr val="tx1"/>
+                      </a:solidFill>
+                      <a:prstDash val="solid"/>
+                      <a:round/>
+                      <a:headEnd type="none" w="med" len="med"/>
+                      <a:tailEnd type="none" w="med" len="med"/>
+                    </a:lnT>
+                    <a:lnB w="12700" cap="flat" cmpd="sng" algn="ctr">
+                      <a:solidFill>
+                        <a:schemeClr val="tx1"/>
+                      </a:solidFill>
+                      <a:prstDash val="solid"/>
+                      <a:round/>
+                      <a:headEnd type="none" w="med" len="med"/>
+                      <a:tailEnd type="none" w="med" len="med"/>
+                    </a:lnB>
+                    <a:cell3D prstMaterial="dkEdge">
+                      <a:bevel prst="cross"/>
+                      <a:lightRig rig="flood" dir="t"/>
+                    </a:cell3D>
+                    <a:solidFill>
+                      <a:srgbClr val="8FAADC"/>
+                    </a:solidFill>
+                  </a:tcPr>
+                </a:tc>
+                <a:tc>
+                  <a:txBody>
+                    <a:bodyPr/>
+                    <a:lstStyle/>
+                    <a:p>
+                      <a:pPr algn="ctr"/>
+                      <a:r>
+                        <a:rPr lang="es-ES" sz="1050" dirty="0"/>
+                        <a:t>0</a:t>
+                      </a:r>
+                    </a:p>
+                  </a:txBody>
+                  <a:tcPr anchor="ctr">
+                    <a:lnL w="12700" cap="flat" cmpd="sng" algn="ctr">
+                      <a:solidFill>
+                        <a:schemeClr val="tx1"/>
+                      </a:solidFill>
+                      <a:prstDash val="solid"/>
+                      <a:round/>
+                      <a:headEnd type="none" w="med" len="med"/>
+                      <a:tailEnd type="none" w="med" len="med"/>
+                    </a:lnL>
+                    <a:lnR w="12700" cap="flat" cmpd="sng" algn="ctr">
+                      <a:solidFill>
+                        <a:schemeClr val="tx1"/>
+                      </a:solidFill>
+                      <a:prstDash val="solid"/>
+                      <a:round/>
+                      <a:headEnd type="none" w="med" len="med"/>
+                      <a:tailEnd type="none" w="med" len="med"/>
+                    </a:lnR>
+                    <a:lnT w="12700" cap="flat" cmpd="sng" algn="ctr">
+                      <a:solidFill>
+                        <a:schemeClr val="tx1"/>
+                      </a:solidFill>
+                      <a:prstDash val="solid"/>
+                      <a:round/>
+                      <a:headEnd type="none" w="med" len="med"/>
+                      <a:tailEnd type="none" w="med" len="med"/>
+                    </a:lnT>
+                    <a:lnB w="12700" cap="flat" cmpd="sng" algn="ctr">
+                      <a:solidFill>
+                        <a:schemeClr val="tx1"/>
+                      </a:solidFill>
+                      <a:prstDash val="solid"/>
+                      <a:round/>
+                      <a:headEnd type="none" w="med" len="med"/>
+                      <a:tailEnd type="none" w="med" len="med"/>
+                    </a:lnB>
+                    <a:cell3D prstMaterial="dkEdge">
+                      <a:bevel prst="cross"/>
+                      <a:lightRig rig="flood" dir="t"/>
+                    </a:cell3D>
+                    <a:solidFill>
+                      <a:srgbClr val="8FAADC"/>
+                    </a:solidFill>
+                  </a:tcPr>
+                </a:tc>
+                <a:tc>
+                  <a:txBody>
+                    <a:bodyPr/>
+                    <a:lstStyle/>
+                    <a:p>
+                      <a:pPr algn="ctr"/>
+                      <a:r>
+                        <a:rPr lang="es-ES" sz="1050" dirty="0"/>
+                        <a:t>0</a:t>
+                      </a:r>
+                    </a:p>
+                  </a:txBody>
+                  <a:tcPr anchor="ctr">
+                    <a:lnL w="12700" cap="flat" cmpd="sng" algn="ctr">
+                      <a:solidFill>
+                        <a:schemeClr val="tx1"/>
+                      </a:solidFill>
+                      <a:prstDash val="solid"/>
+                      <a:round/>
+                      <a:headEnd type="none" w="med" len="med"/>
+                      <a:tailEnd type="none" w="med" len="med"/>
+                    </a:lnL>
+                    <a:lnR w="12700" cap="flat" cmpd="sng" algn="ctr">
+                      <a:solidFill>
+                        <a:schemeClr val="tx1"/>
+                      </a:solidFill>
+                      <a:prstDash val="solid"/>
+                      <a:round/>
+                      <a:headEnd type="none" w="med" len="med"/>
+                      <a:tailEnd type="none" w="med" len="med"/>
+                    </a:lnR>
+                    <a:lnT w="12700" cap="flat" cmpd="sng" algn="ctr">
+                      <a:solidFill>
+                        <a:schemeClr val="tx1"/>
+                      </a:solidFill>
+                      <a:prstDash val="solid"/>
+                      <a:round/>
+                      <a:headEnd type="none" w="med" len="med"/>
+                      <a:tailEnd type="none" w="med" len="med"/>
+                    </a:lnT>
+                    <a:lnB w="12700" cap="flat" cmpd="sng" algn="ctr">
+                      <a:solidFill>
+                        <a:schemeClr val="tx1"/>
+                      </a:solidFill>
+                      <a:prstDash val="solid"/>
+                      <a:round/>
+                      <a:headEnd type="none" w="med" len="med"/>
+                      <a:tailEnd type="none" w="med" len="med"/>
+                    </a:lnB>
+                    <a:solidFill>
+                      <a:srgbClr val="8FAADC"/>
+                    </a:solidFill>
+                  </a:tcPr>
+                </a:tc>
+                <a:tc>
+                  <a:txBody>
+                    <a:bodyPr/>
+                    <a:lstStyle/>
+                    <a:p>
+                      <a:pPr algn="ctr"/>
+                      <a:r>
+                        <a:rPr lang="es-ES" sz="1050" dirty="0"/>
+                        <a:t>0</a:t>
+                      </a:r>
+                    </a:p>
+                  </a:txBody>
+                  <a:tcPr anchor="ctr">
+                    <a:lnL w="12700" cap="flat" cmpd="sng" algn="ctr">
+                      <a:solidFill>
+                        <a:schemeClr val="tx1"/>
+                      </a:solidFill>
+                      <a:prstDash val="solid"/>
+                      <a:round/>
+                      <a:headEnd type="none" w="med" len="med"/>
+                      <a:tailEnd type="none" w="med" len="med"/>
+                    </a:lnL>
+                    <a:lnR w="12700" cap="flat" cmpd="sng" algn="ctr">
+                      <a:solidFill>
+                        <a:schemeClr val="tx1"/>
+                      </a:solidFill>
+                      <a:prstDash val="solid"/>
+                      <a:round/>
+                      <a:headEnd type="none" w="med" len="med"/>
+                      <a:tailEnd type="none" w="med" len="med"/>
+                    </a:lnR>
+                    <a:lnT w="12700" cap="flat" cmpd="sng" algn="ctr">
+                      <a:solidFill>
+                        <a:schemeClr val="tx1"/>
+                      </a:solidFill>
+                      <a:prstDash val="solid"/>
+                      <a:round/>
+                      <a:headEnd type="none" w="med" len="med"/>
+                      <a:tailEnd type="none" w="med" len="med"/>
+                    </a:lnT>
+                    <a:lnB w="12700" cap="flat" cmpd="sng" algn="ctr">
+                      <a:solidFill>
+                        <a:schemeClr val="tx1"/>
+                      </a:solidFill>
+                      <a:prstDash val="solid"/>
+                      <a:round/>
+                      <a:headEnd type="none" w="med" len="med"/>
+                      <a:tailEnd type="none" w="med" len="med"/>
+                    </a:lnB>
+                    <a:solidFill>
+                      <a:srgbClr val="C9C9C9"/>
+                    </a:solidFill>
+                  </a:tcPr>
+                </a:tc>
+                <a:tc>
+                  <a:txBody>
+                    <a:bodyPr/>
+                    <a:lstStyle/>
+                    <a:p>
+                      <a:pPr algn="ctr"/>
+                      <a:r>
+                        <a:rPr lang="es-ES" sz="1050" dirty="0"/>
+                        <a:t>0</a:t>
+                      </a:r>
+                    </a:p>
+                  </a:txBody>
+                  <a:tcPr anchor="ctr">
+                    <a:lnL w="12700" cap="flat" cmpd="sng" algn="ctr">
+                      <a:solidFill>
+                        <a:schemeClr val="tx1"/>
+                      </a:solidFill>
+                      <a:prstDash val="solid"/>
+                      <a:round/>
+                      <a:headEnd type="none" w="med" len="med"/>
+                      <a:tailEnd type="none" w="med" len="med"/>
+                    </a:lnL>
+                    <a:lnR w="12700" cap="flat" cmpd="sng" algn="ctr">
+                      <a:solidFill>
+                        <a:schemeClr val="tx1"/>
+                      </a:solidFill>
+                      <a:prstDash val="solid"/>
+                      <a:round/>
+                      <a:headEnd type="none" w="med" len="med"/>
+                      <a:tailEnd type="none" w="med" len="med"/>
+                    </a:lnR>
+                    <a:lnT w="12700" cap="flat" cmpd="sng" algn="ctr">
+                      <a:solidFill>
+                        <a:schemeClr val="tx1"/>
+                      </a:solidFill>
+                      <a:prstDash val="solid"/>
+                      <a:round/>
+                      <a:headEnd type="none" w="med" len="med"/>
+                      <a:tailEnd type="none" w="med" len="med"/>
+                    </a:lnT>
+                    <a:lnB w="12700" cap="flat" cmpd="sng" algn="ctr">
+                      <a:solidFill>
+                        <a:schemeClr val="tx1"/>
+                      </a:solidFill>
+                      <a:prstDash val="solid"/>
+                      <a:round/>
+                      <a:headEnd type="none" w="med" len="med"/>
+                      <a:tailEnd type="none" w="med" len="med"/>
+                    </a:lnB>
+                    <a:solidFill>
+                      <a:schemeClr val="accent3">
+                        <a:lumMod val="60000"/>
+                        <a:lumOff val="40000"/>
+                      </a:schemeClr>
+                    </a:solidFill>
+                  </a:tcPr>
+                </a:tc>
+                <a:tc>
+                  <a:txBody>
+                    <a:bodyPr/>
+                    <a:lstStyle/>
+                    <a:p>
+                      <a:pPr algn="ctr"/>
+                      <a:r>
+                        <a:rPr lang="es-ES" sz="1050" dirty="0"/>
+                        <a:t>0</a:t>
+                      </a:r>
+                    </a:p>
+                  </a:txBody>
+                  <a:tcPr anchor="ctr">
+                    <a:lnL w="12700" cap="flat" cmpd="sng" algn="ctr">
+                      <a:solidFill>
+                        <a:schemeClr val="tx1"/>
+                      </a:solidFill>
+                      <a:prstDash val="solid"/>
+                      <a:round/>
+                      <a:headEnd type="none" w="med" len="med"/>
+                      <a:tailEnd type="none" w="med" len="med"/>
+                    </a:lnL>
+                    <a:lnR w="12700" cap="flat" cmpd="sng" algn="ctr">
+                      <a:solidFill>
+                        <a:schemeClr val="tx1"/>
+                      </a:solidFill>
+                      <a:prstDash val="solid"/>
+                      <a:round/>
+                      <a:headEnd type="none" w="med" len="med"/>
+                      <a:tailEnd type="none" w="med" len="med"/>
+                    </a:lnR>
+                    <a:lnT w="12700" cap="flat" cmpd="sng" algn="ctr">
+                      <a:solidFill>
+                        <a:schemeClr val="tx1"/>
+                      </a:solidFill>
+                      <a:prstDash val="solid"/>
+                      <a:round/>
+                      <a:headEnd type="none" w="med" len="med"/>
+                      <a:tailEnd type="none" w="med" len="med"/>
+                    </a:lnT>
+                    <a:lnB w="12700" cap="flat" cmpd="sng" algn="ctr">
+                      <a:solidFill>
+                        <a:schemeClr val="tx1"/>
+                      </a:solidFill>
+                      <a:prstDash val="solid"/>
+                      <a:round/>
+                      <a:headEnd type="none" w="med" len="med"/>
+                      <a:tailEnd type="none" w="med" len="med"/>
+                    </a:lnB>
+                    <a:solidFill>
+                      <a:schemeClr val="accent3">
+                        <a:lumMod val="60000"/>
+                        <a:lumOff val="40000"/>
+                      </a:schemeClr>
+                    </a:solidFill>
+                  </a:tcPr>
+                </a:tc>
+                <a:extLst>
+                  <a:ext uri="{0D108BD9-81ED-4DB2-BD59-A6C34878D82A}">
+                    <a16:rowId xmlns:a16="http://schemas.microsoft.com/office/drawing/2014/main" val="1036938673"/>
+                  </a:ext>
+                </a:extLst>
+              </a:tr>
+              <a:tr h="377225">
+                <a:tc>
+                  <a:txBody>
+                    <a:bodyPr/>
+                    <a:lstStyle/>
+                    <a:p>
+                      <a:pPr algn="ctr"/>
+                      <a:r>
+                        <a:rPr lang="es-ES" sz="1050" dirty="0"/>
+                        <a:t>0</a:t>
+                      </a:r>
+                    </a:p>
+                  </a:txBody>
+                  <a:tcPr anchor="ctr">
+                    <a:lnL w="12700" cap="flat" cmpd="sng" algn="ctr">
+                      <a:solidFill>
+                        <a:schemeClr val="tx1"/>
+                      </a:solidFill>
+                      <a:prstDash val="solid"/>
+                      <a:round/>
+                      <a:headEnd type="none" w="med" len="med"/>
+                      <a:tailEnd type="none" w="med" len="med"/>
+                    </a:lnL>
+                    <a:lnR w="12700" cap="flat" cmpd="sng" algn="ctr">
+                      <a:solidFill>
+                        <a:schemeClr val="tx1"/>
+                      </a:solidFill>
+                      <a:prstDash val="solid"/>
+                      <a:round/>
+                      <a:headEnd type="none" w="med" len="med"/>
+                      <a:tailEnd type="none" w="med" len="med"/>
+                    </a:lnR>
+                    <a:lnT w="12700" cap="flat" cmpd="sng" algn="ctr">
+                      <a:solidFill>
+                        <a:schemeClr val="tx1"/>
+                      </a:solidFill>
+                      <a:prstDash val="solid"/>
+                      <a:round/>
+                      <a:headEnd type="none" w="med" len="med"/>
+                      <a:tailEnd type="none" w="med" len="med"/>
+                    </a:lnT>
+                    <a:lnB w="12700" cap="flat" cmpd="sng" algn="ctr">
+                      <a:solidFill>
+                        <a:schemeClr val="tx1"/>
+                      </a:solidFill>
+                      <a:prstDash val="solid"/>
+                      <a:round/>
+                      <a:headEnd type="none" w="med" len="med"/>
+                      <a:tailEnd type="none" w="med" len="med"/>
+                    </a:lnB>
+                    <a:cell3D prstMaterial="dkEdge">
+                      <a:bevel prst="cross"/>
+                      <a:lightRig rig="flood" dir="t"/>
+                    </a:cell3D>
+                    <a:solidFill>
+                      <a:schemeClr val="accent3">
+                        <a:lumMod val="60000"/>
+                        <a:lumOff val="40000"/>
+                      </a:schemeClr>
+                    </a:solidFill>
+                  </a:tcPr>
+                </a:tc>
+                <a:tc>
+                  <a:txBody>
+                    <a:bodyPr/>
+                    <a:lstStyle/>
+                    <a:p>
+                      <a:pPr algn="ctr"/>
+                      <a:r>
+                        <a:rPr lang="es-ES" sz="1050" dirty="0"/>
+                        <a:t>0</a:t>
+                      </a:r>
+                    </a:p>
+                  </a:txBody>
+                  <a:tcPr anchor="ctr">
+                    <a:lnL w="12700" cap="flat" cmpd="sng" algn="ctr">
+                      <a:solidFill>
+                        <a:schemeClr val="tx1"/>
+                      </a:solidFill>
+                      <a:prstDash val="solid"/>
+                      <a:round/>
+                      <a:headEnd type="none" w="med" len="med"/>
+                      <a:tailEnd type="none" w="med" len="med"/>
+                    </a:lnL>
+                    <a:lnR w="12700" cap="flat" cmpd="sng" algn="ctr">
+                      <a:solidFill>
+                        <a:schemeClr val="tx1"/>
+                      </a:solidFill>
+                      <a:prstDash val="solid"/>
+                      <a:round/>
+                      <a:headEnd type="none" w="med" len="med"/>
+                      <a:tailEnd type="none" w="med" len="med"/>
+                    </a:lnR>
+                    <a:lnT w="12700" cap="flat" cmpd="sng" algn="ctr">
+                      <a:solidFill>
+                        <a:schemeClr val="tx1"/>
+                      </a:solidFill>
+                      <a:prstDash val="solid"/>
+                      <a:round/>
+                      <a:headEnd type="none" w="med" len="med"/>
+                      <a:tailEnd type="none" w="med" len="med"/>
+                    </a:lnT>
+                    <a:lnB w="12700" cap="flat" cmpd="sng" algn="ctr">
+                      <a:solidFill>
+                        <a:schemeClr val="tx1"/>
+                      </a:solidFill>
+                      <a:prstDash val="solid"/>
+                      <a:round/>
+                      <a:headEnd type="none" w="med" len="med"/>
+                      <a:tailEnd type="none" w="med" len="med"/>
+                    </a:lnB>
+                    <a:cell3D prstMaterial="dkEdge">
+                      <a:bevel prst="cross"/>
+                      <a:lightRig rig="flood" dir="t"/>
+                    </a:cell3D>
+                    <a:solidFill>
+                      <a:srgbClr val="8FAADC"/>
+                    </a:solidFill>
+                  </a:tcPr>
+                </a:tc>
+                <a:tc>
+                  <a:txBody>
+                    <a:bodyPr/>
+                    <a:lstStyle/>
+                    <a:p>
+                      <a:pPr algn="ctr"/>
+                      <a:r>
+                        <a:rPr lang="es-ES" sz="1050" dirty="0"/>
+                        <a:t>0</a:t>
+                      </a:r>
+                    </a:p>
+                  </a:txBody>
+                  <a:tcPr anchor="ctr">
+                    <a:lnL w="12700" cap="flat" cmpd="sng" algn="ctr">
+                      <a:solidFill>
+                        <a:schemeClr val="tx1"/>
+                      </a:solidFill>
+                      <a:prstDash val="solid"/>
+                      <a:round/>
+                      <a:headEnd type="none" w="med" len="med"/>
+                      <a:tailEnd type="none" w="med" len="med"/>
+                    </a:lnL>
+                    <a:lnR w="12700" cap="flat" cmpd="sng" algn="ctr">
+                      <a:solidFill>
+                        <a:schemeClr val="tx1"/>
+                      </a:solidFill>
+                      <a:prstDash val="solid"/>
+                      <a:round/>
+                      <a:headEnd type="none" w="med" len="med"/>
+                      <a:tailEnd type="none" w="med" len="med"/>
+                    </a:lnR>
+                    <a:lnT w="12700" cap="flat" cmpd="sng" algn="ctr">
+                      <a:solidFill>
+                        <a:schemeClr val="tx1"/>
+                      </a:solidFill>
+                      <a:prstDash val="solid"/>
+                      <a:round/>
+                      <a:headEnd type="none" w="med" len="med"/>
+                      <a:tailEnd type="none" w="med" len="med"/>
+                    </a:lnT>
+                    <a:lnB w="12700" cap="flat" cmpd="sng" algn="ctr">
+                      <a:solidFill>
+                        <a:schemeClr val="tx1"/>
+                      </a:solidFill>
+                      <a:prstDash val="solid"/>
+                      <a:round/>
+                      <a:headEnd type="none" w="med" len="med"/>
+                      <a:tailEnd type="none" w="med" len="med"/>
+                    </a:lnB>
+                    <a:cell3D prstMaterial="dkEdge">
+                      <a:bevel prst="cross"/>
+                      <a:lightRig rig="flood" dir="t"/>
+                    </a:cell3D>
+                    <a:solidFill>
+                      <a:srgbClr val="8FAADC"/>
+                    </a:solidFill>
+                  </a:tcPr>
+                </a:tc>
+                <a:tc>
+                  <a:txBody>
+                    <a:bodyPr/>
+                    <a:lstStyle/>
+                    <a:p>
+                      <a:pPr algn="ctr"/>
+                      <a:r>
+                        <a:rPr lang="es-ES" sz="1050" dirty="0"/>
+                        <a:t>0</a:t>
+                      </a:r>
+                    </a:p>
+                  </a:txBody>
+                  <a:tcPr anchor="ctr">
+                    <a:lnL w="12700" cap="flat" cmpd="sng" algn="ctr">
+                      <a:solidFill>
+                        <a:schemeClr val="tx1"/>
+                      </a:solidFill>
+                      <a:prstDash val="solid"/>
+                      <a:round/>
+                      <a:headEnd type="none" w="med" len="med"/>
+                      <a:tailEnd type="none" w="med" len="med"/>
+                    </a:lnL>
+                    <a:lnR w="12700" cap="flat" cmpd="sng" algn="ctr">
+                      <a:solidFill>
+                        <a:schemeClr val="tx1"/>
+                      </a:solidFill>
+                      <a:prstDash val="solid"/>
+                      <a:round/>
+                      <a:headEnd type="none" w="med" len="med"/>
+                      <a:tailEnd type="none" w="med" len="med"/>
+                    </a:lnR>
+                    <a:lnT w="12700" cap="flat" cmpd="sng" algn="ctr">
+                      <a:solidFill>
+                        <a:schemeClr val="tx1"/>
+                      </a:solidFill>
+                      <a:prstDash val="solid"/>
+                      <a:round/>
+                      <a:headEnd type="none" w="med" len="med"/>
+                      <a:tailEnd type="none" w="med" len="med"/>
+                    </a:lnT>
+                    <a:lnB w="12700" cap="flat" cmpd="sng" algn="ctr">
+                      <a:solidFill>
+                        <a:schemeClr val="tx1"/>
+                      </a:solidFill>
+                      <a:prstDash val="solid"/>
+                      <a:round/>
+                      <a:headEnd type="none" w="med" len="med"/>
+                      <a:tailEnd type="none" w="med" len="med"/>
+                    </a:lnB>
+                    <a:solidFill>
+                      <a:srgbClr val="8FAADC"/>
+                    </a:solidFill>
+                  </a:tcPr>
+                </a:tc>
+                <a:tc>
+                  <a:txBody>
+                    <a:bodyPr/>
+                    <a:lstStyle/>
+                    <a:p>
+                      <a:pPr algn="ctr"/>
+                      <a:r>
+                        <a:rPr lang="es-ES" sz="1050" dirty="0"/>
+                        <a:t>0</a:t>
+                      </a:r>
+                    </a:p>
+                  </a:txBody>
+                  <a:tcPr anchor="ctr">
+                    <a:lnL w="12700" cap="flat" cmpd="sng" algn="ctr">
+                      <a:solidFill>
+                        <a:schemeClr val="tx1"/>
+                      </a:solidFill>
+                      <a:prstDash val="solid"/>
+                      <a:round/>
+                      <a:headEnd type="none" w="med" len="med"/>
+                      <a:tailEnd type="none" w="med" len="med"/>
+                    </a:lnL>
+                    <a:lnR w="12700" cap="flat" cmpd="sng" algn="ctr">
+                      <a:solidFill>
+                        <a:schemeClr val="tx1"/>
+                      </a:solidFill>
+                      <a:prstDash val="solid"/>
+                      <a:round/>
+                      <a:headEnd type="none" w="med" len="med"/>
+                      <a:tailEnd type="none" w="med" len="med"/>
+                    </a:lnR>
+                    <a:lnT w="12700" cap="flat" cmpd="sng" algn="ctr">
+                      <a:solidFill>
+                        <a:schemeClr val="tx1"/>
+                      </a:solidFill>
+                      <a:prstDash val="solid"/>
+                      <a:round/>
+                      <a:headEnd type="none" w="med" len="med"/>
+                      <a:tailEnd type="none" w="med" len="med"/>
+                    </a:lnT>
+                    <a:lnB w="12700" cap="flat" cmpd="sng" algn="ctr">
+                      <a:solidFill>
+                        <a:schemeClr val="tx1"/>
+                      </a:solidFill>
+                      <a:prstDash val="solid"/>
+                      <a:round/>
+                      <a:headEnd type="none" w="med" len="med"/>
+                      <a:tailEnd type="none" w="med" len="med"/>
+                    </a:lnB>
+                    <a:solidFill>
+                      <a:srgbClr val="C9C9C9"/>
+                    </a:solidFill>
+                  </a:tcPr>
+                </a:tc>
+                <a:tc>
+                  <a:txBody>
+                    <a:bodyPr/>
+                    <a:lstStyle/>
+                    <a:p>
+                      <a:pPr algn="ctr"/>
+                      <a:r>
+                        <a:rPr lang="es-ES" sz="1050" dirty="0"/>
+                        <a:t>0</a:t>
+                      </a:r>
+                    </a:p>
+                  </a:txBody>
+                  <a:tcPr anchor="ctr">
+                    <a:lnL w="12700" cap="flat" cmpd="sng" algn="ctr">
+                      <a:solidFill>
+                        <a:schemeClr val="tx1"/>
+                      </a:solidFill>
+                      <a:prstDash val="solid"/>
+                      <a:round/>
+                      <a:headEnd type="none" w="med" len="med"/>
+                      <a:tailEnd type="none" w="med" len="med"/>
+                    </a:lnL>
+                    <a:lnR w="12700" cap="flat" cmpd="sng" algn="ctr">
+                      <a:solidFill>
+                        <a:schemeClr val="tx1"/>
+                      </a:solidFill>
+                      <a:prstDash val="solid"/>
+                      <a:round/>
+                      <a:headEnd type="none" w="med" len="med"/>
+                      <a:tailEnd type="none" w="med" len="med"/>
+                    </a:lnR>
+                    <a:lnT w="12700" cap="flat" cmpd="sng" algn="ctr">
+                      <a:solidFill>
+                        <a:schemeClr val="tx1"/>
+                      </a:solidFill>
+                      <a:prstDash val="solid"/>
+                      <a:round/>
+                      <a:headEnd type="none" w="med" len="med"/>
+                      <a:tailEnd type="none" w="med" len="med"/>
+                    </a:lnT>
+                    <a:lnB w="12700" cap="flat" cmpd="sng" algn="ctr">
+                      <a:solidFill>
+                        <a:schemeClr val="tx1"/>
+                      </a:solidFill>
+                      <a:prstDash val="solid"/>
+                      <a:round/>
+                      <a:headEnd type="none" w="med" len="med"/>
+                      <a:tailEnd type="none" w="med" len="med"/>
+                    </a:lnB>
+                    <a:solidFill>
+                      <a:schemeClr val="accent3">
+                        <a:lumMod val="60000"/>
+                        <a:lumOff val="40000"/>
+                      </a:schemeClr>
+                    </a:solidFill>
+                  </a:tcPr>
+                </a:tc>
+                <a:tc>
+                  <a:txBody>
+                    <a:bodyPr/>
+                    <a:lstStyle/>
+                    <a:p>
+                      <a:pPr algn="ctr"/>
+                      <a:r>
+                        <a:rPr lang="es-ES" sz="1050" dirty="0"/>
+                        <a:t>0</a:t>
+                      </a:r>
+                    </a:p>
+                  </a:txBody>
+                  <a:tcPr anchor="ctr">
+                    <a:lnL w="12700" cap="flat" cmpd="sng" algn="ctr">
+                      <a:solidFill>
+                        <a:schemeClr val="tx1"/>
+                      </a:solidFill>
+                      <a:prstDash val="solid"/>
+                      <a:round/>
+                      <a:headEnd type="none" w="med" len="med"/>
+                      <a:tailEnd type="none" w="med" len="med"/>
+                    </a:lnL>
+                    <a:lnR w="12700" cap="flat" cmpd="sng" algn="ctr">
+                      <a:solidFill>
+                        <a:schemeClr val="tx1"/>
+                      </a:solidFill>
+                      <a:prstDash val="solid"/>
+                      <a:round/>
+                      <a:headEnd type="none" w="med" len="med"/>
+                      <a:tailEnd type="none" w="med" len="med"/>
+                    </a:lnR>
+                    <a:lnT w="12700" cap="flat" cmpd="sng" algn="ctr">
+                      <a:solidFill>
+                        <a:schemeClr val="tx1"/>
+                      </a:solidFill>
+                      <a:prstDash val="solid"/>
+                      <a:round/>
+                      <a:headEnd type="none" w="med" len="med"/>
+                      <a:tailEnd type="none" w="med" len="med"/>
+                    </a:lnT>
+                    <a:lnB w="12700" cap="flat" cmpd="sng" algn="ctr">
+                      <a:solidFill>
+                        <a:schemeClr val="tx1"/>
+                      </a:solidFill>
+                      <a:prstDash val="solid"/>
+                      <a:round/>
+                      <a:headEnd type="none" w="med" len="med"/>
+                      <a:tailEnd type="none" w="med" len="med"/>
+                    </a:lnB>
+                    <a:solidFill>
+                      <a:schemeClr val="accent3">
+                        <a:lumMod val="60000"/>
+                        <a:lumOff val="40000"/>
+                      </a:schemeClr>
+                    </a:solidFill>
+                  </a:tcPr>
+                </a:tc>
+                <a:extLst>
+                  <a:ext uri="{0D108BD9-81ED-4DB2-BD59-A6C34878D82A}">
+                    <a16:rowId xmlns:a16="http://schemas.microsoft.com/office/drawing/2014/main" val="2803611539"/>
+                  </a:ext>
+                </a:extLst>
+              </a:tr>
+              <a:tr h="398545">
+                <a:tc>
+                  <a:txBody>
+                    <a:bodyPr/>
+                    <a:lstStyle/>
+                    <a:p>
+                      <a:pPr algn="ctr"/>
+                      <a:r>
+                        <a:rPr lang="es-ES" sz="1050" dirty="0"/>
+                        <a:t>0</a:t>
+                      </a:r>
+                    </a:p>
+                  </a:txBody>
+                  <a:tcPr anchor="ctr">
+                    <a:lnL w="12700" cap="flat" cmpd="sng" algn="ctr">
+                      <a:solidFill>
+                        <a:schemeClr val="tx1"/>
+                      </a:solidFill>
+                      <a:prstDash val="solid"/>
+                      <a:round/>
+                      <a:headEnd type="none" w="med" len="med"/>
+                      <a:tailEnd type="none" w="med" len="med"/>
+                    </a:lnL>
+                    <a:lnR w="12700" cap="flat" cmpd="sng" algn="ctr">
+                      <a:solidFill>
+                        <a:schemeClr val="tx1"/>
+                      </a:solidFill>
+                      <a:prstDash val="solid"/>
+                      <a:round/>
+                      <a:headEnd type="none" w="med" len="med"/>
+                      <a:tailEnd type="none" w="med" len="med"/>
+                    </a:lnR>
+                    <a:lnT w="12700" cap="flat" cmpd="sng" algn="ctr">
+                      <a:solidFill>
+                        <a:schemeClr val="tx1"/>
+                      </a:solidFill>
+                      <a:prstDash val="solid"/>
+                      <a:round/>
+                      <a:headEnd type="none" w="med" len="med"/>
+                      <a:tailEnd type="none" w="med" len="med"/>
+                    </a:lnT>
+                    <a:lnB w="12700" cap="flat" cmpd="sng" algn="ctr">
+                      <a:solidFill>
+                        <a:schemeClr val="tx1"/>
+                      </a:solidFill>
+                      <a:prstDash val="solid"/>
+                      <a:round/>
+                      <a:headEnd type="none" w="med" len="med"/>
+                      <a:tailEnd type="none" w="med" len="med"/>
+                    </a:lnB>
+                    <a:cell3D prstMaterial="dkEdge">
+                      <a:bevel prst="cross"/>
+                      <a:lightRig rig="flood" dir="t"/>
+                    </a:cell3D>
+                    <a:solidFill>
+                      <a:schemeClr val="bg2">
+                        <a:lumMod val="90000"/>
+                      </a:schemeClr>
+                    </a:solidFill>
+                  </a:tcPr>
+                </a:tc>
+                <a:tc>
+                  <a:txBody>
+                    <a:bodyPr/>
+                    <a:lstStyle/>
+                    <a:p>
+                      <a:pPr algn="ctr"/>
+                      <a:r>
+                        <a:rPr lang="es-ES" sz="1050" dirty="0"/>
+                        <a:t>0</a:t>
+                      </a:r>
+                    </a:p>
+                  </a:txBody>
+                  <a:tcPr anchor="ctr">
+                    <a:lnL w="12700" cap="flat" cmpd="sng" algn="ctr">
+                      <a:solidFill>
+                        <a:schemeClr val="tx1"/>
+                      </a:solidFill>
+                      <a:prstDash val="solid"/>
+                      <a:round/>
+                      <a:headEnd type="none" w="med" len="med"/>
+                      <a:tailEnd type="none" w="med" len="med"/>
+                    </a:lnL>
+                    <a:lnR w="12700" cap="flat" cmpd="sng" algn="ctr">
+                      <a:solidFill>
+                        <a:schemeClr val="tx1"/>
+                      </a:solidFill>
+                      <a:prstDash val="solid"/>
+                      <a:round/>
+                      <a:headEnd type="none" w="med" len="med"/>
+                      <a:tailEnd type="none" w="med" len="med"/>
+                    </a:lnR>
+                    <a:lnT w="12700" cap="flat" cmpd="sng" algn="ctr">
+                      <a:solidFill>
+                        <a:schemeClr val="tx1"/>
+                      </a:solidFill>
+                      <a:prstDash val="solid"/>
+                      <a:round/>
+                      <a:headEnd type="none" w="med" len="med"/>
+                      <a:tailEnd type="none" w="med" len="med"/>
+                    </a:lnT>
+                    <a:lnB w="12700" cap="flat" cmpd="sng" algn="ctr">
+                      <a:solidFill>
+                        <a:schemeClr val="tx1"/>
+                      </a:solidFill>
+                      <a:prstDash val="solid"/>
+                      <a:round/>
+                      <a:headEnd type="none" w="med" len="med"/>
+                      <a:tailEnd type="none" w="med" len="med"/>
+                    </a:lnB>
+                    <a:cell3D prstMaterial="dkEdge">
+                      <a:bevel prst="cross"/>
+                      <a:lightRig rig="flood" dir="t"/>
+                    </a:cell3D>
+                    <a:solidFill>
+                      <a:srgbClr val="8FAADC"/>
+                    </a:solidFill>
+                  </a:tcPr>
+                </a:tc>
+                <a:tc>
+                  <a:txBody>
+                    <a:bodyPr/>
+                    <a:lstStyle/>
+                    <a:p>
+                      <a:pPr algn="ctr"/>
+                      <a:r>
+                        <a:rPr lang="es-ES" sz="1050" dirty="0"/>
+                        <a:t>252</a:t>
+                      </a:r>
+                    </a:p>
+                  </a:txBody>
+                  <a:tcPr anchor="ctr">
+                    <a:lnL w="12700" cap="flat" cmpd="sng" algn="ctr">
+                      <a:solidFill>
+                        <a:schemeClr val="tx1"/>
+                      </a:solidFill>
+                      <a:prstDash val="solid"/>
+                      <a:round/>
+                      <a:headEnd type="none" w="med" len="med"/>
+                      <a:tailEnd type="none" w="med" len="med"/>
+                    </a:lnL>
+                    <a:lnR w="12700" cap="flat" cmpd="sng" algn="ctr">
+                      <a:solidFill>
+                        <a:schemeClr val="tx1"/>
+                      </a:solidFill>
+                      <a:prstDash val="solid"/>
+                      <a:round/>
+                      <a:headEnd type="none" w="med" len="med"/>
+                      <a:tailEnd type="none" w="med" len="med"/>
+                    </a:lnR>
+                    <a:lnT w="12700" cap="flat" cmpd="sng" algn="ctr">
+                      <a:solidFill>
+                        <a:schemeClr val="tx1"/>
+                      </a:solidFill>
+                      <a:prstDash val="solid"/>
+                      <a:round/>
+                      <a:headEnd type="none" w="med" len="med"/>
+                      <a:tailEnd type="none" w="med" len="med"/>
+                    </a:lnT>
+                    <a:lnB w="12700" cap="flat" cmpd="sng" algn="ctr">
+                      <a:solidFill>
+                        <a:schemeClr val="tx1"/>
+                      </a:solidFill>
+                      <a:prstDash val="solid"/>
+                      <a:round/>
+                      <a:headEnd type="none" w="med" len="med"/>
+                      <a:tailEnd type="none" w="med" len="med"/>
+                    </a:lnB>
+                    <a:cell3D prstMaterial="dkEdge">
+                      <a:bevel prst="cross"/>
+                      <a:lightRig rig="flood" dir="t"/>
+                    </a:cell3D>
+                    <a:solidFill>
+                      <a:srgbClr val="8FAADC"/>
+                    </a:solidFill>
+                  </a:tcPr>
+                </a:tc>
+                <a:tc>
+                  <a:txBody>
+                    <a:bodyPr/>
+                    <a:lstStyle/>
+                    <a:p>
+                      <a:pPr algn="ctr"/>
+                      <a:r>
+                        <a:rPr lang="es-ES" sz="1050" dirty="0"/>
+                        <a:t>0</a:t>
+                      </a:r>
+                    </a:p>
+                  </a:txBody>
+                  <a:tcPr anchor="ctr">
+                    <a:lnL w="12700" cap="flat" cmpd="sng" algn="ctr">
+                      <a:solidFill>
+                        <a:schemeClr val="tx1"/>
+                      </a:solidFill>
+                      <a:prstDash val="solid"/>
+                      <a:round/>
+                      <a:headEnd type="none" w="med" len="med"/>
+                      <a:tailEnd type="none" w="med" len="med"/>
+                    </a:lnL>
+                    <a:lnR w="12700" cap="flat" cmpd="sng" algn="ctr">
+                      <a:solidFill>
+                        <a:schemeClr val="tx1"/>
+                      </a:solidFill>
+                      <a:prstDash val="solid"/>
+                      <a:round/>
+                      <a:headEnd type="none" w="med" len="med"/>
+                      <a:tailEnd type="none" w="med" len="med"/>
+                    </a:lnR>
+                    <a:lnT w="12700" cap="flat" cmpd="sng" algn="ctr">
+                      <a:solidFill>
+                        <a:schemeClr val="tx1"/>
+                      </a:solidFill>
+                      <a:prstDash val="solid"/>
+                      <a:round/>
+                      <a:headEnd type="none" w="med" len="med"/>
+                      <a:tailEnd type="none" w="med" len="med"/>
+                    </a:lnT>
+                    <a:lnB w="12700" cap="flat" cmpd="sng" algn="ctr">
+                      <a:solidFill>
+                        <a:schemeClr val="tx1"/>
+                      </a:solidFill>
+                      <a:prstDash val="solid"/>
+                      <a:round/>
+                      <a:headEnd type="none" w="med" len="med"/>
+                      <a:tailEnd type="none" w="med" len="med"/>
+                    </a:lnB>
+                    <a:solidFill>
+                      <a:srgbClr val="8FAADC"/>
+                    </a:solidFill>
+                  </a:tcPr>
+                </a:tc>
+                <a:tc>
+                  <a:txBody>
+                    <a:bodyPr/>
+                    <a:lstStyle/>
+                    <a:p>
+                      <a:pPr algn="ctr"/>
+                      <a:r>
+                        <a:rPr lang="es-ES" sz="1050" dirty="0"/>
+                        <a:t>243</a:t>
+                      </a:r>
+                    </a:p>
+                  </a:txBody>
+                  <a:tcPr anchor="ctr">
+                    <a:lnL w="12700" cap="flat" cmpd="sng" algn="ctr">
+                      <a:solidFill>
+                        <a:schemeClr val="tx1"/>
+                      </a:solidFill>
+                      <a:prstDash val="solid"/>
+                      <a:round/>
+                      <a:headEnd type="none" w="med" len="med"/>
+                      <a:tailEnd type="none" w="med" len="med"/>
+                    </a:lnL>
+                    <a:lnR w="12700" cap="flat" cmpd="sng" algn="ctr">
+                      <a:solidFill>
+                        <a:schemeClr val="tx1"/>
+                      </a:solidFill>
+                      <a:prstDash val="solid"/>
+                      <a:round/>
+                      <a:headEnd type="none" w="med" len="med"/>
+                      <a:tailEnd type="none" w="med" len="med"/>
+                    </a:lnR>
+                    <a:lnT w="12700" cap="flat" cmpd="sng" algn="ctr">
+                      <a:solidFill>
+                        <a:schemeClr val="tx1"/>
+                      </a:solidFill>
+                      <a:prstDash val="solid"/>
+                      <a:round/>
+                      <a:headEnd type="none" w="med" len="med"/>
+                      <a:tailEnd type="none" w="med" len="med"/>
+                    </a:lnT>
+                    <a:lnB w="12700" cap="flat" cmpd="sng" algn="ctr">
+                      <a:solidFill>
+                        <a:schemeClr val="tx1"/>
+                      </a:solidFill>
+                      <a:prstDash val="solid"/>
+                      <a:round/>
+                      <a:headEnd type="none" w="med" len="med"/>
+                      <a:tailEnd type="none" w="med" len="med"/>
+                    </a:lnB>
+                    <a:solidFill>
+                      <a:srgbClr val="E9EBF6"/>
+                    </a:solidFill>
+                  </a:tcPr>
+                </a:tc>
+                <a:tc>
+                  <a:txBody>
+                    <a:bodyPr/>
+                    <a:lstStyle/>
+                    <a:p>
+                      <a:pPr algn="ctr"/>
+                      <a:r>
+                        <a:rPr lang="es-ES" sz="1050" dirty="0"/>
+                        <a:t>0</a:t>
+                      </a:r>
+                    </a:p>
+                  </a:txBody>
+                  <a:tcPr anchor="ctr">
+                    <a:lnL w="12700" cap="flat" cmpd="sng" algn="ctr">
+                      <a:solidFill>
+                        <a:schemeClr val="tx1"/>
+                      </a:solidFill>
+                      <a:prstDash val="solid"/>
+                      <a:round/>
+                      <a:headEnd type="none" w="med" len="med"/>
+                      <a:tailEnd type="none" w="med" len="med"/>
+                    </a:lnL>
+                    <a:lnR w="12700" cap="flat" cmpd="sng" algn="ctr">
+                      <a:solidFill>
+                        <a:schemeClr val="tx1"/>
+                      </a:solidFill>
+                      <a:prstDash val="solid"/>
+                      <a:round/>
+                      <a:headEnd type="none" w="med" len="med"/>
+                      <a:tailEnd type="none" w="med" len="med"/>
+                    </a:lnR>
+                    <a:lnT w="12700" cap="flat" cmpd="sng" algn="ctr">
+                      <a:solidFill>
+                        <a:schemeClr val="tx1"/>
+                      </a:solidFill>
+                      <a:prstDash val="solid"/>
+                      <a:round/>
+                      <a:headEnd type="none" w="med" len="med"/>
+                      <a:tailEnd type="none" w="med" len="med"/>
+                    </a:lnT>
+                    <a:lnB w="12700" cap="flat" cmpd="sng" algn="ctr">
+                      <a:solidFill>
+                        <a:schemeClr val="tx1"/>
+                      </a:solidFill>
+                      <a:prstDash val="solid"/>
+                      <a:round/>
+                      <a:headEnd type="none" w="med" len="med"/>
+                      <a:tailEnd type="none" w="med" len="med"/>
+                    </a:lnB>
+                    <a:solidFill>
+                      <a:schemeClr val="bg2">
+                        <a:lumMod val="90000"/>
+                      </a:schemeClr>
+                    </a:solidFill>
+                  </a:tcPr>
+                </a:tc>
+                <a:tc>
+                  <a:txBody>
+                    <a:bodyPr/>
+                    <a:lstStyle/>
+                    <a:p>
+                      <a:pPr algn="ctr"/>
+                      <a:r>
+                        <a:rPr lang="es-ES" sz="1050" dirty="0"/>
+                        <a:t>0</a:t>
+                      </a:r>
+                    </a:p>
+                  </a:txBody>
+                  <a:tcPr anchor="ctr">
+                    <a:lnL w="12700" cap="flat" cmpd="sng" algn="ctr">
+                      <a:solidFill>
+                        <a:schemeClr val="tx1"/>
+                      </a:solidFill>
+                      <a:prstDash val="solid"/>
+                      <a:round/>
+                      <a:headEnd type="none" w="med" len="med"/>
+                      <a:tailEnd type="none" w="med" len="med"/>
+                    </a:lnL>
+                    <a:lnR w="12700" cap="flat" cmpd="sng" algn="ctr">
+                      <a:solidFill>
+                        <a:schemeClr val="tx1"/>
+                      </a:solidFill>
+                      <a:prstDash val="solid"/>
+                      <a:round/>
+                      <a:headEnd type="none" w="med" len="med"/>
+                      <a:tailEnd type="none" w="med" len="med"/>
+                    </a:lnR>
+                    <a:lnT w="12700" cap="flat" cmpd="sng" algn="ctr">
+                      <a:solidFill>
+                        <a:schemeClr val="tx1"/>
+                      </a:solidFill>
+                      <a:prstDash val="solid"/>
+                      <a:round/>
+                      <a:headEnd type="none" w="med" len="med"/>
+                      <a:tailEnd type="none" w="med" len="med"/>
+                    </a:lnT>
+                    <a:lnB w="12700" cap="flat" cmpd="sng" algn="ctr">
+                      <a:solidFill>
+                        <a:schemeClr val="tx1"/>
+                      </a:solidFill>
+                      <a:prstDash val="solid"/>
+                      <a:round/>
+                      <a:headEnd type="none" w="med" len="med"/>
+                      <a:tailEnd type="none" w="med" len="med"/>
+                    </a:lnB>
+                    <a:solidFill>
+                      <a:schemeClr val="bg2">
+                        <a:lumMod val="90000"/>
+                      </a:schemeClr>
+                    </a:solidFill>
+                  </a:tcPr>
+                </a:tc>
+                <a:extLst>
+                  <a:ext uri="{0D108BD9-81ED-4DB2-BD59-A6C34878D82A}">
+                    <a16:rowId xmlns:a16="http://schemas.microsoft.com/office/drawing/2014/main" val="3030366850"/>
+                  </a:ext>
+                </a:extLst>
+              </a:tr>
+              <a:tr h="377225">
+                <a:tc>
+                  <a:txBody>
+                    <a:bodyPr/>
+                    <a:lstStyle/>
+                    <a:p>
+                      <a:pPr algn="ctr"/>
+                      <a:r>
+                        <a:rPr lang="es-ES" sz="1050" dirty="0"/>
+                        <a:t>0</a:t>
+                      </a:r>
+                    </a:p>
+                  </a:txBody>
+                  <a:tcPr anchor="ctr">
+                    <a:lnL w="12700" cap="flat" cmpd="sng" algn="ctr">
+                      <a:solidFill>
+                        <a:schemeClr val="tx1"/>
+                      </a:solidFill>
+                      <a:prstDash val="solid"/>
+                      <a:round/>
+                      <a:headEnd type="none" w="med" len="med"/>
+                      <a:tailEnd type="none" w="med" len="med"/>
+                    </a:lnL>
+                    <a:lnR w="12700" cap="flat" cmpd="sng" algn="ctr">
+                      <a:solidFill>
+                        <a:schemeClr val="tx1"/>
+                      </a:solidFill>
+                      <a:prstDash val="solid"/>
+                      <a:round/>
+                      <a:headEnd type="none" w="med" len="med"/>
+                      <a:tailEnd type="none" w="med" len="med"/>
+                    </a:lnR>
+                    <a:lnT w="12700" cap="flat" cmpd="sng" algn="ctr">
+                      <a:solidFill>
+                        <a:schemeClr val="tx1"/>
+                      </a:solidFill>
+                      <a:prstDash val="solid"/>
+                      <a:round/>
+                      <a:headEnd type="none" w="med" len="med"/>
+                      <a:tailEnd type="none" w="med" len="med"/>
+                    </a:lnT>
+                    <a:lnB w="12700" cap="flat" cmpd="sng" algn="ctr">
+                      <a:solidFill>
+                        <a:schemeClr val="tx1"/>
+                      </a:solidFill>
+                      <a:prstDash val="solid"/>
+                      <a:round/>
+                      <a:headEnd type="none" w="med" len="med"/>
+                      <a:tailEnd type="none" w="med" len="med"/>
+                    </a:lnB>
+                    <a:solidFill>
+                      <a:schemeClr val="bg2">
+                        <a:lumMod val="90000"/>
+                      </a:schemeClr>
+                    </a:solidFill>
+                  </a:tcPr>
+                </a:tc>
+                <a:tc>
+                  <a:txBody>
+                    <a:bodyPr/>
+                    <a:lstStyle/>
+                    <a:p>
+                      <a:pPr algn="ctr"/>
+                      <a:r>
+                        <a:rPr lang="es-ES" sz="1050" dirty="0"/>
+                        <a:t>0</a:t>
+                      </a:r>
+                    </a:p>
+                  </a:txBody>
+                  <a:tcPr anchor="ctr">
+                    <a:lnL w="12700" cap="flat" cmpd="sng" algn="ctr">
+                      <a:solidFill>
+                        <a:schemeClr val="tx1"/>
+                      </a:solidFill>
+                      <a:prstDash val="solid"/>
+                      <a:round/>
+                      <a:headEnd type="none" w="med" len="med"/>
+                      <a:tailEnd type="none" w="med" len="med"/>
+                    </a:lnL>
+                    <a:lnR w="12700" cap="flat" cmpd="sng" algn="ctr">
+                      <a:solidFill>
+                        <a:schemeClr val="tx1"/>
+                      </a:solidFill>
+                      <a:prstDash val="solid"/>
+                      <a:round/>
+                      <a:headEnd type="none" w="med" len="med"/>
+                      <a:tailEnd type="none" w="med" len="med"/>
+                    </a:lnR>
+                    <a:lnT w="12700" cap="flat" cmpd="sng" algn="ctr">
+                      <a:solidFill>
+                        <a:schemeClr val="tx1"/>
+                      </a:solidFill>
+                      <a:prstDash val="solid"/>
+                      <a:round/>
+                      <a:headEnd type="none" w="med" len="med"/>
+                      <a:tailEnd type="none" w="med" len="med"/>
+                    </a:lnT>
+                    <a:lnB w="12700" cap="flat" cmpd="sng" algn="ctr">
+                      <a:solidFill>
+                        <a:schemeClr val="tx1"/>
+                      </a:solidFill>
+                      <a:prstDash val="solid"/>
+                      <a:round/>
+                      <a:headEnd type="none" w="med" len="med"/>
+                      <a:tailEnd type="none" w="med" len="med"/>
+                    </a:lnB>
+                    <a:solidFill>
+                      <a:schemeClr val="bg2">
+                        <a:lumMod val="90000"/>
+                      </a:schemeClr>
+                    </a:solidFill>
+                  </a:tcPr>
+                </a:tc>
+                <a:tc>
+                  <a:txBody>
+                    <a:bodyPr/>
+                    <a:lstStyle/>
+                    <a:p>
+                      <a:pPr algn="ctr"/>
+                      <a:r>
+                        <a:rPr lang="es-ES" sz="1050" dirty="0"/>
+                        <a:t>0</a:t>
+                      </a:r>
+                    </a:p>
+                  </a:txBody>
+                  <a:tcPr anchor="ctr">
+                    <a:lnL w="12700" cap="flat" cmpd="sng" algn="ctr">
+                      <a:solidFill>
+                        <a:schemeClr val="tx1"/>
+                      </a:solidFill>
+                      <a:prstDash val="solid"/>
+                      <a:round/>
+                      <a:headEnd type="none" w="med" len="med"/>
+                      <a:tailEnd type="none" w="med" len="med"/>
+                    </a:lnL>
+                    <a:lnR w="12700" cap="flat" cmpd="sng" algn="ctr">
+                      <a:solidFill>
+                        <a:schemeClr val="tx1"/>
+                      </a:solidFill>
+                      <a:prstDash val="solid"/>
+                      <a:round/>
+                      <a:headEnd type="none" w="med" len="med"/>
+                      <a:tailEnd type="none" w="med" len="med"/>
+                    </a:lnR>
+                    <a:lnT w="12700" cap="flat" cmpd="sng" algn="ctr">
+                      <a:solidFill>
+                        <a:schemeClr val="tx1"/>
+                      </a:solidFill>
+                      <a:prstDash val="solid"/>
+                      <a:round/>
+                      <a:headEnd type="none" w="med" len="med"/>
+                      <a:tailEnd type="none" w="med" len="med"/>
+                    </a:lnT>
+                    <a:lnB w="12700" cap="flat" cmpd="sng" algn="ctr">
+                      <a:solidFill>
+                        <a:schemeClr val="tx1"/>
+                      </a:solidFill>
+                      <a:prstDash val="solid"/>
+                      <a:round/>
+                      <a:headEnd type="none" w="med" len="med"/>
+                      <a:tailEnd type="none" w="med" len="med"/>
+                    </a:lnB>
+                    <a:solidFill>
+                      <a:srgbClr val="D0CECE"/>
+                    </a:solidFill>
+                  </a:tcPr>
+                </a:tc>
+                <a:tc>
+                  <a:txBody>
+                    <a:bodyPr/>
+                    <a:lstStyle/>
+                    <a:p>
+                      <a:pPr algn="ctr"/>
+                      <a:r>
+                        <a:rPr lang="es-ES" sz="1050" dirty="0"/>
+                        <a:t>0</a:t>
+                      </a:r>
+                    </a:p>
+                  </a:txBody>
+                  <a:tcPr anchor="ctr">
+                    <a:lnL w="12700" cap="flat" cmpd="sng" algn="ctr">
+                      <a:solidFill>
+                        <a:schemeClr val="tx1"/>
+                      </a:solidFill>
+                      <a:prstDash val="solid"/>
+                      <a:round/>
+                      <a:headEnd type="none" w="med" len="med"/>
+                      <a:tailEnd type="none" w="med" len="med"/>
+                    </a:lnL>
+                    <a:lnR w="12700" cap="flat" cmpd="sng" algn="ctr">
+                      <a:solidFill>
+                        <a:schemeClr val="tx1"/>
+                      </a:solidFill>
+                      <a:prstDash val="solid"/>
+                      <a:round/>
+                      <a:headEnd type="none" w="med" len="med"/>
+                      <a:tailEnd type="none" w="med" len="med"/>
+                    </a:lnR>
+                    <a:lnT w="12700" cap="flat" cmpd="sng" algn="ctr">
+                      <a:solidFill>
+                        <a:schemeClr val="tx1"/>
+                      </a:solidFill>
+                      <a:prstDash val="solid"/>
+                      <a:round/>
+                      <a:headEnd type="none" w="med" len="med"/>
+                      <a:tailEnd type="none" w="med" len="med"/>
+                    </a:lnT>
+                    <a:lnB w="12700" cap="flat" cmpd="sng" algn="ctr">
+                      <a:solidFill>
+                        <a:schemeClr val="tx1"/>
+                      </a:solidFill>
+                      <a:prstDash val="solid"/>
+                      <a:round/>
+                      <a:headEnd type="none" w="med" len="med"/>
+                      <a:tailEnd type="none" w="med" len="med"/>
+                    </a:lnB>
+                    <a:solidFill>
+                      <a:srgbClr val="D0CECE"/>
+                    </a:solidFill>
+                  </a:tcPr>
+                </a:tc>
+                <a:tc>
+                  <a:txBody>
+                    <a:bodyPr/>
+                    <a:lstStyle/>
+                    <a:p>
+                      <a:pPr algn="ctr"/>
+                      <a:r>
+                        <a:rPr lang="es-ES" sz="1050" dirty="0"/>
+                        <a:t>0</a:t>
+                      </a:r>
+                    </a:p>
+                  </a:txBody>
+                  <a:tcPr anchor="ctr">
+                    <a:lnL w="12700" cap="flat" cmpd="sng" algn="ctr">
+                      <a:solidFill>
+                        <a:schemeClr val="tx1"/>
+                      </a:solidFill>
+                      <a:prstDash val="solid"/>
+                      <a:round/>
+                      <a:headEnd type="none" w="med" len="med"/>
+                      <a:tailEnd type="none" w="med" len="med"/>
+                    </a:lnL>
+                    <a:lnR w="12700" cap="flat" cmpd="sng" algn="ctr">
+                      <a:solidFill>
+                        <a:schemeClr val="tx1"/>
+                      </a:solidFill>
+                      <a:prstDash val="solid"/>
+                      <a:round/>
+                      <a:headEnd type="none" w="med" len="med"/>
+                      <a:tailEnd type="none" w="med" len="med"/>
+                    </a:lnR>
+                    <a:lnT w="12700" cap="flat" cmpd="sng" algn="ctr">
+                      <a:solidFill>
+                        <a:schemeClr val="tx1"/>
+                      </a:solidFill>
+                      <a:prstDash val="solid"/>
+                      <a:round/>
+                      <a:headEnd type="none" w="med" len="med"/>
+                      <a:tailEnd type="none" w="med" len="med"/>
+                    </a:lnT>
+                    <a:lnB w="12700" cap="flat" cmpd="sng" algn="ctr">
+                      <a:solidFill>
+                        <a:schemeClr val="tx1"/>
+                      </a:solidFill>
+                      <a:prstDash val="solid"/>
+                      <a:round/>
+                      <a:headEnd type="none" w="med" len="med"/>
+                      <a:tailEnd type="none" w="med" len="med"/>
+                    </a:lnB>
+                    <a:solidFill>
+                      <a:srgbClr val="D0CECE"/>
+                    </a:solidFill>
+                  </a:tcPr>
+                </a:tc>
+                <a:tc>
+                  <a:txBody>
+                    <a:bodyPr/>
+                    <a:lstStyle/>
+                    <a:p>
+                      <a:pPr algn="ctr"/>
+                      <a:r>
+                        <a:rPr lang="es-ES" sz="1050" dirty="0"/>
+                        <a:t>0</a:t>
+                      </a:r>
+                    </a:p>
+                  </a:txBody>
+                  <a:tcPr anchor="ctr">
+                    <a:lnL w="12700" cap="flat" cmpd="sng" algn="ctr">
+                      <a:solidFill>
+                        <a:schemeClr val="tx1"/>
+                      </a:solidFill>
+                      <a:prstDash val="solid"/>
+                      <a:round/>
+                      <a:headEnd type="none" w="med" len="med"/>
+                      <a:tailEnd type="none" w="med" len="med"/>
+                    </a:lnL>
+                    <a:lnR w="12700" cap="flat" cmpd="sng" algn="ctr">
+                      <a:solidFill>
+                        <a:schemeClr val="tx1"/>
+                      </a:solidFill>
+                      <a:prstDash val="solid"/>
+                      <a:round/>
+                      <a:headEnd type="none" w="med" len="med"/>
+                      <a:tailEnd type="none" w="med" len="med"/>
+                    </a:lnR>
+                    <a:lnT w="12700" cap="flat" cmpd="sng" algn="ctr">
+                      <a:solidFill>
+                        <a:schemeClr val="tx1"/>
+                      </a:solidFill>
+                      <a:prstDash val="solid"/>
+                      <a:round/>
+                      <a:headEnd type="none" w="med" len="med"/>
+                      <a:tailEnd type="none" w="med" len="med"/>
+                    </a:lnT>
+                    <a:lnB w="12700" cap="flat" cmpd="sng" algn="ctr">
+                      <a:solidFill>
+                        <a:schemeClr val="tx1"/>
+                      </a:solidFill>
+                      <a:prstDash val="solid"/>
+                      <a:round/>
+                      <a:headEnd type="none" w="med" len="med"/>
+                      <a:tailEnd type="none" w="med" len="med"/>
+                    </a:lnB>
+                    <a:solidFill>
+                      <a:schemeClr val="bg2">
+                        <a:lumMod val="90000"/>
+                      </a:schemeClr>
+                    </a:solidFill>
+                  </a:tcPr>
+                </a:tc>
+                <a:tc>
+                  <a:txBody>
+                    <a:bodyPr/>
+                    <a:lstStyle/>
+                    <a:p>
+                      <a:pPr algn="ctr"/>
+                      <a:r>
+                        <a:rPr lang="es-ES" sz="1050" dirty="0"/>
+                        <a:t>0</a:t>
+                      </a:r>
+                    </a:p>
+                  </a:txBody>
+                  <a:tcPr anchor="ctr">
+                    <a:lnL w="12700" cap="flat" cmpd="sng" algn="ctr">
+                      <a:solidFill>
+                        <a:schemeClr val="tx1"/>
+                      </a:solidFill>
+                      <a:prstDash val="solid"/>
+                      <a:round/>
+                      <a:headEnd type="none" w="med" len="med"/>
+                      <a:tailEnd type="none" w="med" len="med"/>
+                    </a:lnL>
+                    <a:lnR w="12700" cap="flat" cmpd="sng" algn="ctr">
+                      <a:solidFill>
+                        <a:schemeClr val="tx1"/>
+                      </a:solidFill>
+                      <a:prstDash val="solid"/>
+                      <a:round/>
+                      <a:headEnd type="none" w="med" len="med"/>
+                      <a:tailEnd type="none" w="med" len="med"/>
+                    </a:lnR>
+                    <a:lnT w="12700" cap="flat" cmpd="sng" algn="ctr">
+                      <a:solidFill>
+                        <a:schemeClr val="tx1"/>
+                      </a:solidFill>
+                      <a:prstDash val="solid"/>
+                      <a:round/>
+                      <a:headEnd type="none" w="med" len="med"/>
+                      <a:tailEnd type="none" w="med" len="med"/>
+                    </a:lnT>
+                    <a:lnB w="12700" cap="flat" cmpd="sng" algn="ctr">
+                      <a:solidFill>
+                        <a:schemeClr val="tx1"/>
+                      </a:solidFill>
+                      <a:prstDash val="solid"/>
+                      <a:round/>
+                      <a:headEnd type="none" w="med" len="med"/>
+                      <a:tailEnd type="none" w="med" len="med"/>
+                    </a:lnB>
+                    <a:solidFill>
+                      <a:schemeClr val="bg2">
+                        <a:lumMod val="90000"/>
+                      </a:schemeClr>
+                    </a:solidFill>
+                  </a:tcPr>
+                </a:tc>
+                <a:extLst>
+                  <a:ext uri="{0D108BD9-81ED-4DB2-BD59-A6C34878D82A}">
+                    <a16:rowId xmlns:a16="http://schemas.microsoft.com/office/drawing/2014/main" val="3950063790"/>
+                  </a:ext>
+                </a:extLst>
+              </a:tr>
+              <a:tr h="398545">
+                <a:tc>
+                  <a:txBody>
+                    <a:bodyPr/>
+                    <a:lstStyle/>
+                    <a:p>
+                      <a:pPr algn="ctr"/>
+                      <a:r>
+                        <a:rPr lang="es-ES" sz="1050" dirty="0"/>
+                        <a:t>0</a:t>
+                      </a:r>
+                    </a:p>
+                  </a:txBody>
+                  <a:tcPr anchor="ctr">
+                    <a:lnL w="12700" cap="flat" cmpd="sng" algn="ctr">
+                      <a:solidFill>
+                        <a:schemeClr val="tx1"/>
+                      </a:solidFill>
+                      <a:prstDash val="solid"/>
+                      <a:round/>
+                      <a:headEnd type="none" w="med" len="med"/>
+                      <a:tailEnd type="none" w="med" len="med"/>
+                    </a:lnL>
+                    <a:lnR w="12700" cap="flat" cmpd="sng" algn="ctr">
+                      <a:solidFill>
+                        <a:schemeClr val="tx1"/>
+                      </a:solidFill>
+                      <a:prstDash val="solid"/>
+                      <a:round/>
+                      <a:headEnd type="none" w="med" len="med"/>
+                      <a:tailEnd type="none" w="med" len="med"/>
+                    </a:lnR>
+                    <a:lnT w="12700" cap="flat" cmpd="sng" algn="ctr">
+                      <a:solidFill>
+                        <a:schemeClr val="tx1"/>
+                      </a:solidFill>
+                      <a:prstDash val="solid"/>
+                      <a:round/>
+                      <a:headEnd type="none" w="med" len="med"/>
+                      <a:tailEnd type="none" w="med" len="med"/>
+                    </a:lnT>
+                    <a:lnB w="12700" cap="flat" cmpd="sng" algn="ctr">
+                      <a:solidFill>
+                        <a:schemeClr val="tx1"/>
+                      </a:solidFill>
+                      <a:prstDash val="solid"/>
+                      <a:round/>
+                      <a:headEnd type="none" w="med" len="med"/>
+                      <a:tailEnd type="none" w="med" len="med"/>
+                    </a:lnB>
+                    <a:solidFill>
+                      <a:schemeClr val="bg2">
+                        <a:lumMod val="90000"/>
+                      </a:schemeClr>
+                    </a:solidFill>
+                  </a:tcPr>
+                </a:tc>
+                <a:tc>
+                  <a:txBody>
+                    <a:bodyPr/>
+                    <a:lstStyle/>
+                    <a:p>
+                      <a:pPr algn="ctr"/>
+                      <a:r>
+                        <a:rPr lang="es-ES" sz="1050" dirty="0"/>
+                        <a:t>0</a:t>
+                      </a:r>
+                    </a:p>
+                  </a:txBody>
+                  <a:tcPr anchor="ctr">
+                    <a:lnL w="12700" cap="flat" cmpd="sng" algn="ctr">
+                      <a:solidFill>
+                        <a:schemeClr val="tx1"/>
+                      </a:solidFill>
+                      <a:prstDash val="solid"/>
+                      <a:round/>
+                      <a:headEnd type="none" w="med" len="med"/>
+                      <a:tailEnd type="none" w="med" len="med"/>
+                    </a:lnL>
+                    <a:lnR w="12700" cap="flat" cmpd="sng" algn="ctr">
+                      <a:solidFill>
+                        <a:schemeClr val="tx1"/>
+                      </a:solidFill>
+                      <a:prstDash val="solid"/>
+                      <a:round/>
+                      <a:headEnd type="none" w="med" len="med"/>
+                      <a:tailEnd type="none" w="med" len="med"/>
+                    </a:lnR>
+                    <a:lnT w="12700" cap="flat" cmpd="sng" algn="ctr">
+                      <a:solidFill>
+                        <a:schemeClr val="tx1"/>
+                      </a:solidFill>
+                      <a:prstDash val="solid"/>
+                      <a:round/>
+                      <a:headEnd type="none" w="med" len="med"/>
+                      <a:tailEnd type="none" w="med" len="med"/>
+                    </a:lnT>
+                    <a:lnB w="12700" cap="flat" cmpd="sng" algn="ctr">
+                      <a:solidFill>
+                        <a:schemeClr val="tx1"/>
+                      </a:solidFill>
+                      <a:prstDash val="solid"/>
+                      <a:round/>
+                      <a:headEnd type="none" w="med" len="med"/>
+                      <a:tailEnd type="none" w="med" len="med"/>
+                    </a:lnB>
+                    <a:solidFill>
+                      <a:schemeClr val="bg2">
+                        <a:lumMod val="90000"/>
+                      </a:schemeClr>
+                    </a:solidFill>
+                  </a:tcPr>
+                </a:tc>
+                <a:tc>
+                  <a:txBody>
+                    <a:bodyPr/>
+                    <a:lstStyle/>
+                    <a:p>
+                      <a:pPr algn="ctr"/>
+                      <a:r>
+                        <a:rPr lang="es-ES" sz="1050" dirty="0"/>
+                        <a:t>21</a:t>
+                      </a:r>
+                    </a:p>
+                  </a:txBody>
+                  <a:tcPr anchor="ctr">
+                    <a:lnL w="12700" cap="flat" cmpd="sng" algn="ctr">
+                      <a:solidFill>
+                        <a:schemeClr val="tx1"/>
+                      </a:solidFill>
+                      <a:prstDash val="solid"/>
+                      <a:round/>
+                      <a:headEnd type="none" w="med" len="med"/>
+                      <a:tailEnd type="none" w="med" len="med"/>
+                    </a:lnL>
+                    <a:lnR w="12700" cap="flat" cmpd="sng" algn="ctr">
+                      <a:solidFill>
+                        <a:schemeClr val="tx1"/>
+                      </a:solidFill>
+                      <a:prstDash val="solid"/>
+                      <a:round/>
+                      <a:headEnd type="none" w="med" len="med"/>
+                      <a:tailEnd type="none" w="med" len="med"/>
+                    </a:lnR>
+                    <a:lnT w="12700" cap="flat" cmpd="sng" algn="ctr">
+                      <a:solidFill>
+                        <a:schemeClr val="tx1"/>
+                      </a:solidFill>
+                      <a:prstDash val="solid"/>
+                      <a:round/>
+                      <a:headEnd type="none" w="med" len="med"/>
+                      <a:tailEnd type="none" w="med" len="med"/>
+                    </a:lnT>
+                    <a:lnB w="12700" cap="flat" cmpd="sng" algn="ctr">
+                      <a:solidFill>
+                        <a:schemeClr val="tx1"/>
+                      </a:solidFill>
+                      <a:prstDash val="solid"/>
+                      <a:round/>
+                      <a:headEnd type="none" w="med" len="med"/>
+                      <a:tailEnd type="none" w="med" len="med"/>
+                    </a:lnB>
+                  </a:tcPr>
+                </a:tc>
+                <a:tc>
+                  <a:txBody>
+                    <a:bodyPr/>
+                    <a:lstStyle/>
+                    <a:p>
+                      <a:pPr algn="ctr"/>
+                      <a:r>
+                        <a:rPr lang="es-ES" sz="1050" dirty="0"/>
+                        <a:t>0</a:t>
+                      </a:r>
+                    </a:p>
+                  </a:txBody>
+                  <a:tcPr anchor="ctr">
+                    <a:lnL w="12700" cap="flat" cmpd="sng" algn="ctr">
+                      <a:solidFill>
+                        <a:schemeClr val="tx1"/>
+                      </a:solidFill>
+                      <a:prstDash val="solid"/>
+                      <a:round/>
+                      <a:headEnd type="none" w="med" len="med"/>
+                      <a:tailEnd type="none" w="med" len="med"/>
+                    </a:lnL>
+                    <a:lnR w="12700" cap="flat" cmpd="sng" algn="ctr">
+                      <a:solidFill>
+                        <a:schemeClr val="tx1"/>
+                      </a:solidFill>
+                      <a:prstDash val="solid"/>
+                      <a:round/>
+                      <a:headEnd type="none" w="med" len="med"/>
+                      <a:tailEnd type="none" w="med" len="med"/>
+                    </a:lnR>
+                    <a:lnT w="12700" cap="flat" cmpd="sng" algn="ctr">
+                      <a:solidFill>
+                        <a:schemeClr val="tx1"/>
+                      </a:solidFill>
+                      <a:prstDash val="solid"/>
+                      <a:round/>
+                      <a:headEnd type="none" w="med" len="med"/>
+                      <a:tailEnd type="none" w="med" len="med"/>
+                    </a:lnT>
+                    <a:lnB w="12700" cap="flat" cmpd="sng" algn="ctr">
+                      <a:solidFill>
+                        <a:schemeClr val="tx1"/>
+                      </a:solidFill>
+                      <a:prstDash val="solid"/>
+                      <a:round/>
+                      <a:headEnd type="none" w="med" len="med"/>
+                      <a:tailEnd type="none" w="med" len="med"/>
+                    </a:lnB>
+                    <a:solidFill>
+                      <a:srgbClr val="D0CECE"/>
+                    </a:solidFill>
+                  </a:tcPr>
+                </a:tc>
+                <a:tc>
+                  <a:txBody>
+                    <a:bodyPr/>
+                    <a:lstStyle/>
+                    <a:p>
+                      <a:pPr algn="ctr"/>
+                      <a:r>
+                        <a:rPr lang="es-ES" sz="1050" dirty="0"/>
+                        <a:t>98</a:t>
+                      </a:r>
+                    </a:p>
+                  </a:txBody>
+                  <a:tcPr anchor="ctr">
+                    <a:lnL w="12700" cap="flat" cmpd="sng" algn="ctr">
+                      <a:solidFill>
+                        <a:schemeClr val="tx1"/>
+                      </a:solidFill>
+                      <a:prstDash val="solid"/>
+                      <a:round/>
+                      <a:headEnd type="none" w="med" len="med"/>
+                      <a:tailEnd type="none" w="med" len="med"/>
+                    </a:lnL>
+                    <a:lnR w="12700" cap="flat" cmpd="sng" algn="ctr">
+                      <a:solidFill>
+                        <a:schemeClr val="tx1"/>
+                      </a:solidFill>
+                      <a:prstDash val="solid"/>
+                      <a:round/>
+                      <a:headEnd type="none" w="med" len="med"/>
+                      <a:tailEnd type="none" w="med" len="med"/>
+                    </a:lnR>
+                    <a:lnT w="12700" cap="flat" cmpd="sng" algn="ctr">
+                      <a:solidFill>
+                        <a:schemeClr val="tx1"/>
+                      </a:solidFill>
+                      <a:prstDash val="solid"/>
+                      <a:round/>
+                      <a:headEnd type="none" w="med" len="med"/>
+                      <a:tailEnd type="none" w="med" len="med"/>
+                    </a:lnT>
+                    <a:lnB w="12700" cap="flat" cmpd="sng" algn="ctr">
+                      <a:solidFill>
+                        <a:schemeClr val="tx1"/>
+                      </a:solidFill>
+                      <a:prstDash val="solid"/>
+                      <a:round/>
+                      <a:headEnd type="none" w="med" len="med"/>
+                      <a:tailEnd type="none" w="med" len="med"/>
+                    </a:lnB>
+                  </a:tcPr>
+                </a:tc>
+                <a:tc>
+                  <a:txBody>
+                    <a:bodyPr/>
+                    <a:lstStyle/>
+                    <a:p>
+                      <a:pPr algn="ctr"/>
+                      <a:r>
+                        <a:rPr lang="es-ES" sz="1050" dirty="0"/>
+                        <a:t>0</a:t>
+                      </a:r>
+                    </a:p>
+                  </a:txBody>
+                  <a:tcPr anchor="ctr">
+                    <a:lnL w="12700" cap="flat" cmpd="sng" algn="ctr">
+                      <a:solidFill>
+                        <a:schemeClr val="tx1"/>
+                      </a:solidFill>
+                      <a:prstDash val="solid"/>
+                      <a:round/>
+                      <a:headEnd type="none" w="med" len="med"/>
+                      <a:tailEnd type="none" w="med" len="med"/>
+                    </a:lnL>
+                    <a:lnR w="12700" cap="flat" cmpd="sng" algn="ctr">
+                      <a:solidFill>
+                        <a:schemeClr val="tx1"/>
+                      </a:solidFill>
+                      <a:prstDash val="solid"/>
+                      <a:round/>
+                      <a:headEnd type="none" w="med" len="med"/>
+                      <a:tailEnd type="none" w="med" len="med"/>
+                    </a:lnR>
+                    <a:lnT w="12700" cap="flat" cmpd="sng" algn="ctr">
+                      <a:solidFill>
+                        <a:schemeClr val="tx1"/>
+                      </a:solidFill>
+                      <a:prstDash val="solid"/>
+                      <a:round/>
+                      <a:headEnd type="none" w="med" len="med"/>
+                      <a:tailEnd type="none" w="med" len="med"/>
+                    </a:lnT>
+                    <a:lnB w="12700" cap="flat" cmpd="sng" algn="ctr">
+                      <a:solidFill>
+                        <a:schemeClr val="tx1"/>
+                      </a:solidFill>
+                      <a:prstDash val="solid"/>
+                      <a:round/>
+                      <a:headEnd type="none" w="med" len="med"/>
+                      <a:tailEnd type="none" w="med" len="med"/>
+                    </a:lnB>
+                    <a:solidFill>
+                      <a:schemeClr val="bg2">
+                        <a:lumMod val="90000"/>
+                      </a:schemeClr>
+                    </a:solidFill>
+                  </a:tcPr>
+                </a:tc>
+                <a:tc>
+                  <a:txBody>
+                    <a:bodyPr/>
+                    <a:lstStyle/>
+                    <a:p>
+                      <a:pPr algn="ctr"/>
+                      <a:r>
+                        <a:rPr lang="es-ES" sz="1050" dirty="0"/>
+                        <a:t>0</a:t>
+                      </a:r>
+                    </a:p>
+                  </a:txBody>
+                  <a:tcPr anchor="ctr">
+                    <a:lnL w="12700" cap="flat" cmpd="sng" algn="ctr">
+                      <a:solidFill>
+                        <a:schemeClr val="tx1"/>
+                      </a:solidFill>
+                      <a:prstDash val="solid"/>
+                      <a:round/>
+                      <a:headEnd type="none" w="med" len="med"/>
+                      <a:tailEnd type="none" w="med" len="med"/>
+                    </a:lnL>
+                    <a:lnR w="12700" cap="flat" cmpd="sng" algn="ctr">
+                      <a:solidFill>
+                        <a:schemeClr val="tx1"/>
+                      </a:solidFill>
+                      <a:prstDash val="solid"/>
+                      <a:round/>
+                      <a:headEnd type="none" w="med" len="med"/>
+                      <a:tailEnd type="none" w="med" len="med"/>
+                    </a:lnR>
+                    <a:lnT w="12700" cap="flat" cmpd="sng" algn="ctr">
+                      <a:solidFill>
+                        <a:schemeClr val="tx1"/>
+                      </a:solidFill>
+                      <a:prstDash val="solid"/>
+                      <a:round/>
+                      <a:headEnd type="none" w="med" len="med"/>
+                      <a:tailEnd type="none" w="med" len="med"/>
+                    </a:lnT>
+                    <a:lnB w="12700" cap="flat" cmpd="sng" algn="ctr">
+                      <a:solidFill>
+                        <a:schemeClr val="tx1"/>
+                      </a:solidFill>
+                      <a:prstDash val="solid"/>
+                      <a:round/>
+                      <a:headEnd type="none" w="med" len="med"/>
+                      <a:tailEnd type="none" w="med" len="med"/>
+                    </a:lnB>
+                    <a:solidFill>
+                      <a:schemeClr val="bg2">
+                        <a:lumMod val="90000"/>
+                      </a:schemeClr>
+                    </a:solidFill>
+                  </a:tcPr>
+                </a:tc>
+                <a:extLst>
+                  <a:ext uri="{0D108BD9-81ED-4DB2-BD59-A6C34878D82A}">
+                    <a16:rowId xmlns:a16="http://schemas.microsoft.com/office/drawing/2014/main" val="4140805963"/>
+                  </a:ext>
+                </a:extLst>
+              </a:tr>
+              <a:tr h="377225">
+                <a:tc>
+                  <a:txBody>
+                    <a:bodyPr/>
+                    <a:lstStyle/>
+                    <a:p>
+                      <a:pPr algn="ctr"/>
+                      <a:r>
+                        <a:rPr lang="es-ES" sz="1050" dirty="0"/>
+                        <a:t>0</a:t>
+                      </a:r>
+                    </a:p>
+                  </a:txBody>
+                  <a:tcPr anchor="ctr">
+                    <a:lnL w="12700" cap="flat" cmpd="sng" algn="ctr">
+                      <a:solidFill>
+                        <a:schemeClr val="tx1"/>
+                      </a:solidFill>
+                      <a:prstDash val="solid"/>
+                      <a:round/>
+                      <a:headEnd type="none" w="med" len="med"/>
+                      <a:tailEnd type="none" w="med" len="med"/>
+                    </a:lnL>
+                    <a:lnR w="12700" cap="flat" cmpd="sng" algn="ctr">
+                      <a:solidFill>
+                        <a:schemeClr val="tx1"/>
+                      </a:solidFill>
+                      <a:prstDash val="solid"/>
+                      <a:round/>
+                      <a:headEnd type="none" w="med" len="med"/>
+                      <a:tailEnd type="none" w="med" len="med"/>
+                    </a:lnR>
+                    <a:lnT w="12700" cap="flat" cmpd="sng" algn="ctr">
+                      <a:solidFill>
+                        <a:schemeClr val="tx1"/>
+                      </a:solidFill>
+                      <a:prstDash val="solid"/>
+                      <a:round/>
+                      <a:headEnd type="none" w="med" len="med"/>
+                      <a:tailEnd type="none" w="med" len="med"/>
+                    </a:lnT>
+                    <a:lnB w="12700" cap="flat" cmpd="sng" algn="ctr">
+                      <a:solidFill>
+                        <a:schemeClr val="tx1"/>
+                      </a:solidFill>
+                      <a:prstDash val="solid"/>
+                      <a:round/>
+                      <a:headEnd type="none" w="med" len="med"/>
+                      <a:tailEnd type="none" w="med" len="med"/>
+                    </a:lnB>
+                    <a:solidFill>
+                      <a:schemeClr val="bg2">
+                        <a:lumMod val="90000"/>
+                      </a:schemeClr>
+                    </a:solidFill>
+                  </a:tcPr>
+                </a:tc>
+                <a:tc>
+                  <a:txBody>
+                    <a:bodyPr/>
+                    <a:lstStyle/>
+                    <a:p>
+                      <a:pPr algn="ctr"/>
+                      <a:r>
+                        <a:rPr lang="es-ES" sz="1050" dirty="0"/>
+                        <a:t>0</a:t>
+                      </a:r>
+                    </a:p>
+                  </a:txBody>
+                  <a:tcPr anchor="ctr">
+                    <a:lnL w="12700" cap="flat" cmpd="sng" algn="ctr">
+                      <a:solidFill>
+                        <a:schemeClr val="tx1"/>
+                      </a:solidFill>
+                      <a:prstDash val="solid"/>
+                      <a:round/>
+                      <a:headEnd type="none" w="med" len="med"/>
+                      <a:tailEnd type="none" w="med" len="med"/>
+                    </a:lnL>
+                    <a:lnR w="12700" cap="flat" cmpd="sng" algn="ctr">
+                      <a:solidFill>
+                        <a:schemeClr val="tx1"/>
+                      </a:solidFill>
+                      <a:prstDash val="solid"/>
+                      <a:round/>
+                      <a:headEnd type="none" w="med" len="med"/>
+                      <a:tailEnd type="none" w="med" len="med"/>
+                    </a:lnR>
+                    <a:lnT w="12700" cap="flat" cmpd="sng" algn="ctr">
+                      <a:solidFill>
+                        <a:schemeClr val="tx1"/>
+                      </a:solidFill>
+                      <a:prstDash val="solid"/>
+                      <a:round/>
+                      <a:headEnd type="none" w="med" len="med"/>
+                      <a:tailEnd type="none" w="med" len="med"/>
+                    </a:lnT>
+                    <a:lnB w="12700" cap="flat" cmpd="sng" algn="ctr">
+                      <a:solidFill>
+                        <a:schemeClr val="tx1"/>
+                      </a:solidFill>
+                      <a:prstDash val="solid"/>
+                      <a:round/>
+                      <a:headEnd type="none" w="med" len="med"/>
+                      <a:tailEnd type="none" w="med" len="med"/>
+                    </a:lnB>
+                    <a:solidFill>
+                      <a:schemeClr val="bg2">
+                        <a:lumMod val="90000"/>
+                      </a:schemeClr>
+                    </a:solidFill>
+                  </a:tcPr>
+                </a:tc>
+                <a:tc>
+                  <a:txBody>
+                    <a:bodyPr/>
+                    <a:lstStyle/>
+                    <a:p>
+                      <a:pPr algn="ctr"/>
+                      <a:r>
+                        <a:rPr lang="es-ES" sz="1050" dirty="0"/>
+                        <a:t>0</a:t>
+                      </a:r>
+                    </a:p>
+                  </a:txBody>
+                  <a:tcPr anchor="ctr">
+                    <a:lnL w="12700" cap="flat" cmpd="sng" algn="ctr">
+                      <a:solidFill>
+                        <a:schemeClr val="tx1"/>
+                      </a:solidFill>
+                      <a:prstDash val="solid"/>
+                      <a:round/>
+                      <a:headEnd type="none" w="med" len="med"/>
+                      <a:tailEnd type="none" w="med" len="med"/>
+                    </a:lnL>
+                    <a:lnR w="12700" cap="flat" cmpd="sng" algn="ctr">
+                      <a:solidFill>
+                        <a:schemeClr val="tx1"/>
+                      </a:solidFill>
+                      <a:prstDash val="solid"/>
+                      <a:round/>
+                      <a:headEnd type="none" w="med" len="med"/>
+                      <a:tailEnd type="none" w="med" len="med"/>
+                    </a:lnR>
+                    <a:lnT w="12700" cap="flat" cmpd="sng" algn="ctr">
+                      <a:solidFill>
+                        <a:schemeClr val="tx1"/>
+                      </a:solidFill>
+                      <a:prstDash val="solid"/>
+                      <a:round/>
+                      <a:headEnd type="none" w="med" len="med"/>
+                      <a:tailEnd type="none" w="med" len="med"/>
+                    </a:lnT>
+                    <a:lnB w="12700" cap="flat" cmpd="sng" algn="ctr">
+                      <a:solidFill>
+                        <a:schemeClr val="tx1"/>
+                      </a:solidFill>
+                      <a:prstDash val="solid"/>
+                      <a:round/>
+                      <a:headEnd type="none" w="med" len="med"/>
+                      <a:tailEnd type="none" w="med" len="med"/>
+                    </a:lnB>
+                    <a:solidFill>
+                      <a:schemeClr val="bg2">
+                        <a:lumMod val="90000"/>
+                      </a:schemeClr>
+                    </a:solidFill>
+                  </a:tcPr>
+                </a:tc>
+                <a:tc>
+                  <a:txBody>
+                    <a:bodyPr/>
+                    <a:lstStyle/>
+                    <a:p>
+                      <a:pPr algn="ctr"/>
+                      <a:r>
+                        <a:rPr lang="es-ES" sz="1050" dirty="0"/>
+                        <a:t>0</a:t>
+                      </a:r>
+                    </a:p>
+                  </a:txBody>
+                  <a:tcPr anchor="ctr">
+                    <a:lnL w="12700" cap="flat" cmpd="sng" algn="ctr">
+                      <a:solidFill>
+                        <a:schemeClr val="tx1"/>
+                      </a:solidFill>
+                      <a:prstDash val="solid"/>
+                      <a:round/>
+                      <a:headEnd type="none" w="med" len="med"/>
+                      <a:tailEnd type="none" w="med" len="med"/>
+                    </a:lnL>
+                    <a:lnR w="12700" cap="flat" cmpd="sng" algn="ctr">
+                      <a:solidFill>
+                        <a:schemeClr val="tx1"/>
+                      </a:solidFill>
+                      <a:prstDash val="solid"/>
+                      <a:round/>
+                      <a:headEnd type="none" w="med" len="med"/>
+                      <a:tailEnd type="none" w="med" len="med"/>
+                    </a:lnR>
+                    <a:lnT w="12700" cap="flat" cmpd="sng" algn="ctr">
+                      <a:solidFill>
+                        <a:schemeClr val="tx1"/>
+                      </a:solidFill>
+                      <a:prstDash val="solid"/>
+                      <a:round/>
+                      <a:headEnd type="none" w="med" len="med"/>
+                      <a:tailEnd type="none" w="med" len="med"/>
+                    </a:lnT>
+                    <a:lnB w="12700" cap="flat" cmpd="sng" algn="ctr">
+                      <a:solidFill>
+                        <a:schemeClr val="tx1"/>
+                      </a:solidFill>
+                      <a:prstDash val="solid"/>
+                      <a:round/>
+                      <a:headEnd type="none" w="med" len="med"/>
+                      <a:tailEnd type="none" w="med" len="med"/>
+                    </a:lnB>
+                    <a:solidFill>
+                      <a:schemeClr val="bg2">
+                        <a:lumMod val="90000"/>
+                      </a:schemeClr>
+                    </a:solidFill>
+                  </a:tcPr>
+                </a:tc>
+                <a:tc>
+                  <a:txBody>
+                    <a:bodyPr/>
+                    <a:lstStyle/>
+                    <a:p>
+                      <a:pPr algn="ctr"/>
+                      <a:r>
+                        <a:rPr lang="es-ES" sz="1050" dirty="0"/>
+                        <a:t>0</a:t>
+                      </a:r>
+                    </a:p>
+                  </a:txBody>
+                  <a:tcPr anchor="ctr">
+                    <a:lnL w="12700" cap="flat" cmpd="sng" algn="ctr">
+                      <a:solidFill>
+                        <a:schemeClr val="tx1"/>
+                      </a:solidFill>
+                      <a:prstDash val="solid"/>
+                      <a:round/>
+                      <a:headEnd type="none" w="med" len="med"/>
+                      <a:tailEnd type="none" w="med" len="med"/>
+                    </a:lnL>
+                    <a:lnR w="12700" cap="flat" cmpd="sng" algn="ctr">
+                      <a:solidFill>
+                        <a:schemeClr val="tx1"/>
+                      </a:solidFill>
+                      <a:prstDash val="solid"/>
+                      <a:round/>
+                      <a:headEnd type="none" w="med" len="med"/>
+                      <a:tailEnd type="none" w="med" len="med"/>
+                    </a:lnR>
+                    <a:lnT w="12700" cap="flat" cmpd="sng" algn="ctr">
+                      <a:solidFill>
+                        <a:schemeClr val="tx1"/>
+                      </a:solidFill>
+                      <a:prstDash val="solid"/>
+                      <a:round/>
+                      <a:headEnd type="none" w="med" len="med"/>
+                      <a:tailEnd type="none" w="med" len="med"/>
+                    </a:lnT>
+                    <a:lnB w="12700" cap="flat" cmpd="sng" algn="ctr">
+                      <a:solidFill>
+                        <a:schemeClr val="tx1"/>
+                      </a:solidFill>
+                      <a:prstDash val="solid"/>
+                      <a:round/>
+                      <a:headEnd type="none" w="med" len="med"/>
+                      <a:tailEnd type="none" w="med" len="med"/>
+                    </a:lnB>
+                    <a:solidFill>
+                      <a:schemeClr val="bg2">
+                        <a:lumMod val="90000"/>
+                      </a:schemeClr>
+                    </a:solidFill>
+                  </a:tcPr>
+                </a:tc>
+                <a:tc>
+                  <a:txBody>
+                    <a:bodyPr/>
+                    <a:lstStyle/>
+                    <a:p>
+                      <a:pPr algn="ctr"/>
+                      <a:r>
+                        <a:rPr lang="es-ES" sz="1050" dirty="0"/>
+                        <a:t>0</a:t>
+                      </a:r>
+                    </a:p>
+                  </a:txBody>
+                  <a:tcPr anchor="ctr">
+                    <a:lnL w="12700" cap="flat" cmpd="sng" algn="ctr">
+                      <a:solidFill>
+                        <a:schemeClr val="tx1"/>
+                      </a:solidFill>
+                      <a:prstDash val="solid"/>
+                      <a:round/>
+                      <a:headEnd type="none" w="med" len="med"/>
+                      <a:tailEnd type="none" w="med" len="med"/>
+                    </a:lnL>
+                    <a:lnR w="12700" cap="flat" cmpd="sng" algn="ctr">
+                      <a:solidFill>
+                        <a:schemeClr val="tx1"/>
+                      </a:solidFill>
+                      <a:prstDash val="solid"/>
+                      <a:round/>
+                      <a:headEnd type="none" w="med" len="med"/>
+                      <a:tailEnd type="none" w="med" len="med"/>
+                    </a:lnR>
+                    <a:lnT w="12700" cap="flat" cmpd="sng" algn="ctr">
+                      <a:solidFill>
+                        <a:schemeClr val="tx1"/>
+                      </a:solidFill>
+                      <a:prstDash val="solid"/>
+                      <a:round/>
+                      <a:headEnd type="none" w="med" len="med"/>
+                      <a:tailEnd type="none" w="med" len="med"/>
+                    </a:lnT>
+                    <a:lnB w="12700" cap="flat" cmpd="sng" algn="ctr">
+                      <a:solidFill>
+                        <a:schemeClr val="tx1"/>
+                      </a:solidFill>
+                      <a:prstDash val="solid"/>
+                      <a:round/>
+                      <a:headEnd type="none" w="med" len="med"/>
+                      <a:tailEnd type="none" w="med" len="med"/>
+                    </a:lnB>
+                    <a:solidFill>
+                      <a:schemeClr val="bg2">
+                        <a:lumMod val="90000"/>
+                      </a:schemeClr>
+                    </a:solidFill>
+                  </a:tcPr>
+                </a:tc>
+                <a:tc>
+                  <a:txBody>
+                    <a:bodyPr/>
+                    <a:lstStyle/>
+                    <a:p>
+                      <a:pPr algn="ctr"/>
+                      <a:r>
+                        <a:rPr lang="es-ES" sz="1050" dirty="0"/>
+                        <a:t>0</a:t>
+                      </a:r>
+                    </a:p>
+                  </a:txBody>
+                  <a:tcPr anchor="ctr">
+                    <a:lnL w="12700" cap="flat" cmpd="sng" algn="ctr">
+                      <a:solidFill>
+                        <a:schemeClr val="tx1"/>
+                      </a:solidFill>
+                      <a:prstDash val="solid"/>
+                      <a:round/>
+                      <a:headEnd type="none" w="med" len="med"/>
+                      <a:tailEnd type="none" w="med" len="med"/>
+                    </a:lnL>
+                    <a:lnR w="12700" cap="flat" cmpd="sng" algn="ctr">
+                      <a:solidFill>
+                        <a:schemeClr val="tx1"/>
+                      </a:solidFill>
+                      <a:prstDash val="solid"/>
+                      <a:round/>
+                      <a:headEnd type="none" w="med" len="med"/>
+                      <a:tailEnd type="none" w="med" len="med"/>
+                    </a:lnR>
+                    <a:lnT w="12700" cap="flat" cmpd="sng" algn="ctr">
+                      <a:solidFill>
+                        <a:schemeClr val="tx1"/>
+                      </a:solidFill>
+                      <a:prstDash val="solid"/>
+                      <a:round/>
+                      <a:headEnd type="none" w="med" len="med"/>
+                      <a:tailEnd type="none" w="med" len="med"/>
+                    </a:lnT>
+                    <a:lnB w="12700" cap="flat" cmpd="sng" algn="ctr">
+                      <a:solidFill>
+                        <a:schemeClr val="tx1"/>
+                      </a:solidFill>
+                      <a:prstDash val="solid"/>
+                      <a:round/>
+                      <a:headEnd type="none" w="med" len="med"/>
+                      <a:tailEnd type="none" w="med" len="med"/>
+                    </a:lnB>
+                    <a:solidFill>
+                      <a:schemeClr val="bg2">
+                        <a:lumMod val="90000"/>
+                      </a:schemeClr>
+                    </a:solidFill>
+                  </a:tcPr>
+                </a:tc>
+                <a:extLst>
+                  <a:ext uri="{0D108BD9-81ED-4DB2-BD59-A6C34878D82A}">
+                    <a16:rowId xmlns:a16="http://schemas.microsoft.com/office/drawing/2014/main" val="1952915420"/>
+                  </a:ext>
+                </a:extLst>
+              </a:tr>
+              <a:tr h="377225">
+                <a:tc>
+                  <a:txBody>
+                    <a:bodyPr/>
+                    <a:lstStyle/>
+                    <a:p>
+                      <a:pPr algn="ctr"/>
+                      <a:r>
+                        <a:rPr lang="es-ES" sz="1050" dirty="0"/>
+                        <a:t>0</a:t>
+                      </a:r>
+                    </a:p>
+                  </a:txBody>
+                  <a:tcPr anchor="ctr">
+                    <a:lnL w="12700" cap="flat" cmpd="sng" algn="ctr">
+                      <a:solidFill>
+                        <a:schemeClr val="tx1"/>
+                      </a:solidFill>
+                      <a:prstDash val="solid"/>
+                      <a:round/>
+                      <a:headEnd type="none" w="med" len="med"/>
+                      <a:tailEnd type="none" w="med" len="med"/>
+                    </a:lnL>
+                    <a:lnR w="12700" cap="flat" cmpd="sng" algn="ctr">
+                      <a:solidFill>
+                        <a:schemeClr val="tx1"/>
+                      </a:solidFill>
+                      <a:prstDash val="solid"/>
+                      <a:round/>
+                      <a:headEnd type="none" w="med" len="med"/>
+                      <a:tailEnd type="none" w="med" len="med"/>
+                    </a:lnR>
+                    <a:lnT w="12700" cap="flat" cmpd="sng" algn="ctr">
+                      <a:solidFill>
+                        <a:schemeClr val="tx1"/>
+                      </a:solidFill>
+                      <a:prstDash val="solid"/>
+                      <a:round/>
+                      <a:headEnd type="none" w="med" len="med"/>
+                      <a:tailEnd type="none" w="med" len="med"/>
+                    </a:lnT>
+                    <a:lnB w="12700" cap="flat" cmpd="sng" algn="ctr">
+                      <a:solidFill>
+                        <a:schemeClr val="tx1"/>
+                      </a:solidFill>
+                      <a:prstDash val="solid"/>
+                      <a:round/>
+                      <a:headEnd type="none" w="med" len="med"/>
+                      <a:tailEnd type="none" w="med" len="med"/>
+                    </a:lnB>
+                    <a:solidFill>
+                      <a:schemeClr val="bg2">
+                        <a:lumMod val="90000"/>
+                      </a:schemeClr>
+                    </a:solidFill>
+                  </a:tcPr>
+                </a:tc>
+                <a:tc>
+                  <a:txBody>
+                    <a:bodyPr/>
+                    <a:lstStyle/>
+                    <a:p>
+                      <a:pPr algn="ctr"/>
+                      <a:r>
+                        <a:rPr lang="es-ES" sz="1050" dirty="0"/>
+                        <a:t>0</a:t>
+                      </a:r>
+                    </a:p>
+                  </a:txBody>
+                  <a:tcPr anchor="ctr">
+                    <a:lnL w="12700" cap="flat" cmpd="sng" algn="ctr">
+                      <a:solidFill>
+                        <a:schemeClr val="tx1"/>
+                      </a:solidFill>
+                      <a:prstDash val="solid"/>
+                      <a:round/>
+                      <a:headEnd type="none" w="med" len="med"/>
+                      <a:tailEnd type="none" w="med" len="med"/>
+                    </a:lnL>
+                    <a:lnR w="12700" cap="flat" cmpd="sng" algn="ctr">
+                      <a:solidFill>
+                        <a:schemeClr val="tx1"/>
+                      </a:solidFill>
+                      <a:prstDash val="solid"/>
+                      <a:round/>
+                      <a:headEnd type="none" w="med" len="med"/>
+                      <a:tailEnd type="none" w="med" len="med"/>
+                    </a:lnR>
+                    <a:lnT w="12700" cap="flat" cmpd="sng" algn="ctr">
+                      <a:solidFill>
+                        <a:schemeClr val="tx1"/>
+                      </a:solidFill>
+                      <a:prstDash val="solid"/>
+                      <a:round/>
+                      <a:headEnd type="none" w="med" len="med"/>
+                      <a:tailEnd type="none" w="med" len="med"/>
+                    </a:lnT>
+                    <a:lnB w="12700" cap="flat" cmpd="sng" algn="ctr">
+                      <a:solidFill>
+                        <a:schemeClr val="tx1"/>
+                      </a:solidFill>
+                      <a:prstDash val="solid"/>
+                      <a:round/>
+                      <a:headEnd type="none" w="med" len="med"/>
+                      <a:tailEnd type="none" w="med" len="med"/>
+                    </a:lnB>
+                    <a:solidFill>
+                      <a:schemeClr val="bg2">
+                        <a:lumMod val="90000"/>
+                      </a:schemeClr>
+                    </a:solidFill>
+                  </a:tcPr>
+                </a:tc>
+                <a:tc>
+                  <a:txBody>
+                    <a:bodyPr/>
+                    <a:lstStyle/>
+                    <a:p>
+                      <a:pPr algn="ctr"/>
+                      <a:r>
+                        <a:rPr lang="es-ES" sz="1050" dirty="0"/>
+                        <a:t>0</a:t>
+                      </a:r>
+                    </a:p>
+                  </a:txBody>
+                  <a:tcPr anchor="ctr">
+                    <a:lnL w="12700" cap="flat" cmpd="sng" algn="ctr">
+                      <a:solidFill>
+                        <a:schemeClr val="tx1"/>
+                      </a:solidFill>
+                      <a:prstDash val="solid"/>
+                      <a:round/>
+                      <a:headEnd type="none" w="med" len="med"/>
+                      <a:tailEnd type="none" w="med" len="med"/>
+                    </a:lnL>
+                    <a:lnR w="12700" cap="flat" cmpd="sng" algn="ctr">
+                      <a:solidFill>
+                        <a:schemeClr val="tx1"/>
+                      </a:solidFill>
+                      <a:prstDash val="solid"/>
+                      <a:round/>
+                      <a:headEnd type="none" w="med" len="med"/>
+                      <a:tailEnd type="none" w="med" len="med"/>
+                    </a:lnR>
+                    <a:lnT w="12700" cap="flat" cmpd="sng" algn="ctr">
+                      <a:solidFill>
+                        <a:schemeClr val="tx1"/>
+                      </a:solidFill>
+                      <a:prstDash val="solid"/>
+                      <a:round/>
+                      <a:headEnd type="none" w="med" len="med"/>
+                      <a:tailEnd type="none" w="med" len="med"/>
+                    </a:lnT>
+                    <a:lnB w="12700" cap="flat" cmpd="sng" algn="ctr">
+                      <a:solidFill>
+                        <a:schemeClr val="tx1"/>
+                      </a:solidFill>
+                      <a:prstDash val="solid"/>
+                      <a:round/>
+                      <a:headEnd type="none" w="med" len="med"/>
+                      <a:tailEnd type="none" w="med" len="med"/>
+                    </a:lnB>
+                    <a:solidFill>
+                      <a:schemeClr val="bg2">
+                        <a:lumMod val="90000"/>
+                      </a:schemeClr>
+                    </a:solidFill>
+                  </a:tcPr>
+                </a:tc>
+                <a:tc>
+                  <a:txBody>
+                    <a:bodyPr/>
+                    <a:lstStyle/>
+                    <a:p>
+                      <a:pPr algn="ctr"/>
+                      <a:r>
+                        <a:rPr lang="es-ES" sz="1050" dirty="0"/>
+                        <a:t>0</a:t>
+                      </a:r>
+                    </a:p>
+                  </a:txBody>
+                  <a:tcPr anchor="ctr">
+                    <a:lnL w="12700" cap="flat" cmpd="sng" algn="ctr">
+                      <a:solidFill>
+                        <a:schemeClr val="tx1"/>
+                      </a:solidFill>
+                      <a:prstDash val="solid"/>
+                      <a:round/>
+                      <a:headEnd type="none" w="med" len="med"/>
+                      <a:tailEnd type="none" w="med" len="med"/>
+                    </a:lnL>
+                    <a:lnR w="12700" cap="flat" cmpd="sng" algn="ctr">
+                      <a:solidFill>
+                        <a:schemeClr val="tx1"/>
+                      </a:solidFill>
+                      <a:prstDash val="solid"/>
+                      <a:round/>
+                      <a:headEnd type="none" w="med" len="med"/>
+                      <a:tailEnd type="none" w="med" len="med"/>
+                    </a:lnR>
+                    <a:lnT w="12700" cap="flat" cmpd="sng" algn="ctr">
+                      <a:solidFill>
+                        <a:schemeClr val="tx1"/>
+                      </a:solidFill>
+                      <a:prstDash val="solid"/>
+                      <a:round/>
+                      <a:headEnd type="none" w="med" len="med"/>
+                      <a:tailEnd type="none" w="med" len="med"/>
+                    </a:lnT>
+                    <a:lnB w="12700" cap="flat" cmpd="sng" algn="ctr">
+                      <a:solidFill>
+                        <a:schemeClr val="tx1"/>
+                      </a:solidFill>
+                      <a:prstDash val="solid"/>
+                      <a:round/>
+                      <a:headEnd type="none" w="med" len="med"/>
+                      <a:tailEnd type="none" w="med" len="med"/>
+                    </a:lnB>
+                    <a:solidFill>
+                      <a:schemeClr val="bg2">
+                        <a:lumMod val="90000"/>
+                      </a:schemeClr>
+                    </a:solidFill>
+                  </a:tcPr>
+                </a:tc>
+                <a:tc>
+                  <a:txBody>
+                    <a:bodyPr/>
+                    <a:lstStyle/>
+                    <a:p>
+                      <a:pPr algn="ctr"/>
+                      <a:r>
+                        <a:rPr lang="es-ES" sz="1050" dirty="0"/>
+                        <a:t>0</a:t>
+                      </a:r>
+                    </a:p>
+                  </a:txBody>
+                  <a:tcPr anchor="ctr">
+                    <a:lnL w="12700" cap="flat" cmpd="sng" algn="ctr">
+                      <a:solidFill>
+                        <a:schemeClr val="tx1"/>
+                      </a:solidFill>
+                      <a:prstDash val="solid"/>
+                      <a:round/>
+                      <a:headEnd type="none" w="med" len="med"/>
+                      <a:tailEnd type="none" w="med" len="med"/>
+                    </a:lnL>
+                    <a:lnR w="12700" cap="flat" cmpd="sng" algn="ctr">
+                      <a:solidFill>
+                        <a:schemeClr val="tx1"/>
+                      </a:solidFill>
+                      <a:prstDash val="solid"/>
+                      <a:round/>
+                      <a:headEnd type="none" w="med" len="med"/>
+                      <a:tailEnd type="none" w="med" len="med"/>
+                    </a:lnR>
+                    <a:lnT w="12700" cap="flat" cmpd="sng" algn="ctr">
+                      <a:solidFill>
+                        <a:schemeClr val="tx1"/>
+                      </a:solidFill>
+                      <a:prstDash val="solid"/>
+                      <a:round/>
+                      <a:headEnd type="none" w="med" len="med"/>
+                      <a:tailEnd type="none" w="med" len="med"/>
+                    </a:lnT>
+                    <a:lnB w="12700" cap="flat" cmpd="sng" algn="ctr">
+                      <a:solidFill>
+                        <a:schemeClr val="tx1"/>
+                      </a:solidFill>
+                      <a:prstDash val="solid"/>
+                      <a:round/>
+                      <a:headEnd type="none" w="med" len="med"/>
+                      <a:tailEnd type="none" w="med" len="med"/>
+                    </a:lnB>
+                    <a:solidFill>
+                      <a:schemeClr val="bg2">
+                        <a:lumMod val="90000"/>
+                      </a:schemeClr>
+                    </a:solidFill>
+                  </a:tcPr>
+                </a:tc>
+                <a:tc>
+                  <a:txBody>
+                    <a:bodyPr/>
+                    <a:lstStyle/>
+                    <a:p>
+                      <a:pPr algn="ctr"/>
+                      <a:r>
+                        <a:rPr lang="es-ES" sz="1050" dirty="0"/>
+                        <a:t>0</a:t>
+                      </a:r>
+                    </a:p>
+                  </a:txBody>
+                  <a:tcPr anchor="ctr">
+                    <a:lnL w="12700" cap="flat" cmpd="sng" algn="ctr">
+                      <a:solidFill>
+                        <a:schemeClr val="tx1"/>
+                      </a:solidFill>
+                      <a:prstDash val="solid"/>
+                      <a:round/>
+                      <a:headEnd type="none" w="med" len="med"/>
+                      <a:tailEnd type="none" w="med" len="med"/>
+                    </a:lnL>
+                    <a:lnR w="12700" cap="flat" cmpd="sng" algn="ctr">
+                      <a:solidFill>
+                        <a:schemeClr val="tx1"/>
+                      </a:solidFill>
+                      <a:prstDash val="solid"/>
+                      <a:round/>
+                      <a:headEnd type="none" w="med" len="med"/>
+                      <a:tailEnd type="none" w="med" len="med"/>
+                    </a:lnR>
+                    <a:lnT w="12700" cap="flat" cmpd="sng" algn="ctr">
+                      <a:solidFill>
+                        <a:schemeClr val="tx1"/>
+                      </a:solidFill>
+                      <a:prstDash val="solid"/>
+                      <a:round/>
+                      <a:headEnd type="none" w="med" len="med"/>
+                      <a:tailEnd type="none" w="med" len="med"/>
+                    </a:lnT>
+                    <a:lnB w="12700" cap="flat" cmpd="sng" algn="ctr">
+                      <a:solidFill>
+                        <a:schemeClr val="tx1"/>
+                      </a:solidFill>
+                      <a:prstDash val="solid"/>
+                      <a:round/>
+                      <a:headEnd type="none" w="med" len="med"/>
+                      <a:tailEnd type="none" w="med" len="med"/>
+                    </a:lnB>
+                    <a:solidFill>
+                      <a:schemeClr val="bg2">
+                        <a:lumMod val="90000"/>
+                      </a:schemeClr>
+                    </a:solidFill>
+                  </a:tcPr>
+                </a:tc>
+                <a:tc>
+                  <a:txBody>
+                    <a:bodyPr/>
+                    <a:lstStyle/>
+                    <a:p>
+                      <a:pPr algn="ctr"/>
+                      <a:r>
+                        <a:rPr lang="es-ES" sz="1050" dirty="0"/>
+                        <a:t>0</a:t>
+                      </a:r>
+                    </a:p>
+                  </a:txBody>
+                  <a:tcPr anchor="ctr">
+                    <a:lnL w="12700" cap="flat" cmpd="sng" algn="ctr">
+                      <a:solidFill>
+                        <a:schemeClr val="tx1"/>
+                      </a:solidFill>
+                      <a:prstDash val="solid"/>
+                      <a:round/>
+                      <a:headEnd type="none" w="med" len="med"/>
+                      <a:tailEnd type="none" w="med" len="med"/>
+                    </a:lnL>
+                    <a:lnR w="12700" cap="flat" cmpd="sng" algn="ctr">
+                      <a:solidFill>
+                        <a:schemeClr val="tx1"/>
+                      </a:solidFill>
+                      <a:prstDash val="solid"/>
+                      <a:round/>
+                      <a:headEnd type="none" w="med" len="med"/>
+                      <a:tailEnd type="none" w="med" len="med"/>
+                    </a:lnR>
+                    <a:lnT w="12700" cap="flat" cmpd="sng" algn="ctr">
+                      <a:solidFill>
+                        <a:schemeClr val="tx1"/>
+                      </a:solidFill>
+                      <a:prstDash val="solid"/>
+                      <a:round/>
+                      <a:headEnd type="none" w="med" len="med"/>
+                      <a:tailEnd type="none" w="med" len="med"/>
+                    </a:lnT>
+                    <a:lnB w="12700" cap="flat" cmpd="sng" algn="ctr">
+                      <a:solidFill>
+                        <a:schemeClr val="tx1"/>
+                      </a:solidFill>
+                      <a:prstDash val="solid"/>
+                      <a:round/>
+                      <a:headEnd type="none" w="med" len="med"/>
+                      <a:tailEnd type="none" w="med" len="med"/>
+                    </a:lnB>
+                    <a:solidFill>
+                      <a:schemeClr val="bg2">
+                        <a:lumMod val="90000"/>
+                      </a:schemeClr>
+                    </a:solidFill>
+                  </a:tcPr>
+                </a:tc>
+                <a:extLst>
+                  <a:ext uri="{0D108BD9-81ED-4DB2-BD59-A6C34878D82A}">
+                    <a16:rowId xmlns:a16="http://schemas.microsoft.com/office/drawing/2014/main" val="3900097503"/>
+                  </a:ext>
+                </a:extLst>
+              </a:tr>
+            </a:tbl>
+          </a:graphicData>
+        </a:graphic>
+      </p:graphicFrame>
+      <p:sp>
+        <p:nvSpPr>
+          <p:cNvPr id="12" name="CuadroTexto 11">
+            <a:extLst>
+              <a:ext uri="{FF2B5EF4-FFF2-40B4-BE49-F238E27FC236}">
+                <a16:creationId xmlns:a16="http://schemas.microsoft.com/office/drawing/2014/main" id="{46E7C4BC-CE3A-DA43-938C-2CA6B947D139}"/>
+              </a:ext>
+            </a:extLst>
+          </p:cNvPr>
+          <p:cNvSpPr txBox="1"/>
+          <p:nvPr/>
+        </p:nvSpPr>
+        <p:spPr>
+          <a:xfrm>
+            <a:off x="1756979" y="3528188"/>
+            <a:ext cx="1054095" cy="369332"/>
+          </a:xfrm>
+          <a:prstGeom prst="rect">
+            <a:avLst/>
+          </a:prstGeom>
+          <a:noFill/>
+        </p:spPr>
+        <p:txBody>
+          <a:bodyPr wrap="square" rtlCol="0">
+            <a:spAutoFit/>
+          </a:bodyPr>
+          <a:lstStyle/>
+          <a:p>
+            <a:pPr algn="ctr"/>
+            <a:r>
+              <a:rPr lang="es-ES" dirty="0"/>
+              <a:t>Original</a:t>
+            </a:r>
+          </a:p>
+        </p:txBody>
+      </p:sp>
+      <p:graphicFrame>
+        <p:nvGraphicFramePr>
+          <p:cNvPr id="13" name="Tabla 12">
+            <a:extLst>
+              <a:ext uri="{FF2B5EF4-FFF2-40B4-BE49-F238E27FC236}">
+                <a16:creationId xmlns:a16="http://schemas.microsoft.com/office/drawing/2014/main" id="{F8207BA8-0EE2-8E47-B049-367785CCC491}"/>
+              </a:ext>
+            </a:extLst>
+          </p:cNvPr>
+          <p:cNvGraphicFramePr>
+            <a:graphicFrameLocks noGrp="1"/>
+          </p:cNvGraphicFramePr>
+          <p:nvPr>
+            <p:extLst>
+              <p:ext uri="{D42A27DB-BD31-4B8C-83A1-F6EECF244321}">
+                <p14:modId xmlns:p14="http://schemas.microsoft.com/office/powerpoint/2010/main" val="501299938"/>
+              </p:ext>
+            </p:extLst>
+          </p:nvPr>
+        </p:nvGraphicFramePr>
+        <p:xfrm>
+          <a:off x="5273381" y="2836037"/>
           <a:ext cx="1456269" cy="1384302"/>
         </p:xfrm>
         <a:graphic>
@@ -28898,7 +30332,7 @@
                       <a:pPr algn="ctr"/>
                       <a:r>
                         <a:rPr lang="es-ES" sz="1200" dirty="0"/>
-                        <a:t>0</a:t>
+                        <a:t>1</a:t>
                       </a:r>
                     </a:p>
                   </a:txBody>
@@ -29254,7 +30688,7 @@
                       <a:pPr algn="ctr"/>
                       <a:r>
                         <a:rPr lang="es-ES" sz="1200" dirty="0"/>
-                        <a:t>0</a:t>
+                        <a:t>1</a:t>
                       </a:r>
                     </a:p>
                   </a:txBody>
@@ -29372,10 +30806,10 @@
       </p:graphicFrame>
       <p:sp>
         <p:nvSpPr>
-          <p:cNvPr id="29" name="CuadroTexto 28">
+          <p:cNvPr id="14" name="CuadroTexto 13">
             <a:extLst>
               <a:ext uri="{FF2B5EF4-FFF2-40B4-BE49-F238E27FC236}">
-                <a16:creationId xmlns:a16="http://schemas.microsoft.com/office/drawing/2014/main" id="{85389319-7717-F643-851D-3B356960ABDD}"/>
+                <a16:creationId xmlns:a16="http://schemas.microsoft.com/office/drawing/2014/main" id="{C87D8F8E-B43F-7045-A8C7-8020C38AC894}"/>
               </a:ext>
             </a:extLst>
           </p:cNvPr>
@@ -29384,8 +30818,8 @@
         </p:nvSpPr>
         <p:spPr>
           <a:xfrm>
-            <a:off x="2586427" y="1190492"/>
-            <a:ext cx="1054095" cy="369332"/>
+            <a:off x="5273380" y="2466705"/>
+            <a:ext cx="1456269" cy="369332"/>
           </a:xfrm>
           <a:prstGeom prst="rect">
             <a:avLst/>
@@ -29401,17 +30835,17 @@
             <a:pPr algn="ctr"/>
             <a:r>
               <a:rPr lang="es-ES" dirty="0"/>
-              <a:t>Original</a:t>
+              <a:t>Filtro</a:t>
             </a:r>
           </a:p>
         </p:txBody>
       </p:sp>
       <p:graphicFrame>
         <p:nvGraphicFramePr>
-          <p:cNvPr id="54" name="Tabla 53">
+          <p:cNvPr id="16" name="Tabla 15">
             <a:extLst>
               <a:ext uri="{FF2B5EF4-FFF2-40B4-BE49-F238E27FC236}">
-                <a16:creationId xmlns:a16="http://schemas.microsoft.com/office/drawing/2014/main" id="{70DFC722-EA0E-1D4E-B3D6-EC61E4968019}"/>
+                <a16:creationId xmlns:a16="http://schemas.microsoft.com/office/drawing/2014/main" id="{5B104FBC-6342-564E-8E8D-833C14E6AEDD}"/>
               </a:ext>
             </a:extLst>
           </p:cNvPr>
@@ -29421,14 +30855,14 @@
           <p:nvPr>
             <p:extLst>
               <p:ext uri="{D42A27DB-BD31-4B8C-83A1-F6EECF244321}">
-                <p14:modId xmlns:p14="http://schemas.microsoft.com/office/powerpoint/2010/main" val="1374015736"/>
+                <p14:modId xmlns:p14="http://schemas.microsoft.com/office/powerpoint/2010/main" val="1231095808"/>
               </p:ext>
             </p:extLst>
           </p:nvPr>
         </p:nvGraphicFramePr>
         <p:xfrm>
-          <a:off x="8149823" y="1986967"/>
-          <a:ext cx="2904066" cy="2839268"/>
+          <a:off x="8216198" y="901889"/>
+          <a:ext cx="1936044" cy="1880623"/>
         </p:xfrm>
         <a:graphic>
           <a:graphicData uri="http://schemas.openxmlformats.org/drawingml/2006/table">
@@ -29454,21 +30888,7 @@
                 <a:gridCol w="484011">
                   <a:extLst>
                     <a:ext uri="{9D8B030D-6E8A-4147-A177-3AD203B41FA5}">
-                      <a16:colId xmlns:a16="http://schemas.microsoft.com/office/drawing/2014/main" val="4113516193"/>
-                    </a:ext>
-                  </a:extLst>
-                </a:gridCol>
-                <a:gridCol w="484011">
-                  <a:extLst>
-                    <a:ext uri="{9D8B030D-6E8A-4147-A177-3AD203B41FA5}">
                       <a16:colId xmlns:a16="http://schemas.microsoft.com/office/drawing/2014/main" val="4241283399"/>
-                    </a:ext>
-                  </a:extLst>
-                </a:gridCol>
-                <a:gridCol w="484011">
-                  <a:extLst>
-                    <a:ext uri="{9D8B030D-6E8A-4147-A177-3AD203B41FA5}">
-                      <a16:colId xmlns:a16="http://schemas.microsoft.com/office/drawing/2014/main" val="2705079341"/>
                     </a:ext>
                   </a:extLst>
                 </a:gridCol>
@@ -29489,51 +30909,47 @@
                       <a:pPr algn="ctr"/>
                       <a:r>
                         <a:rPr lang="es-ES" sz="1200" dirty="0"/>
-                        <a:t>98</a:t>
-                      </a:r>
-                    </a:p>
-                  </a:txBody>
-                  <a:tcPr anchor="ctr">
-                    <a:lnL w="12700" cap="flat" cmpd="sng" algn="ctr">
-                      <a:solidFill>
-                        <a:schemeClr val="tx1"/>
-                      </a:solidFill>
-                      <a:prstDash val="solid"/>
-                      <a:round/>
-                      <a:headEnd type="none" w="med" len="med"/>
-                      <a:tailEnd type="none" w="med" len="med"/>
-                    </a:lnL>
-                    <a:lnR w="12700" cap="flat" cmpd="sng" algn="ctr">
-                      <a:solidFill>
-                        <a:schemeClr val="tx1"/>
-                      </a:solidFill>
-                      <a:prstDash val="solid"/>
-                      <a:round/>
-                      <a:headEnd type="none" w="med" len="med"/>
-                      <a:tailEnd type="none" w="med" len="med"/>
-                    </a:lnR>
-                    <a:lnT w="12700" cap="flat" cmpd="sng" algn="ctr">
-                      <a:solidFill>
-                        <a:schemeClr val="tx1"/>
-                      </a:solidFill>
-                      <a:prstDash val="solid"/>
-                      <a:round/>
-                      <a:headEnd type="none" w="med" len="med"/>
-                      <a:tailEnd type="none" w="med" len="med"/>
-                    </a:lnT>
-                    <a:lnB w="12700" cap="flat" cmpd="sng" algn="ctr">
-                      <a:solidFill>
-                        <a:schemeClr val="tx1"/>
-                      </a:solidFill>
-                      <a:prstDash val="solid"/>
-                      <a:round/>
-                      <a:headEnd type="none" w="med" len="med"/>
-                      <a:tailEnd type="none" w="med" len="med"/>
-                    </a:lnB>
-                    <a:cell3D prstMaterial="dkEdge">
-                      <a:bevel prst="cross"/>
-                      <a:lightRig rig="flood" dir="t"/>
-                    </a:cell3D>
+                        <a:t>252</a:t>
+                      </a:r>
+                    </a:p>
+                  </a:txBody>
+                  <a:tcPr anchor="ctr">
+                    <a:lnL w="12700" cap="flat" cmpd="sng" algn="ctr">
+                      <a:solidFill>
+                        <a:schemeClr val="tx1"/>
+                      </a:solidFill>
+                      <a:prstDash val="solid"/>
+                      <a:round/>
+                      <a:headEnd type="none" w="med" len="med"/>
+                      <a:tailEnd type="none" w="med" len="med"/>
+                    </a:lnL>
+                    <a:lnR w="12700" cap="flat" cmpd="sng" algn="ctr">
+                      <a:solidFill>
+                        <a:schemeClr val="tx1"/>
+                      </a:solidFill>
+                      <a:prstDash val="solid"/>
+                      <a:round/>
+                      <a:headEnd type="none" w="med" len="med"/>
+                      <a:tailEnd type="none" w="med" len="med"/>
+                    </a:lnR>
+                    <a:lnT w="12700" cap="flat" cmpd="sng" algn="ctr">
+                      <a:solidFill>
+                        <a:schemeClr val="tx1"/>
+                      </a:solidFill>
+                      <a:prstDash val="solid"/>
+                      <a:round/>
+                      <a:headEnd type="none" w="med" len="med"/>
+                      <a:tailEnd type="none" w="med" len="med"/>
+                    </a:lnT>
+                    <a:lnB w="12700" cap="flat" cmpd="sng" algn="ctr">
+                      <a:solidFill>
+                        <a:schemeClr val="tx1"/>
+                      </a:solidFill>
+                      <a:prstDash val="solid"/>
+                      <a:round/>
+                      <a:headEnd type="none" w="med" len="med"/>
+                      <a:tailEnd type="none" w="med" len="med"/>
+                    </a:lnB>
                     <a:solidFill>
                       <a:schemeClr val="accent2">
                         <a:lumMod val="60000"/>
@@ -29551,51 +30967,47 @@
                       <a:pPr algn="ctr"/>
                       <a:r>
                         <a:rPr lang="es-ES" sz="1200" dirty="0"/>
-                        <a:t>252</a:t>
-                      </a:r>
-                    </a:p>
-                  </a:txBody>
-                  <a:tcPr anchor="ctr">
-                    <a:lnL w="12700" cap="flat" cmpd="sng" algn="ctr">
-                      <a:solidFill>
-                        <a:schemeClr val="tx1"/>
-                      </a:solidFill>
-                      <a:prstDash val="solid"/>
-                      <a:round/>
-                      <a:headEnd type="none" w="med" len="med"/>
-                      <a:tailEnd type="none" w="med" len="med"/>
-                    </a:lnL>
-                    <a:lnR w="12700" cap="flat" cmpd="sng" algn="ctr">
-                      <a:solidFill>
-                        <a:schemeClr val="tx1"/>
-                      </a:solidFill>
-                      <a:prstDash val="solid"/>
-                      <a:round/>
-                      <a:headEnd type="none" w="med" len="med"/>
-                      <a:tailEnd type="none" w="med" len="med"/>
-                    </a:lnR>
-                    <a:lnT w="12700" cap="flat" cmpd="sng" algn="ctr">
-                      <a:solidFill>
-                        <a:schemeClr val="tx1"/>
-                      </a:solidFill>
-                      <a:prstDash val="solid"/>
-                      <a:round/>
-                      <a:headEnd type="none" w="med" len="med"/>
-                      <a:tailEnd type="none" w="med" len="med"/>
-                    </a:lnT>
-                    <a:lnB w="12700" cap="flat" cmpd="sng" algn="ctr">
-                      <a:solidFill>
-                        <a:schemeClr val="tx1"/>
-                      </a:solidFill>
-                      <a:prstDash val="solid"/>
-                      <a:round/>
-                      <a:headEnd type="none" w="med" len="med"/>
-                      <a:tailEnd type="none" w="med" len="med"/>
-                    </a:lnB>
-                    <a:cell3D prstMaterial="dkEdge">
-                      <a:bevel prst="cross"/>
-                      <a:lightRig rig="flood" dir="t"/>
-                    </a:cell3D>
+                        <a:t>495</a:t>
+                      </a:r>
+                    </a:p>
+                  </a:txBody>
+                  <a:tcPr anchor="ctr">
+                    <a:lnL w="12700" cap="flat" cmpd="sng" algn="ctr">
+                      <a:solidFill>
+                        <a:schemeClr val="tx1"/>
+                      </a:solidFill>
+                      <a:prstDash val="solid"/>
+                      <a:round/>
+                      <a:headEnd type="none" w="med" len="med"/>
+                      <a:tailEnd type="none" w="med" len="med"/>
+                    </a:lnL>
+                    <a:lnR w="12700" cap="flat" cmpd="sng" algn="ctr">
+                      <a:solidFill>
+                        <a:schemeClr val="tx1"/>
+                      </a:solidFill>
+                      <a:prstDash val="solid"/>
+                      <a:round/>
+                      <a:headEnd type="none" w="med" len="med"/>
+                      <a:tailEnd type="none" w="med" len="med"/>
+                    </a:lnR>
+                    <a:lnT w="12700" cap="flat" cmpd="sng" algn="ctr">
+                      <a:solidFill>
+                        <a:schemeClr val="tx1"/>
+                      </a:solidFill>
+                      <a:prstDash val="solid"/>
+                      <a:round/>
+                      <a:headEnd type="none" w="med" len="med"/>
+                      <a:tailEnd type="none" w="med" len="med"/>
+                    </a:lnT>
+                    <a:lnB w="12700" cap="flat" cmpd="sng" algn="ctr">
+                      <a:solidFill>
+                        <a:schemeClr val="tx1"/>
+                      </a:solidFill>
+                      <a:prstDash val="solid"/>
+                      <a:round/>
+                      <a:headEnd type="none" w="med" len="med"/>
+                      <a:tailEnd type="none" w="med" len="med"/>
+                    </a:lnB>
                     <a:solidFill>
                       <a:schemeClr val="accent2">
                         <a:lumMod val="60000"/>
@@ -29613,7 +31025,7 @@
                       <a:pPr algn="ctr"/>
                       <a:r>
                         <a:rPr lang="es-ES" sz="1200" dirty="0"/>
-                        <a:t>341</a:t>
+                        <a:t>495</a:t>
                       </a:r>
                     </a:p>
                   </a:txBody>
@@ -29671,123 +31083,7 @@
                       <a:pPr algn="ctr"/>
                       <a:r>
                         <a:rPr lang="es-ES" sz="1200" dirty="0"/>
-                        <a:t>339</a:t>
-                      </a:r>
-                    </a:p>
-                  </a:txBody>
-                  <a:tcPr anchor="ctr">
-                    <a:lnL w="12700" cap="flat" cmpd="sng" algn="ctr">
-                      <a:solidFill>
-                        <a:schemeClr val="tx1"/>
-                      </a:solidFill>
-                      <a:prstDash val="solid"/>
-                      <a:round/>
-                      <a:headEnd type="none" w="med" len="med"/>
-                      <a:tailEnd type="none" w="med" len="med"/>
-                    </a:lnL>
-                    <a:lnR w="12700" cap="flat" cmpd="sng" algn="ctr">
-                      <a:solidFill>
-                        <a:schemeClr val="tx1"/>
-                      </a:solidFill>
-                      <a:prstDash val="solid"/>
-                      <a:round/>
-                      <a:headEnd type="none" w="med" len="med"/>
-                      <a:tailEnd type="none" w="med" len="med"/>
-                    </a:lnR>
-                    <a:lnT w="12700" cap="flat" cmpd="sng" algn="ctr">
-                      <a:solidFill>
-                        <a:schemeClr val="tx1"/>
-                      </a:solidFill>
-                      <a:prstDash val="solid"/>
-                      <a:round/>
-                      <a:headEnd type="none" w="med" len="med"/>
-                      <a:tailEnd type="none" w="med" len="med"/>
-                    </a:lnT>
-                    <a:lnB w="12700" cap="flat" cmpd="sng" algn="ctr">
-                      <a:solidFill>
-                        <a:schemeClr val="tx1"/>
-                      </a:solidFill>
-                      <a:prstDash val="solid"/>
-                      <a:round/>
-                      <a:headEnd type="none" w="med" len="med"/>
-                      <a:tailEnd type="none" w="med" len="med"/>
-                    </a:lnB>
-                    <a:solidFill>
-                      <a:schemeClr val="accent2">
-                        <a:lumMod val="60000"/>
-                        <a:lumOff val="40000"/>
-                        <a:alpha val="27000"/>
-                      </a:schemeClr>
-                    </a:solidFill>
-                  </a:tcPr>
-                </a:tc>
-                <a:tc>
-                  <a:txBody>
-                    <a:bodyPr/>
-                    <a:lstStyle/>
-                    <a:p>
-                      <a:pPr algn="ctr"/>
-                      <a:r>
-                        <a:rPr lang="es-ES" sz="1200" dirty="0"/>
                         <a:t>243</a:t>
-                      </a:r>
-                    </a:p>
-                  </a:txBody>
-                  <a:tcPr anchor="ctr">
-                    <a:lnL w="12700" cap="flat" cmpd="sng" algn="ctr">
-                      <a:solidFill>
-                        <a:schemeClr val="tx1"/>
-                      </a:solidFill>
-                      <a:prstDash val="solid"/>
-                      <a:round/>
-                      <a:headEnd type="none" w="med" len="med"/>
-                      <a:tailEnd type="none" w="med" len="med"/>
-                    </a:lnL>
-                    <a:lnR w="12700" cap="flat" cmpd="sng" algn="ctr">
-                      <a:solidFill>
-                        <a:schemeClr val="tx1"/>
-                      </a:solidFill>
-                      <a:prstDash val="solid"/>
-                      <a:round/>
-                      <a:headEnd type="none" w="med" len="med"/>
-                      <a:tailEnd type="none" w="med" len="med"/>
-                    </a:lnR>
-                    <a:lnT w="12700" cap="flat" cmpd="sng" algn="ctr">
-                      <a:solidFill>
-                        <a:schemeClr val="tx1"/>
-                      </a:solidFill>
-                      <a:prstDash val="solid"/>
-                      <a:round/>
-                      <a:headEnd type="none" w="med" len="med"/>
-                      <a:tailEnd type="none" w="med" len="med"/>
-                    </a:lnT>
-                    <a:lnB w="12700" cap="flat" cmpd="sng" algn="ctr">
-                      <a:solidFill>
-                        <a:schemeClr val="tx1"/>
-                      </a:solidFill>
-                      <a:prstDash val="solid"/>
-                      <a:round/>
-                      <a:headEnd type="none" w="med" len="med"/>
-                      <a:tailEnd type="none" w="med" len="med"/>
-                    </a:lnB>
-                    <a:solidFill>
-                      <a:schemeClr val="accent2">
-                        <a:lumMod val="60000"/>
-                        <a:lumOff val="40000"/>
-                        <a:alpha val="27000"/>
-                      </a:schemeClr>
-                    </a:solidFill>
-                  </a:tcPr>
-                </a:tc>
-                <a:tc>
-                  <a:txBody>
-                    <a:bodyPr/>
-                    <a:lstStyle/>
-                    <a:p>
-                      <a:pPr algn="ctr"/>
-                      <a:r>
-                        <a:rPr lang="es-ES" sz="1200" dirty="0"/>
-                        <a:t>87</a:t>
                       </a:r>
                     </a:p>
                   </a:txBody>
@@ -29843,7 +31139,7 @@
                   </a:ext>
                 </a:extLst>
               </a:tr>
-              <a:tr h="516194">
+              <a:tr h="486697">
                 <a:tc>
                   <a:txBody>
                     <a:bodyPr/>
@@ -29852,51 +31148,47 @@
                       <a:pPr algn="ctr"/>
                       <a:r>
                         <a:rPr lang="es-ES" sz="1200" dirty="0"/>
-                        <a:t>54</a:t>
-                      </a:r>
-                    </a:p>
-                  </a:txBody>
-                  <a:tcPr anchor="ctr">
-                    <a:lnL w="12700" cap="flat" cmpd="sng" algn="ctr">
-                      <a:solidFill>
-                        <a:schemeClr val="tx1"/>
-                      </a:solidFill>
-                      <a:prstDash val="solid"/>
-                      <a:round/>
-                      <a:headEnd type="none" w="med" len="med"/>
-                      <a:tailEnd type="none" w="med" len="med"/>
-                    </a:lnL>
-                    <a:lnR w="12700" cap="flat" cmpd="sng" algn="ctr">
-                      <a:solidFill>
-                        <a:schemeClr val="tx1"/>
-                      </a:solidFill>
-                      <a:prstDash val="solid"/>
-                      <a:round/>
-                      <a:headEnd type="none" w="med" len="med"/>
-                      <a:tailEnd type="none" w="med" len="med"/>
-                    </a:lnR>
-                    <a:lnT w="12700" cap="flat" cmpd="sng" algn="ctr">
-                      <a:solidFill>
-                        <a:schemeClr val="tx1"/>
-                      </a:solidFill>
-                      <a:prstDash val="solid"/>
-                      <a:round/>
-                      <a:headEnd type="none" w="med" len="med"/>
-                      <a:tailEnd type="none" w="med" len="med"/>
-                    </a:lnT>
-                    <a:lnB w="12700" cap="flat" cmpd="sng" algn="ctr">
-                      <a:solidFill>
-                        <a:schemeClr val="tx1"/>
-                      </a:solidFill>
-                      <a:prstDash val="solid"/>
-                      <a:round/>
-                      <a:headEnd type="none" w="med" len="med"/>
-                      <a:tailEnd type="none" w="med" len="med"/>
-                    </a:lnB>
-                    <a:cell3D prstMaterial="dkEdge">
-                      <a:bevel prst="cross"/>
-                      <a:lightRig rig="flood" dir="t"/>
-                    </a:cell3D>
+                        <a:t>21</a:t>
+                      </a:r>
+                    </a:p>
+                  </a:txBody>
+                  <a:tcPr anchor="ctr">
+                    <a:lnL w="12700" cap="flat" cmpd="sng" algn="ctr">
+                      <a:solidFill>
+                        <a:schemeClr val="tx1"/>
+                      </a:solidFill>
+                      <a:prstDash val="solid"/>
+                      <a:round/>
+                      <a:headEnd type="none" w="med" len="med"/>
+                      <a:tailEnd type="none" w="med" len="med"/>
+                    </a:lnL>
+                    <a:lnR w="12700" cap="flat" cmpd="sng" algn="ctr">
+                      <a:solidFill>
+                        <a:schemeClr val="tx1"/>
+                      </a:solidFill>
+                      <a:prstDash val="solid"/>
+                      <a:round/>
+                      <a:headEnd type="none" w="med" len="med"/>
+                      <a:tailEnd type="none" w="med" len="med"/>
+                    </a:lnR>
+                    <a:lnT w="12700" cap="flat" cmpd="sng" algn="ctr">
+                      <a:solidFill>
+                        <a:schemeClr val="tx1"/>
+                      </a:solidFill>
+                      <a:prstDash val="solid"/>
+                      <a:round/>
+                      <a:headEnd type="none" w="med" len="med"/>
+                      <a:tailEnd type="none" w="med" len="med"/>
+                    </a:lnT>
+                    <a:lnB w="12700" cap="flat" cmpd="sng" algn="ctr">
+                      <a:solidFill>
+                        <a:schemeClr val="tx1"/>
+                      </a:solidFill>
+                      <a:prstDash val="solid"/>
+                      <a:round/>
+                      <a:headEnd type="none" w="med" len="med"/>
+                      <a:tailEnd type="none" w="med" len="med"/>
+                    </a:lnB>
                     <a:solidFill>
                       <a:schemeClr val="accent2">
                         <a:lumMod val="60000"/>
@@ -29914,51 +31206,47 @@
                       <a:pPr algn="ctr"/>
                       <a:r>
                         <a:rPr lang="es-ES" sz="1200" dirty="0"/>
-                        <a:t>119</a:t>
-                      </a:r>
-                    </a:p>
-                  </a:txBody>
-                  <a:tcPr anchor="ctr">
-                    <a:lnL w="12700" cap="flat" cmpd="sng" algn="ctr">
-                      <a:solidFill>
-                        <a:schemeClr val="tx1"/>
-                      </a:solidFill>
-                      <a:prstDash val="solid"/>
-                      <a:round/>
-                      <a:headEnd type="none" w="med" len="med"/>
-                      <a:tailEnd type="none" w="med" len="med"/>
-                    </a:lnL>
-                    <a:lnR w="12700" cap="flat" cmpd="sng" algn="ctr">
-                      <a:solidFill>
-                        <a:schemeClr val="tx1"/>
-                      </a:solidFill>
-                      <a:prstDash val="solid"/>
-                      <a:round/>
-                      <a:headEnd type="none" w="med" len="med"/>
-                      <a:tailEnd type="none" w="med" len="med"/>
-                    </a:lnR>
-                    <a:lnT w="12700" cap="flat" cmpd="sng" algn="ctr">
-                      <a:solidFill>
-                        <a:schemeClr val="tx1"/>
-                      </a:solidFill>
-                      <a:prstDash val="solid"/>
-                      <a:round/>
-                      <a:headEnd type="none" w="med" len="med"/>
-                      <a:tailEnd type="none" w="med" len="med"/>
-                    </a:lnT>
-                    <a:lnB w="12700" cap="flat" cmpd="sng" algn="ctr">
-                      <a:solidFill>
-                        <a:schemeClr val="tx1"/>
-                      </a:solidFill>
-                      <a:prstDash val="solid"/>
-                      <a:round/>
-                      <a:headEnd type="none" w="med" len="med"/>
-                      <a:tailEnd type="none" w="med" len="med"/>
-                    </a:lnB>
-                    <a:cell3D prstMaterial="dkEdge">
-                      <a:bevel prst="cross"/>
-                      <a:lightRig rig="flood" dir="t"/>
-                    </a:cell3D>
+                        <a:t>371</a:t>
+                      </a:r>
+                    </a:p>
+                  </a:txBody>
+                  <a:tcPr anchor="ctr">
+                    <a:lnL w="12700" cap="flat" cmpd="sng" algn="ctr">
+                      <a:solidFill>
+                        <a:schemeClr val="tx1"/>
+                      </a:solidFill>
+                      <a:prstDash val="solid"/>
+                      <a:round/>
+                      <a:headEnd type="none" w="med" len="med"/>
+                      <a:tailEnd type="none" w="med" len="med"/>
+                    </a:lnL>
+                    <a:lnR w="12700" cap="flat" cmpd="sng" algn="ctr">
+                      <a:solidFill>
+                        <a:schemeClr val="tx1"/>
+                      </a:solidFill>
+                      <a:prstDash val="solid"/>
+                      <a:round/>
+                      <a:headEnd type="none" w="med" len="med"/>
+                      <a:tailEnd type="none" w="med" len="med"/>
+                    </a:lnR>
+                    <a:lnT w="12700" cap="flat" cmpd="sng" algn="ctr">
+                      <a:solidFill>
+                        <a:schemeClr val="tx1"/>
+                      </a:solidFill>
+                      <a:prstDash val="solid"/>
+                      <a:round/>
+                      <a:headEnd type="none" w="med" len="med"/>
+                      <a:tailEnd type="none" w="med" len="med"/>
+                    </a:lnT>
+                    <a:lnB w="12700" cap="flat" cmpd="sng" algn="ctr">
+                      <a:solidFill>
+                        <a:schemeClr val="tx1"/>
+                      </a:solidFill>
+                      <a:prstDash val="solid"/>
+                      <a:round/>
+                      <a:headEnd type="none" w="med" len="med"/>
+                      <a:tailEnd type="none" w="med" len="med"/>
+                    </a:lnB>
                     <a:solidFill>
                       <a:schemeClr val="accent2">
                         <a:lumMod val="60000"/>
@@ -29976,7 +31264,7 @@
                       <a:pPr algn="ctr"/>
                       <a:r>
                         <a:rPr lang="es-ES" sz="1200" dirty="0"/>
-                        <a:t>404</a:t>
+                        <a:t>362</a:t>
                       </a:r>
                     </a:p>
                   </a:txBody>
@@ -30034,478 +31322,7 @@
                       <a:pPr algn="ctr"/>
                       <a:r>
                         <a:rPr lang="es-ES" sz="1200" dirty="0"/>
-                        <a:t>267</a:t>
-                      </a:r>
-                    </a:p>
-                  </a:txBody>
-                  <a:tcPr anchor="ctr">
-                    <a:lnL w="12700" cap="flat" cmpd="sng" algn="ctr">
-                      <a:solidFill>
-                        <a:schemeClr val="tx1"/>
-                      </a:solidFill>
-                      <a:prstDash val="solid"/>
-                      <a:round/>
-                      <a:headEnd type="none" w="med" len="med"/>
-                      <a:tailEnd type="none" w="med" len="med"/>
-                    </a:lnL>
-                    <a:lnR w="12700" cap="flat" cmpd="sng" algn="ctr">
-                      <a:solidFill>
-                        <a:schemeClr val="tx1"/>
-                      </a:solidFill>
-                      <a:prstDash val="solid"/>
-                      <a:round/>
-                      <a:headEnd type="none" w="med" len="med"/>
-                      <a:tailEnd type="none" w="med" len="med"/>
-                    </a:lnR>
-                    <a:lnT w="12700" cap="flat" cmpd="sng" algn="ctr">
-                      <a:solidFill>
-                        <a:schemeClr val="tx1"/>
-                      </a:solidFill>
-                      <a:prstDash val="solid"/>
-                      <a:round/>
-                      <a:headEnd type="none" w="med" len="med"/>
-                      <a:tailEnd type="none" w="med" len="med"/>
-                    </a:lnT>
-                    <a:lnB w="12700" cap="flat" cmpd="sng" algn="ctr">
-                      <a:solidFill>
-                        <a:schemeClr val="tx1"/>
-                      </a:solidFill>
-                      <a:prstDash val="solid"/>
-                      <a:round/>
-                      <a:headEnd type="none" w="med" len="med"/>
-                      <a:tailEnd type="none" w="med" len="med"/>
-                    </a:lnB>
-                    <a:solidFill>
-                      <a:schemeClr val="accent2">
-                        <a:lumMod val="60000"/>
-                        <a:lumOff val="40000"/>
-                        <a:alpha val="27000"/>
-                      </a:schemeClr>
-                    </a:solidFill>
-                  </a:tcPr>
-                </a:tc>
-                <a:tc>
-                  <a:txBody>
-                    <a:bodyPr/>
-                    <a:lstStyle/>
-                    <a:p>
-                      <a:pPr algn="ctr"/>
-                      <a:r>
-                        <a:rPr lang="es-ES" sz="1200" dirty="0"/>
-                        <a:t>185</a:t>
-                      </a:r>
-                    </a:p>
-                  </a:txBody>
-                  <a:tcPr anchor="ctr">
-                    <a:lnL w="12700" cap="flat" cmpd="sng" algn="ctr">
-                      <a:solidFill>
-                        <a:schemeClr val="tx1"/>
-                      </a:solidFill>
-                      <a:prstDash val="solid"/>
-                      <a:round/>
-                      <a:headEnd type="none" w="med" len="med"/>
-                      <a:tailEnd type="none" w="med" len="med"/>
-                    </a:lnL>
-                    <a:lnR w="12700" cap="flat" cmpd="sng" algn="ctr">
-                      <a:solidFill>
-                        <a:schemeClr val="tx1"/>
-                      </a:solidFill>
-                      <a:prstDash val="solid"/>
-                      <a:round/>
-                      <a:headEnd type="none" w="med" len="med"/>
-                      <a:tailEnd type="none" w="med" len="med"/>
-                    </a:lnR>
-                    <a:lnT w="12700" cap="flat" cmpd="sng" algn="ctr">
-                      <a:solidFill>
-                        <a:schemeClr val="tx1"/>
-                      </a:solidFill>
-                      <a:prstDash val="solid"/>
-                      <a:round/>
-                      <a:headEnd type="none" w="med" len="med"/>
-                      <a:tailEnd type="none" w="med" len="med"/>
-                    </a:lnT>
-                    <a:lnB w="12700" cap="flat" cmpd="sng" algn="ctr">
-                      <a:solidFill>
-                        <a:schemeClr val="tx1"/>
-                      </a:solidFill>
-                      <a:prstDash val="solid"/>
-                      <a:round/>
-                      <a:headEnd type="none" w="med" len="med"/>
-                      <a:tailEnd type="none" w="med" len="med"/>
-                    </a:lnB>
-                    <a:solidFill>
-                      <a:schemeClr val="accent2">
-                        <a:lumMod val="60000"/>
-                        <a:lumOff val="40000"/>
-                        <a:alpha val="27000"/>
-                      </a:schemeClr>
-                    </a:solidFill>
-                  </a:tcPr>
-                </a:tc>
-                <a:tc>
-                  <a:txBody>
-                    <a:bodyPr/>
-                    <a:lstStyle/>
-                    <a:p>
-                      <a:pPr algn="ctr"/>
-                      <a:r>
-                        <a:rPr lang="es-ES" sz="1200" dirty="0"/>
-                        <a:t>3</a:t>
-                      </a:r>
-                    </a:p>
-                  </a:txBody>
-                  <a:tcPr anchor="ctr">
-                    <a:lnL w="12700" cap="flat" cmpd="sng" algn="ctr">
-                      <a:solidFill>
-                        <a:schemeClr val="tx1"/>
-                      </a:solidFill>
-                      <a:prstDash val="solid"/>
-                      <a:round/>
-                      <a:headEnd type="none" w="med" len="med"/>
-                      <a:tailEnd type="none" w="med" len="med"/>
-                    </a:lnL>
-                    <a:lnR w="12700" cap="flat" cmpd="sng" algn="ctr">
-                      <a:solidFill>
-                        <a:schemeClr val="tx1"/>
-                      </a:solidFill>
-                      <a:prstDash val="solid"/>
-                      <a:round/>
-                      <a:headEnd type="none" w="med" len="med"/>
-                      <a:tailEnd type="none" w="med" len="med"/>
-                    </a:lnR>
-                    <a:lnT w="12700" cap="flat" cmpd="sng" algn="ctr">
-                      <a:solidFill>
-                        <a:schemeClr val="tx1"/>
-                      </a:solidFill>
-                      <a:prstDash val="solid"/>
-                      <a:round/>
-                      <a:headEnd type="none" w="med" len="med"/>
-                      <a:tailEnd type="none" w="med" len="med"/>
-                    </a:lnT>
-                    <a:lnB w="12700" cap="flat" cmpd="sng" algn="ctr">
-                      <a:solidFill>
-                        <a:schemeClr val="tx1"/>
-                      </a:solidFill>
-                      <a:prstDash val="solid"/>
-                      <a:round/>
-                      <a:headEnd type="none" w="med" len="med"/>
-                      <a:tailEnd type="none" w="med" len="med"/>
-                    </a:lnB>
-                    <a:solidFill>
-                      <a:schemeClr val="accent2">
-                        <a:lumMod val="60000"/>
-                        <a:lumOff val="40000"/>
-                        <a:alpha val="27000"/>
-                      </a:schemeClr>
-                    </a:solidFill>
-                  </a:tcPr>
-                </a:tc>
-                <a:extLst>
-                  <a:ext uri="{0D108BD9-81ED-4DB2-BD59-A6C34878D82A}">
-                    <a16:rowId xmlns:a16="http://schemas.microsoft.com/office/drawing/2014/main" val="362188485"/>
-                  </a:ext>
-                </a:extLst>
-              </a:tr>
-              <a:tr h="486697">
-                <a:tc>
-                  <a:txBody>
-                    <a:bodyPr/>
-                    <a:lstStyle/>
-                    <a:p>
-                      <a:pPr algn="ctr"/>
-                      <a:r>
-                        <a:rPr lang="es-ES" sz="1200" dirty="0"/>
-                        <a:t>199</a:t>
-                      </a:r>
-                    </a:p>
-                  </a:txBody>
-                  <a:tcPr anchor="ctr">
-                    <a:lnL w="12700" cap="flat" cmpd="sng" algn="ctr">
-                      <a:solidFill>
-                        <a:schemeClr val="tx1"/>
-                      </a:solidFill>
-                      <a:prstDash val="solid"/>
-                      <a:round/>
-                      <a:headEnd type="none" w="med" len="med"/>
-                      <a:tailEnd type="none" w="med" len="med"/>
-                    </a:lnL>
-                    <a:lnR w="12700" cap="flat" cmpd="sng" algn="ctr">
-                      <a:solidFill>
-                        <a:schemeClr val="tx1"/>
-                      </a:solidFill>
-                      <a:prstDash val="solid"/>
-                      <a:round/>
-                      <a:headEnd type="none" w="med" len="med"/>
-                      <a:tailEnd type="none" w="med" len="med"/>
-                    </a:lnR>
-                    <a:lnT w="12700" cap="flat" cmpd="sng" algn="ctr">
-                      <a:solidFill>
-                        <a:schemeClr val="tx1"/>
-                      </a:solidFill>
-                      <a:prstDash val="solid"/>
-                      <a:round/>
-                      <a:headEnd type="none" w="med" len="med"/>
-                      <a:tailEnd type="none" w="med" len="med"/>
-                    </a:lnT>
-                    <a:lnB w="12700" cap="flat" cmpd="sng" algn="ctr">
-                      <a:solidFill>
-                        <a:schemeClr val="tx1"/>
-                      </a:solidFill>
-                      <a:prstDash val="solid"/>
-                      <a:round/>
-                      <a:headEnd type="none" w="med" len="med"/>
-                      <a:tailEnd type="none" w="med" len="med"/>
-                    </a:lnB>
-                    <a:solidFill>
-                      <a:schemeClr val="accent2">
-                        <a:lumMod val="60000"/>
-                        <a:lumOff val="40000"/>
-                        <a:alpha val="27000"/>
-                      </a:schemeClr>
-                    </a:solidFill>
-                  </a:tcPr>
-                </a:tc>
-                <a:tc>
-                  <a:txBody>
-                    <a:bodyPr/>
-                    <a:lstStyle/>
-                    <a:p>
-                      <a:pPr algn="ctr"/>
-                      <a:r>
-                        <a:rPr lang="es-ES" sz="1200" dirty="0"/>
-                        <a:t>398</a:t>
-                      </a:r>
-                    </a:p>
-                  </a:txBody>
-                  <a:tcPr anchor="ctr">
-                    <a:lnL w="12700" cap="flat" cmpd="sng" algn="ctr">
-                      <a:solidFill>
-                        <a:schemeClr val="tx1"/>
-                      </a:solidFill>
-                      <a:prstDash val="solid"/>
-                      <a:round/>
-                      <a:headEnd type="none" w="med" len="med"/>
-                      <a:tailEnd type="none" w="med" len="med"/>
-                    </a:lnL>
-                    <a:lnR w="12700" cap="flat" cmpd="sng" algn="ctr">
-                      <a:solidFill>
-                        <a:schemeClr val="tx1"/>
-                      </a:solidFill>
-                      <a:prstDash val="solid"/>
-                      <a:round/>
-                      <a:headEnd type="none" w="med" len="med"/>
-                      <a:tailEnd type="none" w="med" len="med"/>
-                    </a:lnR>
-                    <a:lnT w="12700" cap="flat" cmpd="sng" algn="ctr">
-                      <a:solidFill>
-                        <a:schemeClr val="tx1"/>
-                      </a:solidFill>
-                      <a:prstDash val="solid"/>
-                      <a:round/>
-                      <a:headEnd type="none" w="med" len="med"/>
-                      <a:tailEnd type="none" w="med" len="med"/>
-                    </a:lnT>
-                    <a:lnB w="12700" cap="flat" cmpd="sng" algn="ctr">
-                      <a:solidFill>
-                        <a:schemeClr val="tx1"/>
-                      </a:solidFill>
-                      <a:prstDash val="solid"/>
-                      <a:round/>
-                      <a:headEnd type="none" w="med" len="med"/>
-                      <a:tailEnd type="none" w="med" len="med"/>
-                    </a:lnB>
-                    <a:solidFill>
-                      <a:schemeClr val="accent2">
-                        <a:lumMod val="60000"/>
-                        <a:lumOff val="40000"/>
-                        <a:alpha val="27000"/>
-                      </a:schemeClr>
-                    </a:solidFill>
-                  </a:tcPr>
-                </a:tc>
-                <a:tc>
-                  <a:txBody>
-                    <a:bodyPr/>
-                    <a:lstStyle/>
-                    <a:p>
-                      <a:pPr algn="ctr"/>
-                      <a:r>
-                        <a:rPr lang="es-ES" sz="1200" dirty="0"/>
-                        <a:t>667</a:t>
-                      </a:r>
-                    </a:p>
-                  </a:txBody>
-                  <a:tcPr anchor="ctr">
-                    <a:lnL w="12700" cap="flat" cmpd="sng" algn="ctr">
-                      <a:solidFill>
-                        <a:schemeClr val="tx1"/>
-                      </a:solidFill>
-                      <a:prstDash val="solid"/>
-                      <a:round/>
-                      <a:headEnd type="none" w="med" len="med"/>
-                      <a:tailEnd type="none" w="med" len="med"/>
-                    </a:lnL>
-                    <a:lnR w="12700" cap="flat" cmpd="sng" algn="ctr">
-                      <a:solidFill>
-                        <a:schemeClr val="tx1"/>
-                      </a:solidFill>
-                      <a:prstDash val="solid"/>
-                      <a:round/>
-                      <a:headEnd type="none" w="med" len="med"/>
-                      <a:tailEnd type="none" w="med" len="med"/>
-                    </a:lnR>
-                    <a:lnT w="12700" cap="flat" cmpd="sng" algn="ctr">
-                      <a:solidFill>
-                        <a:schemeClr val="tx1"/>
-                      </a:solidFill>
-                      <a:prstDash val="solid"/>
-                      <a:round/>
-                      <a:headEnd type="none" w="med" len="med"/>
-                      <a:tailEnd type="none" w="med" len="med"/>
-                    </a:lnT>
-                    <a:lnB w="12700" cap="flat" cmpd="sng" algn="ctr">
-                      <a:solidFill>
-                        <a:schemeClr val="tx1"/>
-                      </a:solidFill>
-                      <a:prstDash val="solid"/>
-                      <a:round/>
-                      <a:headEnd type="none" w="med" len="med"/>
-                      <a:tailEnd type="none" w="med" len="med"/>
-                    </a:lnB>
-                    <a:solidFill>
-                      <a:schemeClr val="accent2">
-                        <a:lumMod val="60000"/>
-                        <a:lumOff val="40000"/>
-                        <a:alpha val="27000"/>
-                      </a:schemeClr>
-                    </a:solidFill>
-                  </a:tcPr>
-                </a:tc>
-                <a:tc>
-                  <a:txBody>
-                    <a:bodyPr/>
-                    <a:lstStyle/>
-                    <a:p>
-                      <a:pPr algn="ctr"/>
-                      <a:r>
-                        <a:rPr lang="es-ES" sz="1200" dirty="0"/>
-                        <a:t>557</a:t>
-                      </a:r>
-                    </a:p>
-                  </a:txBody>
-                  <a:tcPr anchor="ctr">
-                    <a:lnL w="12700" cap="flat" cmpd="sng" algn="ctr">
-                      <a:solidFill>
-                        <a:schemeClr val="tx1"/>
-                      </a:solidFill>
-                      <a:prstDash val="solid"/>
-                      <a:round/>
-                      <a:headEnd type="none" w="med" len="med"/>
-                      <a:tailEnd type="none" w="med" len="med"/>
-                    </a:lnL>
-                    <a:lnR w="12700" cap="flat" cmpd="sng" algn="ctr">
-                      <a:solidFill>
-                        <a:schemeClr val="tx1"/>
-                      </a:solidFill>
-                      <a:prstDash val="solid"/>
-                      <a:round/>
-                      <a:headEnd type="none" w="med" len="med"/>
-                      <a:tailEnd type="none" w="med" len="med"/>
-                    </a:lnR>
-                    <a:lnT w="12700" cap="flat" cmpd="sng" algn="ctr">
-                      <a:solidFill>
-                        <a:schemeClr val="tx1"/>
-                      </a:solidFill>
-                      <a:prstDash val="solid"/>
-                      <a:round/>
-                      <a:headEnd type="none" w="med" len="med"/>
-                      <a:tailEnd type="none" w="med" len="med"/>
-                    </a:lnT>
-                    <a:lnB w="12700" cap="flat" cmpd="sng" algn="ctr">
-                      <a:solidFill>
-                        <a:schemeClr val="tx1"/>
-                      </a:solidFill>
-                      <a:prstDash val="solid"/>
-                      <a:round/>
-                      <a:headEnd type="none" w="med" len="med"/>
-                      <a:tailEnd type="none" w="med" len="med"/>
-                    </a:lnB>
-                    <a:solidFill>
-                      <a:schemeClr val="accent2">
-                        <a:lumMod val="60000"/>
-                        <a:lumOff val="40000"/>
-                        <a:alpha val="27000"/>
-                      </a:schemeClr>
-                    </a:solidFill>
-                  </a:tcPr>
-                </a:tc>
-                <a:tc>
-                  <a:txBody>
-                    <a:bodyPr/>
-                    <a:lstStyle/>
-                    <a:p>
-                      <a:pPr algn="ctr"/>
-                      <a:r>
-                        <a:rPr lang="es-ES" sz="1200" dirty="0"/>
-                        <a:t>450</a:t>
-                      </a:r>
-                    </a:p>
-                  </a:txBody>
-                  <a:tcPr anchor="ctr">
-                    <a:lnL w="12700" cap="flat" cmpd="sng" algn="ctr">
-                      <a:solidFill>
-                        <a:schemeClr val="tx1"/>
-                      </a:solidFill>
-                      <a:prstDash val="solid"/>
-                      <a:round/>
-                      <a:headEnd type="none" w="med" len="med"/>
-                      <a:tailEnd type="none" w="med" len="med"/>
-                    </a:lnL>
-                    <a:lnR w="12700" cap="flat" cmpd="sng" algn="ctr">
-                      <a:solidFill>
-                        <a:schemeClr val="tx1"/>
-                      </a:solidFill>
-                      <a:prstDash val="solid"/>
-                      <a:round/>
-                      <a:headEnd type="none" w="med" len="med"/>
-                      <a:tailEnd type="none" w="med" len="med"/>
-                    </a:lnR>
-                    <a:lnT w="12700" cap="flat" cmpd="sng" algn="ctr">
-                      <a:solidFill>
-                        <a:schemeClr val="tx1"/>
-                      </a:solidFill>
-                      <a:prstDash val="solid"/>
-                      <a:round/>
-                      <a:headEnd type="none" w="med" len="med"/>
-                      <a:tailEnd type="none" w="med" len="med"/>
-                    </a:lnT>
-                    <a:lnB w="12700" cap="flat" cmpd="sng" algn="ctr">
-                      <a:solidFill>
-                        <a:schemeClr val="tx1"/>
-                      </a:solidFill>
-                      <a:prstDash val="solid"/>
-                      <a:round/>
-                      <a:headEnd type="none" w="med" len="med"/>
-                      <a:tailEnd type="none" w="med" len="med"/>
-                    </a:lnB>
-                    <a:solidFill>
-                      <a:schemeClr val="accent2">
-                        <a:lumMod val="60000"/>
-                        <a:lumOff val="40000"/>
-                        <a:alpha val="27000"/>
-                      </a:schemeClr>
-                    </a:solidFill>
-                  </a:tcPr>
-                </a:tc>
-                <a:tc>
-                  <a:txBody>
-                    <a:bodyPr/>
-                    <a:lstStyle/>
-                    <a:p>
-                      <a:pPr algn="ctr"/>
-                      <a:r>
-                        <a:rPr lang="es-ES" sz="1200" dirty="0"/>
-                        <a:t>115</a:t>
+                        <a:t>98</a:t>
                       </a:r>
                     </a:p>
                   </a:txBody>
@@ -30561,7 +31378,7 @@
                   </a:ext>
                 </a:extLst>
               </a:tr>
-              <a:tr h="442451">
+              <a:tr h="427704">
                 <a:tc>
                   <a:txBody>
                     <a:bodyPr/>
@@ -30570,7 +31387,7 @@
                       <a:pPr algn="ctr"/>
                       <a:r>
                         <a:rPr lang="es-ES" sz="1200" dirty="0"/>
-                        <a:t>177</a:t>
+                        <a:t>252</a:t>
                       </a:r>
                     </a:p>
                   </a:txBody>
@@ -30628,7 +31445,7 @@
                       <a:pPr algn="ctr"/>
                       <a:r>
                         <a:rPr lang="es-ES" sz="1200" dirty="0"/>
-                        <a:t>215</a:t>
+                        <a:t>516</a:t>
                       </a:r>
                     </a:p>
                   </a:txBody>
@@ -30686,7 +31503,7 @@
                       <a:pPr algn="ctr"/>
                       <a:r>
                         <a:rPr lang="es-ES" sz="1200" dirty="0"/>
-                        <a:t>415</a:t>
+                        <a:t>593</a:t>
                       </a:r>
                     </a:p>
                   </a:txBody>
@@ -30744,478 +31561,7 @@
                       <a:pPr algn="ctr"/>
                       <a:r>
                         <a:rPr lang="es-ES" sz="1200" dirty="0"/>
-                        <a:t>342</a:t>
-                      </a:r>
-                    </a:p>
-                  </a:txBody>
-                  <a:tcPr anchor="ctr">
-                    <a:lnL w="12700" cap="flat" cmpd="sng" algn="ctr">
-                      <a:solidFill>
-                        <a:schemeClr val="tx1"/>
-                      </a:solidFill>
-                      <a:prstDash val="solid"/>
-                      <a:round/>
-                      <a:headEnd type="none" w="med" len="med"/>
-                      <a:tailEnd type="none" w="med" len="med"/>
-                    </a:lnL>
-                    <a:lnR w="12700" cap="flat" cmpd="sng" algn="ctr">
-                      <a:solidFill>
-                        <a:schemeClr val="tx1"/>
-                      </a:solidFill>
-                      <a:prstDash val="solid"/>
-                      <a:round/>
-                      <a:headEnd type="none" w="med" len="med"/>
-                      <a:tailEnd type="none" w="med" len="med"/>
-                    </a:lnR>
-                    <a:lnT w="12700" cap="flat" cmpd="sng" algn="ctr">
-                      <a:solidFill>
-                        <a:schemeClr val="tx1"/>
-                      </a:solidFill>
-                      <a:prstDash val="solid"/>
-                      <a:round/>
-                      <a:headEnd type="none" w="med" len="med"/>
-                      <a:tailEnd type="none" w="med" len="med"/>
-                    </a:lnT>
-                    <a:lnB w="12700" cap="flat" cmpd="sng" algn="ctr">
-                      <a:solidFill>
-                        <a:schemeClr val="tx1"/>
-                      </a:solidFill>
-                      <a:prstDash val="solid"/>
-                      <a:round/>
-                      <a:headEnd type="none" w="med" len="med"/>
-                      <a:tailEnd type="none" w="med" len="med"/>
-                    </a:lnB>
-                    <a:solidFill>
-                      <a:schemeClr val="accent2">
-                        <a:lumMod val="60000"/>
-                        <a:lumOff val="40000"/>
-                        <a:alpha val="27000"/>
-                      </a:schemeClr>
-                    </a:solidFill>
-                  </a:tcPr>
-                </a:tc>
-                <a:tc>
-                  <a:txBody>
-                    <a:bodyPr/>
-                    <a:lstStyle/>
-                    <a:p>
-                      <a:pPr algn="ctr"/>
-                      <a:r>
-                        <a:rPr lang="es-ES" sz="1200" dirty="0"/>
-                        <a:t>174</a:t>
-                      </a:r>
-                    </a:p>
-                  </a:txBody>
-                  <a:tcPr anchor="ctr">
-                    <a:lnL w="12700" cap="flat" cmpd="sng" algn="ctr">
-                      <a:solidFill>
-                        <a:schemeClr val="tx1"/>
-                      </a:solidFill>
-                      <a:prstDash val="solid"/>
-                      <a:round/>
-                      <a:headEnd type="none" w="med" len="med"/>
-                      <a:tailEnd type="none" w="med" len="med"/>
-                    </a:lnL>
-                    <a:lnR w="12700" cap="flat" cmpd="sng" algn="ctr">
-                      <a:solidFill>
-                        <a:schemeClr val="tx1"/>
-                      </a:solidFill>
-                      <a:prstDash val="solid"/>
-                      <a:round/>
-                      <a:headEnd type="none" w="med" len="med"/>
-                      <a:tailEnd type="none" w="med" len="med"/>
-                    </a:lnR>
-                    <a:lnT w="12700" cap="flat" cmpd="sng" algn="ctr">
-                      <a:solidFill>
-                        <a:schemeClr val="tx1"/>
-                      </a:solidFill>
-                      <a:prstDash val="solid"/>
-                      <a:round/>
-                      <a:headEnd type="none" w="med" len="med"/>
-                      <a:tailEnd type="none" w="med" len="med"/>
-                    </a:lnT>
-                    <a:lnB w="12700" cap="flat" cmpd="sng" algn="ctr">
-                      <a:solidFill>
-                        <a:schemeClr val="tx1"/>
-                      </a:solidFill>
-                      <a:prstDash val="solid"/>
-                      <a:round/>
-                      <a:headEnd type="none" w="med" len="med"/>
-                      <a:tailEnd type="none" w="med" len="med"/>
-                    </a:lnB>
-                    <a:solidFill>
-                      <a:schemeClr val="accent2">
-                        <a:lumMod val="60000"/>
-                        <a:lumOff val="40000"/>
-                        <a:alpha val="27000"/>
-                      </a:schemeClr>
-                    </a:solidFill>
-                  </a:tcPr>
-                </a:tc>
-                <a:tc>
-                  <a:txBody>
-                    <a:bodyPr/>
-                    <a:lstStyle/>
-                    <a:p>
-                      <a:pPr algn="ctr"/>
-                      <a:r>
-                        <a:rPr lang="es-ES" sz="1200" dirty="0"/>
-                        <a:t>24</a:t>
-                      </a:r>
-                    </a:p>
-                  </a:txBody>
-                  <a:tcPr anchor="ctr">
-                    <a:lnL w="12700" cap="flat" cmpd="sng" algn="ctr">
-                      <a:solidFill>
-                        <a:schemeClr val="tx1"/>
-                      </a:solidFill>
-                      <a:prstDash val="solid"/>
-                      <a:round/>
-                      <a:headEnd type="none" w="med" len="med"/>
-                      <a:tailEnd type="none" w="med" len="med"/>
-                    </a:lnL>
-                    <a:lnR w="12700" cap="flat" cmpd="sng" algn="ctr">
-                      <a:solidFill>
-                        <a:schemeClr val="tx1"/>
-                      </a:solidFill>
-                      <a:prstDash val="solid"/>
-                      <a:round/>
-                      <a:headEnd type="none" w="med" len="med"/>
-                      <a:tailEnd type="none" w="med" len="med"/>
-                    </a:lnR>
-                    <a:lnT w="12700" cap="flat" cmpd="sng" algn="ctr">
-                      <a:solidFill>
-                        <a:schemeClr val="tx1"/>
-                      </a:solidFill>
-                      <a:prstDash val="solid"/>
-                      <a:round/>
-                      <a:headEnd type="none" w="med" len="med"/>
-                      <a:tailEnd type="none" w="med" len="med"/>
-                    </a:lnT>
-                    <a:lnB w="12700" cap="flat" cmpd="sng" algn="ctr">
-                      <a:solidFill>
-                        <a:schemeClr val="tx1"/>
-                      </a:solidFill>
-                      <a:prstDash val="solid"/>
-                      <a:round/>
-                      <a:headEnd type="none" w="med" len="med"/>
-                      <a:tailEnd type="none" w="med" len="med"/>
-                    </a:lnB>
-                    <a:solidFill>
-                      <a:schemeClr val="accent2">
-                        <a:lumMod val="60000"/>
-                        <a:lumOff val="40000"/>
-                        <a:alpha val="27000"/>
-                      </a:schemeClr>
-                    </a:solidFill>
-                  </a:tcPr>
-                </a:tc>
-                <a:extLst>
-                  <a:ext uri="{0D108BD9-81ED-4DB2-BD59-A6C34878D82A}">
-                    <a16:rowId xmlns:a16="http://schemas.microsoft.com/office/drawing/2014/main" val="608383978"/>
-                  </a:ext>
-                </a:extLst>
-              </a:tr>
-              <a:tr h="427704">
-                <a:tc>
-                  <a:txBody>
-                    <a:bodyPr/>
-                    <a:lstStyle/>
-                    <a:p>
-                      <a:pPr algn="ctr"/>
-                      <a:r>
-                        <a:rPr lang="es-ES" sz="1200" dirty="0"/>
-                        <a:t>101</a:t>
-                      </a:r>
-                    </a:p>
-                  </a:txBody>
-                  <a:tcPr anchor="ctr">
-                    <a:lnL w="12700" cap="flat" cmpd="sng" algn="ctr">
-                      <a:solidFill>
-                        <a:schemeClr val="tx1"/>
-                      </a:solidFill>
-                      <a:prstDash val="solid"/>
-                      <a:round/>
-                      <a:headEnd type="none" w="med" len="med"/>
-                      <a:tailEnd type="none" w="med" len="med"/>
-                    </a:lnL>
-                    <a:lnR w="12700" cap="flat" cmpd="sng" algn="ctr">
-                      <a:solidFill>
-                        <a:schemeClr val="tx1"/>
-                      </a:solidFill>
-                      <a:prstDash val="solid"/>
-                      <a:round/>
-                      <a:headEnd type="none" w="med" len="med"/>
-                      <a:tailEnd type="none" w="med" len="med"/>
-                    </a:lnR>
-                    <a:lnT w="12700" cap="flat" cmpd="sng" algn="ctr">
-                      <a:solidFill>
-                        <a:schemeClr val="tx1"/>
-                      </a:solidFill>
-                      <a:prstDash val="solid"/>
-                      <a:round/>
-                      <a:headEnd type="none" w="med" len="med"/>
-                      <a:tailEnd type="none" w="med" len="med"/>
-                    </a:lnT>
-                    <a:lnB w="12700" cap="flat" cmpd="sng" algn="ctr">
-                      <a:solidFill>
-                        <a:schemeClr val="tx1"/>
-                      </a:solidFill>
-                      <a:prstDash val="solid"/>
-                      <a:round/>
-                      <a:headEnd type="none" w="med" len="med"/>
-                      <a:tailEnd type="none" w="med" len="med"/>
-                    </a:lnB>
-                    <a:solidFill>
-                      <a:schemeClr val="accent2">
-                        <a:lumMod val="60000"/>
-                        <a:lumOff val="40000"/>
-                        <a:alpha val="27000"/>
-                      </a:schemeClr>
-                    </a:solidFill>
-                  </a:tcPr>
-                </a:tc>
-                <a:tc>
-                  <a:txBody>
-                    <a:bodyPr/>
-                    <a:lstStyle/>
-                    <a:p>
-                      <a:pPr algn="ctr"/>
-                      <a:r>
-                        <a:rPr lang="es-ES" sz="1200" dirty="0"/>
-                        <a:t>215</a:t>
-                      </a:r>
-                    </a:p>
-                  </a:txBody>
-                  <a:tcPr anchor="ctr">
-                    <a:lnL w="12700" cap="flat" cmpd="sng" algn="ctr">
-                      <a:solidFill>
-                        <a:schemeClr val="tx1"/>
-                      </a:solidFill>
-                      <a:prstDash val="solid"/>
-                      <a:round/>
-                      <a:headEnd type="none" w="med" len="med"/>
-                      <a:tailEnd type="none" w="med" len="med"/>
-                    </a:lnL>
-                    <a:lnR w="12700" cap="flat" cmpd="sng" algn="ctr">
-                      <a:solidFill>
-                        <a:schemeClr val="tx1"/>
-                      </a:solidFill>
-                      <a:prstDash val="solid"/>
-                      <a:round/>
-                      <a:headEnd type="none" w="med" len="med"/>
-                      <a:tailEnd type="none" w="med" len="med"/>
-                    </a:lnR>
-                    <a:lnT w="12700" cap="flat" cmpd="sng" algn="ctr">
-                      <a:solidFill>
-                        <a:schemeClr val="tx1"/>
-                      </a:solidFill>
-                      <a:prstDash val="solid"/>
-                      <a:round/>
-                      <a:headEnd type="none" w="med" len="med"/>
-                      <a:tailEnd type="none" w="med" len="med"/>
-                    </a:lnT>
-                    <a:lnB w="12700" cap="flat" cmpd="sng" algn="ctr">
-                      <a:solidFill>
-                        <a:schemeClr val="tx1"/>
-                      </a:solidFill>
-                      <a:prstDash val="solid"/>
-                      <a:round/>
-                      <a:headEnd type="none" w="med" len="med"/>
-                      <a:tailEnd type="none" w="med" len="med"/>
-                    </a:lnB>
-                    <a:solidFill>
-                      <a:schemeClr val="accent2">
-                        <a:lumMod val="60000"/>
-                        <a:lumOff val="40000"/>
-                        <a:alpha val="27000"/>
-                      </a:schemeClr>
-                    </a:solidFill>
-                  </a:tcPr>
-                </a:tc>
-                <a:tc>
-                  <a:txBody>
-                    <a:bodyPr/>
-                    <a:lstStyle/>
-                    <a:p>
-                      <a:pPr algn="ctr"/>
-                      <a:r>
-                        <a:rPr lang="es-ES" sz="1200" dirty="0"/>
-                        <a:t>398</a:t>
-                      </a:r>
-                    </a:p>
-                  </a:txBody>
-                  <a:tcPr anchor="ctr">
-                    <a:lnL w="12700" cap="flat" cmpd="sng" algn="ctr">
-                      <a:solidFill>
-                        <a:schemeClr val="tx1"/>
-                      </a:solidFill>
-                      <a:prstDash val="solid"/>
-                      <a:round/>
-                      <a:headEnd type="none" w="med" len="med"/>
-                      <a:tailEnd type="none" w="med" len="med"/>
-                    </a:lnL>
-                    <a:lnR w="12700" cap="flat" cmpd="sng" algn="ctr">
-                      <a:solidFill>
-                        <a:schemeClr val="tx1"/>
-                      </a:solidFill>
-                      <a:prstDash val="solid"/>
-                      <a:round/>
-                      <a:headEnd type="none" w="med" len="med"/>
-                      <a:tailEnd type="none" w="med" len="med"/>
-                    </a:lnR>
-                    <a:lnT w="12700" cap="flat" cmpd="sng" algn="ctr">
-                      <a:solidFill>
-                        <a:schemeClr val="tx1"/>
-                      </a:solidFill>
-                      <a:prstDash val="solid"/>
-                      <a:round/>
-                      <a:headEnd type="none" w="med" len="med"/>
-                      <a:tailEnd type="none" w="med" len="med"/>
-                    </a:lnT>
-                    <a:lnB w="12700" cap="flat" cmpd="sng" algn="ctr">
-                      <a:solidFill>
-                        <a:schemeClr val="tx1"/>
-                      </a:solidFill>
-                      <a:prstDash val="solid"/>
-                      <a:round/>
-                      <a:headEnd type="none" w="med" len="med"/>
-                      <a:tailEnd type="none" w="med" len="med"/>
-                    </a:lnB>
-                    <a:solidFill>
-                      <a:schemeClr val="accent2">
-                        <a:lumMod val="60000"/>
-                        <a:lumOff val="40000"/>
-                        <a:alpha val="27000"/>
-                      </a:schemeClr>
-                    </a:solidFill>
-                  </a:tcPr>
-                </a:tc>
-                <a:tc>
-                  <a:txBody>
-                    <a:bodyPr/>
-                    <a:lstStyle/>
-                    <a:p>
-                      <a:pPr algn="ctr"/>
-                      <a:r>
-                        <a:rPr lang="es-ES" sz="1200" dirty="0"/>
-                        <a:t>168</a:t>
-                      </a:r>
-                    </a:p>
-                  </a:txBody>
-                  <a:tcPr anchor="ctr">
-                    <a:lnL w="12700" cap="flat" cmpd="sng" algn="ctr">
-                      <a:solidFill>
-                        <a:schemeClr val="tx1"/>
-                      </a:solidFill>
-                      <a:prstDash val="solid"/>
-                      <a:round/>
-                      <a:headEnd type="none" w="med" len="med"/>
-                      <a:tailEnd type="none" w="med" len="med"/>
-                    </a:lnL>
-                    <a:lnR w="12700" cap="flat" cmpd="sng" algn="ctr">
-                      <a:solidFill>
-                        <a:schemeClr val="tx1"/>
-                      </a:solidFill>
-                      <a:prstDash val="solid"/>
-                      <a:round/>
-                      <a:headEnd type="none" w="med" len="med"/>
-                      <a:tailEnd type="none" w="med" len="med"/>
-                    </a:lnR>
-                    <a:lnT w="12700" cap="flat" cmpd="sng" algn="ctr">
-                      <a:solidFill>
-                        <a:schemeClr val="tx1"/>
-                      </a:solidFill>
-                      <a:prstDash val="solid"/>
-                      <a:round/>
-                      <a:headEnd type="none" w="med" len="med"/>
-                      <a:tailEnd type="none" w="med" len="med"/>
-                    </a:lnT>
-                    <a:lnB w="12700" cap="flat" cmpd="sng" algn="ctr">
-                      <a:solidFill>
-                        <a:schemeClr val="tx1"/>
-                      </a:solidFill>
-                      <a:prstDash val="solid"/>
-                      <a:round/>
-                      <a:headEnd type="none" w="med" len="med"/>
-                      <a:tailEnd type="none" w="med" len="med"/>
-                    </a:lnB>
-                    <a:solidFill>
-                      <a:schemeClr val="accent2">
-                        <a:lumMod val="60000"/>
-                        <a:lumOff val="40000"/>
-                        <a:alpha val="27000"/>
-                      </a:schemeClr>
-                    </a:solidFill>
-                  </a:tcPr>
-                </a:tc>
-                <a:tc>
-                  <a:txBody>
-                    <a:bodyPr/>
-                    <a:lstStyle/>
-                    <a:p>
-                      <a:pPr algn="ctr"/>
-                      <a:r>
-                        <a:rPr lang="es-ES" sz="1200" dirty="0"/>
-                        <a:t>225</a:t>
-                      </a:r>
-                    </a:p>
-                  </a:txBody>
-                  <a:tcPr anchor="ctr">
-                    <a:lnL w="12700" cap="flat" cmpd="sng" algn="ctr">
-                      <a:solidFill>
-                        <a:schemeClr val="tx1"/>
-                      </a:solidFill>
-                      <a:prstDash val="solid"/>
-                      <a:round/>
-                      <a:headEnd type="none" w="med" len="med"/>
-                      <a:tailEnd type="none" w="med" len="med"/>
-                    </a:lnL>
-                    <a:lnR w="12700" cap="flat" cmpd="sng" algn="ctr">
-                      <a:solidFill>
-                        <a:schemeClr val="tx1"/>
-                      </a:solidFill>
-                      <a:prstDash val="solid"/>
-                      <a:round/>
-                      <a:headEnd type="none" w="med" len="med"/>
-                      <a:tailEnd type="none" w="med" len="med"/>
-                    </a:lnR>
-                    <a:lnT w="12700" cap="flat" cmpd="sng" algn="ctr">
-                      <a:solidFill>
-                        <a:schemeClr val="tx1"/>
-                      </a:solidFill>
-                      <a:prstDash val="solid"/>
-                      <a:round/>
-                      <a:headEnd type="none" w="med" len="med"/>
-                      <a:tailEnd type="none" w="med" len="med"/>
-                    </a:lnT>
-                    <a:lnB w="12700" cap="flat" cmpd="sng" algn="ctr">
-                      <a:solidFill>
-                        <a:schemeClr val="tx1"/>
-                      </a:solidFill>
-                      <a:prstDash val="solid"/>
-                      <a:round/>
-                      <a:headEnd type="none" w="med" len="med"/>
-                      <a:tailEnd type="none" w="med" len="med"/>
-                    </a:lnB>
-                    <a:solidFill>
-                      <a:schemeClr val="accent2">
-                        <a:lumMod val="60000"/>
-                        <a:lumOff val="40000"/>
-                        <a:alpha val="27000"/>
-                      </a:schemeClr>
-                    </a:solidFill>
-                  </a:tcPr>
-                </a:tc>
-                <a:tc>
-                  <a:txBody>
-                    <a:bodyPr/>
-                    <a:lstStyle/>
-                    <a:p>
-                      <a:pPr algn="ctr"/>
-                      <a:r>
-                        <a:rPr lang="es-ES" sz="1200" dirty="0"/>
-                        <a:t>28</a:t>
+                        <a:t>243</a:t>
                       </a:r>
                     </a:p>
                   </a:txBody>
@@ -31280,7 +31626,7 @@
                       <a:pPr algn="ctr"/>
                       <a:r>
                         <a:rPr lang="es-ES" sz="1200" dirty="0"/>
-                        <a:t>123</a:t>
+                        <a:t>21</a:t>
                       </a:r>
                     </a:p>
                   </a:txBody>
@@ -31338,7 +31684,7 @@
                       <a:pPr algn="ctr"/>
                       <a:r>
                         <a:rPr lang="es-ES" sz="1200" dirty="0"/>
-                        <a:t>93</a:t>
+                        <a:t>119</a:t>
                       </a:r>
                     </a:p>
                   </a:txBody>
@@ -31396,7 +31742,7 @@
                       <a:pPr algn="ctr"/>
                       <a:r>
                         <a:rPr lang="es-ES" sz="1200" dirty="0"/>
-                        <a:t>171</a:t>
+                        <a:t>119</a:t>
                       </a:r>
                     </a:p>
                   </a:txBody>
@@ -31454,7 +31800,7 @@
                       <a:pPr algn="ctr"/>
                       <a:r>
                         <a:rPr lang="es-ES" sz="1200" dirty="0"/>
-                        <a:t>114</a:t>
+                        <a:t>98</a:t>
                       </a:r>
                     </a:p>
                   </a:txBody>
@@ -31504,6 +31850,84 @@
                     </a:solidFill>
                   </a:tcPr>
                 </a:tc>
+                <a:extLst>
+                  <a:ext uri="{0D108BD9-81ED-4DB2-BD59-A6C34878D82A}">
+                    <a16:rowId xmlns:a16="http://schemas.microsoft.com/office/drawing/2014/main" val="4128410436"/>
+                  </a:ext>
+                </a:extLst>
+              </a:tr>
+            </a:tbl>
+          </a:graphicData>
+        </a:graphic>
+      </p:graphicFrame>
+      <p:graphicFrame>
+        <p:nvGraphicFramePr>
+          <p:cNvPr id="17" name="Tabla 16">
+            <a:extLst>
+              <a:ext uri="{FF2B5EF4-FFF2-40B4-BE49-F238E27FC236}">
+                <a16:creationId xmlns:a16="http://schemas.microsoft.com/office/drawing/2014/main" id="{D4285CC8-1E5D-294C-8AC0-243DB1D3009E}"/>
+              </a:ext>
+            </a:extLst>
+          </p:cNvPr>
+          <p:cNvGraphicFramePr>
+            <a:graphicFrameLocks noGrp="1"/>
+          </p:cNvGraphicFramePr>
+          <p:nvPr>
+            <p:extLst>
+              <p:ext uri="{D42A27DB-BD31-4B8C-83A1-F6EECF244321}">
+                <p14:modId xmlns:p14="http://schemas.microsoft.com/office/powerpoint/2010/main" val="3271833081"/>
+              </p:ext>
+            </p:extLst>
+          </p:nvPr>
+        </p:nvGraphicFramePr>
+        <p:xfrm>
+          <a:off x="8031825" y="4130747"/>
+          <a:ext cx="2304790" cy="2210294"/>
+        </p:xfrm>
+        <a:graphic>
+          <a:graphicData uri="http://schemas.openxmlformats.org/drawingml/2006/table">
+            <a:tbl>
+              <a:tblPr>
+                <a:tableStyleId>{5C22544A-7EE6-4342-B048-85BDC9FD1C3A}</a:tableStyleId>
+              </a:tblPr>
+              <a:tblGrid>
+                <a:gridCol w="460958">
+                  <a:extLst>
+                    <a:ext uri="{9D8B030D-6E8A-4147-A177-3AD203B41FA5}">
+                      <a16:colId xmlns:a16="http://schemas.microsoft.com/office/drawing/2014/main" val="1856810096"/>
+                    </a:ext>
+                  </a:extLst>
+                </a:gridCol>
+                <a:gridCol w="460958">
+                  <a:extLst>
+                    <a:ext uri="{9D8B030D-6E8A-4147-A177-3AD203B41FA5}">
+                      <a16:colId xmlns:a16="http://schemas.microsoft.com/office/drawing/2014/main" val="3096633466"/>
+                    </a:ext>
+                  </a:extLst>
+                </a:gridCol>
+                <a:gridCol w="460958">
+                  <a:extLst>
+                    <a:ext uri="{9D8B030D-6E8A-4147-A177-3AD203B41FA5}">
+                      <a16:colId xmlns:a16="http://schemas.microsoft.com/office/drawing/2014/main" val="2441451486"/>
+                    </a:ext>
+                  </a:extLst>
+                </a:gridCol>
+                <a:gridCol w="460958">
+                  <a:extLst>
+                    <a:ext uri="{9D8B030D-6E8A-4147-A177-3AD203B41FA5}">
+                      <a16:colId xmlns:a16="http://schemas.microsoft.com/office/drawing/2014/main" val="4241283399"/>
+                    </a:ext>
+                  </a:extLst>
+                </a:gridCol>
+                <a:gridCol w="460958">
+                  <a:extLst>
+                    <a:ext uri="{9D8B030D-6E8A-4147-A177-3AD203B41FA5}">
+                      <a16:colId xmlns:a16="http://schemas.microsoft.com/office/drawing/2014/main" val="1743955281"/>
+                    </a:ext>
+                  </a:extLst>
+                </a:gridCol>
+              </a:tblGrid>
+              <a:tr h="446034">
                 <a:tc>
                   <a:txBody>
                     <a:bodyPr/>
@@ -31512,7 +31936,7 @@
                       <a:pPr algn="ctr"/>
                       <a:r>
                         <a:rPr lang="es-ES" sz="1200" dirty="0"/>
-                        <a:t>48</a:t>
+                        <a:t>252</a:t>
                       </a:r>
                     </a:p>
                   </a:txBody>
@@ -31570,7 +31994,1369 @@
                       <a:pPr algn="ctr"/>
                       <a:r>
                         <a:rPr lang="es-ES" sz="1200" dirty="0"/>
+                        <a:t>252</a:t>
+                      </a:r>
+                    </a:p>
+                  </a:txBody>
+                  <a:tcPr anchor="ctr">
+                    <a:lnL w="12700" cap="flat" cmpd="sng" algn="ctr">
+                      <a:solidFill>
+                        <a:schemeClr val="tx1"/>
+                      </a:solidFill>
+                      <a:prstDash val="solid"/>
+                      <a:round/>
+                      <a:headEnd type="none" w="med" len="med"/>
+                      <a:tailEnd type="none" w="med" len="med"/>
+                    </a:lnL>
+                    <a:lnR w="12700" cap="flat" cmpd="sng" algn="ctr">
+                      <a:solidFill>
+                        <a:schemeClr val="tx1"/>
+                      </a:solidFill>
+                      <a:prstDash val="solid"/>
+                      <a:round/>
+                      <a:headEnd type="none" w="med" len="med"/>
+                      <a:tailEnd type="none" w="med" len="med"/>
+                    </a:lnR>
+                    <a:lnT w="12700" cap="flat" cmpd="sng" algn="ctr">
+                      <a:solidFill>
+                        <a:schemeClr val="tx1"/>
+                      </a:solidFill>
+                      <a:prstDash val="solid"/>
+                      <a:round/>
+                      <a:headEnd type="none" w="med" len="med"/>
+                      <a:tailEnd type="none" w="med" len="med"/>
+                    </a:lnT>
+                    <a:lnB w="12700" cap="flat" cmpd="sng" algn="ctr">
+                      <a:solidFill>
+                        <a:schemeClr val="tx1"/>
+                      </a:solidFill>
+                      <a:prstDash val="solid"/>
+                      <a:round/>
+                      <a:headEnd type="none" w="med" len="med"/>
+                      <a:tailEnd type="none" w="med" len="med"/>
+                    </a:lnB>
+                    <a:solidFill>
+                      <a:schemeClr val="accent2">
+                        <a:lumMod val="60000"/>
+                        <a:lumOff val="40000"/>
+                        <a:alpha val="27000"/>
+                      </a:schemeClr>
+                    </a:solidFill>
+                  </a:tcPr>
+                </a:tc>
+                <a:tc>
+                  <a:txBody>
+                    <a:bodyPr/>
+                    <a:lstStyle/>
+                    <a:p>
+                      <a:pPr algn="ctr"/>
+                      <a:r>
+                        <a:rPr lang="es-ES" sz="1200" dirty="0"/>
+                        <a:t>495</a:t>
+                      </a:r>
+                    </a:p>
+                  </a:txBody>
+                  <a:tcPr anchor="ctr">
+                    <a:lnL w="12700" cap="flat" cmpd="sng" algn="ctr">
+                      <a:solidFill>
+                        <a:schemeClr val="tx1"/>
+                      </a:solidFill>
+                      <a:prstDash val="solid"/>
+                      <a:round/>
+                      <a:headEnd type="none" w="med" len="med"/>
+                      <a:tailEnd type="none" w="med" len="med"/>
+                    </a:lnL>
+                    <a:lnR w="12700" cap="flat" cmpd="sng" algn="ctr">
+                      <a:solidFill>
+                        <a:schemeClr val="tx1"/>
+                      </a:solidFill>
+                      <a:prstDash val="solid"/>
+                      <a:round/>
+                      <a:headEnd type="none" w="med" len="med"/>
+                      <a:tailEnd type="none" w="med" len="med"/>
+                    </a:lnR>
+                    <a:lnT w="12700" cap="flat" cmpd="sng" algn="ctr">
+                      <a:solidFill>
+                        <a:schemeClr val="tx1"/>
+                      </a:solidFill>
+                      <a:prstDash val="solid"/>
+                      <a:round/>
+                      <a:headEnd type="none" w="med" len="med"/>
+                      <a:tailEnd type="none" w="med" len="med"/>
+                    </a:lnT>
+                    <a:lnB w="12700" cap="flat" cmpd="sng" algn="ctr">
+                      <a:solidFill>
+                        <a:schemeClr val="tx1"/>
+                      </a:solidFill>
+                      <a:prstDash val="solid"/>
+                      <a:round/>
+                      <a:headEnd type="none" w="med" len="med"/>
+                      <a:tailEnd type="none" w="med" len="med"/>
+                    </a:lnB>
+                    <a:solidFill>
+                      <a:schemeClr val="accent2">
+                        <a:lumMod val="60000"/>
+                        <a:lumOff val="40000"/>
+                        <a:alpha val="27000"/>
+                      </a:schemeClr>
+                    </a:solidFill>
+                  </a:tcPr>
+                </a:tc>
+                <a:tc>
+                  <a:txBody>
+                    <a:bodyPr/>
+                    <a:lstStyle/>
+                    <a:p>
+                      <a:pPr algn="ctr"/>
+                      <a:r>
+                        <a:rPr lang="es-ES" sz="1200" dirty="0"/>
+                        <a:t>243</a:t>
+                      </a:r>
+                    </a:p>
+                  </a:txBody>
+                  <a:tcPr anchor="ctr">
+                    <a:lnL w="12700" cap="flat" cmpd="sng" algn="ctr">
+                      <a:solidFill>
+                        <a:schemeClr val="tx1"/>
+                      </a:solidFill>
+                      <a:prstDash val="solid"/>
+                      <a:round/>
+                      <a:headEnd type="none" w="med" len="med"/>
+                      <a:tailEnd type="none" w="med" len="med"/>
+                    </a:lnL>
+                    <a:lnR w="12700" cap="flat" cmpd="sng" algn="ctr">
+                      <a:solidFill>
+                        <a:schemeClr val="tx1"/>
+                      </a:solidFill>
+                      <a:prstDash val="solid"/>
+                      <a:round/>
+                      <a:headEnd type="none" w="med" len="med"/>
+                      <a:tailEnd type="none" w="med" len="med"/>
+                    </a:lnR>
+                    <a:lnT w="12700" cap="flat" cmpd="sng" algn="ctr">
+                      <a:solidFill>
+                        <a:schemeClr val="tx1"/>
+                      </a:solidFill>
+                      <a:prstDash val="solid"/>
+                      <a:round/>
+                      <a:headEnd type="none" w="med" len="med"/>
+                      <a:tailEnd type="none" w="med" len="med"/>
+                    </a:lnT>
+                    <a:lnB w="12700" cap="flat" cmpd="sng" algn="ctr">
+                      <a:solidFill>
+                        <a:schemeClr val="tx1"/>
+                      </a:solidFill>
+                      <a:prstDash val="solid"/>
+                      <a:round/>
+                      <a:headEnd type="none" w="med" len="med"/>
+                      <a:tailEnd type="none" w="med" len="med"/>
+                    </a:lnB>
+                    <a:solidFill>
+                      <a:schemeClr val="accent2">
+                        <a:lumMod val="60000"/>
+                        <a:lumOff val="40000"/>
+                        <a:alpha val="27000"/>
+                      </a:schemeClr>
+                    </a:solidFill>
+                  </a:tcPr>
+                </a:tc>
+                <a:tc>
+                  <a:txBody>
+                    <a:bodyPr/>
+                    <a:lstStyle/>
+                    <a:p>
+                      <a:pPr algn="ctr"/>
+                      <a:r>
+                        <a:rPr lang="es-ES" sz="1200" dirty="0"/>
+                        <a:t>243</a:t>
+                      </a:r>
+                    </a:p>
+                  </a:txBody>
+                  <a:tcPr anchor="ctr">
+                    <a:lnL w="12700" cap="flat" cmpd="sng" algn="ctr">
+                      <a:solidFill>
+                        <a:schemeClr val="tx1"/>
+                      </a:solidFill>
+                      <a:prstDash val="solid"/>
+                      <a:round/>
+                      <a:headEnd type="none" w="med" len="med"/>
+                      <a:tailEnd type="none" w="med" len="med"/>
+                    </a:lnL>
+                    <a:lnR w="12700" cap="flat" cmpd="sng" algn="ctr">
+                      <a:solidFill>
+                        <a:schemeClr val="tx1"/>
+                      </a:solidFill>
+                      <a:prstDash val="solid"/>
+                      <a:round/>
+                      <a:headEnd type="none" w="med" len="med"/>
+                      <a:tailEnd type="none" w="med" len="med"/>
+                    </a:lnR>
+                    <a:lnT w="12700" cap="flat" cmpd="sng" algn="ctr">
+                      <a:solidFill>
+                        <a:schemeClr val="tx1"/>
+                      </a:solidFill>
+                      <a:prstDash val="solid"/>
+                      <a:round/>
+                      <a:headEnd type="none" w="med" len="med"/>
+                      <a:tailEnd type="none" w="med" len="med"/>
+                    </a:lnT>
+                    <a:lnB w="12700" cap="flat" cmpd="sng" algn="ctr">
+                      <a:solidFill>
+                        <a:schemeClr val="tx1"/>
+                      </a:solidFill>
+                      <a:prstDash val="solid"/>
+                      <a:round/>
+                      <a:headEnd type="none" w="med" len="med"/>
+                      <a:tailEnd type="none" w="med" len="med"/>
+                    </a:lnB>
+                    <a:solidFill>
+                      <a:schemeClr val="accent2">
+                        <a:lumMod val="60000"/>
+                        <a:lumOff val="40000"/>
+                        <a:alpha val="27000"/>
+                      </a:schemeClr>
+                    </a:solidFill>
+                  </a:tcPr>
+                </a:tc>
+                <a:extLst>
+                  <a:ext uri="{0D108BD9-81ED-4DB2-BD59-A6C34878D82A}">
+                    <a16:rowId xmlns:a16="http://schemas.microsoft.com/office/drawing/2014/main" val="1530998130"/>
+                  </a:ext>
+                </a:extLst>
+              </a:tr>
+              <a:tr h="446034">
+                <a:tc>
+                  <a:txBody>
+                    <a:bodyPr/>
+                    <a:lstStyle/>
+                    <a:p>
+                      <a:pPr algn="ctr"/>
+                      <a:r>
+                        <a:rPr lang="es-ES" sz="1200" dirty="0"/>
+                        <a:t>0</a:t>
+                      </a:r>
+                    </a:p>
+                  </a:txBody>
+                  <a:tcPr anchor="ctr">
+                    <a:lnL w="12700" cap="flat" cmpd="sng" algn="ctr">
+                      <a:solidFill>
+                        <a:schemeClr val="tx1"/>
+                      </a:solidFill>
+                      <a:prstDash val="solid"/>
+                      <a:round/>
+                      <a:headEnd type="none" w="med" len="med"/>
+                      <a:tailEnd type="none" w="med" len="med"/>
+                    </a:lnL>
+                    <a:lnR w="12700" cap="flat" cmpd="sng" algn="ctr">
+                      <a:solidFill>
+                        <a:schemeClr val="tx1"/>
+                      </a:solidFill>
+                      <a:prstDash val="solid"/>
+                      <a:round/>
+                      <a:headEnd type="none" w="med" len="med"/>
+                      <a:tailEnd type="none" w="med" len="med"/>
+                    </a:lnR>
+                    <a:lnT w="12700" cap="flat" cmpd="sng" algn="ctr">
+                      <a:solidFill>
+                        <a:schemeClr val="tx1"/>
+                      </a:solidFill>
+                      <a:prstDash val="solid"/>
+                      <a:round/>
+                      <a:headEnd type="none" w="med" len="med"/>
+                      <a:tailEnd type="none" w="med" len="med"/>
+                    </a:lnT>
+                    <a:lnB w="12700" cap="flat" cmpd="sng" algn="ctr">
+                      <a:solidFill>
+                        <a:schemeClr val="tx1"/>
+                      </a:solidFill>
+                      <a:prstDash val="solid"/>
+                      <a:round/>
+                      <a:headEnd type="none" w="med" len="med"/>
+                      <a:tailEnd type="none" w="med" len="med"/>
+                    </a:lnB>
+                    <a:solidFill>
+                      <a:schemeClr val="accent2">
+                        <a:lumMod val="60000"/>
+                        <a:lumOff val="40000"/>
+                        <a:alpha val="27000"/>
+                      </a:schemeClr>
+                    </a:solidFill>
+                  </a:tcPr>
+                </a:tc>
+                <a:tc>
+                  <a:txBody>
+                    <a:bodyPr/>
+                    <a:lstStyle/>
+                    <a:p>
+                      <a:pPr algn="ctr"/>
+                      <a:r>
+                        <a:rPr lang="es-ES" sz="1200" dirty="0"/>
+                        <a:t>252</a:t>
+                      </a:r>
+                    </a:p>
+                  </a:txBody>
+                  <a:tcPr anchor="ctr">
+                    <a:lnL w="12700" cap="flat" cmpd="sng" algn="ctr">
+                      <a:solidFill>
+                        <a:schemeClr val="tx1"/>
+                      </a:solidFill>
+                      <a:prstDash val="solid"/>
+                      <a:round/>
+                      <a:headEnd type="none" w="med" len="med"/>
+                      <a:tailEnd type="none" w="med" len="med"/>
+                    </a:lnL>
+                    <a:lnR w="12700" cap="flat" cmpd="sng" algn="ctr">
+                      <a:solidFill>
+                        <a:schemeClr val="tx1"/>
+                      </a:solidFill>
+                      <a:prstDash val="solid"/>
+                      <a:round/>
+                      <a:headEnd type="none" w="med" len="med"/>
+                      <a:tailEnd type="none" w="med" len="med"/>
+                    </a:lnR>
+                    <a:lnT w="12700" cap="flat" cmpd="sng" algn="ctr">
+                      <a:solidFill>
+                        <a:schemeClr val="tx1"/>
+                      </a:solidFill>
+                      <a:prstDash val="solid"/>
+                      <a:round/>
+                      <a:headEnd type="none" w="med" len="med"/>
+                      <a:tailEnd type="none" w="med" len="med"/>
+                    </a:lnT>
+                    <a:lnB w="12700" cap="flat" cmpd="sng" algn="ctr">
+                      <a:solidFill>
+                        <a:schemeClr val="tx1"/>
+                      </a:solidFill>
+                      <a:prstDash val="solid"/>
+                      <a:round/>
+                      <a:headEnd type="none" w="med" len="med"/>
+                      <a:tailEnd type="none" w="med" len="med"/>
+                    </a:lnB>
+                    <a:solidFill>
+                      <a:schemeClr val="accent2">
+                        <a:lumMod val="60000"/>
+                        <a:lumOff val="40000"/>
+                        <a:alpha val="27000"/>
+                      </a:schemeClr>
+                    </a:solidFill>
+                  </a:tcPr>
+                </a:tc>
+                <a:tc>
+                  <a:txBody>
+                    <a:bodyPr/>
+                    <a:lstStyle/>
+                    <a:p>
+                      <a:pPr algn="ctr"/>
+                      <a:r>
+                        <a:rPr lang="es-ES" sz="1200" dirty="0"/>
+                        <a:t>0</a:t>
+                      </a:r>
+                    </a:p>
+                  </a:txBody>
+                  <a:tcPr anchor="ctr">
+                    <a:lnL w="12700" cap="flat" cmpd="sng" algn="ctr">
+                      <a:solidFill>
+                        <a:schemeClr val="tx1"/>
+                      </a:solidFill>
+                      <a:prstDash val="solid"/>
+                      <a:round/>
+                      <a:headEnd type="none" w="med" len="med"/>
+                      <a:tailEnd type="none" w="med" len="med"/>
+                    </a:lnL>
+                    <a:lnR w="12700" cap="flat" cmpd="sng" algn="ctr">
+                      <a:solidFill>
+                        <a:schemeClr val="tx1"/>
+                      </a:solidFill>
+                      <a:prstDash val="solid"/>
+                      <a:round/>
+                      <a:headEnd type="none" w="med" len="med"/>
+                      <a:tailEnd type="none" w="med" len="med"/>
+                    </a:lnR>
+                    <a:lnT w="12700" cap="flat" cmpd="sng" algn="ctr">
+                      <a:solidFill>
+                        <a:schemeClr val="tx1"/>
+                      </a:solidFill>
+                      <a:prstDash val="solid"/>
+                      <a:round/>
+                      <a:headEnd type="none" w="med" len="med"/>
+                      <a:tailEnd type="none" w="med" len="med"/>
+                    </a:lnT>
+                    <a:lnB w="12700" cap="flat" cmpd="sng" algn="ctr">
+                      <a:solidFill>
+                        <a:schemeClr val="tx1"/>
+                      </a:solidFill>
+                      <a:prstDash val="solid"/>
+                      <a:round/>
+                      <a:headEnd type="none" w="med" len="med"/>
+                      <a:tailEnd type="none" w="med" len="med"/>
+                    </a:lnB>
+                    <a:solidFill>
+                      <a:schemeClr val="accent2">
+                        <a:lumMod val="60000"/>
+                        <a:lumOff val="40000"/>
+                        <a:alpha val="27000"/>
+                      </a:schemeClr>
+                    </a:solidFill>
+                  </a:tcPr>
+                </a:tc>
+                <a:tc>
+                  <a:txBody>
+                    <a:bodyPr/>
+                    <a:lstStyle/>
+                    <a:p>
+                      <a:pPr algn="ctr"/>
+                      <a:r>
+                        <a:rPr lang="es-ES" sz="1200" dirty="0"/>
+                        <a:t>243</a:t>
+                      </a:r>
+                    </a:p>
+                  </a:txBody>
+                  <a:tcPr anchor="ctr">
+                    <a:lnL w="12700" cap="flat" cmpd="sng" algn="ctr">
+                      <a:solidFill>
+                        <a:schemeClr val="tx1"/>
+                      </a:solidFill>
+                      <a:prstDash val="solid"/>
+                      <a:round/>
+                      <a:headEnd type="none" w="med" len="med"/>
+                      <a:tailEnd type="none" w="med" len="med"/>
+                    </a:lnL>
+                    <a:lnR w="12700" cap="flat" cmpd="sng" algn="ctr">
+                      <a:solidFill>
+                        <a:schemeClr val="tx1"/>
+                      </a:solidFill>
+                      <a:prstDash val="solid"/>
+                      <a:round/>
+                      <a:headEnd type="none" w="med" len="med"/>
+                      <a:tailEnd type="none" w="med" len="med"/>
+                    </a:lnR>
+                    <a:lnT w="12700" cap="flat" cmpd="sng" algn="ctr">
+                      <a:solidFill>
+                        <a:schemeClr val="tx1"/>
+                      </a:solidFill>
+                      <a:prstDash val="solid"/>
+                      <a:round/>
+                      <a:headEnd type="none" w="med" len="med"/>
+                      <a:tailEnd type="none" w="med" len="med"/>
+                    </a:lnT>
+                    <a:lnB w="12700" cap="flat" cmpd="sng" algn="ctr">
+                      <a:solidFill>
+                        <a:schemeClr val="tx1"/>
+                      </a:solidFill>
+                      <a:prstDash val="solid"/>
+                      <a:round/>
+                      <a:headEnd type="none" w="med" len="med"/>
+                      <a:tailEnd type="none" w="med" len="med"/>
+                    </a:lnB>
+                    <a:solidFill>
+                      <a:schemeClr val="accent2">
+                        <a:lumMod val="60000"/>
+                        <a:lumOff val="40000"/>
+                        <a:alpha val="27000"/>
+                      </a:schemeClr>
+                    </a:solidFill>
+                  </a:tcPr>
+                </a:tc>
+                <a:tc>
+                  <a:txBody>
+                    <a:bodyPr/>
+                    <a:lstStyle/>
+                    <a:p>
+                      <a:pPr algn="ctr"/>
+                      <a:r>
+                        <a:rPr lang="es-ES" sz="1200" dirty="0"/>
+                        <a:t>0</a:t>
+                      </a:r>
+                    </a:p>
+                  </a:txBody>
+                  <a:tcPr anchor="ctr">
+                    <a:lnL w="12700" cap="flat" cmpd="sng" algn="ctr">
+                      <a:solidFill>
+                        <a:schemeClr val="tx1"/>
+                      </a:solidFill>
+                      <a:prstDash val="solid"/>
+                      <a:round/>
+                      <a:headEnd type="none" w="med" len="med"/>
+                      <a:tailEnd type="none" w="med" len="med"/>
+                    </a:lnL>
+                    <a:lnR w="12700" cap="flat" cmpd="sng" algn="ctr">
+                      <a:solidFill>
+                        <a:schemeClr val="tx1"/>
+                      </a:solidFill>
+                      <a:prstDash val="solid"/>
+                      <a:round/>
+                      <a:headEnd type="none" w="med" len="med"/>
+                      <a:tailEnd type="none" w="med" len="med"/>
+                    </a:lnR>
+                    <a:lnT w="12700" cap="flat" cmpd="sng" algn="ctr">
+                      <a:solidFill>
+                        <a:schemeClr val="tx1"/>
+                      </a:solidFill>
+                      <a:prstDash val="solid"/>
+                      <a:round/>
+                      <a:headEnd type="none" w="med" len="med"/>
+                      <a:tailEnd type="none" w="med" len="med"/>
+                    </a:lnT>
+                    <a:lnB w="12700" cap="flat" cmpd="sng" algn="ctr">
+                      <a:solidFill>
+                        <a:schemeClr val="tx1"/>
+                      </a:solidFill>
+                      <a:prstDash val="solid"/>
+                      <a:round/>
+                      <a:headEnd type="none" w="med" len="med"/>
+                      <a:tailEnd type="none" w="med" len="med"/>
+                    </a:lnB>
+                    <a:solidFill>
+                      <a:schemeClr val="accent2">
+                        <a:lumMod val="60000"/>
+                        <a:lumOff val="40000"/>
+                        <a:alpha val="27000"/>
+                      </a:schemeClr>
+                    </a:solidFill>
+                  </a:tcPr>
+                </a:tc>
+                <a:extLst>
+                  <a:ext uri="{0D108BD9-81ED-4DB2-BD59-A6C34878D82A}">
+                    <a16:rowId xmlns:a16="http://schemas.microsoft.com/office/drawing/2014/main" val="9044681"/>
+                  </a:ext>
+                </a:extLst>
+              </a:tr>
+              <a:tr h="456583">
+                <a:tc>
+                  <a:txBody>
+                    <a:bodyPr/>
+                    <a:lstStyle/>
+                    <a:p>
+                      <a:pPr algn="ctr"/>
+                      <a:r>
+                        <a:rPr lang="es-ES" sz="1200" dirty="0"/>
+                        <a:t>273</a:t>
+                      </a:r>
+                    </a:p>
+                  </a:txBody>
+                  <a:tcPr anchor="ctr">
+                    <a:lnL w="12700" cap="flat" cmpd="sng" algn="ctr">
+                      <a:solidFill>
+                        <a:schemeClr val="tx1"/>
+                      </a:solidFill>
+                      <a:prstDash val="solid"/>
+                      <a:round/>
+                      <a:headEnd type="none" w="med" len="med"/>
+                      <a:tailEnd type="none" w="med" len="med"/>
+                    </a:lnL>
+                    <a:lnR w="12700" cap="flat" cmpd="sng" algn="ctr">
+                      <a:solidFill>
+                        <a:schemeClr val="tx1"/>
+                      </a:solidFill>
+                      <a:prstDash val="solid"/>
+                      <a:round/>
+                      <a:headEnd type="none" w="med" len="med"/>
+                      <a:tailEnd type="none" w="med" len="med"/>
+                    </a:lnR>
+                    <a:lnT w="12700" cap="flat" cmpd="sng" algn="ctr">
+                      <a:solidFill>
+                        <a:schemeClr val="tx1"/>
+                      </a:solidFill>
+                      <a:prstDash val="solid"/>
+                      <a:round/>
+                      <a:headEnd type="none" w="med" len="med"/>
+                      <a:tailEnd type="none" w="med" len="med"/>
+                    </a:lnT>
+                    <a:lnB w="12700" cap="flat" cmpd="sng" algn="ctr">
+                      <a:solidFill>
+                        <a:schemeClr val="tx1"/>
+                      </a:solidFill>
+                      <a:prstDash val="solid"/>
+                      <a:round/>
+                      <a:headEnd type="none" w="med" len="med"/>
+                      <a:tailEnd type="none" w="med" len="med"/>
+                    </a:lnB>
+                    <a:solidFill>
+                      <a:schemeClr val="accent2">
+                        <a:lumMod val="60000"/>
+                        <a:lumOff val="40000"/>
+                        <a:alpha val="27000"/>
+                      </a:schemeClr>
+                    </a:solidFill>
+                  </a:tcPr>
+                </a:tc>
+                <a:tc>
+                  <a:txBody>
+                    <a:bodyPr/>
+                    <a:lstStyle/>
+                    <a:p>
+                      <a:pPr algn="ctr"/>
+                      <a:r>
+                        <a:rPr lang="es-ES" sz="1200" dirty="0"/>
+                        <a:t>273</a:t>
+                      </a:r>
+                    </a:p>
+                  </a:txBody>
+                  <a:tcPr anchor="ctr">
+                    <a:lnL w="12700" cap="flat" cmpd="sng" algn="ctr">
+                      <a:solidFill>
+                        <a:schemeClr val="tx1"/>
+                      </a:solidFill>
+                      <a:prstDash val="solid"/>
+                      <a:round/>
+                      <a:headEnd type="none" w="med" len="med"/>
+                      <a:tailEnd type="none" w="med" len="med"/>
+                    </a:lnL>
+                    <a:lnR w="12700" cap="flat" cmpd="sng" algn="ctr">
+                      <a:solidFill>
+                        <a:schemeClr val="tx1"/>
+                      </a:solidFill>
+                      <a:prstDash val="solid"/>
+                      <a:round/>
+                      <a:headEnd type="none" w="med" len="med"/>
+                      <a:tailEnd type="none" w="med" len="med"/>
+                    </a:lnR>
+                    <a:lnT w="12700" cap="flat" cmpd="sng" algn="ctr">
+                      <a:solidFill>
+                        <a:schemeClr val="tx1"/>
+                      </a:solidFill>
+                      <a:prstDash val="solid"/>
+                      <a:round/>
+                      <a:headEnd type="none" w="med" len="med"/>
+                      <a:tailEnd type="none" w="med" len="med"/>
+                    </a:lnT>
+                    <a:lnB w="12700" cap="flat" cmpd="sng" algn="ctr">
+                      <a:solidFill>
+                        <a:schemeClr val="tx1"/>
+                      </a:solidFill>
+                      <a:prstDash val="solid"/>
+                      <a:round/>
+                      <a:headEnd type="none" w="med" len="med"/>
+                      <a:tailEnd type="none" w="med" len="med"/>
+                    </a:lnB>
+                    <a:solidFill>
+                      <a:schemeClr val="accent2">
+                        <a:lumMod val="60000"/>
+                        <a:lumOff val="40000"/>
+                        <a:alpha val="27000"/>
+                      </a:schemeClr>
+                    </a:solidFill>
+                  </a:tcPr>
+                </a:tc>
+                <a:tc>
+                  <a:txBody>
+                    <a:bodyPr/>
+                    <a:lstStyle/>
+                    <a:p>
+                      <a:pPr algn="ctr"/>
+                      <a:r>
+                        <a:rPr lang="es-ES" sz="1200" dirty="0"/>
+                        <a:t>614</a:t>
+                      </a:r>
+                    </a:p>
+                  </a:txBody>
+                  <a:tcPr anchor="ctr">
+                    <a:lnL w="12700" cap="flat" cmpd="sng" algn="ctr">
+                      <a:solidFill>
+                        <a:schemeClr val="tx1"/>
+                      </a:solidFill>
+                      <a:prstDash val="solid"/>
+                      <a:round/>
+                      <a:headEnd type="none" w="med" len="med"/>
+                      <a:tailEnd type="none" w="med" len="med"/>
+                    </a:lnL>
+                    <a:lnR w="12700" cap="flat" cmpd="sng" algn="ctr">
+                      <a:solidFill>
+                        <a:schemeClr val="tx1"/>
+                      </a:solidFill>
+                      <a:prstDash val="solid"/>
+                      <a:round/>
+                      <a:headEnd type="none" w="med" len="med"/>
+                      <a:tailEnd type="none" w="med" len="med"/>
+                    </a:lnR>
+                    <a:lnT w="12700" cap="flat" cmpd="sng" algn="ctr">
+                      <a:solidFill>
+                        <a:schemeClr val="tx1"/>
+                      </a:solidFill>
+                      <a:prstDash val="solid"/>
+                      <a:round/>
+                      <a:headEnd type="none" w="med" len="med"/>
+                      <a:tailEnd type="none" w="med" len="med"/>
+                    </a:lnT>
+                    <a:lnB w="12700" cap="flat" cmpd="sng" algn="ctr">
+                      <a:solidFill>
+                        <a:schemeClr val="tx1"/>
+                      </a:solidFill>
+                      <a:prstDash val="solid"/>
+                      <a:round/>
+                      <a:headEnd type="none" w="med" len="med"/>
+                      <a:tailEnd type="none" w="med" len="med"/>
+                    </a:lnB>
+                    <a:solidFill>
+                      <a:schemeClr val="accent2">
+                        <a:lumMod val="60000"/>
+                        <a:lumOff val="40000"/>
+                        <a:alpha val="27000"/>
+                      </a:schemeClr>
+                    </a:solidFill>
+                  </a:tcPr>
+                </a:tc>
+                <a:tc>
+                  <a:txBody>
+                    <a:bodyPr/>
+                    <a:lstStyle/>
+                    <a:p>
+                      <a:pPr algn="ctr"/>
+                      <a:r>
+                        <a:rPr lang="es-ES" sz="1200" dirty="0"/>
+                        <a:t>341</a:t>
+                      </a:r>
+                    </a:p>
+                  </a:txBody>
+                  <a:tcPr anchor="ctr">
+                    <a:lnL w="12700" cap="flat" cmpd="sng" algn="ctr">
+                      <a:solidFill>
+                        <a:schemeClr val="tx1"/>
+                      </a:solidFill>
+                      <a:prstDash val="solid"/>
+                      <a:round/>
+                      <a:headEnd type="none" w="med" len="med"/>
+                      <a:tailEnd type="none" w="med" len="med"/>
+                    </a:lnL>
+                    <a:lnR w="12700" cap="flat" cmpd="sng" algn="ctr">
+                      <a:solidFill>
+                        <a:schemeClr val="tx1"/>
+                      </a:solidFill>
+                      <a:prstDash val="solid"/>
+                      <a:round/>
+                      <a:headEnd type="none" w="med" len="med"/>
+                      <a:tailEnd type="none" w="med" len="med"/>
+                    </a:lnR>
+                    <a:lnT w="12700" cap="flat" cmpd="sng" algn="ctr">
+                      <a:solidFill>
+                        <a:schemeClr val="tx1"/>
+                      </a:solidFill>
+                      <a:prstDash val="solid"/>
+                      <a:round/>
+                      <a:headEnd type="none" w="med" len="med"/>
+                      <a:tailEnd type="none" w="med" len="med"/>
+                    </a:lnT>
+                    <a:lnB w="12700" cap="flat" cmpd="sng" algn="ctr">
+                      <a:solidFill>
+                        <a:schemeClr val="tx1"/>
+                      </a:solidFill>
+                      <a:prstDash val="solid"/>
+                      <a:round/>
+                      <a:headEnd type="none" w="med" len="med"/>
+                      <a:tailEnd type="none" w="med" len="med"/>
+                    </a:lnB>
+                    <a:solidFill>
+                      <a:schemeClr val="accent2">
+                        <a:lumMod val="60000"/>
+                        <a:lumOff val="40000"/>
+                        <a:alpha val="27000"/>
+                      </a:schemeClr>
+                    </a:solidFill>
+                  </a:tcPr>
+                </a:tc>
+                <a:tc>
+                  <a:txBody>
+                    <a:bodyPr/>
+                    <a:lstStyle/>
+                    <a:p>
+                      <a:pPr algn="ctr"/>
+                      <a:r>
+                        <a:rPr lang="es-ES" sz="1200" dirty="0"/>
+                        <a:t>341</a:t>
+                      </a:r>
+                    </a:p>
+                  </a:txBody>
+                  <a:tcPr anchor="ctr">
+                    <a:lnL w="12700" cap="flat" cmpd="sng" algn="ctr">
+                      <a:solidFill>
+                        <a:schemeClr val="tx1"/>
+                      </a:solidFill>
+                      <a:prstDash val="solid"/>
+                      <a:round/>
+                      <a:headEnd type="none" w="med" len="med"/>
+                      <a:tailEnd type="none" w="med" len="med"/>
+                    </a:lnL>
+                    <a:lnR w="12700" cap="flat" cmpd="sng" algn="ctr">
+                      <a:solidFill>
+                        <a:schemeClr val="tx1"/>
+                      </a:solidFill>
+                      <a:prstDash val="solid"/>
+                      <a:round/>
+                      <a:headEnd type="none" w="med" len="med"/>
+                      <a:tailEnd type="none" w="med" len="med"/>
+                    </a:lnR>
+                    <a:lnT w="12700" cap="flat" cmpd="sng" algn="ctr">
+                      <a:solidFill>
+                        <a:schemeClr val="tx1"/>
+                      </a:solidFill>
+                      <a:prstDash val="solid"/>
+                      <a:round/>
+                      <a:headEnd type="none" w="med" len="med"/>
+                      <a:tailEnd type="none" w="med" len="med"/>
+                    </a:lnT>
+                    <a:lnB w="12700" cap="flat" cmpd="sng" algn="ctr">
+                      <a:solidFill>
+                        <a:schemeClr val="tx1"/>
+                      </a:solidFill>
+                      <a:prstDash val="solid"/>
+                      <a:round/>
+                      <a:headEnd type="none" w="med" len="med"/>
+                      <a:tailEnd type="none" w="med" len="med"/>
+                    </a:lnB>
+                    <a:solidFill>
+                      <a:schemeClr val="accent2">
+                        <a:lumMod val="60000"/>
+                        <a:lumOff val="40000"/>
+                        <a:alpha val="27000"/>
+                      </a:schemeClr>
+                    </a:solidFill>
+                  </a:tcPr>
+                </a:tc>
+                <a:extLst>
+                  <a:ext uri="{0D108BD9-81ED-4DB2-BD59-A6C34878D82A}">
+                    <a16:rowId xmlns:a16="http://schemas.microsoft.com/office/drawing/2014/main" val="947130838"/>
+                  </a:ext>
+                </a:extLst>
+              </a:tr>
+              <a:tr h="401240">
+                <a:tc>
+                  <a:txBody>
+                    <a:bodyPr/>
+                    <a:lstStyle/>
+                    <a:p>
+                      <a:pPr algn="ctr"/>
+                      <a:r>
+                        <a:rPr lang="es-ES" sz="1200" dirty="0"/>
+                        <a:t>0</a:t>
+                      </a:r>
+                    </a:p>
+                  </a:txBody>
+                  <a:tcPr anchor="ctr">
+                    <a:lnL w="12700" cap="flat" cmpd="sng" algn="ctr">
+                      <a:solidFill>
+                        <a:schemeClr val="tx1"/>
+                      </a:solidFill>
+                      <a:prstDash val="solid"/>
+                      <a:round/>
+                      <a:headEnd type="none" w="med" len="med"/>
+                      <a:tailEnd type="none" w="med" len="med"/>
+                    </a:lnL>
+                    <a:lnR w="12700" cap="flat" cmpd="sng" algn="ctr">
+                      <a:solidFill>
+                        <a:schemeClr val="tx1"/>
+                      </a:solidFill>
+                      <a:prstDash val="solid"/>
+                      <a:round/>
+                      <a:headEnd type="none" w="med" len="med"/>
+                      <a:tailEnd type="none" w="med" len="med"/>
+                    </a:lnR>
+                    <a:lnT w="12700" cap="flat" cmpd="sng" algn="ctr">
+                      <a:solidFill>
+                        <a:schemeClr val="tx1"/>
+                      </a:solidFill>
+                      <a:prstDash val="solid"/>
+                      <a:round/>
+                      <a:headEnd type="none" w="med" len="med"/>
+                      <a:tailEnd type="none" w="med" len="med"/>
+                    </a:lnT>
+                    <a:lnB w="12700" cap="flat" cmpd="sng" algn="ctr">
+                      <a:solidFill>
+                        <a:schemeClr val="tx1"/>
+                      </a:solidFill>
+                      <a:prstDash val="solid"/>
+                      <a:round/>
+                      <a:headEnd type="none" w="med" len="med"/>
+                      <a:tailEnd type="none" w="med" len="med"/>
+                    </a:lnB>
+                    <a:solidFill>
+                      <a:schemeClr val="accent2">
+                        <a:lumMod val="60000"/>
+                        <a:lumOff val="40000"/>
+                        <a:alpha val="27000"/>
+                      </a:schemeClr>
+                    </a:solidFill>
+                  </a:tcPr>
+                </a:tc>
+                <a:tc>
+                  <a:txBody>
+                    <a:bodyPr/>
+                    <a:lstStyle/>
+                    <a:p>
+                      <a:pPr algn="ctr"/>
+                      <a:r>
+                        <a:rPr lang="es-ES" sz="1200" dirty="0"/>
                         <a:t>21</a:t>
+                      </a:r>
+                    </a:p>
+                  </a:txBody>
+                  <a:tcPr anchor="ctr">
+                    <a:lnL w="12700" cap="flat" cmpd="sng" algn="ctr">
+                      <a:solidFill>
+                        <a:schemeClr val="tx1"/>
+                      </a:solidFill>
+                      <a:prstDash val="solid"/>
+                      <a:round/>
+                      <a:headEnd type="none" w="med" len="med"/>
+                      <a:tailEnd type="none" w="med" len="med"/>
+                    </a:lnL>
+                    <a:lnR w="12700" cap="flat" cmpd="sng" algn="ctr">
+                      <a:solidFill>
+                        <a:schemeClr val="tx1"/>
+                      </a:solidFill>
+                      <a:prstDash val="solid"/>
+                      <a:round/>
+                      <a:headEnd type="none" w="med" len="med"/>
+                      <a:tailEnd type="none" w="med" len="med"/>
+                    </a:lnR>
+                    <a:lnT w="12700" cap="flat" cmpd="sng" algn="ctr">
+                      <a:solidFill>
+                        <a:schemeClr val="tx1"/>
+                      </a:solidFill>
+                      <a:prstDash val="solid"/>
+                      <a:round/>
+                      <a:headEnd type="none" w="med" len="med"/>
+                      <a:tailEnd type="none" w="med" len="med"/>
+                    </a:lnT>
+                    <a:lnB w="12700" cap="flat" cmpd="sng" algn="ctr">
+                      <a:solidFill>
+                        <a:schemeClr val="tx1"/>
+                      </a:solidFill>
+                      <a:prstDash val="solid"/>
+                      <a:round/>
+                      <a:headEnd type="none" w="med" len="med"/>
+                      <a:tailEnd type="none" w="med" len="med"/>
+                    </a:lnB>
+                    <a:solidFill>
+                      <a:schemeClr val="accent2">
+                        <a:lumMod val="60000"/>
+                        <a:lumOff val="40000"/>
+                        <a:alpha val="27000"/>
+                      </a:schemeClr>
+                    </a:solidFill>
+                  </a:tcPr>
+                </a:tc>
+                <a:tc>
+                  <a:txBody>
+                    <a:bodyPr/>
+                    <a:lstStyle/>
+                    <a:p>
+                      <a:pPr algn="ctr"/>
+                      <a:r>
+                        <a:rPr lang="es-ES" sz="1200" dirty="0"/>
+                        <a:t>0</a:t>
+                      </a:r>
+                    </a:p>
+                  </a:txBody>
+                  <a:tcPr anchor="ctr">
+                    <a:lnL w="12700" cap="flat" cmpd="sng" algn="ctr">
+                      <a:solidFill>
+                        <a:schemeClr val="tx1"/>
+                      </a:solidFill>
+                      <a:prstDash val="solid"/>
+                      <a:round/>
+                      <a:headEnd type="none" w="med" len="med"/>
+                      <a:tailEnd type="none" w="med" len="med"/>
+                    </a:lnL>
+                    <a:lnR w="12700" cap="flat" cmpd="sng" algn="ctr">
+                      <a:solidFill>
+                        <a:schemeClr val="tx1"/>
+                      </a:solidFill>
+                      <a:prstDash val="solid"/>
+                      <a:round/>
+                      <a:headEnd type="none" w="med" len="med"/>
+                      <a:tailEnd type="none" w="med" len="med"/>
+                    </a:lnR>
+                    <a:lnT w="12700" cap="flat" cmpd="sng" algn="ctr">
+                      <a:solidFill>
+                        <a:schemeClr val="tx1"/>
+                      </a:solidFill>
+                      <a:prstDash val="solid"/>
+                      <a:round/>
+                      <a:headEnd type="none" w="med" len="med"/>
+                      <a:tailEnd type="none" w="med" len="med"/>
+                    </a:lnT>
+                    <a:lnB w="12700" cap="flat" cmpd="sng" algn="ctr">
+                      <a:solidFill>
+                        <a:schemeClr val="tx1"/>
+                      </a:solidFill>
+                      <a:prstDash val="solid"/>
+                      <a:round/>
+                      <a:headEnd type="none" w="med" len="med"/>
+                      <a:tailEnd type="none" w="med" len="med"/>
+                    </a:lnB>
+                    <a:solidFill>
+                      <a:schemeClr val="accent2">
+                        <a:lumMod val="60000"/>
+                        <a:lumOff val="40000"/>
+                        <a:alpha val="27000"/>
+                      </a:schemeClr>
+                    </a:solidFill>
+                  </a:tcPr>
+                </a:tc>
+                <a:tc>
+                  <a:txBody>
+                    <a:bodyPr/>
+                    <a:lstStyle/>
+                    <a:p>
+                      <a:pPr algn="ctr"/>
+                      <a:r>
+                        <a:rPr lang="es-ES" sz="1200" dirty="0"/>
+                        <a:t>98</a:t>
+                      </a:r>
+                    </a:p>
+                  </a:txBody>
+                  <a:tcPr anchor="ctr">
+                    <a:lnL w="12700" cap="flat" cmpd="sng" algn="ctr">
+                      <a:solidFill>
+                        <a:schemeClr val="tx1"/>
+                      </a:solidFill>
+                      <a:prstDash val="solid"/>
+                      <a:round/>
+                      <a:headEnd type="none" w="med" len="med"/>
+                      <a:tailEnd type="none" w="med" len="med"/>
+                    </a:lnL>
+                    <a:lnR w="12700" cap="flat" cmpd="sng" algn="ctr">
+                      <a:solidFill>
+                        <a:schemeClr val="tx1"/>
+                      </a:solidFill>
+                      <a:prstDash val="solid"/>
+                      <a:round/>
+                      <a:headEnd type="none" w="med" len="med"/>
+                      <a:tailEnd type="none" w="med" len="med"/>
+                    </a:lnR>
+                    <a:lnT w="12700" cap="flat" cmpd="sng" algn="ctr">
+                      <a:solidFill>
+                        <a:schemeClr val="tx1"/>
+                      </a:solidFill>
+                      <a:prstDash val="solid"/>
+                      <a:round/>
+                      <a:headEnd type="none" w="med" len="med"/>
+                      <a:tailEnd type="none" w="med" len="med"/>
+                    </a:lnT>
+                    <a:lnB w="12700" cap="flat" cmpd="sng" algn="ctr">
+                      <a:solidFill>
+                        <a:schemeClr val="tx1"/>
+                      </a:solidFill>
+                      <a:prstDash val="solid"/>
+                      <a:round/>
+                      <a:headEnd type="none" w="med" len="med"/>
+                      <a:tailEnd type="none" w="med" len="med"/>
+                    </a:lnB>
+                    <a:solidFill>
+                      <a:schemeClr val="accent2">
+                        <a:lumMod val="60000"/>
+                        <a:lumOff val="40000"/>
+                        <a:alpha val="27000"/>
+                      </a:schemeClr>
+                    </a:solidFill>
+                  </a:tcPr>
+                </a:tc>
+                <a:tc>
+                  <a:txBody>
+                    <a:bodyPr/>
+                    <a:lstStyle/>
+                    <a:p>
+                      <a:pPr algn="ctr"/>
+                      <a:r>
+                        <a:rPr lang="es-ES" sz="1200" dirty="0"/>
+                        <a:t>0</a:t>
+                      </a:r>
+                    </a:p>
+                  </a:txBody>
+                  <a:tcPr anchor="ctr">
+                    <a:lnL w="12700" cap="flat" cmpd="sng" algn="ctr">
+                      <a:solidFill>
+                        <a:schemeClr val="tx1"/>
+                      </a:solidFill>
+                      <a:prstDash val="solid"/>
+                      <a:round/>
+                      <a:headEnd type="none" w="med" len="med"/>
+                      <a:tailEnd type="none" w="med" len="med"/>
+                    </a:lnL>
+                    <a:lnR w="12700" cap="flat" cmpd="sng" algn="ctr">
+                      <a:solidFill>
+                        <a:schemeClr val="tx1"/>
+                      </a:solidFill>
+                      <a:prstDash val="solid"/>
+                      <a:round/>
+                      <a:headEnd type="none" w="med" len="med"/>
+                      <a:tailEnd type="none" w="med" len="med"/>
+                    </a:lnR>
+                    <a:lnT w="12700" cap="flat" cmpd="sng" algn="ctr">
+                      <a:solidFill>
+                        <a:schemeClr val="tx1"/>
+                      </a:solidFill>
+                      <a:prstDash val="solid"/>
+                      <a:round/>
+                      <a:headEnd type="none" w="med" len="med"/>
+                      <a:tailEnd type="none" w="med" len="med"/>
+                    </a:lnT>
+                    <a:lnB w="12700" cap="flat" cmpd="sng" algn="ctr">
+                      <a:solidFill>
+                        <a:schemeClr val="tx1"/>
+                      </a:solidFill>
+                      <a:prstDash val="solid"/>
+                      <a:round/>
+                      <a:headEnd type="none" w="med" len="med"/>
+                      <a:tailEnd type="none" w="med" len="med"/>
+                    </a:lnB>
+                    <a:solidFill>
+                      <a:schemeClr val="accent2">
+                        <a:lumMod val="60000"/>
+                        <a:lumOff val="40000"/>
+                        <a:alpha val="27000"/>
+                      </a:schemeClr>
+                    </a:solidFill>
+                  </a:tcPr>
+                </a:tc>
+                <a:extLst>
+                  <a:ext uri="{0D108BD9-81ED-4DB2-BD59-A6C34878D82A}">
+                    <a16:rowId xmlns:a16="http://schemas.microsoft.com/office/drawing/2014/main" val="4200223648"/>
+                  </a:ext>
+                </a:extLst>
+              </a:tr>
+              <a:tr h="460403">
+                <a:tc>
+                  <a:txBody>
+                    <a:bodyPr/>
+                    <a:lstStyle/>
+                    <a:p>
+                      <a:pPr algn="ctr"/>
+                      <a:r>
+                        <a:rPr lang="es-ES" sz="1200" dirty="0"/>
+                        <a:t>21</a:t>
+                      </a:r>
+                    </a:p>
+                  </a:txBody>
+                  <a:tcPr anchor="ctr">
+                    <a:lnL w="12700" cap="flat" cmpd="sng" algn="ctr">
+                      <a:solidFill>
+                        <a:schemeClr val="tx1"/>
+                      </a:solidFill>
+                      <a:prstDash val="solid"/>
+                      <a:round/>
+                      <a:headEnd type="none" w="med" len="med"/>
+                      <a:tailEnd type="none" w="med" len="med"/>
+                    </a:lnL>
+                    <a:lnR w="12700" cap="flat" cmpd="sng" algn="ctr">
+                      <a:solidFill>
+                        <a:schemeClr val="tx1"/>
+                      </a:solidFill>
+                      <a:prstDash val="solid"/>
+                      <a:round/>
+                      <a:headEnd type="none" w="med" len="med"/>
+                      <a:tailEnd type="none" w="med" len="med"/>
+                    </a:lnR>
+                    <a:lnT w="12700" cap="flat" cmpd="sng" algn="ctr">
+                      <a:solidFill>
+                        <a:schemeClr val="tx1"/>
+                      </a:solidFill>
+                      <a:prstDash val="solid"/>
+                      <a:round/>
+                      <a:headEnd type="none" w="med" len="med"/>
+                      <a:tailEnd type="none" w="med" len="med"/>
+                    </a:lnT>
+                    <a:lnB w="12700" cap="flat" cmpd="sng" algn="ctr">
+                      <a:solidFill>
+                        <a:schemeClr val="tx1"/>
+                      </a:solidFill>
+                      <a:prstDash val="solid"/>
+                      <a:round/>
+                      <a:headEnd type="none" w="med" len="med"/>
+                      <a:tailEnd type="none" w="med" len="med"/>
+                    </a:lnB>
+                    <a:solidFill>
+                      <a:schemeClr val="accent2">
+                        <a:lumMod val="60000"/>
+                        <a:lumOff val="40000"/>
+                        <a:alpha val="27000"/>
+                      </a:schemeClr>
+                    </a:solidFill>
+                  </a:tcPr>
+                </a:tc>
+                <a:tc>
+                  <a:txBody>
+                    <a:bodyPr/>
+                    <a:lstStyle/>
+                    <a:p>
+                      <a:pPr algn="ctr"/>
+                      <a:r>
+                        <a:rPr lang="es-ES" sz="1200" dirty="0"/>
+                        <a:t>21</a:t>
+                      </a:r>
+                    </a:p>
+                  </a:txBody>
+                  <a:tcPr anchor="ctr">
+                    <a:lnL w="12700" cap="flat" cmpd="sng" algn="ctr">
+                      <a:solidFill>
+                        <a:schemeClr val="tx1"/>
+                      </a:solidFill>
+                      <a:prstDash val="solid"/>
+                      <a:round/>
+                      <a:headEnd type="none" w="med" len="med"/>
+                      <a:tailEnd type="none" w="med" len="med"/>
+                    </a:lnL>
+                    <a:lnR w="12700" cap="flat" cmpd="sng" algn="ctr">
+                      <a:solidFill>
+                        <a:schemeClr val="tx1"/>
+                      </a:solidFill>
+                      <a:prstDash val="solid"/>
+                      <a:round/>
+                      <a:headEnd type="none" w="med" len="med"/>
+                      <a:tailEnd type="none" w="med" len="med"/>
+                    </a:lnR>
+                    <a:lnT w="12700" cap="flat" cmpd="sng" algn="ctr">
+                      <a:solidFill>
+                        <a:schemeClr val="tx1"/>
+                      </a:solidFill>
+                      <a:prstDash val="solid"/>
+                      <a:round/>
+                      <a:headEnd type="none" w="med" len="med"/>
+                      <a:tailEnd type="none" w="med" len="med"/>
+                    </a:lnT>
+                    <a:lnB w="12700" cap="flat" cmpd="sng" algn="ctr">
+                      <a:solidFill>
+                        <a:schemeClr val="tx1"/>
+                      </a:solidFill>
+                      <a:prstDash val="solid"/>
+                      <a:round/>
+                      <a:headEnd type="none" w="med" len="med"/>
+                      <a:tailEnd type="none" w="med" len="med"/>
+                    </a:lnB>
+                    <a:solidFill>
+                      <a:schemeClr val="accent2">
+                        <a:lumMod val="60000"/>
+                        <a:lumOff val="40000"/>
+                        <a:alpha val="27000"/>
+                      </a:schemeClr>
+                    </a:solidFill>
+                  </a:tcPr>
+                </a:tc>
+                <a:tc>
+                  <a:txBody>
+                    <a:bodyPr/>
+                    <a:lstStyle/>
+                    <a:p>
+                      <a:pPr algn="ctr"/>
+                      <a:r>
+                        <a:rPr lang="es-ES" sz="1200" dirty="0"/>
+                        <a:t>119</a:t>
+                      </a:r>
+                    </a:p>
+                  </a:txBody>
+                  <a:tcPr anchor="ctr">
+                    <a:lnL w="12700" cap="flat" cmpd="sng" algn="ctr">
+                      <a:solidFill>
+                        <a:schemeClr val="tx1"/>
+                      </a:solidFill>
+                      <a:prstDash val="solid"/>
+                      <a:round/>
+                      <a:headEnd type="none" w="med" len="med"/>
+                      <a:tailEnd type="none" w="med" len="med"/>
+                    </a:lnL>
+                    <a:lnR w="12700" cap="flat" cmpd="sng" algn="ctr">
+                      <a:solidFill>
+                        <a:schemeClr val="tx1"/>
+                      </a:solidFill>
+                      <a:prstDash val="solid"/>
+                      <a:round/>
+                      <a:headEnd type="none" w="med" len="med"/>
+                      <a:tailEnd type="none" w="med" len="med"/>
+                    </a:lnR>
+                    <a:lnT w="12700" cap="flat" cmpd="sng" algn="ctr">
+                      <a:solidFill>
+                        <a:schemeClr val="tx1"/>
+                      </a:solidFill>
+                      <a:prstDash val="solid"/>
+                      <a:round/>
+                      <a:headEnd type="none" w="med" len="med"/>
+                      <a:tailEnd type="none" w="med" len="med"/>
+                    </a:lnT>
+                    <a:lnB w="12700" cap="flat" cmpd="sng" algn="ctr">
+                      <a:solidFill>
+                        <a:schemeClr val="tx1"/>
+                      </a:solidFill>
+                      <a:prstDash val="solid"/>
+                      <a:round/>
+                      <a:headEnd type="none" w="med" len="med"/>
+                      <a:tailEnd type="none" w="med" len="med"/>
+                    </a:lnB>
+                    <a:solidFill>
+                      <a:schemeClr val="accent2">
+                        <a:lumMod val="60000"/>
+                        <a:lumOff val="40000"/>
+                        <a:alpha val="27000"/>
+                      </a:schemeClr>
+                    </a:solidFill>
+                  </a:tcPr>
+                </a:tc>
+                <a:tc>
+                  <a:txBody>
+                    <a:bodyPr/>
+                    <a:lstStyle/>
+                    <a:p>
+                      <a:pPr algn="ctr"/>
+                      <a:r>
+                        <a:rPr lang="es-ES" sz="1200" dirty="0"/>
+                        <a:t>98</a:t>
+                      </a:r>
+                    </a:p>
+                  </a:txBody>
+                  <a:tcPr anchor="ctr">
+                    <a:lnL w="12700" cap="flat" cmpd="sng" algn="ctr">
+                      <a:solidFill>
+                        <a:schemeClr val="tx1"/>
+                      </a:solidFill>
+                      <a:prstDash val="solid"/>
+                      <a:round/>
+                      <a:headEnd type="none" w="med" len="med"/>
+                      <a:tailEnd type="none" w="med" len="med"/>
+                    </a:lnL>
+                    <a:lnR w="12700" cap="flat" cmpd="sng" algn="ctr">
+                      <a:solidFill>
+                        <a:schemeClr val="tx1"/>
+                      </a:solidFill>
+                      <a:prstDash val="solid"/>
+                      <a:round/>
+                      <a:headEnd type="none" w="med" len="med"/>
+                      <a:tailEnd type="none" w="med" len="med"/>
+                    </a:lnR>
+                    <a:lnT w="12700" cap="flat" cmpd="sng" algn="ctr">
+                      <a:solidFill>
+                        <a:schemeClr val="tx1"/>
+                      </a:solidFill>
+                      <a:prstDash val="solid"/>
+                      <a:round/>
+                      <a:headEnd type="none" w="med" len="med"/>
+                      <a:tailEnd type="none" w="med" len="med"/>
+                    </a:lnT>
+                    <a:lnB w="12700" cap="flat" cmpd="sng" algn="ctr">
+                      <a:solidFill>
+                        <a:schemeClr val="tx1"/>
+                      </a:solidFill>
+                      <a:prstDash val="solid"/>
+                      <a:round/>
+                      <a:headEnd type="none" w="med" len="med"/>
+                      <a:tailEnd type="none" w="med" len="med"/>
+                    </a:lnB>
+                    <a:solidFill>
+                      <a:schemeClr val="accent2">
+                        <a:lumMod val="60000"/>
+                        <a:lumOff val="40000"/>
+                        <a:alpha val="27000"/>
+                      </a:schemeClr>
+                    </a:solidFill>
+                  </a:tcPr>
+                </a:tc>
+                <a:tc>
+                  <a:txBody>
+                    <a:bodyPr/>
+                    <a:lstStyle/>
+                    <a:p>
+                      <a:pPr algn="ctr"/>
+                      <a:r>
+                        <a:rPr lang="es-ES" sz="1200" dirty="0"/>
+                        <a:t>98</a:t>
                       </a:r>
                     </a:p>
                   </a:txBody>
@@ -31632,10 +33418,10 @@
       </p:graphicFrame>
       <p:sp>
         <p:nvSpPr>
-          <p:cNvPr id="60" name="CuadroTexto 59">
+          <p:cNvPr id="24" name="CuadroTexto 23">
             <a:extLst>
               <a:ext uri="{FF2B5EF4-FFF2-40B4-BE49-F238E27FC236}">
-                <a16:creationId xmlns:a16="http://schemas.microsoft.com/office/drawing/2014/main" id="{F5E3D82B-B701-3E45-AC7B-123D64C4041E}"/>
+                <a16:creationId xmlns:a16="http://schemas.microsoft.com/office/drawing/2014/main" id="{D2415E7A-0471-0245-A9F9-BE4C7ED4E8B7}"/>
               </a:ext>
             </a:extLst>
           </p:cNvPr>
@@ -31644,8 +33430,64 @@
         </p:nvSpPr>
         <p:spPr>
           <a:xfrm>
-            <a:off x="5830365" y="2412221"/>
-            <a:ext cx="1456269" cy="369332"/>
+            <a:off x="4109510" y="4906399"/>
+            <a:ext cx="3585278" cy="307777"/>
+          </a:xfrm>
+          <a:prstGeom prst="rect">
+            <a:avLst/>
+          </a:prstGeom>
+          <a:noFill/>
+        </p:spPr>
+        <p:txBody>
+          <a:bodyPr wrap="square" rtlCol="0">
+            <a:spAutoFit/>
+          </a:bodyPr>
+          <a:lstStyle/>
+          <a:p>
+            <a:pPr algn="ctr"/>
+            <a:r>
+              <a:rPr lang="es-ES" sz="1400" dirty="0" err="1"/>
+              <a:t>Convolución</a:t>
+            </a:r>
+            <a:r>
+              <a:rPr lang="es-ES" sz="1400" dirty="0"/>
+              <a:t> fraccional sin </a:t>
+            </a:r>
+            <a:r>
+              <a:rPr lang="es-ES" sz="1400" dirty="0" err="1"/>
+              <a:t>padding</a:t>
+            </a:r>
+            <a:r>
+              <a:rPr lang="es-ES" sz="1400" dirty="0"/>
+              <a:t> y </a:t>
+            </a:r>
+            <a:r>
+              <a:rPr lang="es-ES" sz="1400" dirty="0" err="1"/>
+              <a:t>stride</a:t>
+            </a:r>
+            <a:r>
+              <a:rPr lang="es-ES" sz="1400" dirty="0"/>
+              <a:t> 2</a:t>
+            </a:r>
+          </a:p>
+        </p:txBody>
+      </p:sp>
+      <p:sp>
+        <p:nvSpPr>
+          <p:cNvPr id="25" name="CuadroTexto 24">
+            <a:extLst>
+              <a:ext uri="{FF2B5EF4-FFF2-40B4-BE49-F238E27FC236}">
+                <a16:creationId xmlns:a16="http://schemas.microsoft.com/office/drawing/2014/main" id="{F191C9D7-DCCA-BB48-8247-6824DF5EEDC3}"/>
+              </a:ext>
+            </a:extLst>
+          </p:cNvPr>
+          <p:cNvSpPr txBox="1"/>
+          <p:nvPr/>
+        </p:nvSpPr>
+        <p:spPr>
+          <a:xfrm>
+            <a:off x="1756979" y="90722"/>
+            <a:ext cx="1054095" cy="369332"/>
           </a:xfrm>
           <a:prstGeom prst="rect">
             <a:avLst/>
@@ -31661,34 +33503,36 @@
             <a:pPr algn="ctr"/>
             <a:r>
               <a:rPr lang="es-ES" dirty="0"/>
-              <a:t>Filtro</a:t>
+              <a:t>Original</a:t>
             </a:r>
           </a:p>
         </p:txBody>
       </p:sp>
       <p:cxnSp>
         <p:nvCxnSpPr>
-          <p:cNvPr id="66" name="Conector recto de flecha 65">
+          <p:cNvPr id="8" name="Conector recto de flecha 7">
             <a:extLst>
               <a:ext uri="{FF2B5EF4-FFF2-40B4-BE49-F238E27FC236}">
-                <a16:creationId xmlns:a16="http://schemas.microsoft.com/office/drawing/2014/main" id="{F1AD12C6-F85E-0C4D-B185-8D0A98D2CD4E}"/>
+                <a16:creationId xmlns:a16="http://schemas.microsoft.com/office/drawing/2014/main" id="{0CB56E04-47D8-0F46-A341-056C22118500}"/>
               </a:ext>
             </a:extLst>
           </p:cNvPr>
           <p:cNvCxnSpPr>
             <a:cxnSpLocks/>
+            <a:stCxn id="23" idx="3"/>
+            <a:endCxn id="16" idx="1"/>
           </p:cNvCxnSpPr>
           <p:nvPr/>
         </p:nvCxnSpPr>
         <p:spPr>
           <a:xfrm>
-            <a:off x="6544731" y="4352112"/>
-            <a:ext cx="0" cy="287866"/>
+            <a:off x="3723055" y="1826713"/>
+            <a:ext cx="4493143" cy="15487"/>
           </a:xfrm>
           <a:prstGeom prst="straightConnector1">
             <a:avLst/>
           </a:prstGeom>
-          <a:ln w="38100">
+          <a:ln>
             <a:tailEnd type="triangle"/>
           </a:ln>
         </p:spPr>
@@ -31707,181 +33551,31 @@
           </a:fontRef>
         </p:style>
       </p:cxnSp>
-      <mc:AlternateContent xmlns:mc="http://schemas.openxmlformats.org/markup-compatibility/2006">
-        <mc:Choice xmlns:a14="http://schemas.microsoft.com/office/drawing/2010/main" Requires="a14">
-          <p:sp>
-            <p:nvSpPr>
-              <p:cNvPr id="71" name="CuadroTexto 70">
-                <a:extLst>
-                  <a:ext uri="{FF2B5EF4-FFF2-40B4-BE49-F238E27FC236}">
-                    <a16:creationId xmlns:a16="http://schemas.microsoft.com/office/drawing/2014/main" id="{B4DBE806-B7B2-5842-903E-B48700E77472}"/>
-                  </a:ext>
-                </a:extLst>
-              </p:cNvPr>
-              <p:cNvSpPr txBox="1"/>
-              <p:nvPr/>
-            </p:nvSpPr>
-            <p:spPr>
-              <a:xfrm>
-                <a:off x="5332935" y="4656958"/>
-                <a:ext cx="2423592" cy="169277"/>
-              </a:xfrm>
-              <a:prstGeom prst="rect">
-                <a:avLst/>
-              </a:prstGeom>
-              <a:noFill/>
-            </p:spPr>
-            <p:txBody>
-              <a:bodyPr wrap="square" lIns="0" tIns="0" rIns="0" bIns="0" rtlCol="0">
-                <a:spAutoFit/>
-              </a:bodyPr>
-              <a:lstStyle/>
-              <a:p>
-                <a:pPr algn="ctr"/>
-                <a:r>
-                  <a:rPr lang="es-ES" sz="1100" dirty="0"/>
-                  <a:t>0 + 0 + 0 + 0 + 0 + 0 + 0 + 0 + 252 </a:t>
-                </a:r>
-                <a14:m>
-                  <m:oMath xmlns:m="http://schemas.openxmlformats.org/officeDocument/2006/math">
-                    <m:r>
-                      <a:rPr lang="es-ES" sz="1100" i="1" smtClean="0">
-                        <a:latin typeface="Cambria Math" panose="02040503050406030204" pitchFamily="18" charset="0"/>
-                      </a:rPr>
-                      <m:t>=</m:t>
-                    </m:r>
-                    <m:r>
-                      <a:rPr lang="es-ES" sz="1100" b="1" i="1" smtClean="0">
-                        <a:solidFill>
-                          <a:srgbClr val="0070C0"/>
-                        </a:solidFill>
-                        <a:latin typeface="Cambria Math" panose="02040503050406030204" pitchFamily="18" charset="0"/>
-                      </a:rPr>
-                      <m:t>𝟐</m:t>
-                    </m:r>
-                    <m:r>
-                      <a:rPr lang="es-ES" sz="1100" b="1" i="1" smtClean="0">
-                        <a:solidFill>
-                          <a:srgbClr val="0070C0"/>
-                        </a:solidFill>
-                        <a:latin typeface="Cambria Math" panose="02040503050406030204" pitchFamily="18" charset="0"/>
-                      </a:rPr>
-                      <m:t>𝟓𝟐</m:t>
-                    </m:r>
-                  </m:oMath>
-                </a14:m>
-                <a:endParaRPr lang="es-ES" sz="1100" b="1" i="1" dirty="0"/>
-              </a:p>
-            </p:txBody>
-          </p:sp>
-        </mc:Choice>
-        <mc:Fallback>
-          <p:sp>
-            <p:nvSpPr>
-              <p:cNvPr id="71" name="CuadroTexto 70">
-                <a:extLst>
-                  <a:ext uri="{FF2B5EF4-FFF2-40B4-BE49-F238E27FC236}">
-                    <a16:creationId xmlns:a16="http://schemas.microsoft.com/office/drawing/2014/main" id="{B4DBE806-B7B2-5842-903E-B48700E77472}"/>
-                  </a:ext>
-                </a:extLst>
-              </p:cNvPr>
-              <p:cNvSpPr txBox="1">
-                <a:spLocks noRot="1" noChangeAspect="1" noMove="1" noResize="1" noEditPoints="1" noAdjustHandles="1" noChangeArrowheads="1" noChangeShapeType="1" noTextEdit="1"/>
-              </p:cNvSpPr>
-              <p:nvPr/>
-            </p:nvSpPr>
-            <p:spPr>
-              <a:xfrm>
-                <a:off x="5332935" y="4656958"/>
-                <a:ext cx="2423592" cy="169277"/>
-              </a:xfrm>
-              <a:prstGeom prst="rect">
-                <a:avLst/>
-              </a:prstGeom>
-              <a:blipFill>
-                <a:blip r:embed="rId2"/>
-                <a:stretch>
-                  <a:fillRect l="-524" t="-21429" b="-42857"/>
-                </a:stretch>
-              </a:blipFill>
-            </p:spPr>
-            <p:txBody>
-              <a:bodyPr/>
-              <a:lstStyle/>
-              <a:p>
-                <a:r>
-                  <a:rPr lang="es-ES">
-                    <a:noFill/>
-                  </a:rPr>
-                  <a:t> </a:t>
-                </a:r>
-              </a:p>
-            </p:txBody>
-          </p:sp>
-        </mc:Fallback>
-      </mc:AlternateContent>
-      <p:sp>
-        <p:nvSpPr>
-          <p:cNvPr id="10" name="CuadroTexto 9">
+      <p:cxnSp>
+        <p:nvCxnSpPr>
+          <p:cNvPr id="27" name="Conector recto de flecha 26">
             <a:extLst>
               <a:ext uri="{FF2B5EF4-FFF2-40B4-BE49-F238E27FC236}">
-                <a16:creationId xmlns:a16="http://schemas.microsoft.com/office/drawing/2014/main" id="{F611FAAA-9ED1-A844-A53A-51294BD93BD0}"/>
-              </a:ext>
-            </a:extLst>
-          </p:cNvPr>
-          <p:cNvSpPr txBox="1"/>
-          <p:nvPr/>
-        </p:nvSpPr>
-        <p:spPr>
-          <a:xfrm>
-            <a:off x="8511772" y="1571067"/>
-            <a:ext cx="2180168" cy="369332"/>
-          </a:xfrm>
-          <a:prstGeom prst="rect">
-            <a:avLst/>
-          </a:prstGeom>
-          <a:noFill/>
-        </p:spPr>
-        <p:txBody>
-          <a:bodyPr wrap="square" rtlCol="0">
-            <a:spAutoFit/>
-          </a:bodyPr>
-          <a:lstStyle/>
-          <a:p>
-            <a:pPr algn="ctr"/>
-            <a:r>
-              <a:rPr lang="es-ES" dirty="0"/>
-              <a:t>Imagen aumentada</a:t>
-            </a:r>
-          </a:p>
-        </p:txBody>
-      </p:sp>
-      <p:cxnSp>
-        <p:nvCxnSpPr>
-          <p:cNvPr id="3" name="Conector angular 2">
-            <a:extLst>
-              <a:ext uri="{FF2B5EF4-FFF2-40B4-BE49-F238E27FC236}">
-                <a16:creationId xmlns:a16="http://schemas.microsoft.com/office/drawing/2014/main" id="{5ED536A3-66C0-4A43-871C-E5F2E253E796}"/>
+                <a16:creationId xmlns:a16="http://schemas.microsoft.com/office/drawing/2014/main" id="{77CE13A6-00E5-694A-9504-CC89DFE61E2E}"/>
               </a:ext>
             </a:extLst>
           </p:cNvPr>
           <p:cNvCxnSpPr>
             <a:cxnSpLocks/>
+            <a:stCxn id="11" idx="3"/>
+            <a:endCxn id="17" idx="1"/>
           </p:cNvCxnSpPr>
           <p:nvPr/>
         </p:nvCxnSpPr>
         <p:spPr>
-          <a:xfrm rot="5400000" flipH="1" flipV="1">
-            <a:off x="7090301" y="2874191"/>
-            <a:ext cx="2244738" cy="1320799"/>
+          <a:xfrm flipV="1">
+            <a:off x="3772473" y="5235894"/>
+            <a:ext cx="4259352" cy="6567"/>
           </a:xfrm>
-          <a:prstGeom prst="bentConnector3">
-            <a:avLst>
-              <a:gd name="adj1" fmla="val 50000"/>
-            </a:avLst>
+          <a:prstGeom prst="straightConnector1">
+            <a:avLst/>
           </a:prstGeom>
-          <a:ln w="41275">
-            <a:headEnd type="triangle"/>
+          <a:ln>
             <a:tailEnd type="triangle"/>
           </a:ln>
         </p:spPr>
@@ -31903,7 +33597,7 @@
     </p:spTree>
     <p:extLst>
       <p:ext uri="{BB962C8B-B14F-4D97-AF65-F5344CB8AC3E}">
-        <p14:creationId xmlns:p14="http://schemas.microsoft.com/office/powerpoint/2010/main" val="3906706521"/>
+        <p14:creationId xmlns:p14="http://schemas.microsoft.com/office/powerpoint/2010/main" val="3755493799"/>
       </p:ext>
     </p:extLst>
   </p:cSld>
